--- a/references/pdfs/adm-inputs-and-outputs.pptx
+++ b/references/pdfs/adm-inputs-and-outputs.pptx
@@ -270,7 +270,7 @@
           <a:p>
             <a:fld id="{6A2EF460-96B6-4F20-8D0A-A3002A0CC0AD}" type="datetimeFigureOut">
               <a:rPr lang="en-US" smtClean="0"/>
-              <a:t>2/6/2022</a:t>
+              <a:t>2/8/2022</a:t>
             </a:fld>
             <a:endParaRPr lang="en-US"/>
           </a:p>
@@ -468,7 +468,7 @@
           <a:p>
             <a:fld id="{6A2EF460-96B6-4F20-8D0A-A3002A0CC0AD}" type="datetimeFigureOut">
               <a:rPr lang="en-US" smtClean="0"/>
-              <a:t>2/6/2022</a:t>
+              <a:t>2/8/2022</a:t>
             </a:fld>
             <a:endParaRPr lang="en-US"/>
           </a:p>
@@ -676,7 +676,7 @@
           <a:p>
             <a:fld id="{6A2EF460-96B6-4F20-8D0A-A3002A0CC0AD}" type="datetimeFigureOut">
               <a:rPr lang="en-US" smtClean="0"/>
-              <a:t>2/6/2022</a:t>
+              <a:t>2/8/2022</a:t>
             </a:fld>
             <a:endParaRPr lang="en-US"/>
           </a:p>
@@ -874,7 +874,7 @@
           <a:p>
             <a:fld id="{6A2EF460-96B6-4F20-8D0A-A3002A0CC0AD}" type="datetimeFigureOut">
               <a:rPr lang="en-US" smtClean="0"/>
-              <a:t>2/6/2022</a:t>
+              <a:t>2/8/2022</a:t>
             </a:fld>
             <a:endParaRPr lang="en-US"/>
           </a:p>
@@ -1149,7 +1149,7 @@
           <a:p>
             <a:fld id="{6A2EF460-96B6-4F20-8D0A-A3002A0CC0AD}" type="datetimeFigureOut">
               <a:rPr lang="en-US" smtClean="0"/>
-              <a:t>2/6/2022</a:t>
+              <a:t>2/8/2022</a:t>
             </a:fld>
             <a:endParaRPr lang="en-US"/>
           </a:p>
@@ -1414,7 +1414,7 @@
           <a:p>
             <a:fld id="{6A2EF460-96B6-4F20-8D0A-A3002A0CC0AD}" type="datetimeFigureOut">
               <a:rPr lang="en-US" smtClean="0"/>
-              <a:t>2/6/2022</a:t>
+              <a:t>2/8/2022</a:t>
             </a:fld>
             <a:endParaRPr lang="en-US"/>
           </a:p>
@@ -1826,7 +1826,7 @@
           <a:p>
             <a:fld id="{6A2EF460-96B6-4F20-8D0A-A3002A0CC0AD}" type="datetimeFigureOut">
               <a:rPr lang="en-US" smtClean="0"/>
-              <a:t>2/6/2022</a:t>
+              <a:t>2/8/2022</a:t>
             </a:fld>
             <a:endParaRPr lang="en-US"/>
           </a:p>
@@ -1967,7 +1967,7 @@
           <a:p>
             <a:fld id="{6A2EF460-96B6-4F20-8D0A-A3002A0CC0AD}" type="datetimeFigureOut">
               <a:rPr lang="en-US" smtClean="0"/>
-              <a:t>2/6/2022</a:t>
+              <a:t>2/8/2022</a:t>
             </a:fld>
             <a:endParaRPr lang="en-US"/>
           </a:p>
@@ -2080,7 +2080,7 @@
           <a:p>
             <a:fld id="{6A2EF460-96B6-4F20-8D0A-A3002A0CC0AD}" type="datetimeFigureOut">
               <a:rPr lang="en-US" smtClean="0"/>
-              <a:t>2/6/2022</a:t>
+              <a:t>2/8/2022</a:t>
             </a:fld>
             <a:endParaRPr lang="en-US"/>
           </a:p>
@@ -2391,7 +2391,7 @@
           <a:p>
             <a:fld id="{6A2EF460-96B6-4F20-8D0A-A3002A0CC0AD}" type="datetimeFigureOut">
               <a:rPr lang="en-US" smtClean="0"/>
-              <a:t>2/6/2022</a:t>
+              <a:t>2/8/2022</a:t>
             </a:fld>
             <a:endParaRPr lang="en-US"/>
           </a:p>
@@ -2679,7 +2679,7 @@
           <a:p>
             <a:fld id="{6A2EF460-96B6-4F20-8D0A-A3002A0CC0AD}" type="datetimeFigureOut">
               <a:rPr lang="en-US" smtClean="0"/>
-              <a:t>2/6/2022</a:t>
+              <a:t>2/8/2022</a:t>
             </a:fld>
             <a:endParaRPr lang="en-US"/>
           </a:p>
@@ -2920,7 +2920,7 @@
           <a:p>
             <a:fld id="{6A2EF460-96B6-4F20-8D0A-A3002A0CC0AD}" type="datetimeFigureOut">
               <a:rPr lang="en-US" smtClean="0"/>
-              <a:t>2/6/2022</a:t>
+              <a:t>2/8/2022</a:t>
             </a:fld>
             <a:endParaRPr lang="en-US"/>
           </a:p>
@@ -3352,7 +3352,7 @@
           <p:nvPr>
             <p:extLst>
               <p:ext uri="{D42A27DB-BD31-4B8C-83A1-F6EECF244321}">
-                <p14:modId xmlns:p14="http://schemas.microsoft.com/office/powerpoint/2010/main" val="1186133059"/>
+                <p14:modId xmlns:p14="http://schemas.microsoft.com/office/powerpoint/2010/main" val="3676484461"/>
               </p:ext>
             </p:extLst>
           </p:nvPr>
@@ -8198,7 +8198,9 @@
                       <a:r>
                         <a:rPr lang="en-US" sz="1000" b="0" dirty="0">
                           <a:solidFill>
-                            <a:schemeClr val="tx1"/>
+                            <a:schemeClr val="accent1">
+                              <a:lumMod val="75000"/>
+                            </a:schemeClr>
                           </a:solidFill>
                         </a:rPr>
                         <a:t>Tailored Architecture Framework</a:t>
@@ -8212,7 +8214,7 @@
                       <a:r>
                         <a:rPr lang="en-US" sz="1000" b="0" dirty="0">
                           <a:solidFill>
-                            <a:schemeClr val="tx1"/>
+                            <a:srgbClr val="C00000"/>
                           </a:solidFill>
                         </a:rPr>
                         <a:t>Request for Architecture Work </a:t>
@@ -8258,7 +8260,9 @@
                       <a:r>
                         <a:rPr lang="en-US" sz="1000" b="0" dirty="0">
                           <a:solidFill>
-                            <a:schemeClr val="tx1"/>
+                            <a:schemeClr val="accent2">
+                              <a:lumMod val="75000"/>
+                            </a:schemeClr>
                           </a:solidFill>
                         </a:rPr>
                         <a:t>Architecture Vision</a:t>
@@ -8272,7 +8276,7 @@
                       <a:r>
                         <a:rPr lang="en-US" sz="1000" b="0" dirty="0">
                           <a:solidFill>
-                            <a:schemeClr val="tx1"/>
+                            <a:srgbClr val="002060"/>
                           </a:solidFill>
                         </a:rPr>
                         <a:t>Approved Statement of Architecture Work </a:t>
@@ -8326,7 +8330,9 @@
                       <a:r>
                         <a:rPr lang="en-US" sz="1000" b="0" dirty="0">
                           <a:solidFill>
-                            <a:schemeClr val="tx1"/>
+                            <a:schemeClr val="accent1">
+                              <a:lumMod val="75000"/>
+                            </a:schemeClr>
                           </a:solidFill>
                         </a:rPr>
                         <a:t>Tailored Architecture Framework </a:t>
@@ -8368,7 +8374,7 @@
                       <a:r>
                         <a:rPr lang="en-US" sz="1000" b="0" dirty="0">
                           <a:solidFill>
-                            <a:schemeClr val="tx1"/>
+                            <a:srgbClr val="7030A0"/>
                           </a:solidFill>
                         </a:rPr>
                         <a:t>Capability Assessment</a:t>
@@ -8402,11 +8408,136 @@
                       <a:r>
                         <a:rPr lang="en-US" sz="1000" b="0" dirty="0">
                           <a:solidFill>
-                            <a:schemeClr val="tx1"/>
+                            <a:schemeClr val="accent2">
+                              <a:lumMod val="75000"/>
+                            </a:schemeClr>
                           </a:solidFill>
                         </a:rPr>
                         <a:t>Refined Architecture Vision</a:t>
                       </a:r>
+                      <a:endParaRPr lang="en-US" sz="1000" b="0" kern="1200" dirty="0">
+                        <a:solidFill>
+                          <a:schemeClr val="accent2">
+                            <a:lumMod val="75000"/>
+                          </a:schemeClr>
+                        </a:solidFill>
+                        <a:latin typeface="+mn-lt"/>
+                        <a:ea typeface="+mn-ea"/>
+                        <a:cs typeface="+mn-cs"/>
+                      </a:endParaRPr>
+                    </a:p>
+                    <a:p>
+                      <a:pPr marL="171450" marR="0" lvl="0" indent="-171450" algn="l" defTabSz="914400" rtl="0" eaLnBrk="1" fontAlgn="auto" latinLnBrk="0" hangingPunct="1">
+                        <a:lnSpc>
+                          <a:spcPct val="100000"/>
+                        </a:lnSpc>
+                        <a:spcBef>
+                          <a:spcPts val="0"/>
+                        </a:spcBef>
+                        <a:spcAft>
+                          <a:spcPts val="0"/>
+                        </a:spcAft>
+                        <a:buClrTx/>
+                        <a:buSzTx/>
+                        <a:buFont typeface="Arial" panose="020B0604020202020204" pitchFamily="34" charset="0"/>
+                        <a:buChar char="•"/>
+                        <a:tabLst/>
+                        <a:defRPr/>
+                      </a:pPr>
+                      <a:r>
+                        <a:rPr lang="en-US" sz="1000" b="0" kern="1200" dirty="0">
+                          <a:solidFill>
+                            <a:schemeClr val="accent6">
+                              <a:lumMod val="50000"/>
+                            </a:schemeClr>
+                          </a:solidFill>
+                          <a:latin typeface="+mn-lt"/>
+                          <a:ea typeface="+mn-ea"/>
+                          <a:cs typeface="+mn-cs"/>
+                        </a:rPr>
+                        <a:t>Draft Architecture Definition Document</a:t>
+                      </a:r>
+                    </a:p>
+                    <a:p>
+                      <a:pPr marL="171450" marR="0" lvl="0" indent="-171450" algn="l" defTabSz="914400" rtl="0" eaLnBrk="1" fontAlgn="auto" latinLnBrk="0" hangingPunct="1">
+                        <a:lnSpc>
+                          <a:spcPct val="100000"/>
+                        </a:lnSpc>
+                        <a:spcBef>
+                          <a:spcPts val="0"/>
+                        </a:spcBef>
+                        <a:spcAft>
+                          <a:spcPts val="0"/>
+                        </a:spcAft>
+                        <a:buClrTx/>
+                        <a:buSzTx/>
+                        <a:buFont typeface="Arial" panose="020B0604020202020204" pitchFamily="34" charset="0"/>
+                        <a:buChar char="•"/>
+                        <a:tabLst/>
+                        <a:defRPr/>
+                      </a:pPr>
+                      <a:r>
+                        <a:rPr lang="en-US" sz="1000" b="0" kern="1200" dirty="0">
+                          <a:solidFill>
+                            <a:srgbClr val="00B0F0"/>
+                          </a:solidFill>
+                          <a:latin typeface="+mn-lt"/>
+                          <a:ea typeface="+mn-ea"/>
+                          <a:cs typeface="+mn-cs"/>
+                        </a:rPr>
+                        <a:t>Draft Architecture Requirements Specification</a:t>
+                      </a:r>
+                    </a:p>
+                    <a:p>
+                      <a:pPr marL="171450" marR="0" lvl="0" indent="-171450" algn="l" defTabSz="914400" rtl="0" eaLnBrk="1" fontAlgn="auto" latinLnBrk="0" hangingPunct="1">
+                        <a:lnSpc>
+                          <a:spcPct val="100000"/>
+                        </a:lnSpc>
+                        <a:spcBef>
+                          <a:spcPts val="0"/>
+                        </a:spcBef>
+                        <a:spcAft>
+                          <a:spcPts val="0"/>
+                        </a:spcAft>
+                        <a:buClrTx/>
+                        <a:buSzTx/>
+                        <a:buFont typeface="Arial" panose="020B0604020202020204" pitchFamily="34" charset="0"/>
+                        <a:buChar char="•"/>
+                        <a:tabLst/>
+                        <a:defRPr/>
+                      </a:pPr>
+                      <a:r>
+                        <a:rPr lang="en-US" sz="1000" b="0" kern="1200" dirty="0">
+                          <a:solidFill>
+                            <a:schemeClr val="accent4">
+                              <a:lumMod val="75000"/>
+                            </a:schemeClr>
+                          </a:solidFill>
+                          <a:latin typeface="+mn-lt"/>
+                          <a:ea typeface="+mn-ea"/>
+                          <a:cs typeface="+mn-cs"/>
+                        </a:rPr>
+                        <a:t>Business architecture component of Architecture Roadmap</a:t>
+                      </a:r>
+                    </a:p>
+                    <a:p>
+                      <a:pPr marL="0" marR="0" lvl="0" indent="0" algn="l" defTabSz="914400" rtl="0" eaLnBrk="1" fontAlgn="auto" latinLnBrk="0" hangingPunct="1">
+                        <a:lnSpc>
+                          <a:spcPct val="100000"/>
+                        </a:lnSpc>
+                        <a:spcBef>
+                          <a:spcPts val="0"/>
+                        </a:spcBef>
+                        <a:spcAft>
+                          <a:spcPts val="0"/>
+                        </a:spcAft>
+                        <a:buClrTx/>
+                        <a:buSzTx/>
+                        <a:buFont typeface="Arial" panose="020B0604020202020204" pitchFamily="34" charset="0"/>
+                        <a:buNone/>
+                        <a:tabLst/>
+                        <a:defRPr/>
+                      </a:pPr>
                       <a:endParaRPr lang="en-US" sz="1000" b="0" kern="1200" dirty="0">
                         <a:solidFill>
                           <a:schemeClr val="tx1"/>
@@ -8417,27 +8548,82 @@
                       </a:endParaRPr>
                     </a:p>
                     <a:p>
-                      <a:pPr marL="171450" marR="0" lvl="0" indent="-171450" algn="l" defTabSz="914400" rtl="0" eaLnBrk="1" fontAlgn="auto" latinLnBrk="0" hangingPunct="1">
-                        <a:lnSpc>
-                          <a:spcPct val="100000"/>
-                        </a:lnSpc>
-                        <a:spcBef>
-                          <a:spcPts val="0"/>
-                        </a:spcBef>
-                        <a:spcAft>
-                          <a:spcPts val="0"/>
-                        </a:spcAft>
-                        <a:buClrTx/>
-                        <a:buSzTx/>
-                        <a:buFont typeface="Arial" panose="020B0604020202020204" pitchFamily="34" charset="0"/>
-                        <a:buChar char="•"/>
-                        <a:tabLst/>
-                        <a:defRPr/>
-                      </a:pPr>
-                      <a:r>
-                        <a:rPr lang="en-US" sz="1000" b="0" kern="1200" dirty="0">
-                          <a:solidFill>
-                            <a:schemeClr val="tx1"/>
+                      <a:endParaRPr lang="en-US" sz="1000" b="0" dirty="0">
+                        <a:solidFill>
+                          <a:schemeClr val="tx1"/>
+                        </a:solidFill>
+                      </a:endParaRPr>
+                    </a:p>
+                  </a:txBody>
+                  <a:tcPr/>
+                </a:tc>
+                <a:tc>
+                  <a:txBody>
+                    <a:bodyPr/>
+                    <a:lstStyle/>
+                    <a:p>
+                      <a:pPr marL="171450" marR="0" lvl="0" indent="-171450" algn="l" defTabSz="914400" rtl="0" eaLnBrk="1" fontAlgn="auto" latinLnBrk="0" hangingPunct="1">
+                        <a:lnSpc>
+                          <a:spcPct val="100000"/>
+                        </a:lnSpc>
+                        <a:spcBef>
+                          <a:spcPts val="0"/>
+                        </a:spcBef>
+                        <a:spcAft>
+                          <a:spcPts val="0"/>
+                        </a:spcAft>
+                        <a:buClrTx/>
+                        <a:buSzTx/>
+                        <a:buFont typeface="Arial" panose="020B0604020202020204" pitchFamily="34" charset="0"/>
+                        <a:buChar char="•"/>
+                        <a:tabLst/>
+                        <a:defRPr/>
+                      </a:pPr>
+                      <a:r>
+                        <a:rPr lang="en-US" sz="1000" b="0" dirty="0">
+                          <a:solidFill>
+                            <a:schemeClr val="accent2">
+                              <a:lumMod val="75000"/>
+                            </a:schemeClr>
+                          </a:solidFill>
+                        </a:rPr>
+                        <a:t>Refined Architecture Vision</a:t>
+                      </a:r>
+                      <a:endParaRPr lang="en-US" sz="1000" b="0" kern="1200" dirty="0">
+                        <a:solidFill>
+                          <a:schemeClr val="accent2">
+                            <a:lumMod val="75000"/>
+                          </a:schemeClr>
+                        </a:solidFill>
+                        <a:latin typeface="+mn-lt"/>
+                        <a:ea typeface="+mn-ea"/>
+                        <a:cs typeface="+mn-cs"/>
+                      </a:endParaRPr>
+                    </a:p>
+                    <a:p>
+                      <a:pPr marL="171450" marR="0" lvl="0" indent="-171450" algn="l" defTabSz="914400" rtl="0" eaLnBrk="1" fontAlgn="auto" latinLnBrk="0" hangingPunct="1">
+                        <a:lnSpc>
+                          <a:spcPct val="100000"/>
+                        </a:lnSpc>
+                        <a:spcBef>
+                          <a:spcPts val="0"/>
+                        </a:spcBef>
+                        <a:spcAft>
+                          <a:spcPts val="0"/>
+                        </a:spcAft>
+                        <a:buClrTx/>
+                        <a:buSzTx/>
+                        <a:buFont typeface="Arial" panose="020B0604020202020204" pitchFamily="34" charset="0"/>
+                        <a:buChar char="•"/>
+                        <a:tabLst/>
+                        <a:defRPr/>
+                      </a:pPr>
+                      <a:r>
+                        <a:rPr lang="en-US" sz="1000" b="0" kern="1200" dirty="0">
+                          <a:solidFill>
+                            <a:schemeClr val="accent6">
+                              <a:lumMod val="50000"/>
+                            </a:schemeClr>
                           </a:solidFill>
                           <a:latin typeface="+mn-lt"/>
                           <a:ea typeface="+mn-ea"/>
@@ -8467,7 +8653,7 @@
                       <a:r>
                         <a:rPr lang="en-US" sz="1000" b="0" kern="1200" dirty="0">
                           <a:solidFill>
-                            <a:schemeClr val="tx1"/>
+                            <a:srgbClr val="00B0F0"/>
                           </a:solidFill>
                           <a:latin typeface="+mn-lt"/>
                           <a:ea typeface="+mn-ea"/>
@@ -8497,13 +8683,15 @@
                       <a:r>
                         <a:rPr lang="en-US" sz="1000" b="0" kern="1200" dirty="0">
                           <a:solidFill>
-                            <a:schemeClr val="tx1"/>
-                          </a:solidFill>
-                          <a:latin typeface="+mn-lt"/>
-                          <a:ea typeface="+mn-ea"/>
-                          <a:cs typeface="+mn-cs"/>
-                        </a:rPr>
-                        <a:t>Business architecture component of Architecture Roadmap</a:t>
+                            <a:schemeClr val="accent4">
+                              <a:lumMod val="75000"/>
+                            </a:schemeClr>
+                          </a:solidFill>
+                          <a:latin typeface="+mn-lt"/>
+                          <a:ea typeface="+mn-ea"/>
+                          <a:cs typeface="+mn-cs"/>
+                        </a:rPr>
+                        <a:t>Data architecture component of Architecture Roadmap</a:t>
                       </a:r>
                     </a:p>
                     <a:p>
@@ -8533,13 +8721,6 @@
                         <a:cs typeface="+mn-cs"/>
                       </a:endParaRPr>
                     </a:p>
-                    <a:p>
-                      <a:endParaRPr lang="en-US" sz="1000" b="0" dirty="0">
-                        <a:solidFill>
-                          <a:schemeClr val="tx1"/>
-                        </a:solidFill>
-                      </a:endParaRPr>
-                    </a:p>
                   </a:txBody>
                   <a:tcPr/>
                 </a:tc>
@@ -8568,10 +8749,939 @@
                       <a:r>
                         <a:rPr lang="en-US" sz="1000" b="0" dirty="0">
                           <a:solidFill>
-                            <a:schemeClr val="tx1"/>
+                            <a:schemeClr val="accent2">
+                              <a:lumMod val="75000"/>
+                            </a:schemeClr>
                           </a:solidFill>
                         </a:rPr>
                         <a:t>Refined Architecture Vision</a:t>
+                      </a:r>
+                      <a:endParaRPr lang="en-US" sz="1000" b="0" kern="1200" dirty="0">
+                        <a:solidFill>
+                          <a:schemeClr val="accent2">
+                            <a:lumMod val="75000"/>
+                          </a:schemeClr>
+                        </a:solidFill>
+                        <a:latin typeface="+mn-lt"/>
+                        <a:ea typeface="+mn-ea"/>
+                        <a:cs typeface="+mn-cs"/>
+                      </a:endParaRPr>
+                    </a:p>
+                    <a:p>
+                      <a:pPr marL="171450" marR="0" lvl="0" indent="-171450" algn="l" defTabSz="914400" rtl="0" eaLnBrk="1" fontAlgn="auto" latinLnBrk="0" hangingPunct="1">
+                        <a:lnSpc>
+                          <a:spcPct val="100000"/>
+                        </a:lnSpc>
+                        <a:spcBef>
+                          <a:spcPts val="0"/>
+                        </a:spcBef>
+                        <a:spcAft>
+                          <a:spcPts val="0"/>
+                        </a:spcAft>
+                        <a:buClrTx/>
+                        <a:buSzTx/>
+                        <a:buFont typeface="Arial" panose="020B0604020202020204" pitchFamily="34" charset="0"/>
+                        <a:buChar char="•"/>
+                        <a:tabLst/>
+                        <a:defRPr/>
+                      </a:pPr>
+                      <a:r>
+                        <a:rPr lang="en-US" sz="1000" b="0" kern="1200" dirty="0">
+                          <a:solidFill>
+                            <a:schemeClr val="accent6">
+                              <a:lumMod val="50000"/>
+                            </a:schemeClr>
+                          </a:solidFill>
+                          <a:latin typeface="+mn-lt"/>
+                          <a:ea typeface="+mn-ea"/>
+                          <a:cs typeface="+mn-cs"/>
+                        </a:rPr>
+                        <a:t>Draft Architecture Definition Document</a:t>
+                      </a:r>
+                    </a:p>
+                    <a:p>
+                      <a:pPr marL="171450" marR="0" lvl="0" indent="-171450" algn="l" defTabSz="914400" rtl="0" eaLnBrk="1" fontAlgn="auto" latinLnBrk="0" hangingPunct="1">
+                        <a:lnSpc>
+                          <a:spcPct val="100000"/>
+                        </a:lnSpc>
+                        <a:spcBef>
+                          <a:spcPts val="0"/>
+                        </a:spcBef>
+                        <a:spcAft>
+                          <a:spcPts val="0"/>
+                        </a:spcAft>
+                        <a:buClrTx/>
+                        <a:buSzTx/>
+                        <a:buFont typeface="Arial" panose="020B0604020202020204" pitchFamily="34" charset="0"/>
+                        <a:buChar char="•"/>
+                        <a:tabLst/>
+                        <a:defRPr/>
+                      </a:pPr>
+                      <a:r>
+                        <a:rPr lang="en-US" sz="1000" b="0" kern="1200" dirty="0">
+                          <a:solidFill>
+                            <a:srgbClr val="00B0F0"/>
+                          </a:solidFill>
+                          <a:latin typeface="+mn-lt"/>
+                          <a:ea typeface="+mn-ea"/>
+                          <a:cs typeface="+mn-cs"/>
+                        </a:rPr>
+                        <a:t>Draft Architecture Requirements Specification</a:t>
+                      </a:r>
+                    </a:p>
+                    <a:p>
+                      <a:pPr marL="171450" marR="0" lvl="0" indent="-171450" algn="l" defTabSz="914400" rtl="0" eaLnBrk="1" fontAlgn="auto" latinLnBrk="0" hangingPunct="1">
+                        <a:lnSpc>
+                          <a:spcPct val="100000"/>
+                        </a:lnSpc>
+                        <a:spcBef>
+                          <a:spcPts val="0"/>
+                        </a:spcBef>
+                        <a:spcAft>
+                          <a:spcPts val="0"/>
+                        </a:spcAft>
+                        <a:buClrTx/>
+                        <a:buSzTx/>
+                        <a:buFont typeface="Arial" panose="020B0604020202020204" pitchFamily="34" charset="0"/>
+                        <a:buChar char="•"/>
+                        <a:tabLst/>
+                        <a:defRPr/>
+                      </a:pPr>
+                      <a:r>
+                        <a:rPr lang="en-US" sz="1000" b="0" kern="1200" dirty="0">
+                          <a:solidFill>
+                            <a:schemeClr val="accent4">
+                              <a:lumMod val="75000"/>
+                            </a:schemeClr>
+                          </a:solidFill>
+                          <a:latin typeface="+mn-lt"/>
+                          <a:ea typeface="+mn-ea"/>
+                          <a:cs typeface="+mn-cs"/>
+                        </a:rPr>
+                        <a:t>Application architecture component of Architecture Roadmap</a:t>
+                      </a:r>
+                    </a:p>
+                  </a:txBody>
+                  <a:tcPr/>
+                </a:tc>
+                <a:tc>
+                  <a:txBody>
+                    <a:bodyPr/>
+                    <a:lstStyle/>
+                    <a:p>
+                      <a:pPr marL="171450" marR="0" lvl="0" indent="-171450" algn="l" defTabSz="914400" rtl="0" eaLnBrk="1" fontAlgn="auto" latinLnBrk="0" hangingPunct="1">
+                        <a:lnSpc>
+                          <a:spcPct val="100000"/>
+                        </a:lnSpc>
+                        <a:spcBef>
+                          <a:spcPts val="0"/>
+                        </a:spcBef>
+                        <a:spcAft>
+                          <a:spcPts val="0"/>
+                        </a:spcAft>
+                        <a:buClrTx/>
+                        <a:buSzTx/>
+                        <a:buFont typeface="Arial" panose="020B0604020202020204" pitchFamily="34" charset="0"/>
+                        <a:buChar char="•"/>
+                        <a:tabLst/>
+                        <a:defRPr/>
+                      </a:pPr>
+                      <a:r>
+                        <a:rPr lang="en-US" sz="1000" b="0" dirty="0">
+                          <a:solidFill>
+                            <a:schemeClr val="accent2">
+                              <a:lumMod val="75000"/>
+                            </a:schemeClr>
+                          </a:solidFill>
+                        </a:rPr>
+                        <a:t>Refined Architecture Vision</a:t>
+                      </a:r>
+                      <a:endParaRPr lang="en-US" sz="1000" b="0" kern="1200" dirty="0">
+                        <a:solidFill>
+                          <a:schemeClr val="accent2">
+                            <a:lumMod val="75000"/>
+                          </a:schemeClr>
+                        </a:solidFill>
+                        <a:latin typeface="+mn-lt"/>
+                        <a:ea typeface="+mn-ea"/>
+                        <a:cs typeface="+mn-cs"/>
+                      </a:endParaRPr>
+                    </a:p>
+                    <a:p>
+                      <a:pPr marL="171450" marR="0" lvl="0" indent="-171450" algn="l" defTabSz="914400" rtl="0" eaLnBrk="1" fontAlgn="auto" latinLnBrk="0" hangingPunct="1">
+                        <a:lnSpc>
+                          <a:spcPct val="100000"/>
+                        </a:lnSpc>
+                        <a:spcBef>
+                          <a:spcPts val="0"/>
+                        </a:spcBef>
+                        <a:spcAft>
+                          <a:spcPts val="0"/>
+                        </a:spcAft>
+                        <a:buClrTx/>
+                        <a:buSzTx/>
+                        <a:buFont typeface="Arial" panose="020B0604020202020204" pitchFamily="34" charset="0"/>
+                        <a:buChar char="•"/>
+                        <a:tabLst/>
+                        <a:defRPr/>
+                      </a:pPr>
+                      <a:r>
+                        <a:rPr lang="en-US" sz="1000" b="0" kern="1200" dirty="0">
+                          <a:solidFill>
+                            <a:schemeClr val="accent6">
+                              <a:lumMod val="50000"/>
+                            </a:schemeClr>
+                          </a:solidFill>
+                          <a:latin typeface="+mn-lt"/>
+                          <a:ea typeface="+mn-ea"/>
+                          <a:cs typeface="+mn-cs"/>
+                        </a:rPr>
+                        <a:t>Draft Architecture Definition Document</a:t>
+                      </a:r>
+                    </a:p>
+                    <a:p>
+                      <a:pPr marL="171450" marR="0" lvl="0" indent="-171450" algn="l" defTabSz="914400" rtl="0" eaLnBrk="1" fontAlgn="auto" latinLnBrk="0" hangingPunct="1">
+                        <a:lnSpc>
+                          <a:spcPct val="100000"/>
+                        </a:lnSpc>
+                        <a:spcBef>
+                          <a:spcPts val="0"/>
+                        </a:spcBef>
+                        <a:spcAft>
+                          <a:spcPts val="0"/>
+                        </a:spcAft>
+                        <a:buClrTx/>
+                        <a:buSzTx/>
+                        <a:buFont typeface="Arial" panose="020B0604020202020204" pitchFamily="34" charset="0"/>
+                        <a:buChar char="•"/>
+                        <a:tabLst/>
+                        <a:defRPr/>
+                      </a:pPr>
+                      <a:r>
+                        <a:rPr lang="en-US" sz="1000" b="0" kern="1200" dirty="0">
+                          <a:solidFill>
+                            <a:srgbClr val="00B0F0"/>
+                          </a:solidFill>
+                          <a:latin typeface="+mn-lt"/>
+                          <a:ea typeface="+mn-ea"/>
+                          <a:cs typeface="+mn-cs"/>
+                        </a:rPr>
+                        <a:t>Draft Architecture Requirements Specification</a:t>
+                      </a:r>
+                    </a:p>
+                    <a:p>
+                      <a:pPr marL="171450" marR="0" lvl="0" indent="-171450" algn="l" defTabSz="914400" rtl="0" eaLnBrk="1" fontAlgn="auto" latinLnBrk="0" hangingPunct="1">
+                        <a:lnSpc>
+                          <a:spcPct val="100000"/>
+                        </a:lnSpc>
+                        <a:spcBef>
+                          <a:spcPts val="0"/>
+                        </a:spcBef>
+                        <a:spcAft>
+                          <a:spcPts val="0"/>
+                        </a:spcAft>
+                        <a:buClrTx/>
+                        <a:buSzTx/>
+                        <a:buFont typeface="Arial" panose="020B0604020202020204" pitchFamily="34" charset="0"/>
+                        <a:buChar char="•"/>
+                        <a:tabLst/>
+                        <a:defRPr/>
+                      </a:pPr>
+                      <a:r>
+                        <a:rPr lang="en-US" sz="1000" b="0" kern="1200" dirty="0">
+                          <a:solidFill>
+                            <a:schemeClr val="accent4">
+                              <a:lumMod val="75000"/>
+                            </a:schemeClr>
+                          </a:solidFill>
+                          <a:latin typeface="+mn-lt"/>
+                          <a:ea typeface="+mn-ea"/>
+                          <a:cs typeface="+mn-cs"/>
+                        </a:rPr>
+                        <a:t>Technology architecture component of Architecture Roadmap</a:t>
+                      </a:r>
+                    </a:p>
+                  </a:txBody>
+                  <a:tcPr/>
+                </a:tc>
+                <a:tc>
+                  <a:txBody>
+                    <a:bodyPr/>
+                    <a:lstStyle/>
+                    <a:p>
+                      <a:pPr marL="171450" marR="0" lvl="0" indent="-171450" algn="l" defTabSz="914400" rtl="0" eaLnBrk="1" fontAlgn="auto" latinLnBrk="0" hangingPunct="1">
+                        <a:lnSpc>
+                          <a:spcPct val="100000"/>
+                        </a:lnSpc>
+                        <a:spcBef>
+                          <a:spcPts val="0"/>
+                        </a:spcBef>
+                        <a:spcAft>
+                          <a:spcPts val="0"/>
+                        </a:spcAft>
+                        <a:buClrTx/>
+                        <a:buSzTx/>
+                        <a:buFont typeface="Arial" panose="020B0604020202020204" pitchFamily="34" charset="0"/>
+                        <a:buChar char="•"/>
+                        <a:tabLst/>
+                        <a:defRPr/>
+                      </a:pPr>
+                      <a:r>
+                        <a:rPr lang="en-US" sz="1000" b="0" dirty="0">
+                          <a:solidFill>
+                            <a:schemeClr val="accent2">
+                              <a:lumMod val="75000"/>
+                            </a:schemeClr>
+                          </a:solidFill>
+                        </a:rPr>
+                        <a:t>Refined Architecture Vision</a:t>
+                      </a:r>
+                      <a:endParaRPr lang="en-US" sz="1000" b="0" kern="1200" dirty="0">
+                        <a:solidFill>
+                          <a:schemeClr val="accent2">
+                            <a:lumMod val="75000"/>
+                          </a:schemeClr>
+                        </a:solidFill>
+                        <a:latin typeface="+mn-lt"/>
+                        <a:ea typeface="+mn-ea"/>
+                        <a:cs typeface="+mn-cs"/>
+                      </a:endParaRPr>
+                    </a:p>
+                    <a:p>
+                      <a:pPr marL="171450" marR="0" lvl="0" indent="-171450" algn="l" defTabSz="914400" rtl="0" eaLnBrk="1" fontAlgn="auto" latinLnBrk="0" hangingPunct="1">
+                        <a:lnSpc>
+                          <a:spcPct val="100000"/>
+                        </a:lnSpc>
+                        <a:spcBef>
+                          <a:spcPts val="0"/>
+                        </a:spcBef>
+                        <a:spcAft>
+                          <a:spcPts val="0"/>
+                        </a:spcAft>
+                        <a:buClrTx/>
+                        <a:buSzTx/>
+                        <a:buFont typeface="Arial" panose="020B0604020202020204" pitchFamily="34" charset="0"/>
+                        <a:buChar char="•"/>
+                        <a:tabLst/>
+                        <a:defRPr/>
+                      </a:pPr>
+                      <a:r>
+                        <a:rPr lang="en-US" sz="1000" b="0" kern="1200" dirty="0">
+                          <a:solidFill>
+                            <a:schemeClr val="accent6">
+                              <a:lumMod val="50000"/>
+                            </a:schemeClr>
+                          </a:solidFill>
+                          <a:latin typeface="+mn-lt"/>
+                          <a:ea typeface="+mn-ea"/>
+                          <a:cs typeface="+mn-cs"/>
+                        </a:rPr>
+                        <a:t>Draft Architecture Definition Document</a:t>
+                      </a:r>
+                    </a:p>
+                    <a:p>
+                      <a:pPr marL="171450" marR="0" lvl="0" indent="-171450" algn="l" defTabSz="914400" rtl="0" eaLnBrk="1" fontAlgn="auto" latinLnBrk="0" hangingPunct="1">
+                        <a:lnSpc>
+                          <a:spcPct val="100000"/>
+                        </a:lnSpc>
+                        <a:spcBef>
+                          <a:spcPts val="0"/>
+                        </a:spcBef>
+                        <a:spcAft>
+                          <a:spcPts val="0"/>
+                        </a:spcAft>
+                        <a:buClrTx/>
+                        <a:buSzTx/>
+                        <a:buFont typeface="Arial" panose="020B0604020202020204" pitchFamily="34" charset="0"/>
+                        <a:buChar char="•"/>
+                        <a:tabLst/>
+                        <a:defRPr/>
+                      </a:pPr>
+                      <a:r>
+                        <a:rPr lang="en-US" sz="1000" b="0" kern="1200" dirty="0">
+                          <a:solidFill>
+                            <a:srgbClr val="00B0F0"/>
+                          </a:solidFill>
+                          <a:latin typeface="+mn-lt"/>
+                          <a:ea typeface="+mn-ea"/>
+                          <a:cs typeface="+mn-cs"/>
+                        </a:rPr>
+                        <a:t>Draft Architecture Requirements Specification</a:t>
+                      </a:r>
+                    </a:p>
+                    <a:p>
+                      <a:pPr marL="171450" marR="0" lvl="0" indent="-171450" algn="l" defTabSz="914400" rtl="0" eaLnBrk="1" fontAlgn="auto" latinLnBrk="0" hangingPunct="1">
+                        <a:lnSpc>
+                          <a:spcPct val="100000"/>
+                        </a:lnSpc>
+                        <a:spcBef>
+                          <a:spcPts val="0"/>
+                        </a:spcBef>
+                        <a:spcAft>
+                          <a:spcPts val="0"/>
+                        </a:spcAft>
+                        <a:buClrTx/>
+                        <a:buSzTx/>
+                        <a:buFont typeface="Arial" panose="020B0604020202020204" pitchFamily="34" charset="0"/>
+                        <a:buChar char="•"/>
+                        <a:tabLst/>
+                        <a:defRPr/>
+                      </a:pPr>
+                      <a:r>
+                        <a:rPr lang="en-US" sz="1000" b="0" kern="1200" dirty="0">
+                          <a:solidFill>
+                            <a:srgbClr val="7030A0"/>
+                          </a:solidFill>
+                          <a:latin typeface="+mn-lt"/>
+                          <a:ea typeface="+mn-ea"/>
+                          <a:cs typeface="+mn-cs"/>
+                        </a:rPr>
+                        <a:t>Capability assessment</a:t>
+                      </a:r>
+                    </a:p>
+                    <a:p>
+                      <a:pPr marL="171450" marR="0" lvl="0" indent="-171450" algn="l" defTabSz="914400" rtl="0" eaLnBrk="1" fontAlgn="auto" latinLnBrk="0" hangingPunct="1">
+                        <a:lnSpc>
+                          <a:spcPct val="100000"/>
+                        </a:lnSpc>
+                        <a:spcBef>
+                          <a:spcPts val="0"/>
+                        </a:spcBef>
+                        <a:spcAft>
+                          <a:spcPts val="0"/>
+                        </a:spcAft>
+                        <a:buClrTx/>
+                        <a:buSzTx/>
+                        <a:buFont typeface="Arial" panose="020B0604020202020204" pitchFamily="34" charset="0"/>
+                        <a:buChar char="•"/>
+                        <a:tabLst/>
+                        <a:defRPr/>
+                      </a:pPr>
+                      <a:r>
+                        <a:rPr lang="en-US" sz="1000" b="0" kern="1200" dirty="0">
+                          <a:solidFill>
+                            <a:schemeClr val="accent4">
+                              <a:lumMod val="75000"/>
+                            </a:schemeClr>
+                          </a:solidFill>
+                          <a:latin typeface="+mn-lt"/>
+                          <a:ea typeface="+mn-ea"/>
+                          <a:cs typeface="+mn-cs"/>
+                        </a:rPr>
+                        <a:t>Architecture Roadmap</a:t>
+                      </a:r>
+                    </a:p>
+                    <a:p>
+                      <a:pPr marL="171450" marR="0" lvl="0" indent="-171450" algn="l" defTabSz="914400" rtl="0" eaLnBrk="1" fontAlgn="auto" latinLnBrk="0" hangingPunct="1">
+                        <a:lnSpc>
+                          <a:spcPct val="100000"/>
+                        </a:lnSpc>
+                        <a:spcBef>
+                          <a:spcPts val="0"/>
+                        </a:spcBef>
+                        <a:spcAft>
+                          <a:spcPts val="0"/>
+                        </a:spcAft>
+                        <a:buClrTx/>
+                        <a:buSzTx/>
+                        <a:buFont typeface="Arial" panose="020B0604020202020204" pitchFamily="34" charset="0"/>
+                        <a:buChar char="•"/>
+                        <a:tabLst/>
+                        <a:defRPr/>
+                      </a:pPr>
+                      <a:r>
+                        <a:rPr lang="en-US" sz="1000" b="0" kern="1200" dirty="0">
+                          <a:solidFill>
+                            <a:schemeClr val="tx1"/>
+                          </a:solidFill>
+                          <a:latin typeface="+mn-lt"/>
+                          <a:ea typeface="+mn-ea"/>
+                          <a:cs typeface="+mn-cs"/>
+                        </a:rPr>
+                        <a:t>Implementation and migration plan</a:t>
+                      </a:r>
+                    </a:p>
+                  </a:txBody>
+                  <a:tcPr/>
+                </a:tc>
+                <a:tc>
+                  <a:txBody>
+                    <a:bodyPr/>
+                    <a:lstStyle/>
+                    <a:p>
+                      <a:pPr marL="171450" marR="0" lvl="0" indent="-171450" algn="l" defTabSz="914400" rtl="0" eaLnBrk="1" fontAlgn="auto" latinLnBrk="0" hangingPunct="1">
+                        <a:lnSpc>
+                          <a:spcPct val="100000"/>
+                        </a:lnSpc>
+                        <a:spcBef>
+                          <a:spcPts val="0"/>
+                        </a:spcBef>
+                        <a:spcAft>
+                          <a:spcPts val="0"/>
+                        </a:spcAft>
+                        <a:buClrTx/>
+                        <a:buSzTx/>
+                        <a:buFont typeface="Arial" panose="020B0604020202020204" pitchFamily="34" charset="0"/>
+                        <a:buChar char="•"/>
+                        <a:tabLst/>
+                        <a:defRPr/>
+                      </a:pPr>
+                      <a:r>
+                        <a:rPr lang="en-US" sz="1000" b="0" kern="1200" dirty="0">
+                          <a:solidFill>
+                            <a:schemeClr val="tx1"/>
+                          </a:solidFill>
+                          <a:latin typeface="+mn-lt"/>
+                          <a:ea typeface="+mn-ea"/>
+                          <a:cs typeface="+mn-cs"/>
+                        </a:rPr>
+                        <a:t>Implementation and migration plan</a:t>
+                      </a:r>
+                      <a:endParaRPr lang="en-US" sz="1000" b="0" dirty="0">
+                        <a:solidFill>
+                          <a:schemeClr val="tx1"/>
+                        </a:solidFill>
+                      </a:endParaRPr>
+                    </a:p>
+                    <a:p>
+                      <a:pPr marL="171450" marR="0" lvl="0" indent="-171450" algn="l" defTabSz="914400" rtl="0" eaLnBrk="1" fontAlgn="auto" latinLnBrk="0" hangingPunct="1">
+                        <a:lnSpc>
+                          <a:spcPct val="100000"/>
+                        </a:lnSpc>
+                        <a:spcBef>
+                          <a:spcPts val="0"/>
+                        </a:spcBef>
+                        <a:spcAft>
+                          <a:spcPts val="0"/>
+                        </a:spcAft>
+                        <a:buClrTx/>
+                        <a:buSzTx/>
+                        <a:buFont typeface="Arial" panose="020B0604020202020204" pitchFamily="34" charset="0"/>
+                        <a:buChar char="•"/>
+                        <a:tabLst/>
+                        <a:defRPr/>
+                      </a:pPr>
+                      <a:r>
+                        <a:rPr lang="en-US" sz="1000" b="0" kern="1200" dirty="0">
+                          <a:solidFill>
+                            <a:schemeClr val="accent6">
+                              <a:lumMod val="50000"/>
+                            </a:schemeClr>
+                          </a:solidFill>
+                          <a:latin typeface="+mn-lt"/>
+                          <a:ea typeface="+mn-ea"/>
+                          <a:cs typeface="+mn-cs"/>
+                        </a:rPr>
+                        <a:t>Final Architecture Definition Document</a:t>
+                      </a:r>
+                    </a:p>
+                    <a:p>
+                      <a:pPr marL="171450" marR="0" lvl="0" indent="-171450" algn="l" defTabSz="914400" rtl="0" eaLnBrk="1" fontAlgn="auto" latinLnBrk="0" hangingPunct="1">
+                        <a:lnSpc>
+                          <a:spcPct val="100000"/>
+                        </a:lnSpc>
+                        <a:spcBef>
+                          <a:spcPts val="0"/>
+                        </a:spcBef>
+                        <a:spcAft>
+                          <a:spcPts val="0"/>
+                        </a:spcAft>
+                        <a:buClrTx/>
+                        <a:buSzTx/>
+                        <a:buFont typeface="Arial" panose="020B0604020202020204" pitchFamily="34" charset="0"/>
+                        <a:buChar char="•"/>
+                        <a:tabLst/>
+                        <a:defRPr/>
+                      </a:pPr>
+                      <a:r>
+                        <a:rPr lang="en-US" sz="1000" b="0" kern="1200" dirty="0">
+                          <a:solidFill>
+                            <a:srgbClr val="00B0F0"/>
+                          </a:solidFill>
+                          <a:latin typeface="+mn-lt"/>
+                          <a:ea typeface="+mn-ea"/>
+                          <a:cs typeface="+mn-cs"/>
+                        </a:rPr>
+                        <a:t>Final Architecture Requirements Specification</a:t>
+                      </a:r>
+                    </a:p>
+                    <a:p>
+                      <a:pPr marL="171450" marR="0" lvl="0" indent="-171450" algn="l" defTabSz="914400" rtl="0" eaLnBrk="1" fontAlgn="auto" latinLnBrk="0" hangingPunct="1">
+                        <a:lnSpc>
+                          <a:spcPct val="100000"/>
+                        </a:lnSpc>
+                        <a:spcBef>
+                          <a:spcPts val="0"/>
+                        </a:spcBef>
+                        <a:spcAft>
+                          <a:spcPts val="0"/>
+                        </a:spcAft>
+                        <a:buClrTx/>
+                        <a:buSzTx/>
+                        <a:buFont typeface="Arial" panose="020B0604020202020204" pitchFamily="34" charset="0"/>
+                        <a:buChar char="•"/>
+                        <a:tabLst/>
+                        <a:defRPr/>
+                      </a:pPr>
+                      <a:r>
+                        <a:rPr lang="en-US" sz="1000" b="0" kern="1200" dirty="0">
+                          <a:solidFill>
+                            <a:schemeClr val="accent4">
+                              <a:lumMod val="75000"/>
+                            </a:schemeClr>
+                          </a:solidFill>
+                          <a:latin typeface="+mn-lt"/>
+                          <a:ea typeface="+mn-ea"/>
+                          <a:cs typeface="+mn-cs"/>
+                        </a:rPr>
+                        <a:t>Final Architecture Roadmap</a:t>
+                      </a:r>
+                    </a:p>
+                    <a:p>
+                      <a:pPr marL="171450" marR="0" lvl="0" indent="-171450" algn="l" defTabSz="914400" rtl="0" eaLnBrk="1" fontAlgn="auto" latinLnBrk="0" hangingPunct="1">
+                        <a:lnSpc>
+                          <a:spcPct val="100000"/>
+                        </a:lnSpc>
+                        <a:spcBef>
+                          <a:spcPts val="0"/>
+                        </a:spcBef>
+                        <a:spcAft>
+                          <a:spcPts val="0"/>
+                        </a:spcAft>
+                        <a:buClrTx/>
+                        <a:buSzTx/>
+                        <a:buFont typeface="Arial" panose="020B0604020202020204" pitchFamily="34" charset="0"/>
+                        <a:buChar char="•"/>
+                        <a:tabLst/>
+                        <a:defRPr/>
+                      </a:pPr>
+                      <a:r>
+                        <a:rPr lang="en-US" sz="1000" b="0" kern="1200" dirty="0">
+                          <a:solidFill>
+                            <a:schemeClr val="tx1"/>
+                          </a:solidFill>
+                          <a:latin typeface="+mn-lt"/>
+                          <a:ea typeface="+mn-ea"/>
+                          <a:cs typeface="+mn-cs"/>
+                        </a:rPr>
+                        <a:t>Architecture Building Block</a:t>
+                      </a:r>
+                    </a:p>
+                    <a:p>
+                      <a:pPr marL="171450" marR="0" lvl="0" indent="-171450" algn="l" defTabSz="914400" rtl="0" eaLnBrk="1" fontAlgn="auto" latinLnBrk="0" hangingPunct="1">
+                        <a:lnSpc>
+                          <a:spcPct val="100000"/>
+                        </a:lnSpc>
+                        <a:spcBef>
+                          <a:spcPts val="0"/>
+                        </a:spcBef>
+                        <a:spcAft>
+                          <a:spcPts val="0"/>
+                        </a:spcAft>
+                        <a:buClrTx/>
+                        <a:buSzTx/>
+                        <a:buFont typeface="Arial" panose="020B0604020202020204" pitchFamily="34" charset="0"/>
+                        <a:buChar char="•"/>
+                        <a:tabLst/>
+                        <a:defRPr/>
+                      </a:pPr>
+                      <a:r>
+                        <a:rPr lang="en-US" sz="1000" b="0" kern="1200" dirty="0">
+                          <a:solidFill>
+                            <a:srgbClr val="C00000"/>
+                          </a:solidFill>
+                          <a:latin typeface="+mn-lt"/>
+                          <a:ea typeface="+mn-ea"/>
+                          <a:cs typeface="+mn-cs"/>
+                        </a:rPr>
+                        <a:t>Request for Architecture work</a:t>
+                      </a:r>
+                    </a:p>
+                    <a:p>
+                      <a:pPr marL="171450" marR="0" lvl="0" indent="-171450" algn="l" defTabSz="914400" rtl="0" eaLnBrk="1" fontAlgn="auto" latinLnBrk="0" hangingPunct="1">
+                        <a:lnSpc>
+                          <a:spcPct val="100000"/>
+                        </a:lnSpc>
+                        <a:spcBef>
+                          <a:spcPts val="0"/>
+                        </a:spcBef>
+                        <a:spcAft>
+                          <a:spcPts val="0"/>
+                        </a:spcAft>
+                        <a:buClrTx/>
+                        <a:buSzTx/>
+                        <a:buFont typeface="Arial" panose="020B0604020202020204" pitchFamily="34" charset="0"/>
+                        <a:buChar char="•"/>
+                        <a:tabLst/>
+                        <a:defRPr/>
+                      </a:pPr>
+                      <a:r>
+                        <a:rPr lang="en-US" sz="1000" b="0" kern="1200" dirty="0">
+                          <a:solidFill>
+                            <a:schemeClr val="tx1"/>
+                          </a:solidFill>
+                          <a:latin typeface="+mn-lt"/>
+                          <a:ea typeface="+mn-ea"/>
+                          <a:cs typeface="+mn-cs"/>
+                        </a:rPr>
+                        <a:t>Implementation Governance Modal</a:t>
+                      </a:r>
+                    </a:p>
+                    <a:p>
+                      <a:pPr marL="171450" marR="0" lvl="0" indent="-171450" algn="l" defTabSz="914400" rtl="0" eaLnBrk="1" fontAlgn="auto" latinLnBrk="0" hangingPunct="1">
+                        <a:lnSpc>
+                          <a:spcPct val="100000"/>
+                        </a:lnSpc>
+                        <a:spcBef>
+                          <a:spcPts val="0"/>
+                        </a:spcBef>
+                        <a:spcAft>
+                          <a:spcPts val="0"/>
+                        </a:spcAft>
+                        <a:buClrTx/>
+                        <a:buSzTx/>
+                        <a:buFont typeface="Arial" panose="020B0604020202020204" pitchFamily="34" charset="0"/>
+                        <a:buChar char="•"/>
+                        <a:tabLst/>
+                        <a:defRPr/>
+                      </a:pPr>
+                      <a:r>
+                        <a:rPr lang="en-US" sz="1000" b="0" kern="1200" dirty="0">
+                          <a:solidFill>
+                            <a:schemeClr val="tx1"/>
+                          </a:solidFill>
+                          <a:latin typeface="+mn-lt"/>
+                          <a:ea typeface="+mn-ea"/>
+                          <a:cs typeface="+mn-cs"/>
+                        </a:rPr>
+                        <a:t>Change request for Architecture capability</a:t>
+                      </a:r>
+                    </a:p>
+                  </a:txBody>
+                  <a:tcPr/>
+                </a:tc>
+                <a:tc>
+                  <a:txBody>
+                    <a:bodyPr/>
+                    <a:lstStyle/>
+                    <a:p>
+                      <a:pPr marL="171450" marR="0" lvl="0" indent="-171450" algn="l" defTabSz="914400" rtl="0" eaLnBrk="1" fontAlgn="auto" latinLnBrk="0" hangingPunct="1">
+                        <a:lnSpc>
+                          <a:spcPct val="100000"/>
+                        </a:lnSpc>
+                        <a:spcBef>
+                          <a:spcPts val="0"/>
+                        </a:spcBef>
+                        <a:spcAft>
+                          <a:spcPts val="0"/>
+                        </a:spcAft>
+                        <a:buClrTx/>
+                        <a:buSzTx/>
+                        <a:buFont typeface="Arial" panose="020B0604020202020204" pitchFamily="34" charset="0"/>
+                        <a:buChar char="•"/>
+                        <a:tabLst/>
+                        <a:defRPr/>
+                      </a:pPr>
+                      <a:r>
+                        <a:rPr lang="en-US" sz="1000" b="0" kern="1200" dirty="0">
+                          <a:solidFill>
+                            <a:schemeClr val="accent2">
+                              <a:lumMod val="75000"/>
+                            </a:schemeClr>
+                          </a:solidFill>
+                          <a:latin typeface="+mn-lt"/>
+                          <a:ea typeface="+mn-ea"/>
+                          <a:cs typeface="+mn-cs"/>
+                        </a:rPr>
+                        <a:t>Refined Architecture Vision</a:t>
+                      </a:r>
+                    </a:p>
+                    <a:p>
+                      <a:pPr marL="171450" marR="0" lvl="0" indent="-171450" algn="l" defTabSz="914400" rtl="0" eaLnBrk="1" fontAlgn="auto" latinLnBrk="0" hangingPunct="1">
+                        <a:lnSpc>
+                          <a:spcPct val="100000"/>
+                        </a:lnSpc>
+                        <a:spcBef>
+                          <a:spcPts val="0"/>
+                        </a:spcBef>
+                        <a:spcAft>
+                          <a:spcPts val="0"/>
+                        </a:spcAft>
+                        <a:buClrTx/>
+                        <a:buSzTx/>
+                        <a:buFont typeface="Arial" panose="020B0604020202020204" pitchFamily="34" charset="0"/>
+                        <a:buChar char="•"/>
+                        <a:tabLst/>
+                        <a:defRPr/>
+                      </a:pPr>
+                      <a:r>
+                        <a:rPr lang="en-US" sz="1000" b="0" kern="1200" dirty="0">
+                          <a:solidFill>
+                            <a:schemeClr val="accent6">
+                              <a:lumMod val="50000"/>
+                            </a:schemeClr>
+                          </a:solidFill>
+                          <a:latin typeface="+mn-lt"/>
+                          <a:ea typeface="+mn-ea"/>
+                          <a:cs typeface="+mn-cs"/>
+                        </a:rPr>
+                        <a:t>Draft Architecture Definition Document</a:t>
+                      </a:r>
+                    </a:p>
+                    <a:p>
+                      <a:pPr marL="171450" marR="0" lvl="0" indent="-171450" algn="l" defTabSz="914400" rtl="0" eaLnBrk="1" fontAlgn="auto" latinLnBrk="0" hangingPunct="1">
+                        <a:lnSpc>
+                          <a:spcPct val="100000"/>
+                        </a:lnSpc>
+                        <a:spcBef>
+                          <a:spcPts val="0"/>
+                        </a:spcBef>
+                        <a:spcAft>
+                          <a:spcPts val="0"/>
+                        </a:spcAft>
+                        <a:buClrTx/>
+                        <a:buSzTx/>
+                        <a:buFont typeface="Arial" panose="020B0604020202020204" pitchFamily="34" charset="0"/>
+                        <a:buChar char="•"/>
+                        <a:tabLst/>
+                        <a:defRPr/>
+                      </a:pPr>
+                      <a:r>
+                        <a:rPr lang="en-US" sz="1000" b="0" kern="1200" dirty="0">
+                          <a:solidFill>
+                            <a:srgbClr val="00B0F0"/>
+                          </a:solidFill>
+                          <a:latin typeface="+mn-lt"/>
+                          <a:ea typeface="+mn-ea"/>
+                          <a:cs typeface="+mn-cs"/>
+                        </a:rPr>
+                        <a:t>Draft Architecture Requirements Specification</a:t>
+                      </a:r>
+                    </a:p>
+                    <a:p>
+                      <a:pPr marL="171450" marR="0" lvl="0" indent="-171450" algn="l" defTabSz="914400" rtl="0" eaLnBrk="1" fontAlgn="auto" latinLnBrk="0" hangingPunct="1">
+                        <a:lnSpc>
+                          <a:spcPct val="100000"/>
+                        </a:lnSpc>
+                        <a:spcBef>
+                          <a:spcPts val="0"/>
+                        </a:spcBef>
+                        <a:spcAft>
+                          <a:spcPts val="0"/>
+                        </a:spcAft>
+                        <a:buClrTx/>
+                        <a:buSzTx/>
+                        <a:buFont typeface="Arial" panose="020B0604020202020204" pitchFamily="34" charset="0"/>
+                        <a:buChar char="•"/>
+                        <a:tabLst/>
+                        <a:defRPr/>
+                      </a:pPr>
+                      <a:r>
+                        <a:rPr lang="en-US" sz="1000" b="0" kern="1200" dirty="0">
+                          <a:solidFill>
+                            <a:srgbClr val="7030A0"/>
+                          </a:solidFill>
+                          <a:latin typeface="+mn-lt"/>
+                          <a:ea typeface="+mn-ea"/>
+                          <a:cs typeface="+mn-cs"/>
+                        </a:rPr>
+                        <a:t>Capability assessment</a:t>
+                      </a:r>
+                    </a:p>
+                    <a:p>
+                      <a:pPr marL="171450" marR="0" lvl="0" indent="-171450" algn="l" defTabSz="914400" rtl="0" eaLnBrk="1" fontAlgn="auto" latinLnBrk="0" hangingPunct="1">
+                        <a:lnSpc>
+                          <a:spcPct val="100000"/>
+                        </a:lnSpc>
+                        <a:spcBef>
+                          <a:spcPts val="0"/>
+                        </a:spcBef>
+                        <a:spcAft>
+                          <a:spcPts val="0"/>
+                        </a:spcAft>
+                        <a:buClrTx/>
+                        <a:buSzTx/>
+                        <a:buFont typeface="Arial" panose="020B0604020202020204" pitchFamily="34" charset="0"/>
+                        <a:buChar char="•"/>
+                        <a:tabLst/>
+                        <a:defRPr/>
+                      </a:pPr>
+                      <a:r>
+                        <a:rPr lang="en-US" sz="1000" b="0" kern="1200" dirty="0">
+                          <a:solidFill>
+                            <a:schemeClr val="accent4">
+                              <a:lumMod val="75000"/>
+                            </a:schemeClr>
+                          </a:solidFill>
+                          <a:latin typeface="+mn-lt"/>
+                          <a:ea typeface="+mn-ea"/>
+                          <a:cs typeface="+mn-cs"/>
+                        </a:rPr>
+                        <a:t>Architecture Roadmap</a:t>
+                      </a:r>
+                    </a:p>
+                    <a:p>
+                      <a:pPr marL="171450" marR="0" lvl="0" indent="-171450" algn="l" defTabSz="914400" rtl="0" eaLnBrk="1" fontAlgn="auto" latinLnBrk="0" hangingPunct="1">
+                        <a:lnSpc>
+                          <a:spcPct val="100000"/>
+                        </a:lnSpc>
+                        <a:spcBef>
+                          <a:spcPts val="0"/>
+                        </a:spcBef>
+                        <a:spcAft>
+                          <a:spcPts val="0"/>
+                        </a:spcAft>
+                        <a:buClrTx/>
+                        <a:buSzTx/>
+                        <a:buFont typeface="Arial" panose="020B0604020202020204" pitchFamily="34" charset="0"/>
+                        <a:buChar char="•"/>
+                        <a:tabLst/>
+                        <a:defRPr/>
+                      </a:pPr>
+                      <a:r>
+                        <a:rPr lang="en-US" sz="1000" b="0" kern="1200" dirty="0">
+                          <a:solidFill>
+                            <a:schemeClr val="tx1"/>
+                          </a:solidFill>
+                          <a:latin typeface="+mn-lt"/>
+                          <a:ea typeface="+mn-ea"/>
+                          <a:cs typeface="+mn-cs"/>
+                        </a:rPr>
+                        <a:t>Implementation and migration plan</a:t>
+                      </a:r>
+                    </a:p>
+                  </a:txBody>
+                  <a:tcPr/>
+                </a:tc>
+                <a:tc>
+                  <a:txBody>
+                    <a:bodyPr/>
+                    <a:lstStyle/>
+                    <a:p>
+                      <a:pPr marL="171450" marR="0" lvl="0" indent="-171450" algn="l" defTabSz="914400" rtl="0" eaLnBrk="1" fontAlgn="auto" latinLnBrk="0" hangingPunct="1">
+                        <a:lnSpc>
+                          <a:spcPct val="100000"/>
+                        </a:lnSpc>
+                        <a:spcBef>
+                          <a:spcPts val="0"/>
+                        </a:spcBef>
+                        <a:spcAft>
+                          <a:spcPts val="0"/>
+                        </a:spcAft>
+                        <a:buClrTx/>
+                        <a:buSzTx/>
+                        <a:buFont typeface="Arial" panose="020B0604020202020204" pitchFamily="34" charset="0"/>
+                        <a:buChar char="•"/>
+                        <a:tabLst/>
+                        <a:defRPr/>
+                      </a:pPr>
+                      <a:r>
+                        <a:rPr lang="en-US" sz="1000" b="0" dirty="0">
+                          <a:solidFill>
+                            <a:schemeClr val="tx1"/>
+                          </a:solidFill>
+                        </a:rPr>
+                        <a:t>Architecture updates</a:t>
                       </a:r>
                       <a:endParaRPr lang="en-US" sz="1000" b="0" kern="1200" dirty="0">
                         <a:solidFill>
@@ -8609,1065 +9719,6 @@
                           <a:ea typeface="+mn-ea"/>
                           <a:cs typeface="+mn-cs"/>
                         </a:rPr>
-                        <a:t>Draft Architecture Definition Document</a:t>
-                      </a:r>
-                    </a:p>
-                    <a:p>
-                      <a:pPr marL="171450" marR="0" lvl="0" indent="-171450" algn="l" defTabSz="914400" rtl="0" eaLnBrk="1" fontAlgn="auto" latinLnBrk="0" hangingPunct="1">
-                        <a:lnSpc>
-                          <a:spcPct val="100000"/>
-                        </a:lnSpc>
-                        <a:spcBef>
-                          <a:spcPts val="0"/>
-                        </a:spcBef>
-                        <a:spcAft>
-                          <a:spcPts val="0"/>
-                        </a:spcAft>
-                        <a:buClrTx/>
-                        <a:buSzTx/>
-                        <a:buFont typeface="Arial" panose="020B0604020202020204" pitchFamily="34" charset="0"/>
-                        <a:buChar char="•"/>
-                        <a:tabLst/>
-                        <a:defRPr/>
-                      </a:pPr>
-                      <a:r>
-                        <a:rPr lang="en-US" sz="1000" b="0" kern="1200" dirty="0">
-                          <a:solidFill>
-                            <a:schemeClr val="tx1"/>
-                          </a:solidFill>
-                          <a:latin typeface="+mn-lt"/>
-                          <a:ea typeface="+mn-ea"/>
-                          <a:cs typeface="+mn-cs"/>
-                        </a:rPr>
-                        <a:t>Draft Architecture Requirements Specification</a:t>
-                      </a:r>
-                    </a:p>
-                    <a:p>
-                      <a:pPr marL="171450" marR="0" lvl="0" indent="-171450" algn="l" defTabSz="914400" rtl="0" eaLnBrk="1" fontAlgn="auto" latinLnBrk="0" hangingPunct="1">
-                        <a:lnSpc>
-                          <a:spcPct val="100000"/>
-                        </a:lnSpc>
-                        <a:spcBef>
-                          <a:spcPts val="0"/>
-                        </a:spcBef>
-                        <a:spcAft>
-                          <a:spcPts val="0"/>
-                        </a:spcAft>
-                        <a:buClrTx/>
-                        <a:buSzTx/>
-                        <a:buFont typeface="Arial" panose="020B0604020202020204" pitchFamily="34" charset="0"/>
-                        <a:buChar char="•"/>
-                        <a:tabLst/>
-                        <a:defRPr/>
-                      </a:pPr>
-                      <a:r>
-                        <a:rPr lang="en-US" sz="1000" b="0" kern="1200" dirty="0">
-                          <a:solidFill>
-                            <a:schemeClr val="tx1"/>
-                          </a:solidFill>
-                          <a:latin typeface="+mn-lt"/>
-                          <a:ea typeface="+mn-ea"/>
-                          <a:cs typeface="+mn-cs"/>
-                        </a:rPr>
-                        <a:t>Data architecture component of Architecture Roadmap</a:t>
-                      </a:r>
-                    </a:p>
-                    <a:p>
-                      <a:pPr marL="0" marR="0" lvl="0" indent="0" algn="l" defTabSz="914400" rtl="0" eaLnBrk="1" fontAlgn="auto" latinLnBrk="0" hangingPunct="1">
-                        <a:lnSpc>
-                          <a:spcPct val="100000"/>
-                        </a:lnSpc>
-                        <a:spcBef>
-                          <a:spcPts val="0"/>
-                        </a:spcBef>
-                        <a:spcAft>
-                          <a:spcPts val="0"/>
-                        </a:spcAft>
-                        <a:buClrTx/>
-                        <a:buSzTx/>
-                        <a:buFont typeface="Arial" panose="020B0604020202020204" pitchFamily="34" charset="0"/>
-                        <a:buNone/>
-                        <a:tabLst/>
-                        <a:defRPr/>
-                      </a:pPr>
-                      <a:endParaRPr lang="en-US" sz="1000" b="0" kern="1200" dirty="0">
-                        <a:solidFill>
-                          <a:schemeClr val="tx1"/>
-                        </a:solidFill>
-                        <a:latin typeface="+mn-lt"/>
-                        <a:ea typeface="+mn-ea"/>
-                        <a:cs typeface="+mn-cs"/>
-                      </a:endParaRPr>
-                    </a:p>
-                  </a:txBody>
-                  <a:tcPr/>
-                </a:tc>
-                <a:tc>
-                  <a:txBody>
-                    <a:bodyPr/>
-                    <a:lstStyle/>
-                    <a:p>
-                      <a:pPr marL="171450" marR="0" lvl="0" indent="-171450" algn="l" defTabSz="914400" rtl="0" eaLnBrk="1" fontAlgn="auto" latinLnBrk="0" hangingPunct="1">
-                        <a:lnSpc>
-                          <a:spcPct val="100000"/>
-                        </a:lnSpc>
-                        <a:spcBef>
-                          <a:spcPts val="0"/>
-                        </a:spcBef>
-                        <a:spcAft>
-                          <a:spcPts val="0"/>
-                        </a:spcAft>
-                        <a:buClrTx/>
-                        <a:buSzTx/>
-                        <a:buFont typeface="Arial" panose="020B0604020202020204" pitchFamily="34" charset="0"/>
-                        <a:buChar char="•"/>
-                        <a:tabLst/>
-                        <a:defRPr/>
-                      </a:pPr>
-                      <a:r>
-                        <a:rPr lang="en-US" sz="1000" b="0" dirty="0">
-                          <a:solidFill>
-                            <a:schemeClr val="tx1"/>
-                          </a:solidFill>
-                        </a:rPr>
-                        <a:t>Refined Architecture Vision</a:t>
-                      </a:r>
-                      <a:endParaRPr lang="en-US" sz="1000" b="0" kern="1200" dirty="0">
-                        <a:solidFill>
-                          <a:schemeClr val="tx1"/>
-                        </a:solidFill>
-                        <a:latin typeface="+mn-lt"/>
-                        <a:ea typeface="+mn-ea"/>
-                        <a:cs typeface="+mn-cs"/>
-                      </a:endParaRPr>
-                    </a:p>
-                    <a:p>
-                      <a:pPr marL="171450" marR="0" lvl="0" indent="-171450" algn="l" defTabSz="914400" rtl="0" eaLnBrk="1" fontAlgn="auto" latinLnBrk="0" hangingPunct="1">
-                        <a:lnSpc>
-                          <a:spcPct val="100000"/>
-                        </a:lnSpc>
-                        <a:spcBef>
-                          <a:spcPts val="0"/>
-                        </a:spcBef>
-                        <a:spcAft>
-                          <a:spcPts val="0"/>
-                        </a:spcAft>
-                        <a:buClrTx/>
-                        <a:buSzTx/>
-                        <a:buFont typeface="Arial" panose="020B0604020202020204" pitchFamily="34" charset="0"/>
-                        <a:buChar char="•"/>
-                        <a:tabLst/>
-                        <a:defRPr/>
-                      </a:pPr>
-                      <a:r>
-                        <a:rPr lang="en-US" sz="1000" b="0" kern="1200" dirty="0">
-                          <a:solidFill>
-                            <a:schemeClr val="tx1"/>
-                          </a:solidFill>
-                          <a:latin typeface="+mn-lt"/>
-                          <a:ea typeface="+mn-ea"/>
-                          <a:cs typeface="+mn-cs"/>
-                        </a:rPr>
-                        <a:t>Draft Architecture Definition Document</a:t>
-                      </a:r>
-                    </a:p>
-                    <a:p>
-                      <a:pPr marL="171450" marR="0" lvl="0" indent="-171450" algn="l" defTabSz="914400" rtl="0" eaLnBrk="1" fontAlgn="auto" latinLnBrk="0" hangingPunct="1">
-                        <a:lnSpc>
-                          <a:spcPct val="100000"/>
-                        </a:lnSpc>
-                        <a:spcBef>
-                          <a:spcPts val="0"/>
-                        </a:spcBef>
-                        <a:spcAft>
-                          <a:spcPts val="0"/>
-                        </a:spcAft>
-                        <a:buClrTx/>
-                        <a:buSzTx/>
-                        <a:buFont typeface="Arial" panose="020B0604020202020204" pitchFamily="34" charset="0"/>
-                        <a:buChar char="•"/>
-                        <a:tabLst/>
-                        <a:defRPr/>
-                      </a:pPr>
-                      <a:r>
-                        <a:rPr lang="en-US" sz="1000" b="0" kern="1200" dirty="0">
-                          <a:solidFill>
-                            <a:schemeClr val="tx1"/>
-                          </a:solidFill>
-                          <a:latin typeface="+mn-lt"/>
-                          <a:ea typeface="+mn-ea"/>
-                          <a:cs typeface="+mn-cs"/>
-                        </a:rPr>
-                        <a:t>Draft Architecture Requirements Specification</a:t>
-                      </a:r>
-                    </a:p>
-                    <a:p>
-                      <a:pPr marL="171450" marR="0" lvl="0" indent="-171450" algn="l" defTabSz="914400" rtl="0" eaLnBrk="1" fontAlgn="auto" latinLnBrk="0" hangingPunct="1">
-                        <a:lnSpc>
-                          <a:spcPct val="100000"/>
-                        </a:lnSpc>
-                        <a:spcBef>
-                          <a:spcPts val="0"/>
-                        </a:spcBef>
-                        <a:spcAft>
-                          <a:spcPts val="0"/>
-                        </a:spcAft>
-                        <a:buClrTx/>
-                        <a:buSzTx/>
-                        <a:buFont typeface="Arial" panose="020B0604020202020204" pitchFamily="34" charset="0"/>
-                        <a:buChar char="•"/>
-                        <a:tabLst/>
-                        <a:defRPr/>
-                      </a:pPr>
-                      <a:r>
-                        <a:rPr lang="en-US" sz="1000" b="0" kern="1200" dirty="0">
-                          <a:solidFill>
-                            <a:schemeClr val="tx1"/>
-                          </a:solidFill>
-                          <a:latin typeface="+mn-lt"/>
-                          <a:ea typeface="+mn-ea"/>
-                          <a:cs typeface="+mn-cs"/>
-                        </a:rPr>
-                        <a:t>Application architecture component of Architecture Roadmap</a:t>
-                      </a:r>
-                    </a:p>
-                  </a:txBody>
-                  <a:tcPr/>
-                </a:tc>
-                <a:tc>
-                  <a:txBody>
-                    <a:bodyPr/>
-                    <a:lstStyle/>
-                    <a:p>
-                      <a:pPr marL="171450" marR="0" lvl="0" indent="-171450" algn="l" defTabSz="914400" rtl="0" eaLnBrk="1" fontAlgn="auto" latinLnBrk="0" hangingPunct="1">
-                        <a:lnSpc>
-                          <a:spcPct val="100000"/>
-                        </a:lnSpc>
-                        <a:spcBef>
-                          <a:spcPts val="0"/>
-                        </a:spcBef>
-                        <a:spcAft>
-                          <a:spcPts val="0"/>
-                        </a:spcAft>
-                        <a:buClrTx/>
-                        <a:buSzTx/>
-                        <a:buFont typeface="Arial" panose="020B0604020202020204" pitchFamily="34" charset="0"/>
-                        <a:buChar char="•"/>
-                        <a:tabLst/>
-                        <a:defRPr/>
-                      </a:pPr>
-                      <a:r>
-                        <a:rPr lang="en-US" sz="1000" b="0" dirty="0">
-                          <a:solidFill>
-                            <a:schemeClr val="tx1"/>
-                          </a:solidFill>
-                        </a:rPr>
-                        <a:t>Refined Architecture Vision</a:t>
-                      </a:r>
-                      <a:endParaRPr lang="en-US" sz="1000" b="0" kern="1200" dirty="0">
-                        <a:solidFill>
-                          <a:schemeClr val="tx1"/>
-                        </a:solidFill>
-                        <a:latin typeface="+mn-lt"/>
-                        <a:ea typeface="+mn-ea"/>
-                        <a:cs typeface="+mn-cs"/>
-                      </a:endParaRPr>
-                    </a:p>
-                    <a:p>
-                      <a:pPr marL="171450" marR="0" lvl="0" indent="-171450" algn="l" defTabSz="914400" rtl="0" eaLnBrk="1" fontAlgn="auto" latinLnBrk="0" hangingPunct="1">
-                        <a:lnSpc>
-                          <a:spcPct val="100000"/>
-                        </a:lnSpc>
-                        <a:spcBef>
-                          <a:spcPts val="0"/>
-                        </a:spcBef>
-                        <a:spcAft>
-                          <a:spcPts val="0"/>
-                        </a:spcAft>
-                        <a:buClrTx/>
-                        <a:buSzTx/>
-                        <a:buFont typeface="Arial" panose="020B0604020202020204" pitchFamily="34" charset="0"/>
-                        <a:buChar char="•"/>
-                        <a:tabLst/>
-                        <a:defRPr/>
-                      </a:pPr>
-                      <a:r>
-                        <a:rPr lang="en-US" sz="1000" b="0" kern="1200" dirty="0">
-                          <a:solidFill>
-                            <a:schemeClr val="tx1"/>
-                          </a:solidFill>
-                          <a:latin typeface="+mn-lt"/>
-                          <a:ea typeface="+mn-ea"/>
-                          <a:cs typeface="+mn-cs"/>
-                        </a:rPr>
-                        <a:t>Draft Architecture Definition Document</a:t>
-                      </a:r>
-                    </a:p>
-                    <a:p>
-                      <a:pPr marL="171450" marR="0" lvl="0" indent="-171450" algn="l" defTabSz="914400" rtl="0" eaLnBrk="1" fontAlgn="auto" latinLnBrk="0" hangingPunct="1">
-                        <a:lnSpc>
-                          <a:spcPct val="100000"/>
-                        </a:lnSpc>
-                        <a:spcBef>
-                          <a:spcPts val="0"/>
-                        </a:spcBef>
-                        <a:spcAft>
-                          <a:spcPts val="0"/>
-                        </a:spcAft>
-                        <a:buClrTx/>
-                        <a:buSzTx/>
-                        <a:buFont typeface="Arial" panose="020B0604020202020204" pitchFamily="34" charset="0"/>
-                        <a:buChar char="•"/>
-                        <a:tabLst/>
-                        <a:defRPr/>
-                      </a:pPr>
-                      <a:r>
-                        <a:rPr lang="en-US" sz="1000" b="0" kern="1200" dirty="0">
-                          <a:solidFill>
-                            <a:schemeClr val="tx1"/>
-                          </a:solidFill>
-                          <a:latin typeface="+mn-lt"/>
-                          <a:ea typeface="+mn-ea"/>
-                          <a:cs typeface="+mn-cs"/>
-                        </a:rPr>
-                        <a:t>Draft Architecture Requirements Specification</a:t>
-                      </a:r>
-                    </a:p>
-                    <a:p>
-                      <a:pPr marL="171450" marR="0" lvl="0" indent="-171450" algn="l" defTabSz="914400" rtl="0" eaLnBrk="1" fontAlgn="auto" latinLnBrk="0" hangingPunct="1">
-                        <a:lnSpc>
-                          <a:spcPct val="100000"/>
-                        </a:lnSpc>
-                        <a:spcBef>
-                          <a:spcPts val="0"/>
-                        </a:spcBef>
-                        <a:spcAft>
-                          <a:spcPts val="0"/>
-                        </a:spcAft>
-                        <a:buClrTx/>
-                        <a:buSzTx/>
-                        <a:buFont typeface="Arial" panose="020B0604020202020204" pitchFamily="34" charset="0"/>
-                        <a:buChar char="•"/>
-                        <a:tabLst/>
-                        <a:defRPr/>
-                      </a:pPr>
-                      <a:r>
-                        <a:rPr lang="en-US" sz="1000" b="0" kern="1200" dirty="0">
-                          <a:solidFill>
-                            <a:schemeClr val="tx1"/>
-                          </a:solidFill>
-                          <a:latin typeface="+mn-lt"/>
-                          <a:ea typeface="+mn-ea"/>
-                          <a:cs typeface="+mn-cs"/>
-                        </a:rPr>
-                        <a:t>Technology architecture component of Architecture Roadmap</a:t>
-                      </a:r>
-                    </a:p>
-                  </a:txBody>
-                  <a:tcPr/>
-                </a:tc>
-                <a:tc>
-                  <a:txBody>
-                    <a:bodyPr/>
-                    <a:lstStyle/>
-                    <a:p>
-                      <a:pPr marL="171450" marR="0" lvl="0" indent="-171450" algn="l" defTabSz="914400" rtl="0" eaLnBrk="1" fontAlgn="auto" latinLnBrk="0" hangingPunct="1">
-                        <a:lnSpc>
-                          <a:spcPct val="100000"/>
-                        </a:lnSpc>
-                        <a:spcBef>
-                          <a:spcPts val="0"/>
-                        </a:spcBef>
-                        <a:spcAft>
-                          <a:spcPts val="0"/>
-                        </a:spcAft>
-                        <a:buClrTx/>
-                        <a:buSzTx/>
-                        <a:buFont typeface="Arial" panose="020B0604020202020204" pitchFamily="34" charset="0"/>
-                        <a:buChar char="•"/>
-                        <a:tabLst/>
-                        <a:defRPr/>
-                      </a:pPr>
-                      <a:r>
-                        <a:rPr lang="en-US" sz="1000" b="0" dirty="0">
-                          <a:solidFill>
-                            <a:schemeClr val="tx1"/>
-                          </a:solidFill>
-                        </a:rPr>
-                        <a:t>Refined Architecture Vision</a:t>
-                      </a:r>
-                      <a:endParaRPr lang="en-US" sz="1000" b="0" kern="1200" dirty="0">
-                        <a:solidFill>
-                          <a:schemeClr val="tx1"/>
-                        </a:solidFill>
-                        <a:latin typeface="+mn-lt"/>
-                        <a:ea typeface="+mn-ea"/>
-                        <a:cs typeface="+mn-cs"/>
-                      </a:endParaRPr>
-                    </a:p>
-                    <a:p>
-                      <a:pPr marL="171450" marR="0" lvl="0" indent="-171450" algn="l" defTabSz="914400" rtl="0" eaLnBrk="1" fontAlgn="auto" latinLnBrk="0" hangingPunct="1">
-                        <a:lnSpc>
-                          <a:spcPct val="100000"/>
-                        </a:lnSpc>
-                        <a:spcBef>
-                          <a:spcPts val="0"/>
-                        </a:spcBef>
-                        <a:spcAft>
-                          <a:spcPts val="0"/>
-                        </a:spcAft>
-                        <a:buClrTx/>
-                        <a:buSzTx/>
-                        <a:buFont typeface="Arial" panose="020B0604020202020204" pitchFamily="34" charset="0"/>
-                        <a:buChar char="•"/>
-                        <a:tabLst/>
-                        <a:defRPr/>
-                      </a:pPr>
-                      <a:r>
-                        <a:rPr lang="en-US" sz="1000" b="0" kern="1200" dirty="0">
-                          <a:solidFill>
-                            <a:schemeClr val="tx1"/>
-                          </a:solidFill>
-                          <a:latin typeface="+mn-lt"/>
-                          <a:ea typeface="+mn-ea"/>
-                          <a:cs typeface="+mn-cs"/>
-                        </a:rPr>
-                        <a:t>Draft Architecture Definition Document</a:t>
-                      </a:r>
-                    </a:p>
-                    <a:p>
-                      <a:pPr marL="171450" marR="0" lvl="0" indent="-171450" algn="l" defTabSz="914400" rtl="0" eaLnBrk="1" fontAlgn="auto" latinLnBrk="0" hangingPunct="1">
-                        <a:lnSpc>
-                          <a:spcPct val="100000"/>
-                        </a:lnSpc>
-                        <a:spcBef>
-                          <a:spcPts val="0"/>
-                        </a:spcBef>
-                        <a:spcAft>
-                          <a:spcPts val="0"/>
-                        </a:spcAft>
-                        <a:buClrTx/>
-                        <a:buSzTx/>
-                        <a:buFont typeface="Arial" panose="020B0604020202020204" pitchFamily="34" charset="0"/>
-                        <a:buChar char="•"/>
-                        <a:tabLst/>
-                        <a:defRPr/>
-                      </a:pPr>
-                      <a:r>
-                        <a:rPr lang="en-US" sz="1000" b="0" kern="1200" dirty="0">
-                          <a:solidFill>
-                            <a:schemeClr val="tx1"/>
-                          </a:solidFill>
-                          <a:latin typeface="+mn-lt"/>
-                          <a:ea typeface="+mn-ea"/>
-                          <a:cs typeface="+mn-cs"/>
-                        </a:rPr>
-                        <a:t>Draft Architecture Requirements Specification</a:t>
-                      </a:r>
-                    </a:p>
-                    <a:p>
-                      <a:pPr marL="171450" marR="0" lvl="0" indent="-171450" algn="l" defTabSz="914400" rtl="0" eaLnBrk="1" fontAlgn="auto" latinLnBrk="0" hangingPunct="1">
-                        <a:lnSpc>
-                          <a:spcPct val="100000"/>
-                        </a:lnSpc>
-                        <a:spcBef>
-                          <a:spcPts val="0"/>
-                        </a:spcBef>
-                        <a:spcAft>
-                          <a:spcPts val="0"/>
-                        </a:spcAft>
-                        <a:buClrTx/>
-                        <a:buSzTx/>
-                        <a:buFont typeface="Arial" panose="020B0604020202020204" pitchFamily="34" charset="0"/>
-                        <a:buChar char="•"/>
-                        <a:tabLst/>
-                        <a:defRPr/>
-                      </a:pPr>
-                      <a:r>
-                        <a:rPr lang="en-US" sz="1000" b="0" kern="1200" dirty="0">
-                          <a:solidFill>
-                            <a:schemeClr val="tx1"/>
-                          </a:solidFill>
-                          <a:latin typeface="+mn-lt"/>
-                          <a:ea typeface="+mn-ea"/>
-                          <a:cs typeface="+mn-cs"/>
-                        </a:rPr>
-                        <a:t>Capability assessment</a:t>
-                      </a:r>
-                    </a:p>
-                    <a:p>
-                      <a:pPr marL="171450" marR="0" lvl="0" indent="-171450" algn="l" defTabSz="914400" rtl="0" eaLnBrk="1" fontAlgn="auto" latinLnBrk="0" hangingPunct="1">
-                        <a:lnSpc>
-                          <a:spcPct val="100000"/>
-                        </a:lnSpc>
-                        <a:spcBef>
-                          <a:spcPts val="0"/>
-                        </a:spcBef>
-                        <a:spcAft>
-                          <a:spcPts val="0"/>
-                        </a:spcAft>
-                        <a:buClrTx/>
-                        <a:buSzTx/>
-                        <a:buFont typeface="Arial" panose="020B0604020202020204" pitchFamily="34" charset="0"/>
-                        <a:buChar char="•"/>
-                        <a:tabLst/>
-                        <a:defRPr/>
-                      </a:pPr>
-                      <a:r>
-                        <a:rPr lang="en-US" sz="1000" b="0" kern="1200" dirty="0">
-                          <a:solidFill>
-                            <a:schemeClr val="tx1"/>
-                          </a:solidFill>
-                          <a:latin typeface="+mn-lt"/>
-                          <a:ea typeface="+mn-ea"/>
-                          <a:cs typeface="+mn-cs"/>
-                        </a:rPr>
-                        <a:t>Architecture Roadmap</a:t>
-                      </a:r>
-                    </a:p>
-                    <a:p>
-                      <a:pPr marL="171450" marR="0" lvl="0" indent="-171450" algn="l" defTabSz="914400" rtl="0" eaLnBrk="1" fontAlgn="auto" latinLnBrk="0" hangingPunct="1">
-                        <a:lnSpc>
-                          <a:spcPct val="100000"/>
-                        </a:lnSpc>
-                        <a:spcBef>
-                          <a:spcPts val="0"/>
-                        </a:spcBef>
-                        <a:spcAft>
-                          <a:spcPts val="0"/>
-                        </a:spcAft>
-                        <a:buClrTx/>
-                        <a:buSzTx/>
-                        <a:buFont typeface="Arial" panose="020B0604020202020204" pitchFamily="34" charset="0"/>
-                        <a:buChar char="•"/>
-                        <a:tabLst/>
-                        <a:defRPr/>
-                      </a:pPr>
-                      <a:r>
-                        <a:rPr lang="en-US" sz="1000" b="0" kern="1200" dirty="0">
-                          <a:solidFill>
-                            <a:schemeClr val="tx1"/>
-                          </a:solidFill>
-                          <a:latin typeface="+mn-lt"/>
-                          <a:ea typeface="+mn-ea"/>
-                          <a:cs typeface="+mn-cs"/>
-                        </a:rPr>
-                        <a:t>Implementation and migration plan</a:t>
-                      </a:r>
-                    </a:p>
-                  </a:txBody>
-                  <a:tcPr/>
-                </a:tc>
-                <a:tc>
-                  <a:txBody>
-                    <a:bodyPr/>
-                    <a:lstStyle/>
-                    <a:p>
-                      <a:pPr marL="171450" marR="0" lvl="0" indent="-171450" algn="l" defTabSz="914400" rtl="0" eaLnBrk="1" fontAlgn="auto" latinLnBrk="0" hangingPunct="1">
-                        <a:lnSpc>
-                          <a:spcPct val="100000"/>
-                        </a:lnSpc>
-                        <a:spcBef>
-                          <a:spcPts val="0"/>
-                        </a:spcBef>
-                        <a:spcAft>
-                          <a:spcPts val="0"/>
-                        </a:spcAft>
-                        <a:buClrTx/>
-                        <a:buSzTx/>
-                        <a:buFont typeface="Arial" panose="020B0604020202020204" pitchFamily="34" charset="0"/>
-                        <a:buChar char="•"/>
-                        <a:tabLst/>
-                        <a:defRPr/>
-                      </a:pPr>
-                      <a:r>
-                        <a:rPr lang="en-US" sz="1000" b="0" kern="1200" dirty="0">
-                          <a:solidFill>
-                            <a:schemeClr val="tx1"/>
-                          </a:solidFill>
-                          <a:latin typeface="+mn-lt"/>
-                          <a:ea typeface="+mn-ea"/>
-                          <a:cs typeface="+mn-cs"/>
-                        </a:rPr>
-                        <a:t>Implementation and migration plan</a:t>
-                      </a:r>
-                      <a:endParaRPr lang="en-US" sz="1000" b="0" dirty="0">
-                        <a:solidFill>
-                          <a:schemeClr val="tx1"/>
-                        </a:solidFill>
-                      </a:endParaRPr>
-                    </a:p>
-                    <a:p>
-                      <a:pPr marL="171450" marR="0" lvl="0" indent="-171450" algn="l" defTabSz="914400" rtl="0" eaLnBrk="1" fontAlgn="auto" latinLnBrk="0" hangingPunct="1">
-                        <a:lnSpc>
-                          <a:spcPct val="100000"/>
-                        </a:lnSpc>
-                        <a:spcBef>
-                          <a:spcPts val="0"/>
-                        </a:spcBef>
-                        <a:spcAft>
-                          <a:spcPts val="0"/>
-                        </a:spcAft>
-                        <a:buClrTx/>
-                        <a:buSzTx/>
-                        <a:buFont typeface="Arial" panose="020B0604020202020204" pitchFamily="34" charset="0"/>
-                        <a:buChar char="•"/>
-                        <a:tabLst/>
-                        <a:defRPr/>
-                      </a:pPr>
-                      <a:r>
-                        <a:rPr lang="en-US" sz="1000" b="0" kern="1200" dirty="0">
-                          <a:solidFill>
-                            <a:schemeClr val="tx1"/>
-                          </a:solidFill>
-                          <a:latin typeface="+mn-lt"/>
-                          <a:ea typeface="+mn-ea"/>
-                          <a:cs typeface="+mn-cs"/>
-                        </a:rPr>
-                        <a:t>Final Architecture Definition Document</a:t>
-                      </a:r>
-                    </a:p>
-                    <a:p>
-                      <a:pPr marL="171450" marR="0" lvl="0" indent="-171450" algn="l" defTabSz="914400" rtl="0" eaLnBrk="1" fontAlgn="auto" latinLnBrk="0" hangingPunct="1">
-                        <a:lnSpc>
-                          <a:spcPct val="100000"/>
-                        </a:lnSpc>
-                        <a:spcBef>
-                          <a:spcPts val="0"/>
-                        </a:spcBef>
-                        <a:spcAft>
-                          <a:spcPts val="0"/>
-                        </a:spcAft>
-                        <a:buClrTx/>
-                        <a:buSzTx/>
-                        <a:buFont typeface="Arial" panose="020B0604020202020204" pitchFamily="34" charset="0"/>
-                        <a:buChar char="•"/>
-                        <a:tabLst/>
-                        <a:defRPr/>
-                      </a:pPr>
-                      <a:r>
-                        <a:rPr lang="en-US" sz="1000" b="0" kern="1200" dirty="0">
-                          <a:solidFill>
-                            <a:schemeClr val="tx1"/>
-                          </a:solidFill>
-                          <a:latin typeface="+mn-lt"/>
-                          <a:ea typeface="+mn-ea"/>
-                          <a:cs typeface="+mn-cs"/>
-                        </a:rPr>
-                        <a:t>Final Architecture Requirements Specification</a:t>
-                      </a:r>
-                    </a:p>
-                    <a:p>
-                      <a:pPr marL="171450" marR="0" lvl="0" indent="-171450" algn="l" defTabSz="914400" rtl="0" eaLnBrk="1" fontAlgn="auto" latinLnBrk="0" hangingPunct="1">
-                        <a:lnSpc>
-                          <a:spcPct val="100000"/>
-                        </a:lnSpc>
-                        <a:spcBef>
-                          <a:spcPts val="0"/>
-                        </a:spcBef>
-                        <a:spcAft>
-                          <a:spcPts val="0"/>
-                        </a:spcAft>
-                        <a:buClrTx/>
-                        <a:buSzTx/>
-                        <a:buFont typeface="Arial" panose="020B0604020202020204" pitchFamily="34" charset="0"/>
-                        <a:buChar char="•"/>
-                        <a:tabLst/>
-                        <a:defRPr/>
-                      </a:pPr>
-                      <a:r>
-                        <a:rPr lang="en-US" sz="1000" b="0" kern="1200" dirty="0">
-                          <a:solidFill>
-                            <a:schemeClr val="tx1"/>
-                          </a:solidFill>
-                          <a:latin typeface="+mn-lt"/>
-                          <a:ea typeface="+mn-ea"/>
-                          <a:cs typeface="+mn-cs"/>
-                        </a:rPr>
-                        <a:t>Final Architecture Roadmap</a:t>
-                      </a:r>
-                    </a:p>
-                    <a:p>
-                      <a:pPr marL="171450" marR="0" lvl="0" indent="-171450" algn="l" defTabSz="914400" rtl="0" eaLnBrk="1" fontAlgn="auto" latinLnBrk="0" hangingPunct="1">
-                        <a:lnSpc>
-                          <a:spcPct val="100000"/>
-                        </a:lnSpc>
-                        <a:spcBef>
-                          <a:spcPts val="0"/>
-                        </a:spcBef>
-                        <a:spcAft>
-                          <a:spcPts val="0"/>
-                        </a:spcAft>
-                        <a:buClrTx/>
-                        <a:buSzTx/>
-                        <a:buFont typeface="Arial" panose="020B0604020202020204" pitchFamily="34" charset="0"/>
-                        <a:buChar char="•"/>
-                        <a:tabLst/>
-                        <a:defRPr/>
-                      </a:pPr>
-                      <a:r>
-                        <a:rPr lang="en-US" sz="1000" b="0" kern="1200" dirty="0">
-                          <a:solidFill>
-                            <a:schemeClr val="tx1"/>
-                          </a:solidFill>
-                          <a:latin typeface="+mn-lt"/>
-                          <a:ea typeface="+mn-ea"/>
-                          <a:cs typeface="+mn-cs"/>
-                        </a:rPr>
-                        <a:t>Architecture Building Block</a:t>
-                      </a:r>
-                    </a:p>
-                    <a:p>
-                      <a:pPr marL="171450" marR="0" lvl="0" indent="-171450" algn="l" defTabSz="914400" rtl="0" eaLnBrk="1" fontAlgn="auto" latinLnBrk="0" hangingPunct="1">
-                        <a:lnSpc>
-                          <a:spcPct val="100000"/>
-                        </a:lnSpc>
-                        <a:spcBef>
-                          <a:spcPts val="0"/>
-                        </a:spcBef>
-                        <a:spcAft>
-                          <a:spcPts val="0"/>
-                        </a:spcAft>
-                        <a:buClrTx/>
-                        <a:buSzTx/>
-                        <a:buFont typeface="Arial" panose="020B0604020202020204" pitchFamily="34" charset="0"/>
-                        <a:buChar char="•"/>
-                        <a:tabLst/>
-                        <a:defRPr/>
-                      </a:pPr>
-                      <a:r>
-                        <a:rPr lang="en-US" sz="1000" b="0" kern="1200" dirty="0">
-                          <a:solidFill>
-                            <a:schemeClr val="tx1"/>
-                          </a:solidFill>
-                          <a:latin typeface="+mn-lt"/>
-                          <a:ea typeface="+mn-ea"/>
-                          <a:cs typeface="+mn-cs"/>
-                        </a:rPr>
-                        <a:t>Request for Architecture work</a:t>
-                      </a:r>
-                    </a:p>
-                    <a:p>
-                      <a:pPr marL="171450" marR="0" lvl="0" indent="-171450" algn="l" defTabSz="914400" rtl="0" eaLnBrk="1" fontAlgn="auto" latinLnBrk="0" hangingPunct="1">
-                        <a:lnSpc>
-                          <a:spcPct val="100000"/>
-                        </a:lnSpc>
-                        <a:spcBef>
-                          <a:spcPts val="0"/>
-                        </a:spcBef>
-                        <a:spcAft>
-                          <a:spcPts val="0"/>
-                        </a:spcAft>
-                        <a:buClrTx/>
-                        <a:buSzTx/>
-                        <a:buFont typeface="Arial" panose="020B0604020202020204" pitchFamily="34" charset="0"/>
-                        <a:buChar char="•"/>
-                        <a:tabLst/>
-                        <a:defRPr/>
-                      </a:pPr>
-                      <a:r>
-                        <a:rPr lang="en-US" sz="1000" b="0" kern="1200" dirty="0">
-                          <a:solidFill>
-                            <a:schemeClr val="tx1"/>
-                          </a:solidFill>
-                          <a:latin typeface="+mn-lt"/>
-                          <a:ea typeface="+mn-ea"/>
-                          <a:cs typeface="+mn-cs"/>
-                        </a:rPr>
-                        <a:t>Implementation Governance Modal</a:t>
-                      </a:r>
-                    </a:p>
-                    <a:p>
-                      <a:pPr marL="171450" marR="0" lvl="0" indent="-171450" algn="l" defTabSz="914400" rtl="0" eaLnBrk="1" fontAlgn="auto" latinLnBrk="0" hangingPunct="1">
-                        <a:lnSpc>
-                          <a:spcPct val="100000"/>
-                        </a:lnSpc>
-                        <a:spcBef>
-                          <a:spcPts val="0"/>
-                        </a:spcBef>
-                        <a:spcAft>
-                          <a:spcPts val="0"/>
-                        </a:spcAft>
-                        <a:buClrTx/>
-                        <a:buSzTx/>
-                        <a:buFont typeface="Arial" panose="020B0604020202020204" pitchFamily="34" charset="0"/>
-                        <a:buChar char="•"/>
-                        <a:tabLst/>
-                        <a:defRPr/>
-                      </a:pPr>
-                      <a:r>
-                        <a:rPr lang="en-US" sz="1000" b="0" kern="1200" dirty="0">
-                          <a:solidFill>
-                            <a:schemeClr val="tx1"/>
-                          </a:solidFill>
-                          <a:latin typeface="+mn-lt"/>
-                          <a:ea typeface="+mn-ea"/>
-                          <a:cs typeface="+mn-cs"/>
-                        </a:rPr>
-                        <a:t>Change request for Architecture capability</a:t>
-                      </a:r>
-                    </a:p>
-                  </a:txBody>
-                  <a:tcPr/>
-                </a:tc>
-                <a:tc>
-                  <a:txBody>
-                    <a:bodyPr/>
-                    <a:lstStyle/>
-                    <a:p>
-                      <a:pPr marL="171450" marR="0" lvl="0" indent="-171450" algn="l" defTabSz="914400" rtl="0" eaLnBrk="1" fontAlgn="auto" latinLnBrk="0" hangingPunct="1">
-                        <a:lnSpc>
-                          <a:spcPct val="100000"/>
-                        </a:lnSpc>
-                        <a:spcBef>
-                          <a:spcPts val="0"/>
-                        </a:spcBef>
-                        <a:spcAft>
-                          <a:spcPts val="0"/>
-                        </a:spcAft>
-                        <a:buClrTx/>
-                        <a:buSzTx/>
-                        <a:buFont typeface="Arial" panose="020B0604020202020204" pitchFamily="34" charset="0"/>
-                        <a:buChar char="•"/>
-                        <a:tabLst/>
-                        <a:defRPr/>
-                      </a:pPr>
-                      <a:r>
-                        <a:rPr lang="en-US" sz="1000" b="0" dirty="0">
-                          <a:solidFill>
-                            <a:schemeClr val="tx1"/>
-                          </a:solidFill>
-                        </a:rPr>
-                        <a:t>Refined Architecture Vision</a:t>
-                      </a:r>
-                      <a:endParaRPr lang="en-US" sz="1000" b="0" kern="1200" dirty="0">
-                        <a:solidFill>
-                          <a:schemeClr val="tx1"/>
-                        </a:solidFill>
-                        <a:latin typeface="+mn-lt"/>
-                        <a:ea typeface="+mn-ea"/>
-                        <a:cs typeface="+mn-cs"/>
-                      </a:endParaRPr>
-                    </a:p>
-                    <a:p>
-                      <a:pPr marL="171450" marR="0" lvl="0" indent="-171450" algn="l" defTabSz="914400" rtl="0" eaLnBrk="1" fontAlgn="auto" latinLnBrk="0" hangingPunct="1">
-                        <a:lnSpc>
-                          <a:spcPct val="100000"/>
-                        </a:lnSpc>
-                        <a:spcBef>
-                          <a:spcPts val="0"/>
-                        </a:spcBef>
-                        <a:spcAft>
-                          <a:spcPts val="0"/>
-                        </a:spcAft>
-                        <a:buClrTx/>
-                        <a:buSzTx/>
-                        <a:buFont typeface="Arial" panose="020B0604020202020204" pitchFamily="34" charset="0"/>
-                        <a:buChar char="•"/>
-                        <a:tabLst/>
-                        <a:defRPr/>
-                      </a:pPr>
-                      <a:r>
-                        <a:rPr lang="en-US" sz="1000" b="0" kern="1200" dirty="0">
-                          <a:solidFill>
-                            <a:schemeClr val="tx1"/>
-                          </a:solidFill>
-                          <a:latin typeface="+mn-lt"/>
-                          <a:ea typeface="+mn-ea"/>
-                          <a:cs typeface="+mn-cs"/>
-                        </a:rPr>
-                        <a:t>Draft Architecture Definition Document</a:t>
-                      </a:r>
-                    </a:p>
-                    <a:p>
-                      <a:pPr marL="171450" marR="0" lvl="0" indent="-171450" algn="l" defTabSz="914400" rtl="0" eaLnBrk="1" fontAlgn="auto" latinLnBrk="0" hangingPunct="1">
-                        <a:lnSpc>
-                          <a:spcPct val="100000"/>
-                        </a:lnSpc>
-                        <a:spcBef>
-                          <a:spcPts val="0"/>
-                        </a:spcBef>
-                        <a:spcAft>
-                          <a:spcPts val="0"/>
-                        </a:spcAft>
-                        <a:buClrTx/>
-                        <a:buSzTx/>
-                        <a:buFont typeface="Arial" panose="020B0604020202020204" pitchFamily="34" charset="0"/>
-                        <a:buChar char="•"/>
-                        <a:tabLst/>
-                        <a:defRPr/>
-                      </a:pPr>
-                      <a:r>
-                        <a:rPr lang="en-US" sz="1000" b="0" kern="1200" dirty="0">
-                          <a:solidFill>
-                            <a:schemeClr val="tx1"/>
-                          </a:solidFill>
-                          <a:latin typeface="+mn-lt"/>
-                          <a:ea typeface="+mn-ea"/>
-                          <a:cs typeface="+mn-cs"/>
-                        </a:rPr>
-                        <a:t>Draft Architecture Requirements Specification</a:t>
-                      </a:r>
-                    </a:p>
-                    <a:p>
-                      <a:pPr marL="171450" marR="0" lvl="0" indent="-171450" algn="l" defTabSz="914400" rtl="0" eaLnBrk="1" fontAlgn="auto" latinLnBrk="0" hangingPunct="1">
-                        <a:lnSpc>
-                          <a:spcPct val="100000"/>
-                        </a:lnSpc>
-                        <a:spcBef>
-                          <a:spcPts val="0"/>
-                        </a:spcBef>
-                        <a:spcAft>
-                          <a:spcPts val="0"/>
-                        </a:spcAft>
-                        <a:buClrTx/>
-                        <a:buSzTx/>
-                        <a:buFont typeface="Arial" panose="020B0604020202020204" pitchFamily="34" charset="0"/>
-                        <a:buChar char="•"/>
-                        <a:tabLst/>
-                        <a:defRPr/>
-                      </a:pPr>
-                      <a:r>
-                        <a:rPr lang="en-US" sz="1000" b="0" kern="1200" dirty="0">
-                          <a:solidFill>
-                            <a:schemeClr val="tx1"/>
-                          </a:solidFill>
-                          <a:latin typeface="+mn-lt"/>
-                          <a:ea typeface="+mn-ea"/>
-                          <a:cs typeface="+mn-cs"/>
-                        </a:rPr>
-                        <a:t>Capability assessment</a:t>
-                      </a:r>
-                    </a:p>
-                    <a:p>
-                      <a:pPr marL="171450" marR="0" lvl="0" indent="-171450" algn="l" defTabSz="914400" rtl="0" eaLnBrk="1" fontAlgn="auto" latinLnBrk="0" hangingPunct="1">
-                        <a:lnSpc>
-                          <a:spcPct val="100000"/>
-                        </a:lnSpc>
-                        <a:spcBef>
-                          <a:spcPts val="0"/>
-                        </a:spcBef>
-                        <a:spcAft>
-                          <a:spcPts val="0"/>
-                        </a:spcAft>
-                        <a:buClrTx/>
-                        <a:buSzTx/>
-                        <a:buFont typeface="Arial" panose="020B0604020202020204" pitchFamily="34" charset="0"/>
-                        <a:buChar char="•"/>
-                        <a:tabLst/>
-                        <a:defRPr/>
-                      </a:pPr>
-                      <a:r>
-                        <a:rPr lang="en-US" sz="1000" b="0" kern="1200" dirty="0">
-                          <a:solidFill>
-                            <a:schemeClr val="tx1"/>
-                          </a:solidFill>
-                          <a:latin typeface="+mn-lt"/>
-                          <a:ea typeface="+mn-ea"/>
-                          <a:cs typeface="+mn-cs"/>
-                        </a:rPr>
-                        <a:t>Architecture Roadmap</a:t>
-                      </a:r>
-                    </a:p>
-                    <a:p>
-                      <a:pPr marL="171450" marR="0" lvl="0" indent="-171450" algn="l" defTabSz="914400" rtl="0" eaLnBrk="1" fontAlgn="auto" latinLnBrk="0" hangingPunct="1">
-                        <a:lnSpc>
-                          <a:spcPct val="100000"/>
-                        </a:lnSpc>
-                        <a:spcBef>
-                          <a:spcPts val="0"/>
-                        </a:spcBef>
-                        <a:spcAft>
-                          <a:spcPts val="0"/>
-                        </a:spcAft>
-                        <a:buClrTx/>
-                        <a:buSzTx/>
-                        <a:buFont typeface="Arial" panose="020B0604020202020204" pitchFamily="34" charset="0"/>
-                        <a:buChar char="•"/>
-                        <a:tabLst/>
-                        <a:defRPr/>
-                      </a:pPr>
-                      <a:r>
-                        <a:rPr lang="en-US" sz="1000" b="0" kern="1200" dirty="0">
-                          <a:solidFill>
-                            <a:schemeClr val="tx1"/>
-                          </a:solidFill>
-                          <a:latin typeface="+mn-lt"/>
-                          <a:ea typeface="+mn-ea"/>
-                          <a:cs typeface="+mn-cs"/>
-                        </a:rPr>
-                        <a:t>Implementation and migration plan</a:t>
-                      </a:r>
-                    </a:p>
-                  </a:txBody>
-                  <a:tcPr/>
-                </a:tc>
-                <a:tc>
-                  <a:txBody>
-                    <a:bodyPr/>
-                    <a:lstStyle/>
-                    <a:p>
-                      <a:pPr marL="171450" marR="0" lvl="0" indent="-171450" algn="l" defTabSz="914400" rtl="0" eaLnBrk="1" fontAlgn="auto" latinLnBrk="0" hangingPunct="1">
-                        <a:lnSpc>
-                          <a:spcPct val="100000"/>
-                        </a:lnSpc>
-                        <a:spcBef>
-                          <a:spcPts val="0"/>
-                        </a:spcBef>
-                        <a:spcAft>
-                          <a:spcPts val="0"/>
-                        </a:spcAft>
-                        <a:buClrTx/>
-                        <a:buSzTx/>
-                        <a:buFont typeface="Arial" panose="020B0604020202020204" pitchFamily="34" charset="0"/>
-                        <a:buChar char="•"/>
-                        <a:tabLst/>
-                        <a:defRPr/>
-                      </a:pPr>
-                      <a:r>
-                        <a:rPr lang="en-US" sz="1000" b="0" dirty="0">
-                          <a:solidFill>
-                            <a:schemeClr val="tx1"/>
-                          </a:solidFill>
-                        </a:rPr>
-                        <a:t>Architecture updates</a:t>
-                      </a:r>
-                      <a:endParaRPr lang="en-US" sz="1000" b="0" kern="1200" dirty="0">
-                        <a:solidFill>
-                          <a:schemeClr val="tx1"/>
-                        </a:solidFill>
-                        <a:latin typeface="+mn-lt"/>
-                        <a:ea typeface="+mn-ea"/>
-                        <a:cs typeface="+mn-cs"/>
-                      </a:endParaRPr>
-                    </a:p>
-                    <a:p>
-                      <a:pPr marL="171450" marR="0" lvl="0" indent="-171450" algn="l" defTabSz="914400" rtl="0" eaLnBrk="1" fontAlgn="auto" latinLnBrk="0" hangingPunct="1">
-                        <a:lnSpc>
-                          <a:spcPct val="100000"/>
-                        </a:lnSpc>
-                        <a:spcBef>
-                          <a:spcPts val="0"/>
-                        </a:spcBef>
-                        <a:spcAft>
-                          <a:spcPts val="0"/>
-                        </a:spcAft>
-                        <a:buClrTx/>
-                        <a:buSzTx/>
-                        <a:buFont typeface="Arial" panose="020B0604020202020204" pitchFamily="34" charset="0"/>
-                        <a:buChar char="•"/>
-                        <a:tabLst/>
-                        <a:defRPr/>
-                      </a:pPr>
-                      <a:r>
-                        <a:rPr lang="en-US" sz="1000" b="0" kern="1200" dirty="0">
-                          <a:solidFill>
-                            <a:schemeClr val="tx1"/>
-                          </a:solidFill>
-                          <a:latin typeface="+mn-lt"/>
-                          <a:ea typeface="+mn-ea"/>
-                          <a:cs typeface="+mn-cs"/>
-                        </a:rPr>
                         <a:t>Changes to architecture framework and principles</a:t>
                       </a:r>
                     </a:p>
@@ -9692,7 +9743,7 @@
                       <a:r>
                         <a:rPr lang="en-US" sz="1000" b="0" kern="1200" dirty="0">
                           <a:solidFill>
-                            <a:schemeClr val="tx1"/>
+                            <a:srgbClr val="C00000"/>
                           </a:solidFill>
                           <a:latin typeface="+mn-lt"/>
                           <a:ea typeface="+mn-ea"/>
@@ -9722,7 +9773,7 @@
                       <a:r>
                         <a:rPr lang="en-US" sz="1000" b="0" kern="1200" dirty="0">
                           <a:solidFill>
-                            <a:schemeClr val="tx1"/>
+                            <a:srgbClr val="002060"/>
                           </a:solidFill>
                           <a:latin typeface="+mn-lt"/>
                           <a:ea typeface="+mn-ea"/>
@@ -9782,7 +9833,7 @@
                       <a:r>
                         <a:rPr lang="en-US" sz="1000" b="0" kern="1200" dirty="0">
                           <a:solidFill>
-                            <a:schemeClr val="tx1"/>
+                            <a:srgbClr val="7030A0"/>
                           </a:solidFill>
                           <a:latin typeface="+mn-lt"/>
                           <a:ea typeface="+mn-ea"/>

--- a/references/pdfs/adm-inputs-and-outputs.pptx
+++ b/references/pdfs/adm-inputs-and-outputs.pptx
@@ -270,7 +270,7 @@
           <a:p>
             <a:fld id="{6A2EF460-96B6-4F20-8D0A-A3002A0CC0AD}" type="datetimeFigureOut">
               <a:rPr lang="en-US" smtClean="0"/>
-              <a:t>2/8/2022</a:t>
+              <a:t>2/9/2022</a:t>
             </a:fld>
             <a:endParaRPr lang="en-US"/>
           </a:p>
@@ -468,7 +468,7 @@
           <a:p>
             <a:fld id="{6A2EF460-96B6-4F20-8D0A-A3002A0CC0AD}" type="datetimeFigureOut">
               <a:rPr lang="en-US" smtClean="0"/>
-              <a:t>2/8/2022</a:t>
+              <a:t>2/9/2022</a:t>
             </a:fld>
             <a:endParaRPr lang="en-US"/>
           </a:p>
@@ -676,7 +676,7 @@
           <a:p>
             <a:fld id="{6A2EF460-96B6-4F20-8D0A-A3002A0CC0AD}" type="datetimeFigureOut">
               <a:rPr lang="en-US" smtClean="0"/>
-              <a:t>2/8/2022</a:t>
+              <a:t>2/9/2022</a:t>
             </a:fld>
             <a:endParaRPr lang="en-US"/>
           </a:p>
@@ -874,7 +874,7 @@
           <a:p>
             <a:fld id="{6A2EF460-96B6-4F20-8D0A-A3002A0CC0AD}" type="datetimeFigureOut">
               <a:rPr lang="en-US" smtClean="0"/>
-              <a:t>2/8/2022</a:t>
+              <a:t>2/9/2022</a:t>
             </a:fld>
             <a:endParaRPr lang="en-US"/>
           </a:p>
@@ -1149,7 +1149,7 @@
           <a:p>
             <a:fld id="{6A2EF460-96B6-4F20-8D0A-A3002A0CC0AD}" type="datetimeFigureOut">
               <a:rPr lang="en-US" smtClean="0"/>
-              <a:t>2/8/2022</a:t>
+              <a:t>2/9/2022</a:t>
             </a:fld>
             <a:endParaRPr lang="en-US"/>
           </a:p>
@@ -1414,7 +1414,7 @@
           <a:p>
             <a:fld id="{6A2EF460-96B6-4F20-8D0A-A3002A0CC0AD}" type="datetimeFigureOut">
               <a:rPr lang="en-US" smtClean="0"/>
-              <a:t>2/8/2022</a:t>
+              <a:t>2/9/2022</a:t>
             </a:fld>
             <a:endParaRPr lang="en-US"/>
           </a:p>
@@ -1826,7 +1826,7 @@
           <a:p>
             <a:fld id="{6A2EF460-96B6-4F20-8D0A-A3002A0CC0AD}" type="datetimeFigureOut">
               <a:rPr lang="en-US" smtClean="0"/>
-              <a:t>2/8/2022</a:t>
+              <a:t>2/9/2022</a:t>
             </a:fld>
             <a:endParaRPr lang="en-US"/>
           </a:p>
@@ -1967,7 +1967,7 @@
           <a:p>
             <a:fld id="{6A2EF460-96B6-4F20-8D0A-A3002A0CC0AD}" type="datetimeFigureOut">
               <a:rPr lang="en-US" smtClean="0"/>
-              <a:t>2/8/2022</a:t>
+              <a:t>2/9/2022</a:t>
             </a:fld>
             <a:endParaRPr lang="en-US"/>
           </a:p>
@@ -2080,7 +2080,7 @@
           <a:p>
             <a:fld id="{6A2EF460-96B6-4F20-8D0A-A3002A0CC0AD}" type="datetimeFigureOut">
               <a:rPr lang="en-US" smtClean="0"/>
-              <a:t>2/8/2022</a:t>
+              <a:t>2/9/2022</a:t>
             </a:fld>
             <a:endParaRPr lang="en-US"/>
           </a:p>
@@ -2391,7 +2391,7 @@
           <a:p>
             <a:fld id="{6A2EF460-96B6-4F20-8D0A-A3002A0CC0AD}" type="datetimeFigureOut">
               <a:rPr lang="en-US" smtClean="0"/>
-              <a:t>2/8/2022</a:t>
+              <a:t>2/9/2022</a:t>
             </a:fld>
             <a:endParaRPr lang="en-US"/>
           </a:p>
@@ -2679,7 +2679,7 @@
           <a:p>
             <a:fld id="{6A2EF460-96B6-4F20-8D0A-A3002A0CC0AD}" type="datetimeFigureOut">
               <a:rPr lang="en-US" smtClean="0"/>
-              <a:t>2/8/2022</a:t>
+              <a:t>2/9/2022</a:t>
             </a:fld>
             <a:endParaRPr lang="en-US"/>
           </a:p>
@@ -2920,7 +2920,7 @@
           <a:p>
             <a:fld id="{6A2EF460-96B6-4F20-8D0A-A3002A0CC0AD}" type="datetimeFigureOut">
               <a:rPr lang="en-US" smtClean="0"/>
-              <a:t>2/8/2022</a:t>
+              <a:t>2/9/2022</a:t>
             </a:fld>
             <a:endParaRPr lang="en-US"/>
           </a:p>
@@ -3352,14 +3352,14 @@
           <p:nvPr>
             <p:extLst>
               <p:ext uri="{D42A27DB-BD31-4B8C-83A1-F6EECF244321}">
-                <p14:modId xmlns:p14="http://schemas.microsoft.com/office/powerpoint/2010/main" val="3676484461"/>
+                <p14:modId xmlns:p14="http://schemas.microsoft.com/office/powerpoint/2010/main" val="3307339279"/>
               </p:ext>
             </p:extLst>
           </p:nvPr>
         </p:nvGraphicFramePr>
         <p:xfrm>
           <a:off x="-765171" y="-1028823"/>
-          <a:ext cx="14272428" cy="10028043"/>
+          <a:ext cx="14272428" cy="10873367"/>
         </p:xfrm>
         <a:graphic>
           <a:graphicData uri="http://schemas.openxmlformats.org/drawingml/2006/table">
@@ -3820,14 +3820,6 @@
                         <a:t>TECHNOLOGY ARCHITECTURE</a:t>
                       </a:r>
                     </a:p>
-                    <a:p>
-                      <a:pPr algn="ctr"/>
-                      <a:endParaRPr lang="en-US" sz="1000" b="1" dirty="0">
-                        <a:solidFill>
-                          <a:schemeClr val="tx1"/>
-                        </a:solidFill>
-                      </a:endParaRPr>
-                    </a:p>
                   </a:txBody>
                   <a:tcPr anchor="ctr">
                     <a:solidFill>
@@ -3949,6 +3941,146 @@
                     <a:bodyPr/>
                     <a:lstStyle/>
                     <a:p>
+                      <a:pPr marL="171450" marR="0" lvl="0" indent="-171450" algn="l" defTabSz="914400" rtl="0" eaLnBrk="1" fontAlgn="auto" latinLnBrk="0" hangingPunct="1">
+                        <a:lnSpc>
+                          <a:spcPct val="100000"/>
+                        </a:lnSpc>
+                        <a:spcBef>
+                          <a:spcPts val="0"/>
+                        </a:spcBef>
+                        <a:spcAft>
+                          <a:spcPts val="0"/>
+                        </a:spcAft>
+                        <a:buClrTx/>
+                        <a:buSzTx/>
+                        <a:buFont typeface="Arial" panose="020B0604020202020204" pitchFamily="34" charset="0"/>
+                        <a:buChar char="•"/>
+                        <a:tabLst/>
+                        <a:defRPr/>
+                      </a:pPr>
+                      <a:r>
+                        <a:rPr lang="en-US" sz="1000" b="0" dirty="0">
+                          <a:solidFill>
+                            <a:schemeClr val="tx1"/>
+                          </a:solidFill>
+                        </a:rPr>
+                        <a:t>External Reference Materials (TOGAF library and any other frameworks)</a:t>
+                      </a:r>
+                    </a:p>
+                    <a:p>
+                      <a:pPr marL="0" marR="0" lvl="0" indent="0" algn="l" defTabSz="914400" rtl="0" eaLnBrk="1" fontAlgn="auto" latinLnBrk="0" hangingPunct="1">
+                        <a:lnSpc>
+                          <a:spcPct val="100000"/>
+                        </a:lnSpc>
+                        <a:spcBef>
+                          <a:spcPts val="0"/>
+                        </a:spcBef>
+                        <a:spcAft>
+                          <a:spcPts val="0"/>
+                        </a:spcAft>
+                        <a:buClrTx/>
+                        <a:buSzTx/>
+                        <a:buFont typeface="Arial" panose="020B0604020202020204" pitchFamily="34" charset="0"/>
+                        <a:buNone/>
+                        <a:tabLst/>
+                        <a:defRPr/>
+                      </a:pPr>
+                      <a:r>
+                        <a:rPr lang="en-US" sz="1000" b="1" dirty="0">
+                          <a:solidFill>
+                            <a:schemeClr val="tx1"/>
+                          </a:solidFill>
+                        </a:rPr>
+                        <a:t>Non-Architectural Inputs</a:t>
+                      </a:r>
+                      <a:endParaRPr lang="en-US" sz="1000" b="0" dirty="0">
+                        <a:solidFill>
+                          <a:schemeClr val="tx1"/>
+                        </a:solidFill>
+                      </a:endParaRPr>
+                    </a:p>
+                    <a:p>
+                      <a:pPr marL="171450" marR="0" lvl="0" indent="-171450" algn="l" defTabSz="914400" rtl="0" eaLnBrk="1" fontAlgn="auto" latinLnBrk="0" hangingPunct="1">
+                        <a:lnSpc>
+                          <a:spcPct val="100000"/>
+                        </a:lnSpc>
+                        <a:spcBef>
+                          <a:spcPts val="0"/>
+                        </a:spcBef>
+                        <a:spcAft>
+                          <a:spcPts val="0"/>
+                        </a:spcAft>
+                        <a:buClrTx/>
+                        <a:buSzTx/>
+                        <a:buFont typeface="Arial" panose="020B0604020202020204" pitchFamily="34" charset="0"/>
+                        <a:buChar char="•"/>
+                        <a:tabLst/>
+                        <a:defRPr/>
+                      </a:pPr>
+                      <a:r>
+                        <a:rPr lang="en-US" sz="1000" b="0" dirty="0">
+                          <a:solidFill>
+                            <a:schemeClr val="tx1"/>
+                          </a:solidFill>
+                        </a:rPr>
+                        <a:t>Board strategies, business plans, business strategy</a:t>
+                      </a:r>
+                    </a:p>
+                    <a:p>
+                      <a:pPr marL="171450" marR="0" lvl="0" indent="-171450" algn="l" defTabSz="914400" rtl="0" eaLnBrk="1" fontAlgn="auto" latinLnBrk="0" hangingPunct="1">
+                        <a:lnSpc>
+                          <a:spcPct val="100000"/>
+                        </a:lnSpc>
+                        <a:spcBef>
+                          <a:spcPts val="0"/>
+                        </a:spcBef>
+                        <a:spcAft>
+                          <a:spcPts val="0"/>
+                        </a:spcAft>
+                        <a:buClrTx/>
+                        <a:buSzTx/>
+                        <a:buFont typeface="Arial" panose="020B0604020202020204" pitchFamily="34" charset="0"/>
+                        <a:buChar char="•"/>
+                        <a:tabLst/>
+                        <a:defRPr/>
+                      </a:pPr>
+                      <a:r>
+                        <a:rPr lang="en-US" sz="1000" b="0" dirty="0">
+                          <a:solidFill>
+                            <a:schemeClr val="tx1"/>
+                          </a:solidFill>
+                        </a:rPr>
+                        <a:t>Major frameworks, operating in business/portfolio management</a:t>
+                      </a:r>
+                    </a:p>
+                    <a:p>
+                      <a:pPr marL="171450" marR="0" lvl="0" indent="-171450" algn="l" defTabSz="914400" rtl="0" eaLnBrk="1" fontAlgn="auto" latinLnBrk="0" hangingPunct="1">
+                        <a:lnSpc>
+                          <a:spcPct val="100000"/>
+                        </a:lnSpc>
+                        <a:spcBef>
+                          <a:spcPts val="0"/>
+                        </a:spcBef>
+                        <a:spcAft>
+                          <a:spcPts val="0"/>
+                        </a:spcAft>
+                        <a:buClrTx/>
+                        <a:buSzTx/>
+                        <a:buFont typeface="Arial" panose="020B0604020202020204" pitchFamily="34" charset="0"/>
+                        <a:buChar char="•"/>
+                        <a:tabLst/>
+                        <a:defRPr/>
+                      </a:pPr>
+                      <a:r>
+                        <a:rPr lang="en-US" sz="1000" b="0" dirty="0">
+                          <a:solidFill>
+                            <a:schemeClr val="tx1"/>
+                          </a:solidFill>
+                        </a:rPr>
+                        <a:t>Governance and legal frameworks</a:t>
+                      </a:r>
+                    </a:p>
+                    <a:p>
                       <a:pPr marL="171450" indent="-171450">
                         <a:buFont typeface="Arial" panose="020B0604020202020204" pitchFamily="34" charset="0"/>
                         <a:buChar char="•"/>
@@ -3963,6 +4095,65 @@
                       </a:r>
                     </a:p>
                     <a:p>
+                      <a:pPr marL="171450" marR="0" lvl="0" indent="-171450" algn="l" defTabSz="914400" rtl="0" eaLnBrk="1" fontAlgn="auto" latinLnBrk="0" hangingPunct="1">
+                        <a:lnSpc>
+                          <a:spcPct val="100000"/>
+                        </a:lnSpc>
+                        <a:spcBef>
+                          <a:spcPts val="0"/>
+                        </a:spcBef>
+                        <a:spcAft>
+                          <a:spcPts val="0"/>
+                        </a:spcAft>
+                        <a:buClrTx/>
+                        <a:buSzTx/>
+                        <a:buFont typeface="Arial" panose="020B0604020202020204" pitchFamily="34" charset="0"/>
+                        <a:buChar char="•"/>
+                        <a:tabLst/>
+                        <a:defRPr/>
+                      </a:pPr>
+                      <a:r>
+                        <a:rPr lang="en-US" sz="1000" b="0" dirty="0">
+                          <a:solidFill>
+                            <a:schemeClr val="tx1"/>
+                          </a:solidFill>
+                        </a:rPr>
+                        <a:t>Partnership and contract agreements</a:t>
+                      </a:r>
+                    </a:p>
+                    <a:p>
+                      <a:pPr marL="0" marR="0" lvl="0" indent="0" algn="l" defTabSz="914400" rtl="0" eaLnBrk="1" fontAlgn="auto" latinLnBrk="0" hangingPunct="1">
+                        <a:lnSpc>
+                          <a:spcPct val="100000"/>
+                        </a:lnSpc>
+                        <a:spcBef>
+                          <a:spcPts val="0"/>
+                        </a:spcBef>
+                        <a:spcAft>
+                          <a:spcPts val="0"/>
+                        </a:spcAft>
+                        <a:buClrTx/>
+                        <a:buSzTx/>
+                        <a:buFont typeface="Arial" panose="020B0604020202020204" pitchFamily="34" charset="0"/>
+                        <a:buNone/>
+                        <a:tabLst/>
+                        <a:defRPr/>
+                      </a:pPr>
+                      <a:r>
+                        <a:rPr lang="en-US" sz="1000" b="1" dirty="0">
+                          <a:solidFill>
+                            <a:schemeClr val="tx1"/>
+                          </a:solidFill>
+                        </a:rPr>
+                        <a:t>Architectural Inputs</a:t>
+                      </a:r>
+                      <a:endParaRPr lang="en-US" sz="1000" b="0" dirty="0">
+                        <a:solidFill>
+                          <a:schemeClr val="tx1"/>
+                        </a:solidFill>
+                      </a:endParaRPr>
+                    </a:p>
+                    <a:p>
                       <a:pPr marL="171450" indent="-171450">
                         <a:buFont typeface="Arial" panose="020B0604020202020204" pitchFamily="34" charset="0"/>
                         <a:buChar char="•"/>
@@ -3973,7 +4164,7 @@
                             <a:schemeClr val="tx1"/>
                           </a:solidFill>
                         </a:rPr>
-                        <a:t>Organizational Model</a:t>
+                        <a:t>Organizational Model for EA</a:t>
                       </a:r>
                     </a:p>
                     <a:p>
@@ -3987,49 +4178,7 @@
                             <a:schemeClr val="tx1"/>
                           </a:solidFill>
                         </a:rPr>
-                        <a:t>Board strategies, business plans, business strategy</a:t>
-                      </a:r>
-                    </a:p>
-                    <a:p>
-                      <a:pPr marL="171450" indent="-171450">
-                        <a:buFont typeface="Arial" panose="020B0604020202020204" pitchFamily="34" charset="0"/>
-                        <a:buChar char="•"/>
-                      </a:pPr>
-                      <a:r>
-                        <a:rPr lang="en-US" sz="1000" b="0" dirty="0">
-                          <a:solidFill>
-                            <a:schemeClr val="tx1"/>
-                          </a:solidFill>
-                        </a:rPr>
-                        <a:t>Major frameworks</a:t>
-                      </a:r>
-                    </a:p>
-                    <a:p>
-                      <a:pPr marL="171450" indent="-171450">
-                        <a:buFont typeface="Arial" panose="020B0604020202020204" pitchFamily="34" charset="0"/>
-                        <a:buChar char="•"/>
-                      </a:pPr>
-                      <a:r>
-                        <a:rPr lang="en-US" sz="1000" b="0" dirty="0">
-                          <a:solidFill>
-                            <a:schemeClr val="tx1"/>
-                          </a:solidFill>
-                        </a:rPr>
-                        <a:t>Partnership and contract agreements</a:t>
-                      </a:r>
-                    </a:p>
-                    <a:p>
-                      <a:pPr marL="171450" indent="-171450">
-                        <a:buFont typeface="Arial" panose="020B0604020202020204" pitchFamily="34" charset="0"/>
-                        <a:buChar char="•"/>
-                      </a:pPr>
-                      <a:r>
-                        <a:rPr lang="en-US" sz="1000" b="0" dirty="0">
-                          <a:solidFill>
-                            <a:schemeClr val="tx1"/>
-                          </a:solidFill>
-                        </a:rPr>
-                        <a:t>Governance and legal frameworks</a:t>
+                        <a:t>Existing Architecture framework (method, content, principles, tools and repository)</a:t>
                       </a:r>
                     </a:p>
                   </a:txBody>
@@ -4063,7 +4212,7 @@
                             <a:schemeClr val="tx1"/>
                           </a:solidFill>
                         </a:rPr>
-                        <a:t>External Reference Materials</a:t>
+                        <a:t>External Reference Materials (from Architecture Repository)</a:t>
                       </a:r>
                     </a:p>
                     <a:p>
@@ -4114,124 +4263,112 @@
                       <a:r>
                         <a:rPr lang="en-US" sz="1000" b="0" kern="1200" dirty="0">
                           <a:solidFill>
+                            <a:srgbClr val="C00000"/>
+                          </a:solidFill>
+                          <a:latin typeface="+mn-lt"/>
+                          <a:ea typeface="+mn-ea"/>
+                          <a:cs typeface="+mn-cs"/>
+                        </a:rPr>
+                        <a:t>Request for Architecture Work </a:t>
+                      </a:r>
+                    </a:p>
+                    <a:p>
+                      <a:pPr marL="171450" marR="0" lvl="0" indent="-171450" algn="l" defTabSz="914400" rtl="0" eaLnBrk="1" fontAlgn="auto" latinLnBrk="0" hangingPunct="1">
+                        <a:lnSpc>
+                          <a:spcPct val="100000"/>
+                        </a:lnSpc>
+                        <a:spcBef>
+                          <a:spcPts val="0"/>
+                        </a:spcBef>
+                        <a:spcAft>
+                          <a:spcPts val="0"/>
+                        </a:spcAft>
+                        <a:buClrTx/>
+                        <a:buSzTx/>
+                        <a:buFont typeface="Arial" panose="020B0604020202020204" pitchFamily="34" charset="0"/>
+                        <a:buChar char="•"/>
+                        <a:tabLst/>
+                        <a:defRPr/>
+                      </a:pPr>
+                      <a:r>
+                        <a:rPr lang="en-US" sz="1000" b="0" kern="1200" dirty="0">
+                          <a:solidFill>
+                            <a:schemeClr val="accent3">
+                              <a:lumMod val="75000"/>
+                            </a:schemeClr>
+                          </a:solidFill>
+                          <a:latin typeface="+mn-lt"/>
+                          <a:ea typeface="+mn-ea"/>
+                          <a:cs typeface="+mn-cs"/>
+                        </a:rPr>
+                        <a:t>Business principles, goals and drivers</a:t>
+                      </a:r>
+                    </a:p>
+                    <a:p>
+                      <a:pPr marL="0" marR="0" lvl="0" indent="0" algn="l" defTabSz="914400" rtl="0" eaLnBrk="1" fontAlgn="auto" latinLnBrk="0" hangingPunct="1">
+                        <a:lnSpc>
+                          <a:spcPct val="100000"/>
+                        </a:lnSpc>
+                        <a:spcBef>
+                          <a:spcPts val="0"/>
+                        </a:spcBef>
+                        <a:spcAft>
+                          <a:spcPts val="0"/>
+                        </a:spcAft>
+                        <a:buClrTx/>
+                        <a:buSzTx/>
+                        <a:buFont typeface="Arial" panose="020B0604020202020204" pitchFamily="34" charset="0"/>
+                        <a:buNone/>
+                        <a:tabLst/>
+                        <a:defRPr/>
+                      </a:pPr>
+                      <a:r>
+                        <a:rPr lang="en-US" sz="1000" b="1" dirty="0">
+                          <a:solidFill>
                             <a:schemeClr val="tx1"/>
                           </a:solidFill>
-                          <a:latin typeface="+mn-lt"/>
-                          <a:ea typeface="+mn-ea"/>
-                          <a:cs typeface="+mn-cs"/>
-                        </a:rPr>
-                        <a:t>Request for Architecture Work </a:t>
-                      </a:r>
-                    </a:p>
-                    <a:p>
-                      <a:pPr marL="171450" marR="0" lvl="0" indent="-171450" algn="l" defTabSz="914400" rtl="0" eaLnBrk="1" fontAlgn="auto" latinLnBrk="0" hangingPunct="1">
-                        <a:lnSpc>
-                          <a:spcPct val="100000"/>
-                        </a:lnSpc>
-                        <a:spcBef>
-                          <a:spcPts val="0"/>
-                        </a:spcBef>
-                        <a:spcAft>
-                          <a:spcPts val="0"/>
-                        </a:spcAft>
-                        <a:buClrTx/>
-                        <a:buSzTx/>
-                        <a:buFont typeface="Arial" panose="020B0604020202020204" pitchFamily="34" charset="0"/>
-                        <a:buChar char="•"/>
-                        <a:tabLst/>
-                        <a:defRPr/>
-                      </a:pPr>
-                      <a:r>
-                        <a:rPr lang="en-US" sz="1000" b="0" kern="1200" dirty="0">
-                          <a:solidFill>
-                            <a:schemeClr val="tx1"/>
-                          </a:solidFill>
-                          <a:latin typeface="+mn-lt"/>
-                          <a:ea typeface="+mn-ea"/>
-                          <a:cs typeface="+mn-cs"/>
-                        </a:rPr>
-                        <a:t>Business principles, goals and drivers</a:t>
-                      </a:r>
-                    </a:p>
-                    <a:p>
-                      <a:pPr marL="0" marR="0" lvl="0" indent="0" algn="l" defTabSz="914400" rtl="0" eaLnBrk="1" fontAlgn="auto" latinLnBrk="0" hangingPunct="1">
-                        <a:lnSpc>
-                          <a:spcPct val="100000"/>
-                        </a:lnSpc>
-                        <a:spcBef>
-                          <a:spcPts val="0"/>
-                        </a:spcBef>
-                        <a:spcAft>
-                          <a:spcPts val="0"/>
-                        </a:spcAft>
-                        <a:buClrTx/>
-                        <a:buSzTx/>
-                        <a:buFont typeface="Arial" panose="020B0604020202020204" pitchFamily="34" charset="0"/>
-                        <a:buNone/>
-                        <a:tabLst/>
-                        <a:defRPr/>
-                      </a:pPr>
-                      <a:r>
-                        <a:rPr lang="en-US" sz="1000" b="1" dirty="0">
-                          <a:solidFill>
-                            <a:schemeClr val="tx1"/>
-                          </a:solidFill>
                         </a:rPr>
                         <a:t>Architectural Inputs</a:t>
                       </a:r>
                     </a:p>
                     <a:p>
-                      <a:pPr marL="171450" marR="0" lvl="0" indent="-171450" algn="l" defTabSz="914400" rtl="0" eaLnBrk="1" fontAlgn="auto" latinLnBrk="0" hangingPunct="1">
-                        <a:lnSpc>
-                          <a:spcPct val="100000"/>
-                        </a:lnSpc>
-                        <a:spcBef>
-                          <a:spcPts val="0"/>
-                        </a:spcBef>
-                        <a:spcAft>
-                          <a:spcPts val="0"/>
-                        </a:spcAft>
-                        <a:buClrTx/>
-                        <a:buSzTx/>
-                        <a:buFont typeface="Arial" panose="020B0604020202020204" pitchFamily="34" charset="0"/>
-                        <a:buChar char="•"/>
-                        <a:tabLst/>
-                        <a:defRPr/>
-                      </a:pPr>
-                      <a:r>
-                        <a:rPr lang="en-US" sz="1000" b="0" kern="1200" dirty="0">
-                          <a:solidFill>
-                            <a:schemeClr val="tx1"/>
-                          </a:solidFill>
-                          <a:latin typeface="+mn-lt"/>
-                          <a:ea typeface="+mn-ea"/>
-                          <a:cs typeface="+mn-cs"/>
-                        </a:rPr>
-                        <a:t>Organizational model for EA</a:t>
-                      </a:r>
-                    </a:p>
-                    <a:p>
-                      <a:pPr marL="171450" marR="0" lvl="0" indent="-171450" algn="l" defTabSz="914400" rtl="0" eaLnBrk="1" fontAlgn="auto" latinLnBrk="0" hangingPunct="1">
-                        <a:lnSpc>
-                          <a:spcPct val="100000"/>
-                        </a:lnSpc>
-                        <a:spcBef>
-                          <a:spcPts val="0"/>
-                        </a:spcBef>
-                        <a:spcAft>
-                          <a:spcPts val="0"/>
-                        </a:spcAft>
-                        <a:buClrTx/>
-                        <a:buSzTx/>
-                        <a:buFont typeface="Arial" panose="020B0604020202020204" pitchFamily="34" charset="0"/>
-                        <a:buChar char="•"/>
-                        <a:tabLst/>
-                        <a:defRPr/>
-                      </a:pPr>
-                      <a:r>
-                        <a:rPr lang="en-US" sz="1000" b="0" kern="1200" dirty="0">
-                          <a:solidFill>
-                            <a:schemeClr val="tx1"/>
+                      <a:pPr marL="171450" indent="-171450">
+                        <a:buFont typeface="Arial" panose="020B0604020202020204" pitchFamily="34" charset="0"/>
+                        <a:buChar char="•"/>
+                      </a:pPr>
+                      <a:r>
+                        <a:rPr lang="en-US" sz="1000" b="0" dirty="0">
+                          <a:solidFill>
+                            <a:srgbClr val="FF00FF"/>
+                          </a:solidFill>
+                        </a:rPr>
+                        <a:t>Organizational Model for EA</a:t>
+                      </a:r>
+                    </a:p>
+                    <a:p>
+                      <a:pPr marL="171450" marR="0" lvl="0" indent="-171450" algn="l" defTabSz="914400" rtl="0" eaLnBrk="1" fontAlgn="auto" latinLnBrk="0" hangingPunct="1">
+                        <a:lnSpc>
+                          <a:spcPct val="100000"/>
+                        </a:lnSpc>
+                        <a:spcBef>
+                          <a:spcPts val="0"/>
+                        </a:spcBef>
+                        <a:spcAft>
+                          <a:spcPts val="0"/>
+                        </a:spcAft>
+                        <a:buClrTx/>
+                        <a:buSzTx/>
+                        <a:buFont typeface="Arial" panose="020B0604020202020204" pitchFamily="34" charset="0"/>
+                        <a:buChar char="•"/>
+                        <a:tabLst/>
+                        <a:defRPr/>
+                      </a:pPr>
+                      <a:r>
+                        <a:rPr lang="en-US" sz="1000" b="0" kern="1200" dirty="0">
+                          <a:solidFill>
+                            <a:schemeClr val="accent1">
+                              <a:lumMod val="75000"/>
+                            </a:schemeClr>
                           </a:solidFill>
                           <a:latin typeface="+mn-lt"/>
                           <a:ea typeface="+mn-ea"/>
@@ -4261,7 +4398,9 @@
                       <a:r>
                         <a:rPr lang="en-US" sz="1000" b="0" kern="1200" dirty="0">
                           <a:solidFill>
-                            <a:schemeClr val="tx1"/>
+                            <a:schemeClr val="bg1">
+                              <a:lumMod val="50000"/>
+                            </a:schemeClr>
                           </a:solidFill>
                           <a:latin typeface="+mn-lt"/>
                           <a:ea typeface="+mn-ea"/>
@@ -4301,15 +4440,154 @@
                             <a:schemeClr val="tx1"/>
                           </a:solidFill>
                         </a:rPr>
-                        <a:t>Architecture Reference Material</a:t>
-                      </a:r>
-                      <a:endParaRPr lang="en-US" sz="1000" b="1" dirty="0">
+                        <a:t>External Reference Materials (from Architecture Repository)</a:t>
+                      </a:r>
+                    </a:p>
+                    <a:p>
+                      <a:pPr marL="0" marR="0" lvl="0" indent="0" algn="l" defTabSz="914400" rtl="0" eaLnBrk="1" fontAlgn="auto" latinLnBrk="0" hangingPunct="1">
+                        <a:lnSpc>
+                          <a:spcPct val="100000"/>
+                        </a:lnSpc>
+                        <a:spcBef>
+                          <a:spcPts val="0"/>
+                        </a:spcBef>
+                        <a:spcAft>
+                          <a:spcPts val="0"/>
+                        </a:spcAft>
+                        <a:buClrTx/>
+                        <a:buSzTx/>
+                        <a:buFont typeface="Arial" panose="020B0604020202020204" pitchFamily="34" charset="0"/>
+                        <a:buNone/>
+                        <a:tabLst/>
+                        <a:defRPr/>
+                      </a:pPr>
+                      <a:r>
+                        <a:rPr lang="en-US" sz="1000" b="1" dirty="0">
+                          <a:solidFill>
+                            <a:schemeClr val="tx1"/>
+                          </a:solidFill>
+                        </a:rPr>
+                        <a:t>Non-Architectural Inputs</a:t>
+                      </a:r>
+                    </a:p>
+                    <a:p>
+                      <a:pPr marL="171450" marR="0" lvl="0" indent="-171450" algn="l" defTabSz="914400" rtl="0" eaLnBrk="1" fontAlgn="auto" latinLnBrk="0" hangingPunct="1">
+                        <a:lnSpc>
+                          <a:spcPct val="100000"/>
+                        </a:lnSpc>
+                        <a:spcBef>
+                          <a:spcPts val="0"/>
+                        </a:spcBef>
+                        <a:spcAft>
+                          <a:spcPts val="0"/>
+                        </a:spcAft>
+                        <a:buClrTx/>
+                        <a:buSzTx/>
+                        <a:buFont typeface="Arial" panose="020B0604020202020204" pitchFamily="34" charset="0"/>
+                        <a:buChar char="•"/>
+                        <a:tabLst/>
+                        <a:defRPr/>
+                      </a:pPr>
+                      <a:r>
+                        <a:rPr lang="en-US" sz="1000" b="0" kern="1200" dirty="0">
+                          <a:solidFill>
+                            <a:srgbClr val="C00000"/>
+                          </a:solidFill>
+                          <a:latin typeface="+mn-lt"/>
+                          <a:ea typeface="+mn-ea"/>
+                          <a:cs typeface="+mn-cs"/>
+                        </a:rPr>
+                        <a:t>Request for Architecture Work</a:t>
+                      </a:r>
+                      <a:endParaRPr lang="en-US" sz="1000" b="0" kern="1200" dirty="0">
                         <a:solidFill>
                           <a:schemeClr val="tx1"/>
                         </a:solidFill>
+                        <a:latin typeface="+mn-lt"/>
+                        <a:ea typeface="+mn-ea"/>
+                        <a:cs typeface="+mn-cs"/>
                       </a:endParaRPr>
                     </a:p>
                     <a:p>
+                      <a:pPr marL="171450" marR="0" lvl="0" indent="-171450" algn="l" defTabSz="914400" rtl="0" eaLnBrk="1" fontAlgn="auto" latinLnBrk="0" hangingPunct="1">
+                        <a:lnSpc>
+                          <a:spcPct val="100000"/>
+                        </a:lnSpc>
+                        <a:spcBef>
+                          <a:spcPts val="0"/>
+                        </a:spcBef>
+                        <a:spcAft>
+                          <a:spcPts val="0"/>
+                        </a:spcAft>
+                        <a:buClrTx/>
+                        <a:buSzTx/>
+                        <a:buFont typeface="Arial" panose="020B0604020202020204" pitchFamily="34" charset="0"/>
+                        <a:buChar char="•"/>
+                        <a:tabLst/>
+                        <a:defRPr/>
+                      </a:pPr>
+                      <a:r>
+                        <a:rPr lang="en-US" sz="1000" b="0" kern="1200" dirty="0">
+                          <a:solidFill>
+                            <a:schemeClr val="accent3">
+                              <a:lumMod val="75000"/>
+                            </a:schemeClr>
+                          </a:solidFill>
+                          <a:latin typeface="+mn-lt"/>
+                          <a:ea typeface="+mn-ea"/>
+                          <a:cs typeface="+mn-cs"/>
+                        </a:rPr>
+                        <a:t>Business principles, goals and drivers</a:t>
+                      </a:r>
+                    </a:p>
+                    <a:p>
+                      <a:pPr marL="171450" marR="0" lvl="0" indent="-171450" algn="l" defTabSz="914400" rtl="0" eaLnBrk="1" fontAlgn="auto" latinLnBrk="0" hangingPunct="1">
+                        <a:lnSpc>
+                          <a:spcPct val="100000"/>
+                        </a:lnSpc>
+                        <a:spcBef>
+                          <a:spcPts val="0"/>
+                        </a:spcBef>
+                        <a:spcAft>
+                          <a:spcPts val="0"/>
+                        </a:spcAft>
+                        <a:buClrTx/>
+                        <a:buSzTx/>
+                        <a:buFont typeface="Arial" panose="020B0604020202020204" pitchFamily="34" charset="0"/>
+                        <a:buChar char="•"/>
+                        <a:tabLst/>
+                        <a:defRPr/>
+                      </a:pPr>
+                      <a:r>
+                        <a:rPr lang="en-US" sz="1000" b="0" kern="1200" dirty="0">
+                          <a:solidFill>
+                            <a:srgbClr val="7030A0"/>
+                          </a:solidFill>
+                          <a:latin typeface="+mn-lt"/>
+                          <a:ea typeface="+mn-ea"/>
+                          <a:cs typeface="+mn-cs"/>
+                        </a:rPr>
+                        <a:t>Capability assessment</a:t>
+                      </a:r>
+                    </a:p>
+                    <a:p>
+                      <a:pPr marL="171450" indent="-171450">
+                        <a:buFont typeface="Arial" panose="020B0604020202020204" pitchFamily="34" charset="0"/>
+                        <a:buChar char="•"/>
+                      </a:pPr>
+                      <a:r>
+                        <a:rPr lang="en-US" sz="1000" b="0" dirty="0">
+                          <a:solidFill>
+                            <a:schemeClr val="tx1"/>
+                          </a:solidFill>
+                          <a:highlight>
+                            <a:srgbClr val="FFFF00"/>
+                          </a:highlight>
+                        </a:rPr>
+                        <a:t>Communication plan</a:t>
+                      </a:r>
+                    </a:p>
+                    <a:p>
                       <a:pPr marL="0" marR="0" lvl="0" indent="0" algn="l" defTabSz="914400" rtl="0" eaLnBrk="1" fontAlgn="auto" latinLnBrk="0" hangingPunct="1">
                         <a:lnSpc>
                           <a:spcPct val="100000"/>
@@ -4333,29 +4611,215 @@
                             <a:schemeClr val="tx1"/>
                           </a:solidFill>
                         </a:rPr>
-                        <a:t>Non-Architectural Inputs</a:t>
-                      </a:r>
-                    </a:p>
-                    <a:p>
-                      <a:pPr marL="171450" marR="0" lvl="0" indent="-171450" algn="l" defTabSz="914400" rtl="0" eaLnBrk="1" fontAlgn="auto" latinLnBrk="0" hangingPunct="1">
-                        <a:lnSpc>
-                          <a:spcPct val="100000"/>
-                        </a:lnSpc>
-                        <a:spcBef>
-                          <a:spcPts val="0"/>
-                        </a:spcBef>
-                        <a:spcAft>
-                          <a:spcPts val="0"/>
-                        </a:spcAft>
-                        <a:buClrTx/>
-                        <a:buSzTx/>
-                        <a:buFont typeface="Arial" panose="020B0604020202020204" pitchFamily="34" charset="0"/>
-                        <a:buChar char="•"/>
-                        <a:tabLst/>
-                        <a:defRPr/>
-                      </a:pPr>
-                      <a:r>
-                        <a:rPr lang="en-US" sz="1000" b="0" kern="1200" dirty="0">
+                        <a:t>Architectural Inputs</a:t>
+                      </a:r>
+                    </a:p>
+                    <a:p>
+                      <a:pPr marL="171450" indent="-171450">
+                        <a:buFont typeface="Arial" panose="020B0604020202020204" pitchFamily="34" charset="0"/>
+                        <a:buChar char="•"/>
+                      </a:pPr>
+                      <a:r>
+                        <a:rPr lang="en-US" sz="1000" b="0" dirty="0">
+                          <a:solidFill>
+                            <a:srgbClr val="FF00FF"/>
+                          </a:solidFill>
+                        </a:rPr>
+                        <a:t>Organizational Model for EA</a:t>
+                      </a:r>
+                    </a:p>
+                    <a:p>
+                      <a:pPr marL="171450" indent="-171450">
+                        <a:buFont typeface="Arial" panose="020B0604020202020204" pitchFamily="34" charset="0"/>
+                        <a:buChar char="•"/>
+                      </a:pPr>
+                      <a:r>
+                        <a:rPr lang="en-US" sz="1000" b="0" dirty="0">
+                          <a:solidFill>
+                            <a:schemeClr val="accent1">
+                              <a:lumMod val="75000"/>
+                            </a:schemeClr>
+                          </a:solidFill>
+                        </a:rPr>
+                        <a:t>Tailored Architecture Framework</a:t>
+                      </a:r>
+                    </a:p>
+                    <a:p>
+                      <a:pPr marL="171450" marR="0" lvl="0" indent="-171450" algn="l" defTabSz="914400" rtl="0" eaLnBrk="1" fontAlgn="auto" latinLnBrk="0" hangingPunct="1">
+                        <a:lnSpc>
+                          <a:spcPct val="100000"/>
+                        </a:lnSpc>
+                        <a:spcBef>
+                          <a:spcPts val="0"/>
+                        </a:spcBef>
+                        <a:spcAft>
+                          <a:spcPts val="0"/>
+                        </a:spcAft>
+                        <a:buClrTx/>
+                        <a:buSzTx/>
+                        <a:buFont typeface="Arial" panose="020B0604020202020204" pitchFamily="34" charset="0"/>
+                        <a:buChar char="•"/>
+                        <a:tabLst/>
+                        <a:defRPr/>
+                      </a:pPr>
+                      <a:r>
+                        <a:rPr lang="en-US" sz="1000" b="0" kern="1200" dirty="0">
+                          <a:solidFill>
+                            <a:srgbClr val="C00000"/>
+                          </a:solidFill>
+                          <a:latin typeface="+mn-lt"/>
+                          <a:ea typeface="+mn-ea"/>
+                          <a:cs typeface="+mn-cs"/>
+                        </a:rPr>
+                        <a:t>Approved Statement of Architecture Work</a:t>
+                      </a:r>
+                    </a:p>
+                    <a:p>
+                      <a:pPr marL="171450" marR="0" lvl="0" indent="-171450" algn="l" defTabSz="914400" rtl="0" eaLnBrk="1" fontAlgn="auto" latinLnBrk="0" hangingPunct="1">
+                        <a:lnSpc>
+                          <a:spcPct val="100000"/>
+                        </a:lnSpc>
+                        <a:spcBef>
+                          <a:spcPts val="0"/>
+                        </a:spcBef>
+                        <a:spcAft>
+                          <a:spcPts val="0"/>
+                        </a:spcAft>
+                        <a:buClrTx/>
+                        <a:buSzTx/>
+                        <a:buFont typeface="Arial" panose="020B0604020202020204" pitchFamily="34" charset="0"/>
+                        <a:buChar char="•"/>
+                        <a:tabLst/>
+                        <a:defRPr/>
+                      </a:pPr>
+                      <a:r>
+                        <a:rPr lang="en-US" sz="1000" b="0" kern="1200" dirty="0">
+                          <a:solidFill>
+                            <a:schemeClr val="accent2">
+                              <a:lumMod val="75000"/>
+                            </a:schemeClr>
+                          </a:solidFill>
+                          <a:latin typeface="+mn-lt"/>
+                          <a:ea typeface="+mn-ea"/>
+                          <a:cs typeface="+mn-cs"/>
+                        </a:rPr>
+                        <a:t>Architecture Vision</a:t>
+                      </a:r>
+                    </a:p>
+                    <a:p>
+                      <a:pPr marL="171450" marR="0" lvl="0" indent="-171450" algn="l" defTabSz="914400" rtl="0" eaLnBrk="1" fontAlgn="auto" latinLnBrk="0" hangingPunct="1">
+                        <a:lnSpc>
+                          <a:spcPct val="100000"/>
+                        </a:lnSpc>
+                        <a:spcBef>
+                          <a:spcPts val="0"/>
+                        </a:spcBef>
+                        <a:spcAft>
+                          <a:spcPts val="0"/>
+                        </a:spcAft>
+                        <a:buClrTx/>
+                        <a:buSzTx/>
+                        <a:buFont typeface="Arial" panose="020B0604020202020204" pitchFamily="34" charset="0"/>
+                        <a:buChar char="•"/>
+                        <a:tabLst/>
+                        <a:defRPr/>
+                      </a:pPr>
+                      <a:r>
+                        <a:rPr lang="en-US" sz="1000" b="1" kern="1200" dirty="0">
+                          <a:solidFill>
+                            <a:schemeClr val="bg1">
+                              <a:lumMod val="50000"/>
+                            </a:schemeClr>
+                          </a:solidFill>
+                          <a:latin typeface="+mn-lt"/>
+                          <a:ea typeface="+mn-ea"/>
+                          <a:cs typeface="+mn-cs"/>
+                        </a:rPr>
+                        <a:t>Architecture Repository</a:t>
+                      </a:r>
+                    </a:p>
+                    <a:p>
+                      <a:pPr marL="171450" marR="0" lvl="0" indent="-171450" algn="l" defTabSz="914400" rtl="0" eaLnBrk="1" fontAlgn="auto" latinLnBrk="0" hangingPunct="1">
+                        <a:lnSpc>
+                          <a:spcPct val="100000"/>
+                        </a:lnSpc>
+                        <a:spcBef>
+                          <a:spcPts val="0"/>
+                        </a:spcBef>
+                        <a:spcAft>
+                          <a:spcPts val="0"/>
+                        </a:spcAft>
+                        <a:buClrTx/>
+                        <a:buSzTx/>
+                        <a:buFont typeface="Arial" panose="020B0604020202020204" pitchFamily="34" charset="0"/>
+                        <a:buChar char="•"/>
+                        <a:tabLst/>
+                        <a:defRPr/>
+                      </a:pPr>
+                      <a:r>
+                        <a:rPr lang="en-US" sz="1000" b="0" kern="1200" dirty="0">
+                          <a:solidFill>
+                            <a:schemeClr val="accent6">
+                              <a:lumMod val="50000"/>
+                            </a:schemeClr>
+                          </a:solidFill>
+                          <a:latin typeface="+mn-lt"/>
+                          <a:ea typeface="+mn-ea"/>
+                          <a:cs typeface="+mn-cs"/>
+                        </a:rPr>
+                        <a:t>Draft Architecture Definition Document </a:t>
+                      </a:r>
+                    </a:p>
+                    <a:p>
+                      <a:pPr marL="171450" marR="0" lvl="0" indent="-171450" algn="l" defTabSz="914400" rtl="0" eaLnBrk="1" fontAlgn="auto" latinLnBrk="0" hangingPunct="1">
+                        <a:lnSpc>
+                          <a:spcPct val="100000"/>
+                        </a:lnSpc>
+                        <a:spcBef>
+                          <a:spcPts val="0"/>
+                        </a:spcBef>
+                        <a:spcAft>
+                          <a:spcPts val="0"/>
+                        </a:spcAft>
+                        <a:buClrTx/>
+                        <a:buSzTx/>
+                        <a:buFont typeface="Arial" panose="020B0604020202020204" pitchFamily="34" charset="0"/>
+                        <a:buChar char="•"/>
+                        <a:tabLst/>
+                        <a:defRPr/>
+                      </a:pPr>
+                      <a:r>
+                        <a:rPr lang="en-US" sz="1000" b="0" kern="1200" dirty="0">
+                          <a:solidFill>
+                            <a:srgbClr val="00B0F0"/>
+                          </a:solidFill>
+                          <a:latin typeface="+mn-lt"/>
+                          <a:ea typeface="+mn-ea"/>
+                          <a:cs typeface="+mn-cs"/>
+                        </a:rPr>
+                        <a:t>Draft Architecture Requirement Specs </a:t>
+                      </a:r>
+                    </a:p>
+                    <a:p>
+                      <a:pPr marL="171450" marR="0" lvl="0" indent="-171450" algn="l" defTabSz="914400" rtl="0" eaLnBrk="1" fontAlgn="auto" latinLnBrk="0" hangingPunct="1">
+                        <a:lnSpc>
+                          <a:spcPct val="100000"/>
+                        </a:lnSpc>
+                        <a:spcBef>
+                          <a:spcPts val="0"/>
+                        </a:spcBef>
+                        <a:spcAft>
+                          <a:spcPts val="0"/>
+                        </a:spcAft>
+                        <a:buClrTx/>
+                        <a:buSzTx/>
+                        <a:buFont typeface="Arial" panose="020B0604020202020204" pitchFamily="34" charset="0"/>
+                        <a:buChar char="•"/>
+                        <a:tabLst/>
+                        <a:defRPr/>
+                      </a:pPr>
+                      <a:r>
+                        <a:rPr lang="en-US" sz="1000" b="0" i="1" kern="1200" dirty="0">
                           <a:solidFill>
                             <a:schemeClr val="tx1"/>
                           </a:solidFill>
@@ -4363,363 +4827,9 @@
                           <a:ea typeface="+mn-ea"/>
                           <a:cs typeface="+mn-cs"/>
                         </a:rPr>
-                        <a:t>Request for architecture work</a:t>
-                      </a:r>
-                    </a:p>
-                    <a:p>
-                      <a:pPr marL="171450" marR="0" lvl="0" indent="-171450" algn="l" defTabSz="914400" rtl="0" eaLnBrk="1" fontAlgn="auto" latinLnBrk="0" hangingPunct="1">
-                        <a:lnSpc>
-                          <a:spcPct val="100000"/>
-                        </a:lnSpc>
-                        <a:spcBef>
-                          <a:spcPts val="0"/>
-                        </a:spcBef>
-                        <a:spcAft>
-                          <a:spcPts val="0"/>
-                        </a:spcAft>
-                        <a:buClrTx/>
-                        <a:buSzTx/>
-                        <a:buFont typeface="Arial" panose="020B0604020202020204" pitchFamily="34" charset="0"/>
-                        <a:buChar char="•"/>
-                        <a:tabLst/>
-                        <a:defRPr/>
-                      </a:pPr>
-                      <a:r>
-                        <a:rPr lang="en-US" sz="1000" b="0" kern="1200" dirty="0">
-                          <a:solidFill>
-                            <a:schemeClr val="tx1"/>
-                          </a:solidFill>
-                          <a:latin typeface="+mn-lt"/>
-                          <a:ea typeface="+mn-ea"/>
-                          <a:cs typeface="+mn-cs"/>
-                        </a:rPr>
-                        <a:t>Business principles, goals and drivers</a:t>
-                      </a:r>
-                    </a:p>
-                    <a:p>
-                      <a:pPr marL="171450" marR="0" lvl="0" indent="-171450" algn="l" defTabSz="914400" rtl="0" eaLnBrk="1" fontAlgn="auto" latinLnBrk="0" hangingPunct="1">
-                        <a:lnSpc>
-                          <a:spcPct val="100000"/>
-                        </a:lnSpc>
-                        <a:spcBef>
-                          <a:spcPts val="0"/>
-                        </a:spcBef>
-                        <a:spcAft>
-                          <a:spcPts val="0"/>
-                        </a:spcAft>
-                        <a:buClrTx/>
-                        <a:buSzTx/>
-                        <a:buFont typeface="Arial" panose="020B0604020202020204" pitchFamily="34" charset="0"/>
-                        <a:buChar char="•"/>
-                        <a:tabLst/>
-                        <a:defRPr/>
-                      </a:pPr>
-                      <a:r>
-                        <a:rPr lang="en-US" sz="1000" b="0" kern="1200" dirty="0">
-                          <a:solidFill>
-                            <a:schemeClr val="tx1"/>
-                          </a:solidFill>
-                          <a:latin typeface="+mn-lt"/>
-                          <a:ea typeface="+mn-ea"/>
-                          <a:cs typeface="+mn-cs"/>
-                        </a:rPr>
-                        <a:t>Capability assessment</a:t>
-                      </a:r>
-                    </a:p>
-                    <a:p>
-                      <a:pPr marL="171450" marR="0" lvl="0" indent="-171450" algn="l" defTabSz="914400" rtl="0" eaLnBrk="1" fontAlgn="auto" latinLnBrk="0" hangingPunct="1">
-                        <a:lnSpc>
-                          <a:spcPct val="100000"/>
-                        </a:lnSpc>
-                        <a:spcBef>
-                          <a:spcPts val="0"/>
-                        </a:spcBef>
-                        <a:spcAft>
-                          <a:spcPts val="0"/>
-                        </a:spcAft>
-                        <a:buClrTx/>
-                        <a:buSzTx/>
-                        <a:buFont typeface="Arial" panose="020B0604020202020204" pitchFamily="34" charset="0"/>
-                        <a:buChar char="•"/>
-                        <a:tabLst/>
-                        <a:defRPr/>
-                      </a:pPr>
-                      <a:r>
-                        <a:rPr lang="en-US" sz="1000" b="0" kern="1200" dirty="0">
-                          <a:solidFill>
-                            <a:schemeClr val="tx1"/>
-                          </a:solidFill>
-                          <a:latin typeface="+mn-lt"/>
-                          <a:ea typeface="+mn-ea"/>
-                          <a:cs typeface="+mn-cs"/>
-                        </a:rPr>
-                        <a:t>Communication plan</a:t>
-                      </a:r>
-                    </a:p>
-                    <a:p>
-                      <a:pPr marL="0" marR="0" lvl="0" indent="0" algn="l" defTabSz="914400" rtl="0" eaLnBrk="1" fontAlgn="auto" latinLnBrk="0" hangingPunct="1">
-                        <a:lnSpc>
-                          <a:spcPct val="100000"/>
-                        </a:lnSpc>
-                        <a:spcBef>
-                          <a:spcPts val="0"/>
-                        </a:spcBef>
-                        <a:spcAft>
-                          <a:spcPts val="0"/>
-                        </a:spcAft>
-                        <a:buClrTx/>
-                        <a:buSzTx/>
-                        <a:buFont typeface="Arial" panose="020B0604020202020204" pitchFamily="34" charset="0"/>
-                        <a:buNone/>
-                        <a:tabLst/>
-                        <a:defRPr/>
-                      </a:pPr>
-                      <a:r>
-                        <a:rPr lang="en-US" sz="1000" b="1" dirty="0">
-                          <a:solidFill>
-                            <a:schemeClr val="tx1"/>
-                          </a:solidFill>
-                        </a:rPr>
-                        <a:t>Architectural Inputs</a:t>
-                      </a:r>
-                    </a:p>
-                    <a:p>
-                      <a:pPr marL="171450" marR="0" lvl="0" indent="-171450" algn="l" defTabSz="914400" rtl="0" eaLnBrk="1" fontAlgn="auto" latinLnBrk="0" hangingPunct="1">
-                        <a:lnSpc>
-                          <a:spcPct val="100000"/>
-                        </a:lnSpc>
-                        <a:spcBef>
-                          <a:spcPts val="0"/>
-                        </a:spcBef>
-                        <a:spcAft>
-                          <a:spcPts val="0"/>
-                        </a:spcAft>
-                        <a:buClrTx/>
-                        <a:buSzTx/>
-                        <a:buFont typeface="Arial" panose="020B0604020202020204" pitchFamily="34" charset="0"/>
-                        <a:buChar char="•"/>
-                        <a:tabLst/>
-                        <a:defRPr/>
-                      </a:pPr>
-                      <a:r>
-                        <a:rPr lang="en-US" sz="1000" b="0" dirty="0">
-                          <a:solidFill>
-                            <a:schemeClr val="tx1"/>
-                          </a:solidFill>
-                        </a:rPr>
-                        <a:t>Organizational model </a:t>
-                      </a:r>
-                    </a:p>
-                    <a:p>
-                      <a:pPr marL="171450" marR="0" lvl="0" indent="-171450" algn="l" defTabSz="914400" rtl="0" eaLnBrk="1" fontAlgn="auto" latinLnBrk="0" hangingPunct="1">
-                        <a:lnSpc>
-                          <a:spcPct val="100000"/>
-                        </a:lnSpc>
-                        <a:spcBef>
-                          <a:spcPts val="0"/>
-                        </a:spcBef>
-                        <a:spcAft>
-                          <a:spcPts val="0"/>
-                        </a:spcAft>
-                        <a:buClrTx/>
-                        <a:buSzTx/>
-                        <a:buFont typeface="Arial" panose="020B0604020202020204" pitchFamily="34" charset="0"/>
-                        <a:buChar char="•"/>
-                        <a:tabLst/>
-                        <a:defRPr/>
-                      </a:pPr>
-                      <a:r>
-                        <a:rPr lang="en-US" sz="1000" b="0" kern="1200" dirty="0">
-                          <a:solidFill>
-                            <a:schemeClr val="tx1"/>
-                          </a:solidFill>
-                          <a:latin typeface="+mn-lt"/>
-                          <a:ea typeface="+mn-ea"/>
-                          <a:cs typeface="+mn-cs"/>
-                        </a:rPr>
-                        <a:t>Tailored Architecture Framework</a:t>
-                      </a:r>
-                    </a:p>
-                    <a:p>
-                      <a:pPr marL="171450" marR="0" lvl="0" indent="-171450" algn="l" defTabSz="914400" rtl="0" eaLnBrk="1" fontAlgn="auto" latinLnBrk="0" hangingPunct="1">
-                        <a:lnSpc>
-                          <a:spcPct val="100000"/>
-                        </a:lnSpc>
-                        <a:spcBef>
-                          <a:spcPts val="0"/>
-                        </a:spcBef>
-                        <a:spcAft>
-                          <a:spcPts val="0"/>
-                        </a:spcAft>
-                        <a:buClrTx/>
-                        <a:buSzTx/>
-                        <a:buFont typeface="Arial" panose="020B0604020202020204" pitchFamily="34" charset="0"/>
-                        <a:buChar char="•"/>
-                        <a:tabLst/>
-                        <a:defRPr/>
-                      </a:pPr>
-                      <a:r>
-                        <a:rPr lang="en-US" sz="1000" b="0" kern="1200" dirty="0">
-                          <a:solidFill>
-                            <a:schemeClr val="tx1"/>
-                          </a:solidFill>
-                          <a:latin typeface="+mn-lt"/>
-                          <a:ea typeface="+mn-ea"/>
-                          <a:cs typeface="+mn-cs"/>
-                        </a:rPr>
-                        <a:t>Approved Statement of Architecture Work</a:t>
-                      </a:r>
-                    </a:p>
-                    <a:p>
-                      <a:pPr marL="171450" marR="0" lvl="0" indent="-171450" algn="l" defTabSz="914400" rtl="0" eaLnBrk="1" fontAlgn="auto" latinLnBrk="0" hangingPunct="1">
-                        <a:lnSpc>
-                          <a:spcPct val="100000"/>
-                        </a:lnSpc>
-                        <a:spcBef>
-                          <a:spcPts val="0"/>
-                        </a:spcBef>
-                        <a:spcAft>
-                          <a:spcPts val="0"/>
-                        </a:spcAft>
-                        <a:buClrTx/>
-                        <a:buSzTx/>
-                        <a:buFont typeface="Arial" panose="020B0604020202020204" pitchFamily="34" charset="0"/>
-                        <a:buChar char="•"/>
-                        <a:tabLst/>
-                        <a:defRPr/>
-                      </a:pPr>
-                      <a:r>
-                        <a:rPr lang="en-US" sz="1000" b="0" kern="1200" dirty="0">
-                          <a:solidFill>
-                            <a:schemeClr val="tx1"/>
-                          </a:solidFill>
-                          <a:latin typeface="+mn-lt"/>
-                          <a:ea typeface="+mn-ea"/>
-                          <a:cs typeface="+mn-cs"/>
-                        </a:rPr>
-                        <a:t>Architecture Vision</a:t>
-                      </a:r>
-                    </a:p>
-                    <a:p>
-                      <a:pPr marL="171450" marR="0" lvl="0" indent="-171450" algn="l" defTabSz="914400" rtl="0" eaLnBrk="1" fontAlgn="auto" latinLnBrk="0" hangingPunct="1">
-                        <a:lnSpc>
-                          <a:spcPct val="100000"/>
-                        </a:lnSpc>
-                        <a:spcBef>
-                          <a:spcPts val="0"/>
-                        </a:spcBef>
-                        <a:spcAft>
-                          <a:spcPts val="0"/>
-                        </a:spcAft>
-                        <a:buClrTx/>
-                        <a:buSzTx/>
-                        <a:buFont typeface="Arial" panose="020B0604020202020204" pitchFamily="34" charset="0"/>
-                        <a:buChar char="•"/>
-                        <a:tabLst/>
-                        <a:defRPr/>
-                      </a:pPr>
-                      <a:r>
-                        <a:rPr lang="en-US" sz="1000" b="0" kern="1200" dirty="0">
-                          <a:solidFill>
-                            <a:schemeClr val="tx1"/>
-                          </a:solidFill>
-                          <a:latin typeface="+mn-lt"/>
-                          <a:ea typeface="+mn-ea"/>
-                          <a:cs typeface="+mn-cs"/>
-                        </a:rPr>
-                        <a:t>Architecture Repository</a:t>
-                      </a:r>
-                    </a:p>
-                    <a:p>
-                      <a:pPr marL="171450" marR="0" lvl="0" indent="-171450" algn="l" defTabSz="914400" rtl="0" eaLnBrk="1" fontAlgn="auto" latinLnBrk="0" hangingPunct="1">
-                        <a:lnSpc>
-                          <a:spcPct val="100000"/>
-                        </a:lnSpc>
-                        <a:spcBef>
-                          <a:spcPts val="0"/>
-                        </a:spcBef>
-                        <a:spcAft>
-                          <a:spcPts val="0"/>
-                        </a:spcAft>
-                        <a:buClrTx/>
-                        <a:buSzTx/>
-                        <a:buFont typeface="Arial" panose="020B0604020202020204" pitchFamily="34" charset="0"/>
-                        <a:buChar char="•"/>
-                        <a:tabLst/>
-                        <a:defRPr/>
-                      </a:pPr>
-                      <a:r>
-                        <a:rPr lang="en-US" sz="1000" b="0" kern="1200" dirty="0">
-                          <a:solidFill>
-                            <a:schemeClr val="tx1"/>
-                          </a:solidFill>
-                          <a:latin typeface="+mn-lt"/>
-                          <a:ea typeface="+mn-ea"/>
-                          <a:cs typeface="+mn-cs"/>
-                        </a:rPr>
-                        <a:t>Draft Architecture Definition Document </a:t>
-                      </a:r>
-                    </a:p>
-                    <a:p>
-                      <a:pPr marL="171450" marR="0" lvl="0" indent="-171450" algn="l" defTabSz="914400" rtl="0" eaLnBrk="1" fontAlgn="auto" latinLnBrk="0" hangingPunct="1">
-                        <a:lnSpc>
-                          <a:spcPct val="100000"/>
-                        </a:lnSpc>
-                        <a:spcBef>
-                          <a:spcPts val="0"/>
-                        </a:spcBef>
-                        <a:spcAft>
-                          <a:spcPts val="0"/>
-                        </a:spcAft>
-                        <a:buClrTx/>
-                        <a:buSzTx/>
-                        <a:buFont typeface="Arial" panose="020B0604020202020204" pitchFamily="34" charset="0"/>
-                        <a:buChar char="•"/>
-                        <a:tabLst/>
-                        <a:defRPr/>
-                      </a:pPr>
-                      <a:r>
-                        <a:rPr lang="en-US" sz="1000" b="0" kern="1200" dirty="0">
-                          <a:solidFill>
-                            <a:schemeClr val="tx1"/>
-                          </a:solidFill>
-                          <a:latin typeface="+mn-lt"/>
-                          <a:ea typeface="+mn-ea"/>
-                          <a:cs typeface="+mn-cs"/>
-                        </a:rPr>
-                        <a:t>Draft Architecture Requirement Specs </a:t>
-                      </a:r>
-                    </a:p>
-                    <a:p>
-                      <a:pPr marL="171450" marR="0" lvl="0" indent="-171450" algn="l" defTabSz="914400" rtl="0" eaLnBrk="1" fontAlgn="auto" latinLnBrk="0" hangingPunct="1">
-                        <a:lnSpc>
-                          <a:spcPct val="100000"/>
-                        </a:lnSpc>
-                        <a:spcBef>
-                          <a:spcPts val="0"/>
-                        </a:spcBef>
-                        <a:spcAft>
-                          <a:spcPts val="0"/>
-                        </a:spcAft>
-                        <a:buClrTx/>
-                        <a:buSzTx/>
-                        <a:buFont typeface="Arial" panose="020B0604020202020204" pitchFamily="34" charset="0"/>
-                        <a:buChar char="•"/>
-                        <a:tabLst/>
-                        <a:defRPr/>
-                      </a:pPr>
-                      <a:r>
-                        <a:rPr lang="en-US" sz="1000" b="0" kern="1200" dirty="0">
-                          <a:solidFill>
-                            <a:schemeClr val="tx1"/>
-                          </a:solidFill>
-                          <a:latin typeface="+mn-lt"/>
-                          <a:ea typeface="+mn-ea"/>
-                          <a:cs typeface="+mn-cs"/>
-                        </a:rPr>
                         <a:t>Domain architecture component of Architecture Roadmap</a:t>
                       </a:r>
-                      <a:endParaRPr lang="en-US" sz="1000" b="0" dirty="0">
+                      <a:endParaRPr lang="en-US" sz="1000" b="0" i="1" dirty="0">
                         <a:solidFill>
                           <a:schemeClr val="tx1"/>
                         </a:solidFill>
@@ -4756,15 +4866,122 @@
                             <a:schemeClr val="tx1"/>
                           </a:solidFill>
                         </a:rPr>
-                        <a:t>Architecture Reference Material</a:t>
-                      </a:r>
-                      <a:endParaRPr lang="en-US" sz="1000" b="1" dirty="0">
+                        <a:t>External Reference Materials (from Architecture Repository)</a:t>
+                      </a:r>
+                    </a:p>
+                    <a:p>
+                      <a:pPr marL="0" marR="0" lvl="0" indent="0" algn="l" defTabSz="914400" rtl="0" eaLnBrk="1" fontAlgn="auto" latinLnBrk="0" hangingPunct="1">
+                        <a:lnSpc>
+                          <a:spcPct val="100000"/>
+                        </a:lnSpc>
+                        <a:spcBef>
+                          <a:spcPts val="0"/>
+                        </a:spcBef>
+                        <a:spcAft>
+                          <a:spcPts val="0"/>
+                        </a:spcAft>
+                        <a:buClrTx/>
+                        <a:buSzTx/>
+                        <a:buFont typeface="Arial" panose="020B0604020202020204" pitchFamily="34" charset="0"/>
+                        <a:buNone/>
+                        <a:tabLst/>
+                        <a:defRPr/>
+                      </a:pPr>
+                      <a:r>
+                        <a:rPr lang="en-US" sz="1000" b="1" dirty="0">
+                          <a:solidFill>
+                            <a:schemeClr val="tx1"/>
+                          </a:solidFill>
+                        </a:rPr>
+                        <a:t>Non-Architectural Inputs</a:t>
+                      </a:r>
+                    </a:p>
+                    <a:p>
+                      <a:pPr marL="171450" marR="0" lvl="0" indent="-171450" algn="l" defTabSz="914400" rtl="0" eaLnBrk="1" fontAlgn="auto" latinLnBrk="0" hangingPunct="1">
+                        <a:lnSpc>
+                          <a:spcPct val="100000"/>
+                        </a:lnSpc>
+                        <a:spcBef>
+                          <a:spcPts val="0"/>
+                        </a:spcBef>
+                        <a:spcAft>
+                          <a:spcPts val="0"/>
+                        </a:spcAft>
+                        <a:buClrTx/>
+                        <a:buSzTx/>
+                        <a:buFont typeface="Arial" panose="020B0604020202020204" pitchFamily="34" charset="0"/>
+                        <a:buChar char="•"/>
+                        <a:tabLst/>
+                        <a:defRPr/>
+                      </a:pPr>
+                      <a:r>
+                        <a:rPr lang="en-US" sz="1000" b="0" kern="1200" dirty="0">
+                          <a:solidFill>
+                            <a:srgbClr val="C00000"/>
+                          </a:solidFill>
+                          <a:latin typeface="+mn-lt"/>
+                          <a:ea typeface="+mn-ea"/>
+                          <a:cs typeface="+mn-cs"/>
+                        </a:rPr>
+                        <a:t>Request for Architecture Work</a:t>
+                      </a:r>
+                      <a:endParaRPr lang="en-US" sz="1000" b="0" kern="1200" dirty="0">
                         <a:solidFill>
                           <a:schemeClr val="tx1"/>
                         </a:solidFill>
+                        <a:latin typeface="+mn-lt"/>
+                        <a:ea typeface="+mn-ea"/>
+                        <a:cs typeface="+mn-cs"/>
                       </a:endParaRPr>
                     </a:p>
                     <a:p>
+                      <a:pPr marL="171450" marR="0" lvl="0" indent="-171450" algn="l" defTabSz="914400" rtl="0" eaLnBrk="1" fontAlgn="auto" latinLnBrk="0" hangingPunct="1">
+                        <a:lnSpc>
+                          <a:spcPct val="100000"/>
+                        </a:lnSpc>
+                        <a:spcBef>
+                          <a:spcPts val="0"/>
+                        </a:spcBef>
+                        <a:spcAft>
+                          <a:spcPts val="0"/>
+                        </a:spcAft>
+                        <a:buClrTx/>
+                        <a:buSzTx/>
+                        <a:buFont typeface="Arial" panose="020B0604020202020204" pitchFamily="34" charset="0"/>
+                        <a:buChar char="•"/>
+                        <a:tabLst/>
+                        <a:defRPr/>
+                      </a:pPr>
+                      <a:r>
+                        <a:rPr lang="en-US" sz="1000" b="0" kern="1200" dirty="0">
+                          <a:solidFill>
+                            <a:srgbClr val="7030A0"/>
+                          </a:solidFill>
+                          <a:latin typeface="+mn-lt"/>
+                          <a:ea typeface="+mn-ea"/>
+                          <a:cs typeface="+mn-cs"/>
+                        </a:rPr>
+                        <a:t>Capability assessment</a:t>
+                      </a:r>
+                    </a:p>
+                    <a:p>
+                      <a:pPr marL="171450" indent="-171450">
+                        <a:buFont typeface="Arial" panose="020B0604020202020204" pitchFamily="34" charset="0"/>
+                        <a:buChar char="•"/>
+                      </a:pPr>
+                      <a:r>
+                        <a:rPr lang="en-US" sz="1000" b="0" dirty="0">
+                          <a:solidFill>
+                            <a:schemeClr val="tx1"/>
+                          </a:solidFill>
+                          <a:highlight>
+                            <a:srgbClr val="FFFF00"/>
+                          </a:highlight>
+                        </a:rPr>
+                        <a:t>Communication plan</a:t>
+                      </a:r>
+                    </a:p>
+                    <a:p>
                       <a:pPr marL="0" marR="0" lvl="0" indent="0" algn="l" defTabSz="914400" rtl="0" eaLnBrk="1" fontAlgn="auto" latinLnBrk="0" hangingPunct="1">
                         <a:lnSpc>
                           <a:spcPct val="100000"/>
@@ -4788,29 +5005,59 @@
                             <a:schemeClr val="tx1"/>
                           </a:solidFill>
                         </a:rPr>
-                        <a:t>Non-Architectural Inputs</a:t>
-                      </a:r>
-                    </a:p>
-                    <a:p>
-                      <a:pPr marL="171450" marR="0" lvl="0" indent="-171450" algn="l" defTabSz="914400" rtl="0" eaLnBrk="1" fontAlgn="auto" latinLnBrk="0" hangingPunct="1">
-                        <a:lnSpc>
-                          <a:spcPct val="100000"/>
-                        </a:lnSpc>
-                        <a:spcBef>
-                          <a:spcPts val="0"/>
-                        </a:spcBef>
-                        <a:spcAft>
-                          <a:spcPts val="0"/>
-                        </a:spcAft>
-                        <a:buClrTx/>
-                        <a:buSzTx/>
-                        <a:buFont typeface="Arial" panose="020B0604020202020204" pitchFamily="34" charset="0"/>
-                        <a:buChar char="•"/>
-                        <a:tabLst/>
-                        <a:defRPr/>
-                      </a:pPr>
-                      <a:r>
-                        <a:rPr lang="en-US" sz="1000" b="0" kern="1200" dirty="0">
+                        <a:t>Architectural Inputs</a:t>
+                      </a:r>
+                    </a:p>
+                    <a:p>
+                      <a:pPr marL="171450" indent="-171450">
+                        <a:buFont typeface="Arial" panose="020B0604020202020204" pitchFamily="34" charset="0"/>
+                        <a:buChar char="•"/>
+                      </a:pPr>
+                      <a:r>
+                        <a:rPr lang="en-US" sz="1000" b="0" dirty="0">
+                          <a:solidFill>
+                            <a:srgbClr val="FF00FF"/>
+                          </a:solidFill>
+                        </a:rPr>
+                        <a:t>Organizational Model for EA</a:t>
+                      </a:r>
+                    </a:p>
+                    <a:p>
+                      <a:pPr marL="171450" indent="-171450">
+                        <a:buFont typeface="Arial" panose="020B0604020202020204" pitchFamily="34" charset="0"/>
+                        <a:buChar char="•"/>
+                      </a:pPr>
+                      <a:r>
+                        <a:rPr lang="en-US" sz="1000" b="0" dirty="0">
+                          <a:solidFill>
+                            <a:schemeClr val="accent1">
+                              <a:lumMod val="75000"/>
+                            </a:schemeClr>
+                          </a:solidFill>
+                        </a:rPr>
+                        <a:t>Tailored Architecture Framework</a:t>
+                      </a:r>
+                    </a:p>
+                    <a:p>
+                      <a:pPr marL="171450" marR="0" lvl="0" indent="-171450" algn="l" defTabSz="914400" rtl="0" eaLnBrk="1" fontAlgn="auto" latinLnBrk="0" hangingPunct="1">
+                        <a:lnSpc>
+                          <a:spcPct val="100000"/>
+                        </a:lnSpc>
+                        <a:spcBef>
+                          <a:spcPts val="0"/>
+                        </a:spcBef>
+                        <a:spcAft>
+                          <a:spcPts val="0"/>
+                        </a:spcAft>
+                        <a:buClrTx/>
+                        <a:buSzTx/>
+                        <a:buFont typeface="Arial" panose="020B0604020202020204" pitchFamily="34" charset="0"/>
+                        <a:buChar char="•"/>
+                        <a:tabLst/>
+                        <a:defRPr/>
+                      </a:pPr>
+                      <a:r>
+                        <a:rPr lang="en-US" sz="1000" b="0" i="1" kern="1200" dirty="0">
                           <a:solidFill>
                             <a:schemeClr val="tx1"/>
                           </a:solidFill>
@@ -4818,29 +5065,185 @@
                           <a:ea typeface="+mn-ea"/>
                           <a:cs typeface="+mn-cs"/>
                         </a:rPr>
-                        <a:t>Request for architecture work</a:t>
-                      </a:r>
-                    </a:p>
-                    <a:p>
-                      <a:pPr marL="171450" marR="0" lvl="0" indent="-171450" algn="l" defTabSz="914400" rtl="0" eaLnBrk="1" fontAlgn="auto" latinLnBrk="0" hangingPunct="1">
-                        <a:lnSpc>
-                          <a:spcPct val="100000"/>
-                        </a:lnSpc>
-                        <a:spcBef>
-                          <a:spcPts val="0"/>
-                        </a:spcBef>
-                        <a:spcAft>
-                          <a:spcPts val="0"/>
-                        </a:spcAft>
-                        <a:buClrTx/>
-                        <a:buSzTx/>
-                        <a:buFont typeface="Arial" panose="020B0604020202020204" pitchFamily="34" charset="0"/>
-                        <a:buChar char="•"/>
-                        <a:tabLst/>
-                        <a:defRPr/>
-                      </a:pPr>
-                      <a:r>
-                        <a:rPr lang="en-US" sz="1000" b="0" kern="1200" dirty="0">
+                        <a:t>Data principles</a:t>
+                      </a:r>
+                    </a:p>
+                    <a:p>
+                      <a:pPr marL="171450" marR="0" lvl="0" indent="-171450" algn="l" defTabSz="914400" rtl="0" eaLnBrk="1" fontAlgn="auto" latinLnBrk="0" hangingPunct="1">
+                        <a:lnSpc>
+                          <a:spcPct val="100000"/>
+                        </a:lnSpc>
+                        <a:spcBef>
+                          <a:spcPts val="0"/>
+                        </a:spcBef>
+                        <a:spcAft>
+                          <a:spcPts val="0"/>
+                        </a:spcAft>
+                        <a:buClrTx/>
+                        <a:buSzTx/>
+                        <a:buFont typeface="Arial" panose="020B0604020202020204" pitchFamily="34" charset="0"/>
+                        <a:buChar char="•"/>
+                        <a:tabLst/>
+                        <a:defRPr/>
+                      </a:pPr>
+                      <a:r>
+                        <a:rPr lang="en-US" sz="1000" b="0" kern="1200" dirty="0">
+                          <a:solidFill>
+                            <a:srgbClr val="C00000"/>
+                          </a:solidFill>
+                          <a:latin typeface="+mn-lt"/>
+                          <a:ea typeface="+mn-ea"/>
+                          <a:cs typeface="+mn-cs"/>
+                        </a:rPr>
+                        <a:t>Statement of Architecture Work</a:t>
+                      </a:r>
+                    </a:p>
+                    <a:p>
+                      <a:pPr marL="171450" marR="0" lvl="0" indent="-171450" algn="l" defTabSz="914400" rtl="0" eaLnBrk="1" fontAlgn="auto" latinLnBrk="0" hangingPunct="1">
+                        <a:lnSpc>
+                          <a:spcPct val="100000"/>
+                        </a:lnSpc>
+                        <a:spcBef>
+                          <a:spcPts val="0"/>
+                        </a:spcBef>
+                        <a:spcAft>
+                          <a:spcPts val="0"/>
+                        </a:spcAft>
+                        <a:buClrTx/>
+                        <a:buSzTx/>
+                        <a:buFont typeface="Arial" panose="020B0604020202020204" pitchFamily="34" charset="0"/>
+                        <a:buChar char="•"/>
+                        <a:tabLst/>
+                        <a:defRPr/>
+                      </a:pPr>
+                      <a:r>
+                        <a:rPr lang="en-US" sz="1000" b="0" kern="1200" dirty="0">
+                          <a:solidFill>
+                            <a:schemeClr val="accent2">
+                              <a:lumMod val="75000"/>
+                            </a:schemeClr>
+                          </a:solidFill>
+                          <a:latin typeface="+mn-lt"/>
+                          <a:ea typeface="+mn-ea"/>
+                          <a:cs typeface="+mn-cs"/>
+                        </a:rPr>
+                        <a:t>Architecture Vision</a:t>
+                      </a:r>
+                    </a:p>
+                    <a:p>
+                      <a:pPr marL="171450" marR="0" lvl="0" indent="-171450" algn="l" defTabSz="914400" rtl="0" eaLnBrk="1" fontAlgn="auto" latinLnBrk="0" hangingPunct="1">
+                        <a:lnSpc>
+                          <a:spcPct val="100000"/>
+                        </a:lnSpc>
+                        <a:spcBef>
+                          <a:spcPts val="0"/>
+                        </a:spcBef>
+                        <a:spcAft>
+                          <a:spcPts val="0"/>
+                        </a:spcAft>
+                        <a:buClrTx/>
+                        <a:buSzTx/>
+                        <a:buFont typeface="Arial" panose="020B0604020202020204" pitchFamily="34" charset="0"/>
+                        <a:buChar char="•"/>
+                        <a:tabLst/>
+                        <a:defRPr/>
+                      </a:pPr>
+                      <a:r>
+                        <a:rPr lang="en-US" sz="1000" b="1" kern="1200" dirty="0">
+                          <a:solidFill>
+                            <a:schemeClr val="bg1">
+                              <a:lumMod val="50000"/>
+                            </a:schemeClr>
+                          </a:solidFill>
+                          <a:latin typeface="+mn-lt"/>
+                          <a:ea typeface="+mn-ea"/>
+                          <a:cs typeface="+mn-cs"/>
+                        </a:rPr>
+                        <a:t>Architecture Repository</a:t>
+                      </a:r>
+                    </a:p>
+                    <a:p>
+                      <a:pPr marL="171450" marR="0" lvl="0" indent="-171450" algn="l" defTabSz="914400" rtl="0" eaLnBrk="1" fontAlgn="auto" latinLnBrk="0" hangingPunct="1">
+                        <a:lnSpc>
+                          <a:spcPct val="100000"/>
+                        </a:lnSpc>
+                        <a:spcBef>
+                          <a:spcPts val="0"/>
+                        </a:spcBef>
+                        <a:spcAft>
+                          <a:spcPts val="0"/>
+                        </a:spcAft>
+                        <a:buClrTx/>
+                        <a:buSzTx/>
+                        <a:buFont typeface="Arial" panose="020B0604020202020204" pitchFamily="34" charset="0"/>
+                        <a:buChar char="•"/>
+                        <a:tabLst/>
+                        <a:defRPr/>
+                      </a:pPr>
+                      <a:r>
+                        <a:rPr lang="en-US" sz="1000" b="0" kern="1200" dirty="0">
+                          <a:solidFill>
+                            <a:schemeClr val="accent6">
+                              <a:lumMod val="50000"/>
+                            </a:schemeClr>
+                          </a:solidFill>
+                          <a:latin typeface="+mn-lt"/>
+                          <a:ea typeface="+mn-ea"/>
+                          <a:cs typeface="+mn-cs"/>
+                        </a:rPr>
+                        <a:t>Draft Architecture Definition Document (v 1.0 of baseline/target)</a:t>
+                      </a:r>
+                    </a:p>
+                    <a:p>
+                      <a:pPr marL="171450" marR="0" lvl="0" indent="-171450" algn="l" defTabSz="914400" rtl="0" eaLnBrk="1" fontAlgn="auto" latinLnBrk="0" hangingPunct="1">
+                        <a:lnSpc>
+                          <a:spcPct val="100000"/>
+                        </a:lnSpc>
+                        <a:spcBef>
+                          <a:spcPts val="0"/>
+                        </a:spcBef>
+                        <a:spcAft>
+                          <a:spcPts val="0"/>
+                        </a:spcAft>
+                        <a:buClrTx/>
+                        <a:buSzTx/>
+                        <a:buFont typeface="Arial" panose="020B0604020202020204" pitchFamily="34" charset="0"/>
+                        <a:buChar char="•"/>
+                        <a:tabLst/>
+                        <a:defRPr/>
+                      </a:pPr>
+                      <a:r>
+                        <a:rPr lang="en-US" sz="1000" b="0" kern="1200" dirty="0">
+                          <a:solidFill>
+                            <a:srgbClr val="00B0F0"/>
+                          </a:solidFill>
+                          <a:latin typeface="+mn-lt"/>
+                          <a:ea typeface="+mn-ea"/>
+                          <a:cs typeface="+mn-cs"/>
+                        </a:rPr>
+                        <a:t>Draft Architecture Requirements Specification (including the gap analysis results)</a:t>
+                      </a:r>
+                    </a:p>
+                    <a:p>
+                      <a:pPr marL="171450" marR="0" lvl="0" indent="-171450" algn="l" defTabSz="914400" rtl="0" eaLnBrk="1" fontAlgn="auto" latinLnBrk="0" hangingPunct="1">
+                        <a:lnSpc>
+                          <a:spcPct val="100000"/>
+                        </a:lnSpc>
+                        <a:spcBef>
+                          <a:spcPts val="0"/>
+                        </a:spcBef>
+                        <a:spcAft>
+                          <a:spcPts val="0"/>
+                        </a:spcAft>
+                        <a:buClrTx/>
+                        <a:buSzTx/>
+                        <a:buFont typeface="Arial" panose="020B0604020202020204" pitchFamily="34" charset="0"/>
+                        <a:buChar char="•"/>
+                        <a:tabLst/>
+                        <a:defRPr/>
+                      </a:pPr>
+                      <a:r>
+                        <a:rPr lang="en-US" sz="1000" b="0" i="1" kern="1200" dirty="0">
                           <a:solidFill>
                             <a:schemeClr val="tx1"/>
                           </a:solidFill>
@@ -4848,333 +5251,9 @@
                           <a:ea typeface="+mn-ea"/>
                           <a:cs typeface="+mn-cs"/>
                         </a:rPr>
-                        <a:t>Capability assessment</a:t>
-                      </a:r>
-                    </a:p>
-                    <a:p>
-                      <a:pPr marL="171450" marR="0" lvl="0" indent="-171450" algn="l" defTabSz="914400" rtl="0" eaLnBrk="1" fontAlgn="auto" latinLnBrk="0" hangingPunct="1">
-                        <a:lnSpc>
-                          <a:spcPct val="100000"/>
-                        </a:lnSpc>
-                        <a:spcBef>
-                          <a:spcPts val="0"/>
-                        </a:spcBef>
-                        <a:spcAft>
-                          <a:spcPts val="0"/>
-                        </a:spcAft>
-                        <a:buClrTx/>
-                        <a:buSzTx/>
-                        <a:buFont typeface="Arial" panose="020B0604020202020204" pitchFamily="34" charset="0"/>
-                        <a:buChar char="•"/>
-                        <a:tabLst/>
-                        <a:defRPr/>
-                      </a:pPr>
-                      <a:r>
-                        <a:rPr lang="en-US" sz="1000" b="0" kern="1200" dirty="0">
-                          <a:solidFill>
-                            <a:schemeClr val="tx1"/>
-                          </a:solidFill>
-                          <a:latin typeface="+mn-lt"/>
-                          <a:ea typeface="+mn-ea"/>
-                          <a:cs typeface="+mn-cs"/>
-                        </a:rPr>
-                        <a:t>Communication plan</a:t>
-                      </a:r>
-                    </a:p>
-                    <a:p>
-                      <a:pPr marL="0" marR="0" lvl="0" indent="0" algn="l" defTabSz="914400" rtl="0" eaLnBrk="1" fontAlgn="auto" latinLnBrk="0" hangingPunct="1">
-                        <a:lnSpc>
-                          <a:spcPct val="100000"/>
-                        </a:lnSpc>
-                        <a:spcBef>
-                          <a:spcPts val="0"/>
-                        </a:spcBef>
-                        <a:spcAft>
-                          <a:spcPts val="0"/>
-                        </a:spcAft>
-                        <a:buClrTx/>
-                        <a:buSzTx/>
-                        <a:buFont typeface="Arial" panose="020B0604020202020204" pitchFamily="34" charset="0"/>
-                        <a:buNone/>
-                        <a:tabLst/>
-                        <a:defRPr/>
-                      </a:pPr>
-                      <a:r>
-                        <a:rPr lang="en-US" sz="1000" b="1" dirty="0">
-                          <a:solidFill>
-                            <a:schemeClr val="tx1"/>
-                          </a:solidFill>
-                        </a:rPr>
-                        <a:t>Architectural Inputs</a:t>
-                      </a:r>
-                    </a:p>
-                    <a:p>
-                      <a:pPr marL="171450" marR="0" lvl="0" indent="-171450" algn="l" defTabSz="914400" rtl="0" eaLnBrk="1" fontAlgn="auto" latinLnBrk="0" hangingPunct="1">
-                        <a:lnSpc>
-                          <a:spcPct val="100000"/>
-                        </a:lnSpc>
-                        <a:spcBef>
-                          <a:spcPts val="0"/>
-                        </a:spcBef>
-                        <a:spcAft>
-                          <a:spcPts val="0"/>
-                        </a:spcAft>
-                        <a:buClrTx/>
-                        <a:buSzTx/>
-                        <a:buFont typeface="Arial" panose="020B0604020202020204" pitchFamily="34" charset="0"/>
-                        <a:buChar char="•"/>
-                        <a:tabLst/>
-                        <a:defRPr/>
-                      </a:pPr>
-                      <a:r>
-                        <a:rPr lang="en-US" sz="1000" b="0" dirty="0">
-                          <a:solidFill>
-                            <a:schemeClr val="tx1"/>
-                          </a:solidFill>
-                        </a:rPr>
-                        <a:t>Organizational model </a:t>
-                      </a:r>
-                    </a:p>
-                    <a:p>
-                      <a:pPr marL="171450" marR="0" lvl="0" indent="-171450" algn="l" defTabSz="914400" rtl="0" eaLnBrk="1" fontAlgn="auto" latinLnBrk="0" hangingPunct="1">
-                        <a:lnSpc>
-                          <a:spcPct val="100000"/>
-                        </a:lnSpc>
-                        <a:spcBef>
-                          <a:spcPts val="0"/>
-                        </a:spcBef>
-                        <a:spcAft>
-                          <a:spcPts val="0"/>
-                        </a:spcAft>
-                        <a:buClrTx/>
-                        <a:buSzTx/>
-                        <a:buFont typeface="Arial" panose="020B0604020202020204" pitchFamily="34" charset="0"/>
-                        <a:buChar char="•"/>
-                        <a:tabLst/>
-                        <a:defRPr/>
-                      </a:pPr>
-                      <a:r>
-                        <a:rPr lang="en-US" sz="1000" b="0" kern="1200" dirty="0">
-                          <a:solidFill>
-                            <a:schemeClr val="tx1"/>
-                          </a:solidFill>
-                          <a:latin typeface="+mn-lt"/>
-                          <a:ea typeface="+mn-ea"/>
-                          <a:cs typeface="+mn-cs"/>
-                        </a:rPr>
-                        <a:t>Tailored Architecture Framework</a:t>
-                      </a:r>
-                    </a:p>
-                    <a:p>
-                      <a:pPr marL="171450" marR="0" lvl="0" indent="-171450" algn="l" defTabSz="914400" rtl="0" eaLnBrk="1" fontAlgn="auto" latinLnBrk="0" hangingPunct="1">
-                        <a:lnSpc>
-                          <a:spcPct val="100000"/>
-                        </a:lnSpc>
-                        <a:spcBef>
-                          <a:spcPts val="0"/>
-                        </a:spcBef>
-                        <a:spcAft>
-                          <a:spcPts val="0"/>
-                        </a:spcAft>
-                        <a:buClrTx/>
-                        <a:buSzTx/>
-                        <a:buFont typeface="Arial" panose="020B0604020202020204" pitchFamily="34" charset="0"/>
-                        <a:buChar char="•"/>
-                        <a:tabLst/>
-                        <a:defRPr/>
-                      </a:pPr>
-                      <a:r>
-                        <a:rPr lang="en-US" sz="1000" b="0" i="1" kern="1200" dirty="0">
-                          <a:solidFill>
-                            <a:schemeClr val="tx1"/>
-                          </a:solidFill>
-                          <a:latin typeface="+mn-lt"/>
-                          <a:ea typeface="+mn-ea"/>
-                          <a:cs typeface="+mn-cs"/>
-                        </a:rPr>
-                        <a:t>Data principles</a:t>
-                      </a:r>
-                    </a:p>
-                    <a:p>
-                      <a:pPr marL="171450" marR="0" lvl="0" indent="-171450" algn="l" defTabSz="914400" rtl="0" eaLnBrk="1" fontAlgn="auto" latinLnBrk="0" hangingPunct="1">
-                        <a:lnSpc>
-                          <a:spcPct val="100000"/>
-                        </a:lnSpc>
-                        <a:spcBef>
-                          <a:spcPts val="0"/>
-                        </a:spcBef>
-                        <a:spcAft>
-                          <a:spcPts val="0"/>
-                        </a:spcAft>
-                        <a:buClrTx/>
-                        <a:buSzTx/>
-                        <a:buFont typeface="Arial" panose="020B0604020202020204" pitchFamily="34" charset="0"/>
-                        <a:buChar char="•"/>
-                        <a:tabLst/>
-                        <a:defRPr/>
-                      </a:pPr>
-                      <a:r>
-                        <a:rPr lang="en-US" sz="1000" b="0" kern="1200" dirty="0">
-                          <a:solidFill>
-                            <a:schemeClr val="tx1"/>
-                          </a:solidFill>
-                          <a:latin typeface="+mn-lt"/>
-                          <a:ea typeface="+mn-ea"/>
-                          <a:cs typeface="+mn-cs"/>
-                        </a:rPr>
-                        <a:t>Approved Statement of Architecture Work</a:t>
-                      </a:r>
-                    </a:p>
-                    <a:p>
-                      <a:pPr marL="171450" marR="0" lvl="0" indent="-171450" algn="l" defTabSz="914400" rtl="0" eaLnBrk="1" fontAlgn="auto" latinLnBrk="0" hangingPunct="1">
-                        <a:lnSpc>
-                          <a:spcPct val="100000"/>
-                        </a:lnSpc>
-                        <a:spcBef>
-                          <a:spcPts val="0"/>
-                        </a:spcBef>
-                        <a:spcAft>
-                          <a:spcPts val="0"/>
-                        </a:spcAft>
-                        <a:buClrTx/>
-                        <a:buSzTx/>
-                        <a:buFont typeface="Arial" panose="020B0604020202020204" pitchFamily="34" charset="0"/>
-                        <a:buChar char="•"/>
-                        <a:tabLst/>
-                        <a:defRPr/>
-                      </a:pPr>
-                      <a:r>
-                        <a:rPr lang="en-US" sz="1000" b="0" kern="1200" dirty="0">
-                          <a:solidFill>
-                            <a:schemeClr val="tx1"/>
-                          </a:solidFill>
-                          <a:latin typeface="+mn-lt"/>
-                          <a:ea typeface="+mn-ea"/>
-                          <a:cs typeface="+mn-cs"/>
-                        </a:rPr>
-                        <a:t>Architecture Vision</a:t>
-                      </a:r>
-                    </a:p>
-                    <a:p>
-                      <a:pPr marL="171450" marR="0" lvl="0" indent="-171450" algn="l" defTabSz="914400" rtl="0" eaLnBrk="1" fontAlgn="auto" latinLnBrk="0" hangingPunct="1">
-                        <a:lnSpc>
-                          <a:spcPct val="100000"/>
-                        </a:lnSpc>
-                        <a:spcBef>
-                          <a:spcPts val="0"/>
-                        </a:spcBef>
-                        <a:spcAft>
-                          <a:spcPts val="0"/>
-                        </a:spcAft>
-                        <a:buClrTx/>
-                        <a:buSzTx/>
-                        <a:buFont typeface="Arial" panose="020B0604020202020204" pitchFamily="34" charset="0"/>
-                        <a:buChar char="•"/>
-                        <a:tabLst/>
-                        <a:defRPr/>
-                      </a:pPr>
-                      <a:r>
-                        <a:rPr lang="en-US" sz="1000" b="0" kern="1200" dirty="0">
-                          <a:solidFill>
-                            <a:schemeClr val="tx1"/>
-                          </a:solidFill>
-                          <a:latin typeface="+mn-lt"/>
-                          <a:ea typeface="+mn-ea"/>
-                          <a:cs typeface="+mn-cs"/>
-                        </a:rPr>
-                        <a:t>Architecture Repository</a:t>
-                      </a:r>
-                    </a:p>
-                    <a:p>
-                      <a:pPr marL="171450" marR="0" lvl="0" indent="-171450" algn="l" defTabSz="914400" rtl="0" eaLnBrk="1" fontAlgn="auto" latinLnBrk="0" hangingPunct="1">
-                        <a:lnSpc>
-                          <a:spcPct val="100000"/>
-                        </a:lnSpc>
-                        <a:spcBef>
-                          <a:spcPts val="0"/>
-                        </a:spcBef>
-                        <a:spcAft>
-                          <a:spcPts val="0"/>
-                        </a:spcAft>
-                        <a:buClrTx/>
-                        <a:buSzTx/>
-                        <a:buFont typeface="Arial" panose="020B0604020202020204" pitchFamily="34" charset="0"/>
-                        <a:buChar char="•"/>
-                        <a:tabLst/>
-                        <a:defRPr/>
-                      </a:pPr>
-                      <a:r>
-                        <a:rPr lang="en-US" sz="1000" b="0" kern="1200" dirty="0">
-                          <a:solidFill>
-                            <a:schemeClr val="tx1"/>
-                          </a:solidFill>
-                          <a:latin typeface="+mn-lt"/>
-                          <a:ea typeface="+mn-ea"/>
-                          <a:cs typeface="+mn-cs"/>
-                        </a:rPr>
-                        <a:t>Draft Architecture Definition Document (baseline/target)</a:t>
-                      </a:r>
-                    </a:p>
-                    <a:p>
-                      <a:pPr marL="171450" marR="0" lvl="0" indent="-171450" algn="l" defTabSz="914400" rtl="0" eaLnBrk="1" fontAlgn="auto" latinLnBrk="0" hangingPunct="1">
-                        <a:lnSpc>
-                          <a:spcPct val="100000"/>
-                        </a:lnSpc>
-                        <a:spcBef>
-                          <a:spcPts val="0"/>
-                        </a:spcBef>
-                        <a:spcAft>
-                          <a:spcPts val="0"/>
-                        </a:spcAft>
-                        <a:buClrTx/>
-                        <a:buSzTx/>
-                        <a:buFont typeface="Arial" panose="020B0604020202020204" pitchFamily="34" charset="0"/>
-                        <a:buChar char="•"/>
-                        <a:tabLst/>
-                        <a:defRPr/>
-                      </a:pPr>
-                      <a:r>
-                        <a:rPr lang="en-US" sz="1000" b="0" kern="1200" dirty="0">
-                          <a:solidFill>
-                            <a:schemeClr val="tx1"/>
-                          </a:solidFill>
-                          <a:latin typeface="+mn-lt"/>
-                          <a:ea typeface="+mn-ea"/>
-                          <a:cs typeface="+mn-cs"/>
-                        </a:rPr>
-                        <a:t>Draft Architecture Requirement Specs </a:t>
-                      </a:r>
-                    </a:p>
-                    <a:p>
-                      <a:pPr marL="171450" marR="0" lvl="0" indent="-171450" algn="l" defTabSz="914400" rtl="0" eaLnBrk="1" fontAlgn="auto" latinLnBrk="0" hangingPunct="1">
-                        <a:lnSpc>
-                          <a:spcPct val="100000"/>
-                        </a:lnSpc>
-                        <a:spcBef>
-                          <a:spcPts val="0"/>
-                        </a:spcBef>
-                        <a:spcAft>
-                          <a:spcPts val="0"/>
-                        </a:spcAft>
-                        <a:buClrTx/>
-                        <a:buSzTx/>
-                        <a:buFont typeface="Arial" panose="020B0604020202020204" pitchFamily="34" charset="0"/>
-                        <a:buChar char="•"/>
-                        <a:tabLst/>
-                        <a:defRPr/>
-                      </a:pPr>
-                      <a:r>
-                        <a:rPr lang="en-US" sz="1000" b="0" kern="1200" dirty="0">
-                          <a:solidFill>
-                            <a:schemeClr val="tx1"/>
-                          </a:solidFill>
-                          <a:latin typeface="+mn-lt"/>
-                          <a:ea typeface="+mn-ea"/>
-                          <a:cs typeface="+mn-cs"/>
-                        </a:rPr>
                         <a:t>Business architecture component of Architecture Roadmap</a:t>
                       </a:r>
-                      <a:endParaRPr lang="en-US" sz="1000" b="0" dirty="0">
+                      <a:endParaRPr lang="en-US" sz="1000" b="0" i="1" dirty="0">
                         <a:solidFill>
                           <a:schemeClr val="tx1"/>
                         </a:solidFill>
@@ -5267,65 +5346,147 @@
                       <a:r>
                         <a:rPr lang="en-US" sz="1000" b="0" kern="1200" dirty="0">
                           <a:solidFill>
+                            <a:srgbClr val="C00000"/>
+                          </a:solidFill>
+                          <a:latin typeface="+mn-lt"/>
+                          <a:ea typeface="+mn-ea"/>
+                          <a:cs typeface="+mn-cs"/>
+                        </a:rPr>
+                        <a:t>Request for Architecture Work</a:t>
+                      </a:r>
+                      <a:endParaRPr lang="en-US" sz="1000" b="0" kern="1200" dirty="0">
+                        <a:solidFill>
+                          <a:schemeClr val="tx1"/>
+                        </a:solidFill>
+                        <a:latin typeface="+mn-lt"/>
+                        <a:ea typeface="+mn-ea"/>
+                        <a:cs typeface="+mn-cs"/>
+                      </a:endParaRPr>
+                    </a:p>
+                    <a:p>
+                      <a:pPr marL="171450" marR="0" lvl="0" indent="-171450" algn="l" defTabSz="914400" rtl="0" eaLnBrk="1" fontAlgn="auto" latinLnBrk="0" hangingPunct="1">
+                        <a:lnSpc>
+                          <a:spcPct val="100000"/>
+                        </a:lnSpc>
+                        <a:spcBef>
+                          <a:spcPts val="0"/>
+                        </a:spcBef>
+                        <a:spcAft>
+                          <a:spcPts val="0"/>
+                        </a:spcAft>
+                        <a:buClrTx/>
+                        <a:buSzTx/>
+                        <a:buFont typeface="Arial" panose="020B0604020202020204" pitchFamily="34" charset="0"/>
+                        <a:buChar char="•"/>
+                        <a:tabLst/>
+                        <a:defRPr/>
+                      </a:pPr>
+                      <a:r>
+                        <a:rPr lang="en-US" sz="1000" b="0" kern="1200" dirty="0">
+                          <a:solidFill>
+                            <a:srgbClr val="7030A0"/>
+                          </a:solidFill>
+                          <a:latin typeface="+mn-lt"/>
+                          <a:ea typeface="+mn-ea"/>
+                          <a:cs typeface="+mn-cs"/>
+                        </a:rPr>
+                        <a:t>Capability assessment</a:t>
+                      </a:r>
+                    </a:p>
+                    <a:p>
+                      <a:pPr marL="171450" indent="-171450">
+                        <a:buFont typeface="Arial" panose="020B0604020202020204" pitchFamily="34" charset="0"/>
+                        <a:buChar char="•"/>
+                      </a:pPr>
+                      <a:r>
+                        <a:rPr lang="en-US" sz="1000" b="0" dirty="0">
+                          <a:solidFill>
                             <a:schemeClr val="tx1"/>
                           </a:solidFill>
-                          <a:latin typeface="+mn-lt"/>
-                          <a:ea typeface="+mn-ea"/>
-                          <a:cs typeface="+mn-cs"/>
-                        </a:rPr>
-                        <a:t>Request for architecture work</a:t>
-                      </a:r>
-                    </a:p>
-                    <a:p>
-                      <a:pPr marL="171450" marR="0" lvl="0" indent="-171450" algn="l" defTabSz="914400" rtl="0" eaLnBrk="1" fontAlgn="auto" latinLnBrk="0" hangingPunct="1">
-                        <a:lnSpc>
-                          <a:spcPct val="100000"/>
-                        </a:lnSpc>
-                        <a:spcBef>
-                          <a:spcPts val="0"/>
-                        </a:spcBef>
-                        <a:spcAft>
-                          <a:spcPts val="0"/>
-                        </a:spcAft>
-                        <a:buClrTx/>
-                        <a:buSzTx/>
-                        <a:buFont typeface="Arial" panose="020B0604020202020204" pitchFamily="34" charset="0"/>
-                        <a:buChar char="•"/>
-                        <a:tabLst/>
-                        <a:defRPr/>
-                      </a:pPr>
-                      <a:r>
-                        <a:rPr lang="en-US" sz="1000" b="0" kern="1200" dirty="0">
+                          <a:highlight>
+                            <a:srgbClr val="FFFF00"/>
+                          </a:highlight>
+                        </a:rPr>
+                        <a:t>Communication plan</a:t>
+                      </a:r>
+                    </a:p>
+                    <a:p>
+                      <a:pPr marL="0" marR="0" lvl="0" indent="0" algn="l" defTabSz="914400" rtl="0" eaLnBrk="1" fontAlgn="auto" latinLnBrk="0" hangingPunct="1">
+                        <a:lnSpc>
+                          <a:spcPct val="100000"/>
+                        </a:lnSpc>
+                        <a:spcBef>
+                          <a:spcPts val="0"/>
+                        </a:spcBef>
+                        <a:spcAft>
+                          <a:spcPts val="0"/>
+                        </a:spcAft>
+                        <a:buClrTx/>
+                        <a:buSzTx/>
+                        <a:buFont typeface="Arial" panose="020B0604020202020204" pitchFamily="34" charset="0"/>
+                        <a:buNone/>
+                        <a:tabLst/>
+                        <a:defRPr/>
+                      </a:pPr>
+                      <a:r>
+                        <a:rPr lang="en-US" sz="1000" b="1" dirty="0">
                           <a:solidFill>
                             <a:schemeClr val="tx1"/>
                           </a:solidFill>
-                          <a:latin typeface="+mn-lt"/>
-                          <a:ea typeface="+mn-ea"/>
-                          <a:cs typeface="+mn-cs"/>
-                        </a:rPr>
-                        <a:t>Capability assessment</a:t>
-                      </a:r>
-                    </a:p>
-                    <a:p>
-                      <a:pPr marL="171450" marR="0" lvl="0" indent="-171450" algn="l" defTabSz="914400" rtl="0" eaLnBrk="1" fontAlgn="auto" latinLnBrk="0" hangingPunct="1">
-                        <a:lnSpc>
-                          <a:spcPct val="100000"/>
-                        </a:lnSpc>
-                        <a:spcBef>
-                          <a:spcPts val="0"/>
-                        </a:spcBef>
-                        <a:spcAft>
-                          <a:spcPts val="0"/>
-                        </a:spcAft>
-                        <a:buClrTx/>
-                        <a:buSzTx/>
-                        <a:buFont typeface="Arial" panose="020B0604020202020204" pitchFamily="34" charset="0"/>
-                        <a:buChar char="•"/>
-                        <a:tabLst/>
-                        <a:defRPr/>
-                      </a:pPr>
-                      <a:r>
-                        <a:rPr lang="en-US" sz="1000" b="0" kern="1200" dirty="0">
+                        </a:rPr>
+                        <a:t>Architectural Inputs</a:t>
+                      </a:r>
+                    </a:p>
+                    <a:p>
+                      <a:pPr marL="171450" indent="-171450">
+                        <a:buFont typeface="Arial" panose="020B0604020202020204" pitchFamily="34" charset="0"/>
+                        <a:buChar char="•"/>
+                      </a:pPr>
+                      <a:r>
+                        <a:rPr lang="en-US" sz="1000" b="0" dirty="0">
+                          <a:solidFill>
+                            <a:srgbClr val="FF00FF"/>
+                          </a:solidFill>
+                        </a:rPr>
+                        <a:t>Organizational Model for EA</a:t>
+                      </a:r>
+                    </a:p>
+                    <a:p>
+                      <a:pPr marL="171450" indent="-171450">
+                        <a:buFont typeface="Arial" panose="020B0604020202020204" pitchFamily="34" charset="0"/>
+                        <a:buChar char="•"/>
+                      </a:pPr>
+                      <a:r>
+                        <a:rPr lang="en-US" sz="1000" b="0" dirty="0">
+                          <a:solidFill>
+                            <a:schemeClr val="accent1">
+                              <a:lumMod val="75000"/>
+                            </a:schemeClr>
+                          </a:solidFill>
+                        </a:rPr>
+                        <a:t>Tailored Architecture Framework</a:t>
+                      </a:r>
+                    </a:p>
+                    <a:p>
+                      <a:pPr marL="171450" marR="0" lvl="0" indent="-171450" algn="l" defTabSz="914400" rtl="0" eaLnBrk="1" fontAlgn="auto" latinLnBrk="0" hangingPunct="1">
+                        <a:lnSpc>
+                          <a:spcPct val="100000"/>
+                        </a:lnSpc>
+                        <a:spcBef>
+                          <a:spcPts val="0"/>
+                        </a:spcBef>
+                        <a:spcAft>
+                          <a:spcPts val="0"/>
+                        </a:spcAft>
+                        <a:buClrTx/>
+                        <a:buSzTx/>
+                        <a:buFont typeface="Arial" panose="020B0604020202020204" pitchFamily="34" charset="0"/>
+                        <a:buChar char="•"/>
+                        <a:tabLst/>
+                        <a:defRPr/>
+                      </a:pPr>
+                      <a:r>
+                        <a:rPr lang="en-US" sz="1000" b="0" i="1" kern="1200" dirty="0">
                           <a:solidFill>
                             <a:schemeClr val="tx1"/>
                           </a:solidFill>
@@ -5333,303 +5494,195 @@
                           <a:ea typeface="+mn-ea"/>
                           <a:cs typeface="+mn-cs"/>
                         </a:rPr>
-                        <a:t>Communication plan</a:t>
-                      </a:r>
-                    </a:p>
-                    <a:p>
-                      <a:pPr marL="0" marR="0" lvl="0" indent="0" algn="l" defTabSz="914400" rtl="0" eaLnBrk="1" fontAlgn="auto" latinLnBrk="0" hangingPunct="1">
-                        <a:lnSpc>
-                          <a:spcPct val="100000"/>
-                        </a:lnSpc>
-                        <a:spcBef>
-                          <a:spcPts val="0"/>
-                        </a:spcBef>
-                        <a:spcAft>
-                          <a:spcPts val="0"/>
-                        </a:spcAft>
-                        <a:buClrTx/>
-                        <a:buSzTx/>
-                        <a:buFont typeface="Arial" panose="020B0604020202020204" pitchFamily="34" charset="0"/>
-                        <a:buNone/>
-                        <a:tabLst/>
-                        <a:defRPr/>
-                      </a:pPr>
-                      <a:r>
-                        <a:rPr lang="en-US" sz="1000" b="1" dirty="0">
+                        <a:t>Application principles</a:t>
+                      </a:r>
+                    </a:p>
+                    <a:p>
+                      <a:pPr marL="171450" marR="0" lvl="0" indent="-171450" algn="l" defTabSz="914400" rtl="0" eaLnBrk="1" fontAlgn="auto" latinLnBrk="0" hangingPunct="1">
+                        <a:lnSpc>
+                          <a:spcPct val="100000"/>
+                        </a:lnSpc>
+                        <a:spcBef>
+                          <a:spcPts val="0"/>
+                        </a:spcBef>
+                        <a:spcAft>
+                          <a:spcPts val="0"/>
+                        </a:spcAft>
+                        <a:buClrTx/>
+                        <a:buSzTx/>
+                        <a:buFont typeface="Arial" panose="020B0604020202020204" pitchFamily="34" charset="0"/>
+                        <a:buChar char="•"/>
+                        <a:tabLst/>
+                        <a:defRPr/>
+                      </a:pPr>
+                      <a:r>
+                        <a:rPr lang="en-US" sz="1000" b="0" kern="1200" dirty="0">
+                          <a:solidFill>
+                            <a:srgbClr val="C00000"/>
+                          </a:solidFill>
+                          <a:latin typeface="+mn-lt"/>
+                          <a:ea typeface="+mn-ea"/>
+                          <a:cs typeface="+mn-cs"/>
+                        </a:rPr>
+                        <a:t>Statement of Architecture Work</a:t>
+                      </a:r>
+                    </a:p>
+                    <a:p>
+                      <a:pPr marL="171450" marR="0" lvl="0" indent="-171450" algn="l" defTabSz="914400" rtl="0" eaLnBrk="1" fontAlgn="auto" latinLnBrk="0" hangingPunct="1">
+                        <a:lnSpc>
+                          <a:spcPct val="100000"/>
+                        </a:lnSpc>
+                        <a:spcBef>
+                          <a:spcPts val="0"/>
+                        </a:spcBef>
+                        <a:spcAft>
+                          <a:spcPts val="0"/>
+                        </a:spcAft>
+                        <a:buClrTx/>
+                        <a:buSzTx/>
+                        <a:buFont typeface="Arial" panose="020B0604020202020204" pitchFamily="34" charset="0"/>
+                        <a:buChar char="•"/>
+                        <a:tabLst/>
+                        <a:defRPr/>
+                      </a:pPr>
+                      <a:r>
+                        <a:rPr lang="en-US" sz="1000" b="0" kern="1200" dirty="0">
+                          <a:solidFill>
+                            <a:schemeClr val="accent2">
+                              <a:lumMod val="75000"/>
+                            </a:schemeClr>
+                          </a:solidFill>
+                          <a:latin typeface="+mn-lt"/>
+                          <a:ea typeface="+mn-ea"/>
+                          <a:cs typeface="+mn-cs"/>
+                        </a:rPr>
+                        <a:t>Architecture Vision</a:t>
+                      </a:r>
+                    </a:p>
+                    <a:p>
+                      <a:pPr marL="171450" marR="0" lvl="0" indent="-171450" algn="l" defTabSz="914400" rtl="0" eaLnBrk="1" fontAlgn="auto" latinLnBrk="0" hangingPunct="1">
+                        <a:lnSpc>
+                          <a:spcPct val="100000"/>
+                        </a:lnSpc>
+                        <a:spcBef>
+                          <a:spcPts val="0"/>
+                        </a:spcBef>
+                        <a:spcAft>
+                          <a:spcPts val="0"/>
+                        </a:spcAft>
+                        <a:buClrTx/>
+                        <a:buSzTx/>
+                        <a:buFont typeface="Arial" panose="020B0604020202020204" pitchFamily="34" charset="0"/>
+                        <a:buChar char="•"/>
+                        <a:tabLst/>
+                        <a:defRPr/>
+                      </a:pPr>
+                      <a:r>
+                        <a:rPr lang="en-US" sz="1000" b="1" kern="1200" dirty="0">
+                          <a:solidFill>
+                            <a:schemeClr val="bg1">
+                              <a:lumMod val="50000"/>
+                            </a:schemeClr>
+                          </a:solidFill>
+                          <a:latin typeface="+mn-lt"/>
+                          <a:ea typeface="+mn-ea"/>
+                          <a:cs typeface="+mn-cs"/>
+                        </a:rPr>
+                        <a:t>Architecture Repository</a:t>
+                      </a:r>
+                    </a:p>
+                    <a:p>
+                      <a:pPr marL="171450" marR="0" lvl="0" indent="-171450" algn="l" defTabSz="914400" rtl="0" eaLnBrk="1" fontAlgn="auto" latinLnBrk="0" hangingPunct="1">
+                        <a:lnSpc>
+                          <a:spcPct val="100000"/>
+                        </a:lnSpc>
+                        <a:spcBef>
+                          <a:spcPts val="0"/>
+                        </a:spcBef>
+                        <a:spcAft>
+                          <a:spcPts val="0"/>
+                        </a:spcAft>
+                        <a:buClrTx/>
+                        <a:buSzTx/>
+                        <a:buFont typeface="Arial" panose="020B0604020202020204" pitchFamily="34" charset="0"/>
+                        <a:buChar char="•"/>
+                        <a:tabLst/>
+                        <a:defRPr/>
+                      </a:pPr>
+                      <a:r>
+                        <a:rPr lang="en-US" sz="1000" b="0" kern="1200" dirty="0">
+                          <a:solidFill>
+                            <a:schemeClr val="accent6">
+                              <a:lumMod val="50000"/>
+                            </a:schemeClr>
+                          </a:solidFill>
+                          <a:latin typeface="+mn-lt"/>
+                          <a:ea typeface="+mn-ea"/>
+                          <a:cs typeface="+mn-cs"/>
+                        </a:rPr>
+                        <a:t>Draft Architecture Definition Document (v 1.0 of baseline/target)</a:t>
+                      </a:r>
+                    </a:p>
+                    <a:p>
+                      <a:pPr marL="171450" marR="0" lvl="0" indent="-171450" algn="l" defTabSz="914400" rtl="0" eaLnBrk="1" fontAlgn="auto" latinLnBrk="0" hangingPunct="1">
+                        <a:lnSpc>
+                          <a:spcPct val="100000"/>
+                        </a:lnSpc>
+                        <a:spcBef>
+                          <a:spcPts val="0"/>
+                        </a:spcBef>
+                        <a:spcAft>
+                          <a:spcPts val="0"/>
+                        </a:spcAft>
+                        <a:buClrTx/>
+                        <a:buSzTx/>
+                        <a:buFont typeface="Arial" panose="020B0604020202020204" pitchFamily="34" charset="0"/>
+                        <a:buChar char="•"/>
+                        <a:tabLst/>
+                        <a:defRPr/>
+                      </a:pPr>
+                      <a:r>
+                        <a:rPr lang="en-US" sz="1000" b="0" kern="1200" dirty="0">
+                          <a:solidFill>
+                            <a:srgbClr val="00B0F0"/>
+                          </a:solidFill>
+                          <a:latin typeface="+mn-lt"/>
+                          <a:ea typeface="+mn-ea"/>
+                          <a:cs typeface="+mn-cs"/>
+                        </a:rPr>
+                        <a:t>Draft Architecture Requirements Specification (including the gap analysis results)</a:t>
+                      </a:r>
+                    </a:p>
+                    <a:p>
+                      <a:pPr marL="171450" marR="0" lvl="0" indent="-171450" algn="l" defTabSz="914400" rtl="0" eaLnBrk="1" fontAlgn="auto" latinLnBrk="0" hangingPunct="1">
+                        <a:lnSpc>
+                          <a:spcPct val="100000"/>
+                        </a:lnSpc>
+                        <a:spcBef>
+                          <a:spcPts val="0"/>
+                        </a:spcBef>
+                        <a:spcAft>
+                          <a:spcPts val="0"/>
+                        </a:spcAft>
+                        <a:buClrTx/>
+                        <a:buSzTx/>
+                        <a:buFont typeface="Arial" panose="020B0604020202020204" pitchFamily="34" charset="0"/>
+                        <a:buChar char="•"/>
+                        <a:tabLst/>
+                        <a:defRPr/>
+                      </a:pPr>
+                      <a:r>
+                        <a:rPr lang="en-US" sz="1000" b="0" i="1" kern="1200" dirty="0">
                           <a:solidFill>
                             <a:schemeClr val="tx1"/>
                           </a:solidFill>
-                        </a:rPr>
-                        <a:t>Architectural Inputs</a:t>
-                      </a:r>
-                    </a:p>
-                    <a:p>
-                      <a:pPr marL="171450" marR="0" lvl="0" indent="-171450" algn="l" defTabSz="914400" rtl="0" eaLnBrk="1" fontAlgn="auto" latinLnBrk="0" hangingPunct="1">
-                        <a:lnSpc>
-                          <a:spcPct val="100000"/>
-                        </a:lnSpc>
-                        <a:spcBef>
-                          <a:spcPts val="0"/>
-                        </a:spcBef>
-                        <a:spcAft>
-                          <a:spcPts val="0"/>
-                        </a:spcAft>
-                        <a:buClrTx/>
-                        <a:buSzTx/>
-                        <a:buFont typeface="Arial" panose="020B0604020202020204" pitchFamily="34" charset="0"/>
-                        <a:buChar char="•"/>
-                        <a:tabLst/>
-                        <a:defRPr/>
-                      </a:pPr>
-                      <a:r>
-                        <a:rPr lang="en-US" sz="1000" b="0" dirty="0">
-                          <a:solidFill>
-                            <a:schemeClr val="tx1"/>
-                          </a:solidFill>
-                        </a:rPr>
-                        <a:t>Organizational model </a:t>
-                      </a:r>
-                    </a:p>
-                    <a:p>
-                      <a:pPr marL="171450" marR="0" lvl="0" indent="-171450" algn="l" defTabSz="914400" rtl="0" eaLnBrk="1" fontAlgn="auto" latinLnBrk="0" hangingPunct="1">
-                        <a:lnSpc>
-                          <a:spcPct val="100000"/>
-                        </a:lnSpc>
-                        <a:spcBef>
-                          <a:spcPts val="0"/>
-                        </a:spcBef>
-                        <a:spcAft>
-                          <a:spcPts val="0"/>
-                        </a:spcAft>
-                        <a:buClrTx/>
-                        <a:buSzTx/>
-                        <a:buFont typeface="Arial" panose="020B0604020202020204" pitchFamily="34" charset="0"/>
-                        <a:buChar char="•"/>
-                        <a:tabLst/>
-                        <a:defRPr/>
-                      </a:pPr>
-                      <a:r>
-                        <a:rPr lang="en-US" sz="1000" b="0" kern="1200" dirty="0">
-                          <a:solidFill>
-                            <a:schemeClr val="tx1"/>
-                          </a:solidFill>
-                          <a:latin typeface="+mn-lt"/>
-                          <a:ea typeface="+mn-ea"/>
-                          <a:cs typeface="+mn-cs"/>
-                        </a:rPr>
-                        <a:t>Tailored Architecture Framework</a:t>
-                      </a:r>
-                    </a:p>
-                    <a:p>
-                      <a:pPr marL="171450" marR="0" lvl="0" indent="-171450" algn="l" defTabSz="914400" rtl="0" eaLnBrk="1" fontAlgn="auto" latinLnBrk="0" hangingPunct="1">
-                        <a:lnSpc>
-                          <a:spcPct val="100000"/>
-                        </a:lnSpc>
-                        <a:spcBef>
-                          <a:spcPts val="0"/>
-                        </a:spcBef>
-                        <a:spcAft>
-                          <a:spcPts val="0"/>
-                        </a:spcAft>
-                        <a:buClrTx/>
-                        <a:buSzTx/>
-                        <a:buFont typeface="Arial" panose="020B0604020202020204" pitchFamily="34" charset="0"/>
-                        <a:buChar char="•"/>
-                        <a:tabLst/>
-                        <a:defRPr/>
-                      </a:pPr>
-                      <a:r>
-                        <a:rPr lang="en-US" sz="1000" b="0" i="1" kern="1200" dirty="0">
-                          <a:solidFill>
-                            <a:schemeClr val="tx1"/>
-                          </a:solidFill>
-                          <a:latin typeface="+mn-lt"/>
-                          <a:ea typeface="+mn-ea"/>
-                          <a:cs typeface="+mn-cs"/>
-                        </a:rPr>
-                        <a:t>Application principles</a:t>
-                      </a:r>
-                    </a:p>
-                    <a:p>
-                      <a:pPr marL="171450" marR="0" lvl="0" indent="-171450" algn="l" defTabSz="914400" rtl="0" eaLnBrk="1" fontAlgn="auto" latinLnBrk="0" hangingPunct="1">
-                        <a:lnSpc>
-                          <a:spcPct val="100000"/>
-                        </a:lnSpc>
-                        <a:spcBef>
-                          <a:spcPts val="0"/>
-                        </a:spcBef>
-                        <a:spcAft>
-                          <a:spcPts val="0"/>
-                        </a:spcAft>
-                        <a:buClrTx/>
-                        <a:buSzTx/>
-                        <a:buFont typeface="Arial" panose="020B0604020202020204" pitchFamily="34" charset="0"/>
-                        <a:buChar char="•"/>
-                        <a:tabLst/>
-                        <a:defRPr/>
-                      </a:pPr>
-                      <a:r>
-                        <a:rPr lang="en-US" sz="1000" b="0" kern="1200" dirty="0">
-                          <a:solidFill>
-                            <a:schemeClr val="tx1"/>
-                          </a:solidFill>
-                          <a:latin typeface="+mn-lt"/>
-                          <a:ea typeface="+mn-ea"/>
-                          <a:cs typeface="+mn-cs"/>
-                        </a:rPr>
-                        <a:t>Approved Statement of Architecture Work</a:t>
-                      </a:r>
-                    </a:p>
-                    <a:p>
-                      <a:pPr marL="171450" marR="0" lvl="0" indent="-171450" algn="l" defTabSz="914400" rtl="0" eaLnBrk="1" fontAlgn="auto" latinLnBrk="0" hangingPunct="1">
-                        <a:lnSpc>
-                          <a:spcPct val="100000"/>
-                        </a:lnSpc>
-                        <a:spcBef>
-                          <a:spcPts val="0"/>
-                        </a:spcBef>
-                        <a:spcAft>
-                          <a:spcPts val="0"/>
-                        </a:spcAft>
-                        <a:buClrTx/>
-                        <a:buSzTx/>
-                        <a:buFont typeface="Arial" panose="020B0604020202020204" pitchFamily="34" charset="0"/>
-                        <a:buChar char="•"/>
-                        <a:tabLst/>
-                        <a:defRPr/>
-                      </a:pPr>
-                      <a:r>
-                        <a:rPr lang="en-US" sz="1000" b="0" kern="1200" dirty="0">
-                          <a:solidFill>
-                            <a:schemeClr val="tx1"/>
-                          </a:solidFill>
-                          <a:latin typeface="+mn-lt"/>
-                          <a:ea typeface="+mn-ea"/>
-                          <a:cs typeface="+mn-cs"/>
-                        </a:rPr>
-                        <a:t>Architecture Vision</a:t>
-                      </a:r>
-                    </a:p>
-                    <a:p>
-                      <a:pPr marL="171450" marR="0" lvl="0" indent="-171450" algn="l" defTabSz="914400" rtl="0" eaLnBrk="1" fontAlgn="auto" latinLnBrk="0" hangingPunct="1">
-                        <a:lnSpc>
-                          <a:spcPct val="100000"/>
-                        </a:lnSpc>
-                        <a:spcBef>
-                          <a:spcPts val="0"/>
-                        </a:spcBef>
-                        <a:spcAft>
-                          <a:spcPts val="0"/>
-                        </a:spcAft>
-                        <a:buClrTx/>
-                        <a:buSzTx/>
-                        <a:buFont typeface="Arial" panose="020B0604020202020204" pitchFamily="34" charset="0"/>
-                        <a:buChar char="•"/>
-                        <a:tabLst/>
-                        <a:defRPr/>
-                      </a:pPr>
-                      <a:r>
-                        <a:rPr lang="en-US" sz="1000" b="0" kern="1200" dirty="0">
-                          <a:solidFill>
-                            <a:schemeClr val="tx1"/>
-                          </a:solidFill>
-                          <a:latin typeface="+mn-lt"/>
-                          <a:ea typeface="+mn-ea"/>
-                          <a:cs typeface="+mn-cs"/>
-                        </a:rPr>
-                        <a:t>Architecture Repository</a:t>
-                      </a:r>
-                    </a:p>
-                    <a:p>
-                      <a:pPr marL="171450" marR="0" lvl="0" indent="-171450" algn="l" defTabSz="914400" rtl="0" eaLnBrk="1" fontAlgn="auto" latinLnBrk="0" hangingPunct="1">
-                        <a:lnSpc>
-                          <a:spcPct val="100000"/>
-                        </a:lnSpc>
-                        <a:spcBef>
-                          <a:spcPts val="0"/>
-                        </a:spcBef>
-                        <a:spcAft>
-                          <a:spcPts val="0"/>
-                        </a:spcAft>
-                        <a:buClrTx/>
-                        <a:buSzTx/>
-                        <a:buFont typeface="Arial" panose="020B0604020202020204" pitchFamily="34" charset="0"/>
-                        <a:buChar char="•"/>
-                        <a:tabLst/>
-                        <a:defRPr/>
-                      </a:pPr>
-                      <a:r>
-                        <a:rPr lang="en-US" sz="1000" b="0" kern="1200" dirty="0">
-                          <a:solidFill>
-                            <a:schemeClr val="tx1"/>
-                          </a:solidFill>
-                          <a:latin typeface="+mn-lt"/>
-                          <a:ea typeface="+mn-ea"/>
-                          <a:cs typeface="+mn-cs"/>
-                        </a:rPr>
-                        <a:t>Draft Architecture Definition Document (baseline/target)</a:t>
-                      </a:r>
-                    </a:p>
-                    <a:p>
-                      <a:pPr marL="171450" marR="0" lvl="0" indent="-171450" algn="l" defTabSz="914400" rtl="0" eaLnBrk="1" fontAlgn="auto" latinLnBrk="0" hangingPunct="1">
-                        <a:lnSpc>
-                          <a:spcPct val="100000"/>
-                        </a:lnSpc>
-                        <a:spcBef>
-                          <a:spcPts val="0"/>
-                        </a:spcBef>
-                        <a:spcAft>
-                          <a:spcPts val="0"/>
-                        </a:spcAft>
-                        <a:buClrTx/>
-                        <a:buSzTx/>
-                        <a:buFont typeface="Arial" panose="020B0604020202020204" pitchFamily="34" charset="0"/>
-                        <a:buChar char="•"/>
-                        <a:tabLst/>
-                        <a:defRPr/>
-                      </a:pPr>
-                      <a:r>
-                        <a:rPr lang="en-US" sz="1000" b="0" kern="1200" dirty="0">
-                          <a:solidFill>
-                            <a:schemeClr val="tx1"/>
-                          </a:solidFill>
-                          <a:latin typeface="+mn-lt"/>
-                          <a:ea typeface="+mn-ea"/>
-                          <a:cs typeface="+mn-cs"/>
-                        </a:rPr>
-                        <a:t>Draft Architecture Requirement Specs </a:t>
-                      </a:r>
-                    </a:p>
-                    <a:p>
-                      <a:pPr marL="171450" marR="0" lvl="0" indent="-171450" algn="l" defTabSz="914400" rtl="0" eaLnBrk="1" fontAlgn="auto" latinLnBrk="0" hangingPunct="1">
-                        <a:lnSpc>
-                          <a:spcPct val="100000"/>
-                        </a:lnSpc>
-                        <a:spcBef>
-                          <a:spcPts val="0"/>
-                        </a:spcBef>
-                        <a:spcAft>
-                          <a:spcPts val="0"/>
-                        </a:spcAft>
-                        <a:buClrTx/>
-                        <a:buSzTx/>
-                        <a:buFont typeface="Arial" panose="020B0604020202020204" pitchFamily="34" charset="0"/>
-                        <a:buChar char="•"/>
-                        <a:tabLst/>
-                        <a:defRPr/>
-                      </a:pPr>
-                      <a:r>
-                        <a:rPr lang="en-US" sz="1000" b="0" kern="1200" dirty="0">
-                          <a:solidFill>
-                            <a:schemeClr val="tx1"/>
-                          </a:solidFill>
                           <a:latin typeface="+mn-lt"/>
                           <a:ea typeface="+mn-ea"/>
                           <a:cs typeface="+mn-cs"/>
                         </a:rPr>
                         <a:t>Business and Data architecture component of Architecture Roadmap</a:t>
                       </a:r>
-                      <a:endParaRPr lang="en-US" sz="1000" b="0" dirty="0">
+                      <a:endParaRPr lang="en-US" sz="1000" b="0" i="1" dirty="0">
                         <a:solidFill>
                           <a:schemeClr val="tx1"/>
                         </a:solidFill>
@@ -5749,65 +5802,147 @@
                       <a:r>
                         <a:rPr lang="en-US" sz="1000" b="0" kern="1200" dirty="0">
                           <a:solidFill>
+                            <a:srgbClr val="C00000"/>
+                          </a:solidFill>
+                          <a:latin typeface="+mn-lt"/>
+                          <a:ea typeface="+mn-ea"/>
+                          <a:cs typeface="+mn-cs"/>
+                        </a:rPr>
+                        <a:t>Request for Architecture Work</a:t>
+                      </a:r>
+                      <a:endParaRPr lang="en-US" sz="1000" b="0" kern="1200" dirty="0">
+                        <a:solidFill>
+                          <a:schemeClr val="tx1"/>
+                        </a:solidFill>
+                        <a:latin typeface="+mn-lt"/>
+                        <a:ea typeface="+mn-ea"/>
+                        <a:cs typeface="+mn-cs"/>
+                      </a:endParaRPr>
+                    </a:p>
+                    <a:p>
+                      <a:pPr marL="171450" marR="0" lvl="0" indent="-171450" algn="l" defTabSz="914400" rtl="0" eaLnBrk="1" fontAlgn="auto" latinLnBrk="0" hangingPunct="1">
+                        <a:lnSpc>
+                          <a:spcPct val="100000"/>
+                        </a:lnSpc>
+                        <a:spcBef>
+                          <a:spcPts val="0"/>
+                        </a:spcBef>
+                        <a:spcAft>
+                          <a:spcPts val="0"/>
+                        </a:spcAft>
+                        <a:buClrTx/>
+                        <a:buSzTx/>
+                        <a:buFont typeface="Arial" panose="020B0604020202020204" pitchFamily="34" charset="0"/>
+                        <a:buChar char="•"/>
+                        <a:tabLst/>
+                        <a:defRPr/>
+                      </a:pPr>
+                      <a:r>
+                        <a:rPr lang="en-US" sz="1000" b="0" kern="1200" dirty="0">
+                          <a:solidFill>
+                            <a:srgbClr val="7030A0"/>
+                          </a:solidFill>
+                          <a:latin typeface="+mn-lt"/>
+                          <a:ea typeface="+mn-ea"/>
+                          <a:cs typeface="+mn-cs"/>
+                        </a:rPr>
+                        <a:t>Capability assessment</a:t>
+                      </a:r>
+                    </a:p>
+                    <a:p>
+                      <a:pPr marL="171450" indent="-171450">
+                        <a:buFont typeface="Arial" panose="020B0604020202020204" pitchFamily="34" charset="0"/>
+                        <a:buChar char="•"/>
+                      </a:pPr>
+                      <a:r>
+                        <a:rPr lang="en-US" sz="1000" b="0" dirty="0">
+                          <a:solidFill>
                             <a:schemeClr val="tx1"/>
                           </a:solidFill>
-                          <a:latin typeface="+mn-lt"/>
-                          <a:ea typeface="+mn-ea"/>
-                          <a:cs typeface="+mn-cs"/>
-                        </a:rPr>
-                        <a:t>Request for architecture work</a:t>
-                      </a:r>
-                    </a:p>
-                    <a:p>
-                      <a:pPr marL="171450" marR="0" lvl="0" indent="-171450" algn="l" defTabSz="914400" rtl="0" eaLnBrk="1" fontAlgn="auto" latinLnBrk="0" hangingPunct="1">
-                        <a:lnSpc>
-                          <a:spcPct val="100000"/>
-                        </a:lnSpc>
-                        <a:spcBef>
-                          <a:spcPts val="0"/>
-                        </a:spcBef>
-                        <a:spcAft>
-                          <a:spcPts val="0"/>
-                        </a:spcAft>
-                        <a:buClrTx/>
-                        <a:buSzTx/>
-                        <a:buFont typeface="Arial" panose="020B0604020202020204" pitchFamily="34" charset="0"/>
-                        <a:buChar char="•"/>
-                        <a:tabLst/>
-                        <a:defRPr/>
-                      </a:pPr>
-                      <a:r>
-                        <a:rPr lang="en-US" sz="1000" b="0" kern="1200" dirty="0">
+                          <a:highlight>
+                            <a:srgbClr val="FFFF00"/>
+                          </a:highlight>
+                        </a:rPr>
+                        <a:t>Communication plan</a:t>
+                      </a:r>
+                    </a:p>
+                    <a:p>
+                      <a:pPr marL="0" marR="0" lvl="0" indent="0" algn="l" defTabSz="914400" rtl="0" eaLnBrk="1" fontAlgn="auto" latinLnBrk="0" hangingPunct="1">
+                        <a:lnSpc>
+                          <a:spcPct val="100000"/>
+                        </a:lnSpc>
+                        <a:spcBef>
+                          <a:spcPts val="0"/>
+                        </a:spcBef>
+                        <a:spcAft>
+                          <a:spcPts val="0"/>
+                        </a:spcAft>
+                        <a:buClrTx/>
+                        <a:buSzTx/>
+                        <a:buFont typeface="Arial" panose="020B0604020202020204" pitchFamily="34" charset="0"/>
+                        <a:buNone/>
+                        <a:tabLst/>
+                        <a:defRPr/>
+                      </a:pPr>
+                      <a:r>
+                        <a:rPr lang="en-US" sz="1000" b="1" dirty="0">
                           <a:solidFill>
                             <a:schemeClr val="tx1"/>
                           </a:solidFill>
-                          <a:latin typeface="+mn-lt"/>
-                          <a:ea typeface="+mn-ea"/>
-                          <a:cs typeface="+mn-cs"/>
-                        </a:rPr>
-                        <a:t>Capability assessment</a:t>
-                      </a:r>
-                    </a:p>
-                    <a:p>
-                      <a:pPr marL="171450" marR="0" lvl="0" indent="-171450" algn="l" defTabSz="914400" rtl="0" eaLnBrk="1" fontAlgn="auto" latinLnBrk="0" hangingPunct="1">
-                        <a:lnSpc>
-                          <a:spcPct val="100000"/>
-                        </a:lnSpc>
-                        <a:spcBef>
-                          <a:spcPts val="0"/>
-                        </a:spcBef>
-                        <a:spcAft>
-                          <a:spcPts val="0"/>
-                        </a:spcAft>
-                        <a:buClrTx/>
-                        <a:buSzTx/>
-                        <a:buFont typeface="Arial" panose="020B0604020202020204" pitchFamily="34" charset="0"/>
-                        <a:buChar char="•"/>
-                        <a:tabLst/>
-                        <a:defRPr/>
-                      </a:pPr>
-                      <a:r>
-                        <a:rPr lang="en-US" sz="1000" b="0" kern="1200" dirty="0">
+                        </a:rPr>
+                        <a:t>Architectural Inputs</a:t>
+                      </a:r>
+                    </a:p>
+                    <a:p>
+                      <a:pPr marL="171450" indent="-171450">
+                        <a:buFont typeface="Arial" panose="020B0604020202020204" pitchFamily="34" charset="0"/>
+                        <a:buChar char="•"/>
+                      </a:pPr>
+                      <a:r>
+                        <a:rPr lang="en-US" sz="1000" b="0" dirty="0">
+                          <a:solidFill>
+                            <a:srgbClr val="FF00FF"/>
+                          </a:solidFill>
+                        </a:rPr>
+                        <a:t>Organizational Model for EA</a:t>
+                      </a:r>
+                    </a:p>
+                    <a:p>
+                      <a:pPr marL="171450" indent="-171450">
+                        <a:buFont typeface="Arial" panose="020B0604020202020204" pitchFamily="34" charset="0"/>
+                        <a:buChar char="•"/>
+                      </a:pPr>
+                      <a:r>
+                        <a:rPr lang="en-US" sz="1000" b="0" dirty="0">
+                          <a:solidFill>
+                            <a:schemeClr val="accent1">
+                              <a:lumMod val="75000"/>
+                            </a:schemeClr>
+                          </a:solidFill>
+                        </a:rPr>
+                        <a:t>Tailored Architecture Framework</a:t>
+                      </a:r>
+                    </a:p>
+                    <a:p>
+                      <a:pPr marL="171450" marR="0" lvl="0" indent="-171450" algn="l" defTabSz="914400" rtl="0" eaLnBrk="1" fontAlgn="auto" latinLnBrk="0" hangingPunct="1">
+                        <a:lnSpc>
+                          <a:spcPct val="100000"/>
+                        </a:lnSpc>
+                        <a:spcBef>
+                          <a:spcPts val="0"/>
+                        </a:spcBef>
+                        <a:spcAft>
+                          <a:spcPts val="0"/>
+                        </a:spcAft>
+                        <a:buClrTx/>
+                        <a:buSzTx/>
+                        <a:buFont typeface="Arial" panose="020B0604020202020204" pitchFamily="34" charset="0"/>
+                        <a:buChar char="•"/>
+                        <a:tabLst/>
+                        <a:defRPr/>
+                      </a:pPr>
+                      <a:r>
+                        <a:rPr lang="en-US" sz="1000" b="0" i="1" kern="1200" dirty="0">
                           <a:solidFill>
                             <a:schemeClr val="tx1"/>
                           </a:solidFill>
@@ -5815,303 +5950,195 @@
                           <a:ea typeface="+mn-ea"/>
                           <a:cs typeface="+mn-cs"/>
                         </a:rPr>
-                        <a:t>Communication plan</a:t>
-                      </a:r>
-                    </a:p>
-                    <a:p>
-                      <a:pPr marL="0" marR="0" lvl="0" indent="0" algn="l" defTabSz="914400" rtl="0" eaLnBrk="1" fontAlgn="auto" latinLnBrk="0" hangingPunct="1">
-                        <a:lnSpc>
-                          <a:spcPct val="100000"/>
-                        </a:lnSpc>
-                        <a:spcBef>
-                          <a:spcPts val="0"/>
-                        </a:spcBef>
-                        <a:spcAft>
-                          <a:spcPts val="0"/>
-                        </a:spcAft>
-                        <a:buClrTx/>
-                        <a:buSzTx/>
-                        <a:buFont typeface="Arial" panose="020B0604020202020204" pitchFamily="34" charset="0"/>
-                        <a:buNone/>
-                        <a:tabLst/>
-                        <a:defRPr/>
-                      </a:pPr>
-                      <a:r>
-                        <a:rPr lang="en-US" sz="1000" b="1" dirty="0">
+                        <a:t>Technology principles</a:t>
+                      </a:r>
+                    </a:p>
+                    <a:p>
+                      <a:pPr marL="171450" marR="0" lvl="0" indent="-171450" algn="l" defTabSz="914400" rtl="0" eaLnBrk="1" fontAlgn="auto" latinLnBrk="0" hangingPunct="1">
+                        <a:lnSpc>
+                          <a:spcPct val="100000"/>
+                        </a:lnSpc>
+                        <a:spcBef>
+                          <a:spcPts val="0"/>
+                        </a:spcBef>
+                        <a:spcAft>
+                          <a:spcPts val="0"/>
+                        </a:spcAft>
+                        <a:buClrTx/>
+                        <a:buSzTx/>
+                        <a:buFont typeface="Arial" panose="020B0604020202020204" pitchFamily="34" charset="0"/>
+                        <a:buChar char="•"/>
+                        <a:tabLst/>
+                        <a:defRPr/>
+                      </a:pPr>
+                      <a:r>
+                        <a:rPr lang="en-US" sz="1000" b="0" kern="1200" dirty="0">
+                          <a:solidFill>
+                            <a:srgbClr val="C00000"/>
+                          </a:solidFill>
+                          <a:latin typeface="+mn-lt"/>
+                          <a:ea typeface="+mn-ea"/>
+                          <a:cs typeface="+mn-cs"/>
+                        </a:rPr>
+                        <a:t>Statement of Architecture Work</a:t>
+                      </a:r>
+                    </a:p>
+                    <a:p>
+                      <a:pPr marL="171450" marR="0" lvl="0" indent="-171450" algn="l" defTabSz="914400" rtl="0" eaLnBrk="1" fontAlgn="auto" latinLnBrk="0" hangingPunct="1">
+                        <a:lnSpc>
+                          <a:spcPct val="100000"/>
+                        </a:lnSpc>
+                        <a:spcBef>
+                          <a:spcPts val="0"/>
+                        </a:spcBef>
+                        <a:spcAft>
+                          <a:spcPts val="0"/>
+                        </a:spcAft>
+                        <a:buClrTx/>
+                        <a:buSzTx/>
+                        <a:buFont typeface="Arial" panose="020B0604020202020204" pitchFamily="34" charset="0"/>
+                        <a:buChar char="•"/>
+                        <a:tabLst/>
+                        <a:defRPr/>
+                      </a:pPr>
+                      <a:r>
+                        <a:rPr lang="en-US" sz="1000" b="0" kern="1200" dirty="0">
+                          <a:solidFill>
+                            <a:schemeClr val="accent2">
+                              <a:lumMod val="75000"/>
+                            </a:schemeClr>
+                          </a:solidFill>
+                          <a:latin typeface="+mn-lt"/>
+                          <a:ea typeface="+mn-ea"/>
+                          <a:cs typeface="+mn-cs"/>
+                        </a:rPr>
+                        <a:t>Architecture Vision</a:t>
+                      </a:r>
+                    </a:p>
+                    <a:p>
+                      <a:pPr marL="171450" marR="0" lvl="0" indent="-171450" algn="l" defTabSz="914400" rtl="0" eaLnBrk="1" fontAlgn="auto" latinLnBrk="0" hangingPunct="1">
+                        <a:lnSpc>
+                          <a:spcPct val="100000"/>
+                        </a:lnSpc>
+                        <a:spcBef>
+                          <a:spcPts val="0"/>
+                        </a:spcBef>
+                        <a:spcAft>
+                          <a:spcPts val="0"/>
+                        </a:spcAft>
+                        <a:buClrTx/>
+                        <a:buSzTx/>
+                        <a:buFont typeface="Arial" panose="020B0604020202020204" pitchFamily="34" charset="0"/>
+                        <a:buChar char="•"/>
+                        <a:tabLst/>
+                        <a:defRPr/>
+                      </a:pPr>
+                      <a:r>
+                        <a:rPr lang="en-US" sz="1000" b="1" kern="1200" dirty="0">
+                          <a:solidFill>
+                            <a:schemeClr val="bg1">
+                              <a:lumMod val="50000"/>
+                            </a:schemeClr>
+                          </a:solidFill>
+                          <a:latin typeface="+mn-lt"/>
+                          <a:ea typeface="+mn-ea"/>
+                          <a:cs typeface="+mn-cs"/>
+                        </a:rPr>
+                        <a:t>Architecture Repository</a:t>
+                      </a:r>
+                    </a:p>
+                    <a:p>
+                      <a:pPr marL="171450" marR="0" lvl="0" indent="-171450" algn="l" defTabSz="914400" rtl="0" eaLnBrk="1" fontAlgn="auto" latinLnBrk="0" hangingPunct="1">
+                        <a:lnSpc>
+                          <a:spcPct val="100000"/>
+                        </a:lnSpc>
+                        <a:spcBef>
+                          <a:spcPts val="0"/>
+                        </a:spcBef>
+                        <a:spcAft>
+                          <a:spcPts val="0"/>
+                        </a:spcAft>
+                        <a:buClrTx/>
+                        <a:buSzTx/>
+                        <a:buFont typeface="Arial" panose="020B0604020202020204" pitchFamily="34" charset="0"/>
+                        <a:buChar char="•"/>
+                        <a:tabLst/>
+                        <a:defRPr/>
+                      </a:pPr>
+                      <a:r>
+                        <a:rPr lang="en-US" sz="1000" b="0" kern="1200" dirty="0">
+                          <a:solidFill>
+                            <a:schemeClr val="accent6">
+                              <a:lumMod val="50000"/>
+                            </a:schemeClr>
+                          </a:solidFill>
+                          <a:latin typeface="+mn-lt"/>
+                          <a:ea typeface="+mn-ea"/>
+                          <a:cs typeface="+mn-cs"/>
+                        </a:rPr>
+                        <a:t>Draft Architecture Definition Document (v 1.0 of baseline/target)</a:t>
+                      </a:r>
+                    </a:p>
+                    <a:p>
+                      <a:pPr marL="171450" marR="0" lvl="0" indent="-171450" algn="l" defTabSz="914400" rtl="0" eaLnBrk="1" fontAlgn="auto" latinLnBrk="0" hangingPunct="1">
+                        <a:lnSpc>
+                          <a:spcPct val="100000"/>
+                        </a:lnSpc>
+                        <a:spcBef>
+                          <a:spcPts val="0"/>
+                        </a:spcBef>
+                        <a:spcAft>
+                          <a:spcPts val="0"/>
+                        </a:spcAft>
+                        <a:buClrTx/>
+                        <a:buSzTx/>
+                        <a:buFont typeface="Arial" panose="020B0604020202020204" pitchFamily="34" charset="0"/>
+                        <a:buChar char="•"/>
+                        <a:tabLst/>
+                        <a:defRPr/>
+                      </a:pPr>
+                      <a:r>
+                        <a:rPr lang="en-US" sz="1000" b="0" kern="1200" dirty="0">
+                          <a:solidFill>
+                            <a:srgbClr val="00B0F0"/>
+                          </a:solidFill>
+                          <a:latin typeface="+mn-lt"/>
+                          <a:ea typeface="+mn-ea"/>
+                          <a:cs typeface="+mn-cs"/>
+                        </a:rPr>
+                        <a:t>Draft Architecture Requirements Specification (including the gap analysis results) </a:t>
+                      </a:r>
+                    </a:p>
+                    <a:p>
+                      <a:pPr marL="171450" marR="0" lvl="0" indent="-171450" algn="l" defTabSz="914400" rtl="0" eaLnBrk="1" fontAlgn="auto" latinLnBrk="0" hangingPunct="1">
+                        <a:lnSpc>
+                          <a:spcPct val="100000"/>
+                        </a:lnSpc>
+                        <a:spcBef>
+                          <a:spcPts val="0"/>
+                        </a:spcBef>
+                        <a:spcAft>
+                          <a:spcPts val="0"/>
+                        </a:spcAft>
+                        <a:buClrTx/>
+                        <a:buSzTx/>
+                        <a:buFont typeface="Arial" panose="020B0604020202020204" pitchFamily="34" charset="0"/>
+                        <a:buChar char="•"/>
+                        <a:tabLst/>
+                        <a:defRPr/>
+                      </a:pPr>
+                      <a:r>
+                        <a:rPr lang="en-US" sz="1000" b="0" i="1" kern="1200" dirty="0">
                           <a:solidFill>
                             <a:schemeClr val="tx1"/>
                           </a:solidFill>
-                        </a:rPr>
-                        <a:t>Architectural Inputs</a:t>
-                      </a:r>
-                    </a:p>
-                    <a:p>
-                      <a:pPr marL="171450" marR="0" lvl="0" indent="-171450" algn="l" defTabSz="914400" rtl="0" eaLnBrk="1" fontAlgn="auto" latinLnBrk="0" hangingPunct="1">
-                        <a:lnSpc>
-                          <a:spcPct val="100000"/>
-                        </a:lnSpc>
-                        <a:spcBef>
-                          <a:spcPts val="0"/>
-                        </a:spcBef>
-                        <a:spcAft>
-                          <a:spcPts val="0"/>
-                        </a:spcAft>
-                        <a:buClrTx/>
-                        <a:buSzTx/>
-                        <a:buFont typeface="Arial" panose="020B0604020202020204" pitchFamily="34" charset="0"/>
-                        <a:buChar char="•"/>
-                        <a:tabLst/>
-                        <a:defRPr/>
-                      </a:pPr>
-                      <a:r>
-                        <a:rPr lang="en-US" sz="1000" b="0" dirty="0">
-                          <a:solidFill>
-                            <a:schemeClr val="tx1"/>
-                          </a:solidFill>
-                        </a:rPr>
-                        <a:t>Organizational model </a:t>
-                      </a:r>
-                    </a:p>
-                    <a:p>
-                      <a:pPr marL="171450" marR="0" lvl="0" indent="-171450" algn="l" defTabSz="914400" rtl="0" eaLnBrk="1" fontAlgn="auto" latinLnBrk="0" hangingPunct="1">
-                        <a:lnSpc>
-                          <a:spcPct val="100000"/>
-                        </a:lnSpc>
-                        <a:spcBef>
-                          <a:spcPts val="0"/>
-                        </a:spcBef>
-                        <a:spcAft>
-                          <a:spcPts val="0"/>
-                        </a:spcAft>
-                        <a:buClrTx/>
-                        <a:buSzTx/>
-                        <a:buFont typeface="Arial" panose="020B0604020202020204" pitchFamily="34" charset="0"/>
-                        <a:buChar char="•"/>
-                        <a:tabLst/>
-                        <a:defRPr/>
-                      </a:pPr>
-                      <a:r>
-                        <a:rPr lang="en-US" sz="1000" b="0" kern="1200" dirty="0">
-                          <a:solidFill>
-                            <a:schemeClr val="tx1"/>
-                          </a:solidFill>
-                          <a:latin typeface="+mn-lt"/>
-                          <a:ea typeface="+mn-ea"/>
-                          <a:cs typeface="+mn-cs"/>
-                        </a:rPr>
-                        <a:t>Tailored Architecture Framework</a:t>
-                      </a:r>
-                    </a:p>
-                    <a:p>
-                      <a:pPr marL="171450" marR="0" lvl="0" indent="-171450" algn="l" defTabSz="914400" rtl="0" eaLnBrk="1" fontAlgn="auto" latinLnBrk="0" hangingPunct="1">
-                        <a:lnSpc>
-                          <a:spcPct val="100000"/>
-                        </a:lnSpc>
-                        <a:spcBef>
-                          <a:spcPts val="0"/>
-                        </a:spcBef>
-                        <a:spcAft>
-                          <a:spcPts val="0"/>
-                        </a:spcAft>
-                        <a:buClrTx/>
-                        <a:buSzTx/>
-                        <a:buFont typeface="Arial" panose="020B0604020202020204" pitchFamily="34" charset="0"/>
-                        <a:buChar char="•"/>
-                        <a:tabLst/>
-                        <a:defRPr/>
-                      </a:pPr>
-                      <a:r>
-                        <a:rPr lang="en-US" sz="1000" b="0" i="1" kern="1200" dirty="0">
-                          <a:solidFill>
-                            <a:schemeClr val="tx1"/>
-                          </a:solidFill>
-                          <a:latin typeface="+mn-lt"/>
-                          <a:ea typeface="+mn-ea"/>
-                          <a:cs typeface="+mn-cs"/>
-                        </a:rPr>
-                        <a:t>Technology principles</a:t>
-                      </a:r>
-                    </a:p>
-                    <a:p>
-                      <a:pPr marL="171450" marR="0" lvl="0" indent="-171450" algn="l" defTabSz="914400" rtl="0" eaLnBrk="1" fontAlgn="auto" latinLnBrk="0" hangingPunct="1">
-                        <a:lnSpc>
-                          <a:spcPct val="100000"/>
-                        </a:lnSpc>
-                        <a:spcBef>
-                          <a:spcPts val="0"/>
-                        </a:spcBef>
-                        <a:spcAft>
-                          <a:spcPts val="0"/>
-                        </a:spcAft>
-                        <a:buClrTx/>
-                        <a:buSzTx/>
-                        <a:buFont typeface="Arial" panose="020B0604020202020204" pitchFamily="34" charset="0"/>
-                        <a:buChar char="•"/>
-                        <a:tabLst/>
-                        <a:defRPr/>
-                      </a:pPr>
-                      <a:r>
-                        <a:rPr lang="en-US" sz="1000" b="0" kern="1200" dirty="0">
-                          <a:solidFill>
-                            <a:schemeClr val="tx1"/>
-                          </a:solidFill>
-                          <a:latin typeface="+mn-lt"/>
-                          <a:ea typeface="+mn-ea"/>
-                          <a:cs typeface="+mn-cs"/>
-                        </a:rPr>
-                        <a:t>Approved Statement of Architecture Work</a:t>
-                      </a:r>
-                    </a:p>
-                    <a:p>
-                      <a:pPr marL="171450" marR="0" lvl="0" indent="-171450" algn="l" defTabSz="914400" rtl="0" eaLnBrk="1" fontAlgn="auto" latinLnBrk="0" hangingPunct="1">
-                        <a:lnSpc>
-                          <a:spcPct val="100000"/>
-                        </a:lnSpc>
-                        <a:spcBef>
-                          <a:spcPts val="0"/>
-                        </a:spcBef>
-                        <a:spcAft>
-                          <a:spcPts val="0"/>
-                        </a:spcAft>
-                        <a:buClrTx/>
-                        <a:buSzTx/>
-                        <a:buFont typeface="Arial" panose="020B0604020202020204" pitchFamily="34" charset="0"/>
-                        <a:buChar char="•"/>
-                        <a:tabLst/>
-                        <a:defRPr/>
-                      </a:pPr>
-                      <a:r>
-                        <a:rPr lang="en-US" sz="1000" b="0" kern="1200" dirty="0">
-                          <a:solidFill>
-                            <a:schemeClr val="tx1"/>
-                          </a:solidFill>
-                          <a:latin typeface="+mn-lt"/>
-                          <a:ea typeface="+mn-ea"/>
-                          <a:cs typeface="+mn-cs"/>
-                        </a:rPr>
-                        <a:t>Architecture Vision</a:t>
-                      </a:r>
-                    </a:p>
-                    <a:p>
-                      <a:pPr marL="171450" marR="0" lvl="0" indent="-171450" algn="l" defTabSz="914400" rtl="0" eaLnBrk="1" fontAlgn="auto" latinLnBrk="0" hangingPunct="1">
-                        <a:lnSpc>
-                          <a:spcPct val="100000"/>
-                        </a:lnSpc>
-                        <a:spcBef>
-                          <a:spcPts val="0"/>
-                        </a:spcBef>
-                        <a:spcAft>
-                          <a:spcPts val="0"/>
-                        </a:spcAft>
-                        <a:buClrTx/>
-                        <a:buSzTx/>
-                        <a:buFont typeface="Arial" panose="020B0604020202020204" pitchFamily="34" charset="0"/>
-                        <a:buChar char="•"/>
-                        <a:tabLst/>
-                        <a:defRPr/>
-                      </a:pPr>
-                      <a:r>
-                        <a:rPr lang="en-US" sz="1000" b="0" kern="1200" dirty="0">
-                          <a:solidFill>
-                            <a:schemeClr val="tx1"/>
-                          </a:solidFill>
-                          <a:latin typeface="+mn-lt"/>
-                          <a:ea typeface="+mn-ea"/>
-                          <a:cs typeface="+mn-cs"/>
-                        </a:rPr>
-                        <a:t>Architecture Repository</a:t>
-                      </a:r>
-                    </a:p>
-                    <a:p>
-                      <a:pPr marL="171450" marR="0" lvl="0" indent="-171450" algn="l" defTabSz="914400" rtl="0" eaLnBrk="1" fontAlgn="auto" latinLnBrk="0" hangingPunct="1">
-                        <a:lnSpc>
-                          <a:spcPct val="100000"/>
-                        </a:lnSpc>
-                        <a:spcBef>
-                          <a:spcPts val="0"/>
-                        </a:spcBef>
-                        <a:spcAft>
-                          <a:spcPts val="0"/>
-                        </a:spcAft>
-                        <a:buClrTx/>
-                        <a:buSzTx/>
-                        <a:buFont typeface="Arial" panose="020B0604020202020204" pitchFamily="34" charset="0"/>
-                        <a:buChar char="•"/>
-                        <a:tabLst/>
-                        <a:defRPr/>
-                      </a:pPr>
-                      <a:r>
-                        <a:rPr lang="en-US" sz="1000" b="0" kern="1200" dirty="0">
-                          <a:solidFill>
-                            <a:schemeClr val="tx1"/>
-                          </a:solidFill>
-                          <a:latin typeface="+mn-lt"/>
-                          <a:ea typeface="+mn-ea"/>
-                          <a:cs typeface="+mn-cs"/>
-                        </a:rPr>
-                        <a:t>Draft Architecture Definition Document (baseline/target)</a:t>
-                      </a:r>
-                    </a:p>
-                    <a:p>
-                      <a:pPr marL="171450" marR="0" lvl="0" indent="-171450" algn="l" defTabSz="914400" rtl="0" eaLnBrk="1" fontAlgn="auto" latinLnBrk="0" hangingPunct="1">
-                        <a:lnSpc>
-                          <a:spcPct val="100000"/>
-                        </a:lnSpc>
-                        <a:spcBef>
-                          <a:spcPts val="0"/>
-                        </a:spcBef>
-                        <a:spcAft>
-                          <a:spcPts val="0"/>
-                        </a:spcAft>
-                        <a:buClrTx/>
-                        <a:buSzTx/>
-                        <a:buFont typeface="Arial" panose="020B0604020202020204" pitchFamily="34" charset="0"/>
-                        <a:buChar char="•"/>
-                        <a:tabLst/>
-                        <a:defRPr/>
-                      </a:pPr>
-                      <a:r>
-                        <a:rPr lang="en-US" sz="1000" b="0" kern="1200" dirty="0">
-                          <a:solidFill>
-                            <a:schemeClr val="tx1"/>
-                          </a:solidFill>
-                          <a:latin typeface="+mn-lt"/>
-                          <a:ea typeface="+mn-ea"/>
-                          <a:cs typeface="+mn-cs"/>
-                        </a:rPr>
-                        <a:t>Draft Architecture Requirement Specs </a:t>
-                      </a:r>
-                    </a:p>
-                    <a:p>
-                      <a:pPr marL="171450" marR="0" lvl="0" indent="-171450" algn="l" defTabSz="914400" rtl="0" eaLnBrk="1" fontAlgn="auto" latinLnBrk="0" hangingPunct="1">
-                        <a:lnSpc>
-                          <a:spcPct val="100000"/>
-                        </a:lnSpc>
-                        <a:spcBef>
-                          <a:spcPts val="0"/>
-                        </a:spcBef>
-                        <a:spcAft>
-                          <a:spcPts val="0"/>
-                        </a:spcAft>
-                        <a:buClrTx/>
-                        <a:buSzTx/>
-                        <a:buFont typeface="Arial" panose="020B0604020202020204" pitchFamily="34" charset="0"/>
-                        <a:buChar char="•"/>
-                        <a:tabLst/>
-                        <a:defRPr/>
-                      </a:pPr>
-                      <a:r>
-                        <a:rPr lang="en-US" sz="1000" b="0" kern="1200" dirty="0">
-                          <a:solidFill>
-                            <a:schemeClr val="tx1"/>
-                          </a:solidFill>
                           <a:latin typeface="+mn-lt"/>
                           <a:ea typeface="+mn-ea"/>
                           <a:cs typeface="+mn-cs"/>
                         </a:rPr>
                         <a:t>Business, Data and Application architecture component of Architecture Roadmap</a:t>
                       </a:r>
-                      <a:endParaRPr lang="en-US" sz="1000" b="0" dirty="0">
+                      <a:endParaRPr lang="en-US" sz="1000" b="0" i="1" dirty="0">
                         <a:solidFill>
                           <a:schemeClr val="tx1"/>
                         </a:solidFill>
@@ -6231,13 +6258,68 @@
                       <a:r>
                         <a:rPr lang="en-US" sz="1000" b="0" kern="1200" dirty="0">
                           <a:solidFill>
+                            <a:srgbClr val="C00000"/>
+                          </a:solidFill>
+                          <a:latin typeface="+mn-lt"/>
+                          <a:ea typeface="+mn-ea"/>
+                          <a:cs typeface="+mn-cs"/>
+                        </a:rPr>
+                        <a:t>Request for Architecture Work</a:t>
+                      </a:r>
+                      <a:endParaRPr lang="en-US" sz="1000" b="0" kern="1200" dirty="0">
+                        <a:solidFill>
+                          <a:schemeClr val="tx1"/>
+                        </a:solidFill>
+                        <a:latin typeface="+mn-lt"/>
+                        <a:ea typeface="+mn-ea"/>
+                        <a:cs typeface="+mn-cs"/>
+                      </a:endParaRPr>
+                    </a:p>
+                    <a:p>
+                      <a:pPr marL="171450" marR="0" lvl="0" indent="-171450" algn="l" defTabSz="914400" rtl="0" eaLnBrk="1" fontAlgn="auto" latinLnBrk="0" hangingPunct="1">
+                        <a:lnSpc>
+                          <a:spcPct val="100000"/>
+                        </a:lnSpc>
+                        <a:spcBef>
+                          <a:spcPts val="0"/>
+                        </a:spcBef>
+                        <a:spcAft>
+                          <a:spcPts val="0"/>
+                        </a:spcAft>
+                        <a:buClrTx/>
+                        <a:buSzTx/>
+                        <a:buFont typeface="Arial" panose="020B0604020202020204" pitchFamily="34" charset="0"/>
+                        <a:buChar char="•"/>
+                        <a:tabLst/>
+                        <a:defRPr/>
+                      </a:pPr>
+                      <a:r>
+                        <a:rPr lang="en-US" sz="1000" b="0" kern="1200" dirty="0">
+                          <a:solidFill>
+                            <a:srgbClr val="7030A0"/>
+                          </a:solidFill>
+                          <a:latin typeface="+mn-lt"/>
+                          <a:ea typeface="+mn-ea"/>
+                          <a:cs typeface="+mn-cs"/>
+                        </a:rPr>
+                        <a:t>Capability assessment</a:t>
+                      </a:r>
+                    </a:p>
+                    <a:p>
+                      <a:pPr marL="171450" indent="-171450">
+                        <a:buFont typeface="Arial" panose="020B0604020202020204" pitchFamily="34" charset="0"/>
+                        <a:buChar char="•"/>
+                      </a:pPr>
+                      <a:r>
+                        <a:rPr lang="en-US" sz="1000" b="0" dirty="0">
+                          <a:solidFill>
                             <a:schemeClr val="tx1"/>
                           </a:solidFill>
-                          <a:latin typeface="+mn-lt"/>
-                          <a:ea typeface="+mn-ea"/>
-                          <a:cs typeface="+mn-cs"/>
-                        </a:rPr>
-                        <a:t>Request for architecture work</a:t>
+                          <a:highlight>
+                            <a:srgbClr val="FFFF00"/>
+                          </a:highlight>
+                        </a:rPr>
+                        <a:t>Communication plan</a:t>
                       </a:r>
                     </a:p>
                     <a:p>
@@ -6267,37 +6349,48 @@
                           <a:ea typeface="+mn-ea"/>
                           <a:cs typeface="+mn-cs"/>
                         </a:rPr>
-                        <a:t>Capability assessment</a:t>
-                      </a:r>
-                    </a:p>
-                    <a:p>
-                      <a:pPr marL="171450" marR="0" lvl="0" indent="-171450" algn="l" defTabSz="914400" rtl="0" eaLnBrk="1" fontAlgn="auto" latinLnBrk="0" hangingPunct="1">
-                        <a:lnSpc>
-                          <a:spcPct val="100000"/>
-                        </a:lnSpc>
-                        <a:spcBef>
-                          <a:spcPts val="0"/>
-                        </a:spcBef>
-                        <a:spcAft>
-                          <a:spcPts val="0"/>
-                        </a:spcAft>
-                        <a:buClrTx/>
-                        <a:buSzTx/>
-                        <a:buFont typeface="Arial" panose="020B0604020202020204" pitchFamily="34" charset="0"/>
-                        <a:buChar char="•"/>
-                        <a:tabLst/>
-                        <a:defRPr/>
-                      </a:pPr>
-                      <a:r>
-                        <a:rPr lang="en-US" sz="1000" b="0" kern="1200" dirty="0">
+                        <a:t>Planning methodologies</a:t>
+                      </a:r>
+                    </a:p>
+                    <a:p>
+                      <a:pPr marL="0" marR="0" lvl="0" indent="0" algn="l" defTabSz="914400" rtl="0" eaLnBrk="1" fontAlgn="auto" latinLnBrk="0" hangingPunct="1">
+                        <a:lnSpc>
+                          <a:spcPct val="100000"/>
+                        </a:lnSpc>
+                        <a:spcBef>
+                          <a:spcPts val="0"/>
+                        </a:spcBef>
+                        <a:spcAft>
+                          <a:spcPts val="0"/>
+                        </a:spcAft>
+                        <a:buClrTx/>
+                        <a:buSzTx/>
+                        <a:buFont typeface="Arial" panose="020B0604020202020204" pitchFamily="34" charset="0"/>
+                        <a:buNone/>
+                        <a:tabLst/>
+                        <a:defRPr/>
+                      </a:pPr>
+                      <a:r>
+                        <a:rPr lang="en-US" sz="1000" b="1" dirty="0">
                           <a:solidFill>
                             <a:schemeClr val="tx1"/>
                           </a:solidFill>
-                          <a:latin typeface="+mn-lt"/>
-                          <a:ea typeface="+mn-ea"/>
-                          <a:cs typeface="+mn-cs"/>
-                        </a:rPr>
-                        <a:t>Communication plan</a:t>
+                        </a:rPr>
+                        <a:t>Architectural Inputs</a:t>
+                      </a:r>
+                    </a:p>
+                    <a:p>
+                      <a:pPr marL="171450" indent="-171450">
+                        <a:buFont typeface="Arial" panose="020B0604020202020204" pitchFamily="34" charset="0"/>
+                        <a:buChar char="•"/>
+                      </a:pPr>
+                      <a:r>
+                        <a:rPr lang="en-US" sz="1000" b="0" dirty="0">
+                          <a:solidFill>
+                            <a:srgbClr val="FF00FF"/>
+                          </a:solidFill>
+                        </a:rPr>
+                        <a:t>Organizational Model for EA</a:t>
                       </a:r>
                     </a:p>
                     <a:p>
@@ -6327,119 +6420,21 @@
                           <a:ea typeface="+mn-ea"/>
                           <a:cs typeface="+mn-cs"/>
                         </a:rPr>
-                        <a:t>Planning methodologies</a:t>
-                      </a:r>
-                    </a:p>
-                    <a:p>
-                      <a:pPr marL="0" marR="0" lvl="0" indent="0" algn="l" defTabSz="914400" rtl="0" eaLnBrk="1" fontAlgn="auto" latinLnBrk="0" hangingPunct="1">
-                        <a:lnSpc>
-                          <a:spcPct val="100000"/>
-                        </a:lnSpc>
-                        <a:spcBef>
-                          <a:spcPts val="0"/>
-                        </a:spcBef>
-                        <a:spcAft>
-                          <a:spcPts val="0"/>
-                        </a:spcAft>
-                        <a:buClrTx/>
-                        <a:buSzTx/>
-                        <a:buFont typeface="Arial" panose="020B0604020202020204" pitchFamily="34" charset="0"/>
-                        <a:buNone/>
-                        <a:tabLst/>
-                        <a:defRPr/>
-                      </a:pPr>
-                      <a:r>
-                        <a:rPr lang="en-US" sz="1000" b="1" dirty="0">
-                          <a:solidFill>
-                            <a:schemeClr val="tx1"/>
-                          </a:solidFill>
-                        </a:rPr>
-                        <a:t>Architectural Inputs</a:t>
-                      </a:r>
-                    </a:p>
-                    <a:p>
-                      <a:pPr marL="171450" marR="0" lvl="0" indent="-171450" algn="l" defTabSz="914400" rtl="0" eaLnBrk="1" fontAlgn="auto" latinLnBrk="0" hangingPunct="1">
-                        <a:lnSpc>
-                          <a:spcPct val="100000"/>
-                        </a:lnSpc>
-                        <a:spcBef>
-                          <a:spcPts val="0"/>
-                        </a:spcBef>
-                        <a:spcAft>
-                          <a:spcPts val="0"/>
-                        </a:spcAft>
-                        <a:buClrTx/>
-                        <a:buSzTx/>
-                        <a:buFont typeface="Arial" panose="020B0604020202020204" pitchFamily="34" charset="0"/>
-                        <a:buChar char="•"/>
-                        <a:tabLst/>
-                        <a:defRPr/>
+                        <a:t>Governance modal and framework</a:t>
+                      </a:r>
+                    </a:p>
+                    <a:p>
+                      <a:pPr marL="171450" indent="-171450">
+                        <a:buFont typeface="Arial" panose="020B0604020202020204" pitchFamily="34" charset="0"/>
+                        <a:buChar char="•"/>
                       </a:pPr>
                       <a:r>
                         <a:rPr lang="en-US" sz="1000" b="0" dirty="0">
                           <a:solidFill>
-                            <a:schemeClr val="tx1"/>
-                          </a:solidFill>
-                        </a:rPr>
-                        <a:t>Organizational model </a:t>
-                      </a:r>
-                    </a:p>
-                    <a:p>
-                      <a:pPr marL="171450" marR="0" lvl="0" indent="-171450" algn="l" defTabSz="914400" rtl="0" eaLnBrk="1" fontAlgn="auto" latinLnBrk="0" hangingPunct="1">
-                        <a:lnSpc>
-                          <a:spcPct val="100000"/>
-                        </a:lnSpc>
-                        <a:spcBef>
-                          <a:spcPts val="0"/>
-                        </a:spcBef>
-                        <a:spcAft>
-                          <a:spcPts val="0"/>
-                        </a:spcAft>
-                        <a:buClrTx/>
-                        <a:buSzTx/>
-                        <a:buFont typeface="Arial" panose="020B0604020202020204" pitchFamily="34" charset="0"/>
-                        <a:buChar char="•"/>
-                        <a:tabLst/>
-                        <a:defRPr/>
-                      </a:pPr>
-                      <a:r>
-                        <a:rPr lang="en-US" sz="1000" b="0" kern="1200" dirty="0">
-                          <a:solidFill>
-                            <a:schemeClr val="tx1"/>
-                          </a:solidFill>
-                          <a:latin typeface="+mn-lt"/>
-                          <a:ea typeface="+mn-ea"/>
-                          <a:cs typeface="+mn-cs"/>
-                        </a:rPr>
-                        <a:t>Governance modal and framework</a:t>
-                      </a:r>
-                    </a:p>
-                    <a:p>
-                      <a:pPr marL="171450" marR="0" lvl="0" indent="-171450" algn="l" defTabSz="914400" rtl="0" eaLnBrk="1" fontAlgn="auto" latinLnBrk="0" hangingPunct="1">
-                        <a:lnSpc>
-                          <a:spcPct val="100000"/>
-                        </a:lnSpc>
-                        <a:spcBef>
-                          <a:spcPts val="0"/>
-                        </a:spcBef>
-                        <a:spcAft>
-                          <a:spcPts val="0"/>
-                        </a:spcAft>
-                        <a:buClrTx/>
-                        <a:buSzTx/>
-                        <a:buFont typeface="Arial" panose="020B0604020202020204" pitchFamily="34" charset="0"/>
-                        <a:buChar char="•"/>
-                        <a:tabLst/>
-                        <a:defRPr/>
-                      </a:pPr>
-                      <a:r>
-                        <a:rPr lang="en-US" sz="1000" b="0" kern="1200" dirty="0">
-                          <a:solidFill>
-                            <a:schemeClr val="tx1"/>
-                          </a:solidFill>
-                          <a:latin typeface="+mn-lt"/>
-                          <a:ea typeface="+mn-ea"/>
-                          <a:cs typeface="+mn-cs"/>
+                            <a:schemeClr val="accent1">
+                              <a:lumMod val="75000"/>
+                            </a:schemeClr>
+                          </a:solidFill>
                         </a:rPr>
                         <a:t>Tailored Architecture Framework</a:t>
                       </a:r>
@@ -6465,37 +6460,39 @@
                       <a:r>
                         <a:rPr lang="en-US" sz="1000" b="0" kern="1200" dirty="0">
                           <a:solidFill>
-                            <a:schemeClr val="tx1"/>
-                          </a:solidFill>
-                          <a:latin typeface="+mn-lt"/>
-                          <a:ea typeface="+mn-ea"/>
-                          <a:cs typeface="+mn-cs"/>
-                        </a:rPr>
-                        <a:t>Approved Statement of Architecture Work</a:t>
-                      </a:r>
-                    </a:p>
-                    <a:p>
-                      <a:pPr marL="171450" marR="0" lvl="0" indent="-171450" algn="l" defTabSz="914400" rtl="0" eaLnBrk="1" fontAlgn="auto" latinLnBrk="0" hangingPunct="1">
-                        <a:lnSpc>
-                          <a:spcPct val="100000"/>
-                        </a:lnSpc>
-                        <a:spcBef>
-                          <a:spcPts val="0"/>
-                        </a:spcBef>
-                        <a:spcAft>
-                          <a:spcPts val="0"/>
-                        </a:spcAft>
-                        <a:buClrTx/>
-                        <a:buSzTx/>
-                        <a:buFont typeface="Arial" panose="020B0604020202020204" pitchFamily="34" charset="0"/>
-                        <a:buChar char="•"/>
-                        <a:tabLst/>
-                        <a:defRPr/>
-                      </a:pPr>
-                      <a:r>
-                        <a:rPr lang="en-US" sz="1000" b="0" kern="1200" dirty="0">
-                          <a:solidFill>
-                            <a:schemeClr val="tx1"/>
+                            <a:srgbClr val="C00000"/>
+                          </a:solidFill>
+                          <a:latin typeface="+mn-lt"/>
+                          <a:ea typeface="+mn-ea"/>
+                          <a:cs typeface="+mn-cs"/>
+                        </a:rPr>
+                        <a:t>Statement of Architecture Work</a:t>
+                      </a:r>
+                    </a:p>
+                    <a:p>
+                      <a:pPr marL="171450" marR="0" lvl="0" indent="-171450" algn="l" defTabSz="914400" rtl="0" eaLnBrk="1" fontAlgn="auto" latinLnBrk="0" hangingPunct="1">
+                        <a:lnSpc>
+                          <a:spcPct val="100000"/>
+                        </a:lnSpc>
+                        <a:spcBef>
+                          <a:spcPts val="0"/>
+                        </a:spcBef>
+                        <a:spcAft>
+                          <a:spcPts val="0"/>
+                        </a:spcAft>
+                        <a:buClrTx/>
+                        <a:buSzTx/>
+                        <a:buFont typeface="Arial" panose="020B0604020202020204" pitchFamily="34" charset="0"/>
+                        <a:buChar char="•"/>
+                        <a:tabLst/>
+                        <a:defRPr/>
+                      </a:pPr>
+                      <a:r>
+                        <a:rPr lang="en-US" sz="1000" b="0" kern="1200" dirty="0">
+                          <a:solidFill>
+                            <a:schemeClr val="accent2">
+                              <a:lumMod val="75000"/>
+                            </a:schemeClr>
                           </a:solidFill>
                           <a:latin typeface="+mn-lt"/>
                           <a:ea typeface="+mn-ea"/>
@@ -6523,9 +6520,11 @@
                         <a:defRPr/>
                       </a:pPr>
                       <a:r>
-                        <a:rPr lang="en-US" sz="1000" b="0" kern="1200" dirty="0">
-                          <a:solidFill>
-                            <a:schemeClr val="tx1"/>
+                        <a:rPr lang="en-US" sz="1000" b="1" kern="1200" dirty="0">
+                          <a:solidFill>
+                            <a:schemeClr val="bg1">
+                              <a:lumMod val="50000"/>
+                            </a:schemeClr>
                           </a:solidFill>
                           <a:latin typeface="+mn-lt"/>
                           <a:ea typeface="+mn-ea"/>
@@ -6555,43 +6554,45 @@
                       <a:r>
                         <a:rPr lang="en-US" sz="1000" b="0" kern="1200" dirty="0">
                           <a:solidFill>
-                            <a:schemeClr val="tx1"/>
-                          </a:solidFill>
-                          <a:latin typeface="+mn-lt"/>
-                          <a:ea typeface="+mn-ea"/>
-                          <a:cs typeface="+mn-cs"/>
-                        </a:rPr>
-                        <a:t>Draft Architecture Definition Document (baseline/target)</a:t>
-                      </a:r>
-                    </a:p>
-                    <a:p>
-                      <a:pPr marL="171450" marR="0" lvl="0" indent="-171450" algn="l" defTabSz="914400" rtl="0" eaLnBrk="1" fontAlgn="auto" latinLnBrk="0" hangingPunct="1">
-                        <a:lnSpc>
-                          <a:spcPct val="100000"/>
-                        </a:lnSpc>
-                        <a:spcBef>
-                          <a:spcPts val="0"/>
-                        </a:spcBef>
-                        <a:spcAft>
-                          <a:spcPts val="0"/>
-                        </a:spcAft>
-                        <a:buClrTx/>
-                        <a:buSzTx/>
-                        <a:buFont typeface="Arial" panose="020B0604020202020204" pitchFamily="34" charset="0"/>
-                        <a:buChar char="•"/>
-                        <a:tabLst/>
-                        <a:defRPr/>
-                      </a:pPr>
-                      <a:r>
-                        <a:rPr lang="en-US" sz="1000" b="0" kern="1200" dirty="0">
-                          <a:solidFill>
-                            <a:schemeClr val="tx1"/>
-                          </a:solidFill>
-                          <a:latin typeface="+mn-lt"/>
-                          <a:ea typeface="+mn-ea"/>
-                          <a:cs typeface="+mn-cs"/>
-                        </a:rPr>
-                        <a:t>Draft Architecture Requirement Specs </a:t>
+                            <a:schemeClr val="accent6">
+                              <a:lumMod val="50000"/>
+                            </a:schemeClr>
+                          </a:solidFill>
+                          <a:latin typeface="+mn-lt"/>
+                          <a:ea typeface="+mn-ea"/>
+                          <a:cs typeface="+mn-cs"/>
+                        </a:rPr>
+                        <a:t>Draft Architecture Definition Document (v 1.0 of baseline/target)</a:t>
+                      </a:r>
+                    </a:p>
+                    <a:p>
+                      <a:pPr marL="171450" marR="0" lvl="0" indent="-171450" algn="l" defTabSz="914400" rtl="0" eaLnBrk="1" fontAlgn="auto" latinLnBrk="0" hangingPunct="1">
+                        <a:lnSpc>
+                          <a:spcPct val="100000"/>
+                        </a:lnSpc>
+                        <a:spcBef>
+                          <a:spcPts val="0"/>
+                        </a:spcBef>
+                        <a:spcAft>
+                          <a:spcPts val="0"/>
+                        </a:spcAft>
+                        <a:buClrTx/>
+                        <a:buSzTx/>
+                        <a:buFont typeface="Arial" panose="020B0604020202020204" pitchFamily="34" charset="0"/>
+                        <a:buChar char="•"/>
+                        <a:tabLst/>
+                        <a:defRPr/>
+                      </a:pPr>
+                      <a:r>
+                        <a:rPr lang="en-US" sz="1000" b="0" kern="1200" dirty="0">
+                          <a:solidFill>
+                            <a:srgbClr val="00B0F0"/>
+                          </a:solidFill>
+                          <a:latin typeface="+mn-lt"/>
+                          <a:ea typeface="+mn-ea"/>
+                          <a:cs typeface="+mn-cs"/>
+                        </a:rPr>
+                        <a:t>Draft Architecture Requirements Specification (including the gap analysis results)</a:t>
                       </a:r>
                     </a:p>
                     <a:p>
@@ -6716,13 +6717,68 @@
                       <a:r>
                         <a:rPr lang="en-US" sz="1000" b="0" kern="1200" dirty="0">
                           <a:solidFill>
+                            <a:srgbClr val="C00000"/>
+                          </a:solidFill>
+                          <a:latin typeface="+mn-lt"/>
+                          <a:ea typeface="+mn-ea"/>
+                          <a:cs typeface="+mn-cs"/>
+                        </a:rPr>
+                        <a:t>Request for Architecture Work</a:t>
+                      </a:r>
+                      <a:endParaRPr lang="en-US" sz="1000" b="0" kern="1200" dirty="0">
+                        <a:solidFill>
+                          <a:schemeClr val="tx1"/>
+                        </a:solidFill>
+                        <a:latin typeface="+mn-lt"/>
+                        <a:ea typeface="+mn-ea"/>
+                        <a:cs typeface="+mn-cs"/>
+                      </a:endParaRPr>
+                    </a:p>
+                    <a:p>
+                      <a:pPr marL="171450" marR="0" lvl="0" indent="-171450" algn="l" defTabSz="914400" rtl="0" eaLnBrk="1" fontAlgn="auto" latinLnBrk="0" hangingPunct="1">
+                        <a:lnSpc>
+                          <a:spcPct val="100000"/>
+                        </a:lnSpc>
+                        <a:spcBef>
+                          <a:spcPts val="0"/>
+                        </a:spcBef>
+                        <a:spcAft>
+                          <a:spcPts val="0"/>
+                        </a:spcAft>
+                        <a:buClrTx/>
+                        <a:buSzTx/>
+                        <a:buFont typeface="Arial" panose="020B0604020202020204" pitchFamily="34" charset="0"/>
+                        <a:buChar char="•"/>
+                        <a:tabLst/>
+                        <a:defRPr/>
+                      </a:pPr>
+                      <a:r>
+                        <a:rPr lang="en-US" sz="1000" b="0" kern="1200" dirty="0">
+                          <a:solidFill>
+                            <a:srgbClr val="7030A0"/>
+                          </a:solidFill>
+                          <a:latin typeface="+mn-lt"/>
+                          <a:ea typeface="+mn-ea"/>
+                          <a:cs typeface="+mn-cs"/>
+                        </a:rPr>
+                        <a:t>Capability assessment</a:t>
+                      </a:r>
+                    </a:p>
+                    <a:p>
+                      <a:pPr marL="171450" indent="-171450">
+                        <a:buFont typeface="Arial" panose="020B0604020202020204" pitchFamily="34" charset="0"/>
+                        <a:buChar char="•"/>
+                      </a:pPr>
+                      <a:r>
+                        <a:rPr lang="en-US" sz="1000" b="0" dirty="0">
+                          <a:solidFill>
                             <a:schemeClr val="tx1"/>
                           </a:solidFill>
-                          <a:latin typeface="+mn-lt"/>
-                          <a:ea typeface="+mn-ea"/>
-                          <a:cs typeface="+mn-cs"/>
-                        </a:rPr>
-                        <a:t>Request for architecture work</a:t>
+                          <a:highlight>
+                            <a:srgbClr val="FFFF00"/>
+                          </a:highlight>
+                        </a:rPr>
+                        <a:t>Communication plan</a:t>
                       </a:r>
                     </a:p>
                     <a:p>
@@ -6748,41 +6804,55 @@
                           <a:solidFill>
                             <a:schemeClr val="tx1"/>
                           </a:solidFill>
-                          <a:latin typeface="+mn-lt"/>
-                          <a:ea typeface="+mn-ea"/>
-                          <a:cs typeface="+mn-cs"/>
-                        </a:rPr>
-                        <a:t>Capability assessment</a:t>
-                      </a:r>
-                    </a:p>
-                    <a:p>
-                      <a:pPr marL="171450" marR="0" lvl="0" indent="-171450" algn="l" defTabSz="914400" rtl="0" eaLnBrk="1" fontAlgn="auto" latinLnBrk="0" hangingPunct="1">
-                        <a:lnSpc>
-                          <a:spcPct val="100000"/>
-                        </a:lnSpc>
-                        <a:spcBef>
-                          <a:spcPts val="0"/>
-                        </a:spcBef>
-                        <a:spcAft>
-                          <a:spcPts val="0"/>
-                        </a:spcAft>
-                        <a:buClrTx/>
-                        <a:buSzTx/>
-                        <a:buFont typeface="Arial" panose="020B0604020202020204" pitchFamily="34" charset="0"/>
-                        <a:buChar char="•"/>
-                        <a:tabLst/>
-                        <a:defRPr/>
-                      </a:pPr>
-                      <a:r>
-                        <a:rPr lang="en-US" sz="1000" b="0" kern="1200" dirty="0">
+                          <a:highlight>
+                            <a:srgbClr val="FFFF00"/>
+                          </a:highlight>
+                          <a:latin typeface="+mn-lt"/>
+                          <a:ea typeface="+mn-ea"/>
+                          <a:cs typeface="+mn-cs"/>
+                        </a:rPr>
+                        <a:t>Planning methodologies</a:t>
+                      </a:r>
+                    </a:p>
+                    <a:p>
+                      <a:pPr marL="0" marR="0" lvl="0" indent="0" algn="l" defTabSz="914400" rtl="0" eaLnBrk="1" fontAlgn="auto" latinLnBrk="0" hangingPunct="1">
+                        <a:lnSpc>
+                          <a:spcPct val="100000"/>
+                        </a:lnSpc>
+                        <a:spcBef>
+                          <a:spcPts val="0"/>
+                        </a:spcBef>
+                        <a:spcAft>
+                          <a:spcPts val="0"/>
+                        </a:spcAft>
+                        <a:buClrTx/>
+                        <a:buSzTx/>
+                        <a:buFont typeface="Arial" panose="020B0604020202020204" pitchFamily="34" charset="0"/>
+                        <a:buNone/>
+                        <a:tabLst/>
+                        <a:defRPr/>
+                      </a:pPr>
+                      <a:r>
+                        <a:rPr lang="en-US" sz="1000" b="1" dirty="0">
                           <a:solidFill>
                             <a:schemeClr val="tx1"/>
                           </a:solidFill>
-                          <a:latin typeface="+mn-lt"/>
-                          <a:ea typeface="+mn-ea"/>
-                          <a:cs typeface="+mn-cs"/>
-                        </a:rPr>
-                        <a:t>Communication plan</a:t>
+                        </a:rPr>
+                        <a:t>Architectural Inputs</a:t>
+                      </a:r>
+                    </a:p>
+                    <a:p>
+                      <a:pPr marL="171450" indent="-171450">
+                        <a:buFont typeface="Arial" panose="020B0604020202020204" pitchFamily="34" charset="0"/>
+                        <a:buChar char="•"/>
+                      </a:pPr>
+                      <a:r>
+                        <a:rPr lang="en-US" sz="1000" b="0" dirty="0">
+                          <a:solidFill>
+                            <a:srgbClr val="FF00FF"/>
+                          </a:solidFill>
+                        </a:rPr>
+                        <a:t>Organizational Model for EA</a:t>
                       </a:r>
                     </a:p>
                     <a:p>
@@ -6812,119 +6882,21 @@
                           <a:ea typeface="+mn-ea"/>
                           <a:cs typeface="+mn-cs"/>
                         </a:rPr>
-                        <a:t>Planning methodologies</a:t>
-                      </a:r>
-                    </a:p>
-                    <a:p>
-                      <a:pPr marL="0" marR="0" lvl="0" indent="0" algn="l" defTabSz="914400" rtl="0" eaLnBrk="1" fontAlgn="auto" latinLnBrk="0" hangingPunct="1">
-                        <a:lnSpc>
-                          <a:spcPct val="100000"/>
-                        </a:lnSpc>
-                        <a:spcBef>
-                          <a:spcPts val="0"/>
-                        </a:spcBef>
-                        <a:spcAft>
-                          <a:spcPts val="0"/>
-                        </a:spcAft>
-                        <a:buClrTx/>
-                        <a:buSzTx/>
-                        <a:buFont typeface="Arial" panose="020B0604020202020204" pitchFamily="34" charset="0"/>
-                        <a:buNone/>
-                        <a:tabLst/>
-                        <a:defRPr/>
-                      </a:pPr>
-                      <a:r>
-                        <a:rPr lang="en-US" sz="1000" b="1" dirty="0">
-                          <a:solidFill>
-                            <a:schemeClr val="tx1"/>
-                          </a:solidFill>
-                        </a:rPr>
-                        <a:t>Architectural Inputs</a:t>
-                      </a:r>
-                    </a:p>
-                    <a:p>
-                      <a:pPr marL="171450" marR="0" lvl="0" indent="-171450" algn="l" defTabSz="914400" rtl="0" eaLnBrk="1" fontAlgn="auto" latinLnBrk="0" hangingPunct="1">
-                        <a:lnSpc>
-                          <a:spcPct val="100000"/>
-                        </a:lnSpc>
-                        <a:spcBef>
-                          <a:spcPts val="0"/>
-                        </a:spcBef>
-                        <a:spcAft>
-                          <a:spcPts val="0"/>
-                        </a:spcAft>
-                        <a:buClrTx/>
-                        <a:buSzTx/>
-                        <a:buFont typeface="Arial" panose="020B0604020202020204" pitchFamily="34" charset="0"/>
-                        <a:buChar char="•"/>
-                        <a:tabLst/>
-                        <a:defRPr/>
+                        <a:t>Governance modal and framework</a:t>
+                      </a:r>
+                    </a:p>
+                    <a:p>
+                      <a:pPr marL="171450" indent="-171450">
+                        <a:buFont typeface="Arial" panose="020B0604020202020204" pitchFamily="34" charset="0"/>
+                        <a:buChar char="•"/>
                       </a:pPr>
                       <a:r>
                         <a:rPr lang="en-US" sz="1000" b="0" dirty="0">
                           <a:solidFill>
-                            <a:schemeClr val="tx1"/>
-                          </a:solidFill>
-                        </a:rPr>
-                        <a:t>Organizational model </a:t>
-                      </a:r>
-                    </a:p>
-                    <a:p>
-                      <a:pPr marL="171450" marR="0" lvl="0" indent="-171450" algn="l" defTabSz="914400" rtl="0" eaLnBrk="1" fontAlgn="auto" latinLnBrk="0" hangingPunct="1">
-                        <a:lnSpc>
-                          <a:spcPct val="100000"/>
-                        </a:lnSpc>
-                        <a:spcBef>
-                          <a:spcPts val="0"/>
-                        </a:spcBef>
-                        <a:spcAft>
-                          <a:spcPts val="0"/>
-                        </a:spcAft>
-                        <a:buClrTx/>
-                        <a:buSzTx/>
-                        <a:buFont typeface="Arial" panose="020B0604020202020204" pitchFamily="34" charset="0"/>
-                        <a:buChar char="•"/>
-                        <a:tabLst/>
-                        <a:defRPr/>
-                      </a:pPr>
-                      <a:r>
-                        <a:rPr lang="en-US" sz="1000" b="0" kern="1200" dirty="0">
-                          <a:solidFill>
-                            <a:schemeClr val="tx1"/>
-                          </a:solidFill>
-                          <a:latin typeface="+mn-lt"/>
-                          <a:ea typeface="+mn-ea"/>
-                          <a:cs typeface="+mn-cs"/>
-                        </a:rPr>
-                        <a:t>Governance modal and framework</a:t>
-                      </a:r>
-                    </a:p>
-                    <a:p>
-                      <a:pPr marL="171450" marR="0" lvl="0" indent="-171450" algn="l" defTabSz="914400" rtl="0" eaLnBrk="1" fontAlgn="auto" latinLnBrk="0" hangingPunct="1">
-                        <a:lnSpc>
-                          <a:spcPct val="100000"/>
-                        </a:lnSpc>
-                        <a:spcBef>
-                          <a:spcPts val="0"/>
-                        </a:spcBef>
-                        <a:spcAft>
-                          <a:spcPts val="0"/>
-                        </a:spcAft>
-                        <a:buClrTx/>
-                        <a:buSzTx/>
-                        <a:buFont typeface="Arial" panose="020B0604020202020204" pitchFamily="34" charset="0"/>
-                        <a:buChar char="•"/>
-                        <a:tabLst/>
-                        <a:defRPr/>
-                      </a:pPr>
-                      <a:r>
-                        <a:rPr lang="en-US" sz="1000" b="0" kern="1200" dirty="0">
-                          <a:solidFill>
-                            <a:schemeClr val="tx1"/>
-                          </a:solidFill>
-                          <a:latin typeface="+mn-lt"/>
-                          <a:ea typeface="+mn-ea"/>
-                          <a:cs typeface="+mn-cs"/>
+                            <a:schemeClr val="accent1">
+                              <a:lumMod val="75000"/>
+                            </a:schemeClr>
+                          </a:solidFill>
                         </a:rPr>
                         <a:t>Tailored Architecture Framework</a:t>
                       </a:r>
@@ -6950,37 +6922,39 @@
                       <a:r>
                         <a:rPr lang="en-US" sz="1000" b="0" kern="1200" dirty="0">
                           <a:solidFill>
-                            <a:schemeClr val="tx1"/>
-                          </a:solidFill>
-                          <a:latin typeface="+mn-lt"/>
-                          <a:ea typeface="+mn-ea"/>
-                          <a:cs typeface="+mn-cs"/>
-                        </a:rPr>
-                        <a:t>Approved Statement of Architecture Work</a:t>
-                      </a:r>
-                    </a:p>
-                    <a:p>
-                      <a:pPr marL="171450" marR="0" lvl="0" indent="-171450" algn="l" defTabSz="914400" rtl="0" eaLnBrk="1" fontAlgn="auto" latinLnBrk="0" hangingPunct="1">
-                        <a:lnSpc>
-                          <a:spcPct val="100000"/>
-                        </a:lnSpc>
-                        <a:spcBef>
-                          <a:spcPts val="0"/>
-                        </a:spcBef>
-                        <a:spcAft>
-                          <a:spcPts val="0"/>
-                        </a:spcAft>
-                        <a:buClrTx/>
-                        <a:buSzTx/>
-                        <a:buFont typeface="Arial" panose="020B0604020202020204" pitchFamily="34" charset="0"/>
-                        <a:buChar char="•"/>
-                        <a:tabLst/>
-                        <a:defRPr/>
-                      </a:pPr>
-                      <a:r>
-                        <a:rPr lang="en-US" sz="1000" b="0" kern="1200" dirty="0">
-                          <a:solidFill>
-                            <a:schemeClr val="tx1"/>
+                            <a:srgbClr val="C00000"/>
+                          </a:solidFill>
+                          <a:latin typeface="+mn-lt"/>
+                          <a:ea typeface="+mn-ea"/>
+                          <a:cs typeface="+mn-cs"/>
+                        </a:rPr>
+                        <a:t>Statement of Architecture Work</a:t>
+                      </a:r>
+                    </a:p>
+                    <a:p>
+                      <a:pPr marL="171450" marR="0" lvl="0" indent="-171450" algn="l" defTabSz="914400" rtl="0" eaLnBrk="1" fontAlgn="auto" latinLnBrk="0" hangingPunct="1">
+                        <a:lnSpc>
+                          <a:spcPct val="100000"/>
+                        </a:lnSpc>
+                        <a:spcBef>
+                          <a:spcPts val="0"/>
+                        </a:spcBef>
+                        <a:spcAft>
+                          <a:spcPts val="0"/>
+                        </a:spcAft>
+                        <a:buClrTx/>
+                        <a:buSzTx/>
+                        <a:buFont typeface="Arial" panose="020B0604020202020204" pitchFamily="34" charset="0"/>
+                        <a:buChar char="•"/>
+                        <a:tabLst/>
+                        <a:defRPr/>
+                      </a:pPr>
+                      <a:r>
+                        <a:rPr lang="en-US" sz="1000" b="0" kern="1200" dirty="0">
+                          <a:solidFill>
+                            <a:schemeClr val="accent2">
+                              <a:lumMod val="75000"/>
+                            </a:schemeClr>
                           </a:solidFill>
                           <a:latin typeface="+mn-lt"/>
                           <a:ea typeface="+mn-ea"/>
@@ -7008,9 +6982,11 @@
                         <a:defRPr/>
                       </a:pPr>
                       <a:r>
-                        <a:rPr lang="en-US" sz="1000" b="0" kern="1200" dirty="0">
-                          <a:solidFill>
-                            <a:schemeClr val="tx1"/>
+                        <a:rPr lang="en-US" sz="1000" b="1" kern="1200" dirty="0">
+                          <a:solidFill>
+                            <a:schemeClr val="bg1">
+                              <a:lumMod val="50000"/>
+                            </a:schemeClr>
                           </a:solidFill>
                           <a:latin typeface="+mn-lt"/>
                           <a:ea typeface="+mn-ea"/>
@@ -7040,7 +7016,9 @@
                       <a:r>
                         <a:rPr lang="en-US" sz="1000" b="0" kern="1200" dirty="0">
                           <a:solidFill>
-                            <a:schemeClr val="tx1"/>
+                            <a:schemeClr val="accent6">
+                              <a:lumMod val="50000"/>
+                            </a:schemeClr>
                           </a:solidFill>
                           <a:latin typeface="+mn-lt"/>
                           <a:ea typeface="+mn-ea"/>
@@ -7070,13 +7048,13 @@
                       <a:r>
                         <a:rPr lang="en-US" sz="1000" b="0" kern="1200" dirty="0">
                           <a:solidFill>
-                            <a:schemeClr val="tx1"/>
-                          </a:solidFill>
-                          <a:latin typeface="+mn-lt"/>
-                          <a:ea typeface="+mn-ea"/>
-                          <a:cs typeface="+mn-cs"/>
-                        </a:rPr>
-                        <a:t>Draft Architecture Requirement Specs </a:t>
+                            <a:srgbClr val="00B0F0"/>
+                          </a:solidFill>
+                          <a:latin typeface="+mn-lt"/>
+                          <a:ea typeface="+mn-ea"/>
+                          <a:cs typeface="+mn-cs"/>
+                        </a:rPr>
+                        <a:t>Draft Architecture Requirements Specification (including the gap analysis results)</a:t>
                       </a:r>
                     </a:p>
                     <a:p>
@@ -7201,33 +7179,235 @@
                       <a:r>
                         <a:rPr lang="en-US" sz="1000" b="0" kern="1200" dirty="0">
                           <a:solidFill>
+                            <a:srgbClr val="C00000"/>
+                          </a:solidFill>
+                          <a:latin typeface="+mn-lt"/>
+                          <a:ea typeface="+mn-ea"/>
+                          <a:cs typeface="+mn-cs"/>
+                        </a:rPr>
+                        <a:t>Request for Architecture Work</a:t>
+                      </a:r>
+                      <a:endParaRPr lang="en-US" sz="1000" b="0" kern="1200" dirty="0">
+                        <a:solidFill>
+                          <a:schemeClr val="tx1"/>
+                        </a:solidFill>
+                        <a:latin typeface="+mn-lt"/>
+                        <a:ea typeface="+mn-ea"/>
+                        <a:cs typeface="+mn-cs"/>
+                      </a:endParaRPr>
+                    </a:p>
+                    <a:p>
+                      <a:pPr marL="171450" marR="0" lvl="0" indent="-171450" algn="l" defTabSz="914400" rtl="0" eaLnBrk="1" fontAlgn="auto" latinLnBrk="0" hangingPunct="1">
+                        <a:lnSpc>
+                          <a:spcPct val="100000"/>
+                        </a:lnSpc>
+                        <a:spcBef>
+                          <a:spcPts val="0"/>
+                        </a:spcBef>
+                        <a:spcAft>
+                          <a:spcPts val="0"/>
+                        </a:spcAft>
+                        <a:buClrTx/>
+                        <a:buSzTx/>
+                        <a:buFont typeface="Arial" panose="020B0604020202020204" pitchFamily="34" charset="0"/>
+                        <a:buChar char="•"/>
+                        <a:tabLst/>
+                        <a:defRPr/>
+                      </a:pPr>
+                      <a:r>
+                        <a:rPr lang="en-US" sz="1000" b="0" kern="1200" dirty="0">
+                          <a:solidFill>
+                            <a:srgbClr val="7030A0"/>
+                          </a:solidFill>
+                          <a:latin typeface="+mn-lt"/>
+                          <a:ea typeface="+mn-ea"/>
+                          <a:cs typeface="+mn-cs"/>
+                        </a:rPr>
+                        <a:t>Capability assessment</a:t>
+                      </a:r>
+                    </a:p>
+                    <a:p>
+                      <a:pPr marL="0" marR="0" lvl="0" indent="0" algn="l" defTabSz="914400" rtl="0" eaLnBrk="1" fontAlgn="auto" latinLnBrk="0" hangingPunct="1">
+                        <a:lnSpc>
+                          <a:spcPct val="100000"/>
+                        </a:lnSpc>
+                        <a:spcBef>
+                          <a:spcPts val="0"/>
+                        </a:spcBef>
+                        <a:spcAft>
+                          <a:spcPts val="0"/>
+                        </a:spcAft>
+                        <a:buClrTx/>
+                        <a:buSzTx/>
+                        <a:buFont typeface="Arial" panose="020B0604020202020204" pitchFamily="34" charset="0"/>
+                        <a:buNone/>
+                        <a:tabLst/>
+                        <a:defRPr/>
+                      </a:pPr>
+                      <a:r>
+                        <a:rPr lang="en-US" sz="1000" b="1" dirty="0">
+                          <a:solidFill>
                             <a:schemeClr val="tx1"/>
                           </a:solidFill>
-                          <a:latin typeface="+mn-lt"/>
-                          <a:ea typeface="+mn-ea"/>
-                          <a:cs typeface="+mn-cs"/>
-                        </a:rPr>
-                        <a:t>Request for architecture work</a:t>
-                      </a:r>
-                    </a:p>
-                    <a:p>
-                      <a:pPr marL="171450" marR="0" lvl="0" indent="-171450" algn="l" defTabSz="914400" rtl="0" eaLnBrk="1" fontAlgn="auto" latinLnBrk="0" hangingPunct="1">
-                        <a:lnSpc>
-                          <a:spcPct val="100000"/>
-                        </a:lnSpc>
-                        <a:spcBef>
-                          <a:spcPts val="0"/>
-                        </a:spcBef>
-                        <a:spcAft>
-                          <a:spcPts val="0"/>
-                        </a:spcAft>
-                        <a:buClrTx/>
-                        <a:buSzTx/>
-                        <a:buFont typeface="Arial" panose="020B0604020202020204" pitchFamily="34" charset="0"/>
-                        <a:buChar char="•"/>
-                        <a:tabLst/>
-                        <a:defRPr/>
-                      </a:pPr>
+                        </a:rPr>
+                        <a:t>Architectural Inputs</a:t>
+                      </a:r>
+                    </a:p>
+                    <a:p>
+                      <a:pPr marL="171450" indent="-171450">
+                        <a:buFont typeface="Arial" panose="020B0604020202020204" pitchFamily="34" charset="0"/>
+                        <a:buChar char="•"/>
+                      </a:pPr>
+                      <a:r>
+                        <a:rPr lang="en-US" sz="1000" b="0" dirty="0">
+                          <a:solidFill>
+                            <a:srgbClr val="FF00FF"/>
+                          </a:solidFill>
+                        </a:rPr>
+                        <a:t>Organizational Model for EA</a:t>
+                      </a:r>
+                    </a:p>
+                    <a:p>
+                      <a:pPr marL="171450" indent="-171450">
+                        <a:buFont typeface="Arial" panose="020B0604020202020204" pitchFamily="34" charset="0"/>
+                        <a:buChar char="•"/>
+                      </a:pPr>
+                      <a:r>
+                        <a:rPr lang="en-US" sz="1000" b="0" dirty="0">
+                          <a:solidFill>
+                            <a:schemeClr val="accent1">
+                              <a:lumMod val="75000"/>
+                            </a:schemeClr>
+                          </a:solidFill>
+                        </a:rPr>
+                        <a:t>Tailored Architecture Framework</a:t>
+                      </a:r>
+                    </a:p>
+                    <a:p>
+                      <a:pPr marL="171450" marR="0" lvl="0" indent="-171450" algn="l" defTabSz="914400" rtl="0" eaLnBrk="1" fontAlgn="auto" latinLnBrk="0" hangingPunct="1">
+                        <a:lnSpc>
+                          <a:spcPct val="100000"/>
+                        </a:lnSpc>
+                        <a:spcBef>
+                          <a:spcPts val="0"/>
+                        </a:spcBef>
+                        <a:spcAft>
+                          <a:spcPts val="0"/>
+                        </a:spcAft>
+                        <a:buClrTx/>
+                        <a:buSzTx/>
+                        <a:buFont typeface="Arial" panose="020B0604020202020204" pitchFamily="34" charset="0"/>
+                        <a:buChar char="•"/>
+                        <a:tabLst/>
+                        <a:defRPr/>
+                      </a:pPr>
+                      <a:r>
+                        <a:rPr lang="en-US" sz="1000" b="0" kern="1200" dirty="0">
+                          <a:solidFill>
+                            <a:srgbClr val="C00000"/>
+                          </a:solidFill>
+                          <a:latin typeface="+mn-lt"/>
+                          <a:ea typeface="+mn-ea"/>
+                          <a:cs typeface="+mn-cs"/>
+                        </a:rPr>
+                        <a:t>Statement of Architecture Work</a:t>
+                      </a:r>
+                    </a:p>
+                    <a:p>
+                      <a:pPr marL="171450" marR="0" lvl="0" indent="-171450" algn="l" defTabSz="914400" rtl="0" eaLnBrk="1" fontAlgn="auto" latinLnBrk="0" hangingPunct="1">
+                        <a:lnSpc>
+                          <a:spcPct val="100000"/>
+                        </a:lnSpc>
+                        <a:spcBef>
+                          <a:spcPts val="0"/>
+                        </a:spcBef>
+                        <a:spcAft>
+                          <a:spcPts val="0"/>
+                        </a:spcAft>
+                        <a:buClrTx/>
+                        <a:buSzTx/>
+                        <a:buFont typeface="Arial" panose="020B0604020202020204" pitchFamily="34" charset="0"/>
+                        <a:buChar char="•"/>
+                        <a:tabLst/>
+                        <a:defRPr/>
+                      </a:pPr>
+                      <a:r>
+                        <a:rPr lang="en-US" sz="1000" b="0" kern="1200" dirty="0">
+                          <a:solidFill>
+                            <a:schemeClr val="accent2">
+                              <a:lumMod val="75000"/>
+                            </a:schemeClr>
+                          </a:solidFill>
+                          <a:latin typeface="+mn-lt"/>
+                          <a:ea typeface="+mn-ea"/>
+                          <a:cs typeface="+mn-cs"/>
+                        </a:rPr>
+                        <a:t>Architecture Vision</a:t>
+                      </a:r>
+                    </a:p>
+                    <a:p>
+                      <a:pPr marL="171450" marR="0" lvl="0" indent="-171450" algn="l" defTabSz="914400" rtl="0" eaLnBrk="1" fontAlgn="auto" latinLnBrk="0" hangingPunct="1">
+                        <a:lnSpc>
+                          <a:spcPct val="100000"/>
+                        </a:lnSpc>
+                        <a:spcBef>
+                          <a:spcPts val="0"/>
+                        </a:spcBef>
+                        <a:spcAft>
+                          <a:spcPts val="0"/>
+                        </a:spcAft>
+                        <a:buClrTx/>
+                        <a:buSzTx/>
+                        <a:buFont typeface="Arial" panose="020B0604020202020204" pitchFamily="34" charset="0"/>
+                        <a:buChar char="•"/>
+                        <a:tabLst/>
+                        <a:defRPr/>
+                      </a:pPr>
+                      <a:r>
+                        <a:rPr lang="en-US" sz="1000" b="1" kern="1200" dirty="0">
+                          <a:solidFill>
+                            <a:schemeClr val="bg1">
+                              <a:lumMod val="50000"/>
+                            </a:schemeClr>
+                          </a:solidFill>
+                          <a:latin typeface="+mn-lt"/>
+                          <a:ea typeface="+mn-ea"/>
+                          <a:cs typeface="+mn-cs"/>
+                        </a:rPr>
+                        <a:t>Architecture Repository</a:t>
+                      </a:r>
+                    </a:p>
+                    <a:p>
+                      <a:pPr marL="171450" marR="0" lvl="0" indent="-171450" algn="l" defTabSz="914400" rtl="0" eaLnBrk="1" fontAlgn="auto" latinLnBrk="0" hangingPunct="1">
+                        <a:lnSpc>
+                          <a:spcPct val="100000"/>
+                        </a:lnSpc>
+                        <a:spcBef>
+                          <a:spcPts val="0"/>
+                        </a:spcBef>
+                        <a:spcAft>
+                          <a:spcPts val="0"/>
+                        </a:spcAft>
+                        <a:buClrTx/>
+                        <a:buSzTx/>
+                        <a:buFont typeface="Arial" panose="020B0604020202020204" pitchFamily="34" charset="0"/>
+                        <a:buChar char="•"/>
+                        <a:tabLst/>
+                        <a:defRPr/>
+                      </a:pPr>
+                      <a:r>
+                        <a:rPr lang="en-US" sz="1000" b="0" kern="1200" dirty="0">
+                          <a:solidFill>
+                            <a:schemeClr val="accent6">
+                              <a:lumMod val="50000"/>
+                            </a:schemeClr>
+                          </a:solidFill>
+                          <a:latin typeface="+mn-lt"/>
+                          <a:ea typeface="+mn-ea"/>
+                          <a:cs typeface="+mn-cs"/>
+                        </a:rPr>
+                        <a:t>Architecture</a:t>
+                      </a:r>
                       <a:r>
                         <a:rPr lang="en-US" sz="1000" b="0" kern="1200" dirty="0">
                           <a:solidFill>
@@ -7237,61 +7417,116 @@
                           <a:ea typeface="+mn-ea"/>
                           <a:cs typeface="+mn-cs"/>
                         </a:rPr>
-                        <a:t>Capability assessment</a:t>
-                      </a:r>
-                    </a:p>
-                    <a:p>
-                      <a:pPr marL="0" marR="0" lvl="0" indent="0" algn="l" defTabSz="914400" rtl="0" eaLnBrk="1" fontAlgn="auto" latinLnBrk="0" hangingPunct="1">
-                        <a:lnSpc>
-                          <a:spcPct val="100000"/>
-                        </a:lnSpc>
-                        <a:spcBef>
-                          <a:spcPts val="0"/>
-                        </a:spcBef>
-                        <a:spcAft>
-                          <a:spcPts val="0"/>
-                        </a:spcAft>
-                        <a:buClrTx/>
-                        <a:buSzTx/>
-                        <a:buFont typeface="Arial" panose="020B0604020202020204" pitchFamily="34" charset="0"/>
-                        <a:buNone/>
-                        <a:tabLst/>
-                        <a:defRPr/>
-                      </a:pPr>
-                      <a:r>
-                        <a:rPr lang="en-US" sz="1000" b="1" dirty="0">
+                        <a:t> </a:t>
+                      </a:r>
+                      <a:r>
+                        <a:rPr lang="en-US" sz="1000" b="0" kern="1200" dirty="0">
+                          <a:solidFill>
+                            <a:schemeClr val="accent6">
+                              <a:lumMod val="50000"/>
+                            </a:schemeClr>
+                          </a:solidFill>
+                          <a:latin typeface="+mn-lt"/>
+                          <a:ea typeface="+mn-ea"/>
+                          <a:cs typeface="+mn-cs"/>
+                        </a:rPr>
+                        <a:t>Definition Document (baseline/target)</a:t>
+                      </a:r>
+                    </a:p>
+                    <a:p>
+                      <a:pPr marL="171450" marR="0" lvl="0" indent="-171450" algn="l" defTabSz="914400" rtl="0" eaLnBrk="1" fontAlgn="auto" latinLnBrk="0" hangingPunct="1">
+                        <a:lnSpc>
+                          <a:spcPct val="100000"/>
+                        </a:lnSpc>
+                        <a:spcBef>
+                          <a:spcPts val="0"/>
+                        </a:spcBef>
+                        <a:spcAft>
+                          <a:spcPts val="0"/>
+                        </a:spcAft>
+                        <a:buClrTx/>
+                        <a:buSzTx/>
+                        <a:buFont typeface="Arial" panose="020B0604020202020204" pitchFamily="34" charset="0"/>
+                        <a:buChar char="•"/>
+                        <a:tabLst/>
+                        <a:defRPr/>
+                      </a:pPr>
+                      <a:r>
+                        <a:rPr lang="en-US" sz="1000" b="0" kern="1200" dirty="0">
+                          <a:solidFill>
+                            <a:srgbClr val="00B0F0"/>
+                          </a:solidFill>
+                          <a:latin typeface="+mn-lt"/>
+                          <a:ea typeface="+mn-ea"/>
+                          <a:cs typeface="+mn-cs"/>
+                        </a:rPr>
+                        <a:t>Draft Architecture Requirements Specification (including the gap analysis results)</a:t>
+                      </a:r>
+                    </a:p>
+                    <a:p>
+                      <a:pPr marL="171450" marR="0" lvl="0" indent="-171450" algn="l" defTabSz="914400" rtl="0" eaLnBrk="1" fontAlgn="auto" latinLnBrk="0" hangingPunct="1">
+                        <a:lnSpc>
+                          <a:spcPct val="100000"/>
+                        </a:lnSpc>
+                        <a:spcBef>
+                          <a:spcPts val="0"/>
+                        </a:spcBef>
+                        <a:spcAft>
+                          <a:spcPts val="0"/>
+                        </a:spcAft>
+                        <a:buClrTx/>
+                        <a:buSzTx/>
+                        <a:buFont typeface="Arial" panose="020B0604020202020204" pitchFamily="34" charset="0"/>
+                        <a:buChar char="•"/>
+                        <a:tabLst/>
+                        <a:defRPr/>
+                      </a:pPr>
+                      <a:r>
+                        <a:rPr lang="en-US" sz="1000" b="0" kern="1200" dirty="0">
                           <a:solidFill>
                             <a:schemeClr val="tx1"/>
                           </a:solidFill>
-                        </a:rPr>
-                        <a:t>Architectural Inputs</a:t>
-                      </a:r>
-                    </a:p>
-                    <a:p>
-                      <a:pPr marL="171450" marR="0" lvl="0" indent="-171450" algn="l" defTabSz="914400" rtl="0" eaLnBrk="1" fontAlgn="auto" latinLnBrk="0" hangingPunct="1">
-                        <a:lnSpc>
-                          <a:spcPct val="100000"/>
-                        </a:lnSpc>
-                        <a:spcBef>
-                          <a:spcPts val="0"/>
-                        </a:spcBef>
-                        <a:spcAft>
-                          <a:spcPts val="0"/>
-                        </a:spcAft>
-                        <a:buClrTx/>
-                        <a:buSzTx/>
-                        <a:buFont typeface="Arial" panose="020B0604020202020204" pitchFamily="34" charset="0"/>
-                        <a:buChar char="•"/>
-                        <a:tabLst/>
-                        <a:defRPr/>
-                      </a:pPr>
-                      <a:r>
-                        <a:rPr lang="en-US" sz="1000" b="0" dirty="0">
+                          <a:highlight>
+                            <a:srgbClr val="FFFF00"/>
+                          </a:highlight>
+                          <a:latin typeface="+mn-lt"/>
+                          <a:ea typeface="+mn-ea"/>
+                          <a:cs typeface="+mn-cs"/>
+                        </a:rPr>
+                        <a:t>Architecture Roadmap</a:t>
+                      </a:r>
+                    </a:p>
+                    <a:p>
+                      <a:pPr marL="171450" marR="0" lvl="0" indent="-171450" algn="l" defTabSz="914400" rtl="0" eaLnBrk="1" fontAlgn="auto" latinLnBrk="0" hangingPunct="1">
+                        <a:lnSpc>
+                          <a:spcPct val="100000"/>
+                        </a:lnSpc>
+                        <a:spcBef>
+                          <a:spcPts val="0"/>
+                        </a:spcBef>
+                        <a:spcAft>
+                          <a:spcPts val="0"/>
+                        </a:spcAft>
+                        <a:buClrTx/>
+                        <a:buSzTx/>
+                        <a:buFont typeface="Arial" panose="020B0604020202020204" pitchFamily="34" charset="0"/>
+                        <a:buChar char="•"/>
+                        <a:tabLst/>
+                        <a:defRPr/>
+                      </a:pPr>
+                      <a:r>
+                        <a:rPr lang="en-US" sz="1000" b="0" kern="1200" dirty="0">
                           <a:solidFill>
                             <a:schemeClr val="tx1"/>
                           </a:solidFill>
-                        </a:rPr>
-                        <a:t>Organizational model </a:t>
+                          <a:highlight>
+                            <a:srgbClr val="FFFF00"/>
+                          </a:highlight>
+                          <a:latin typeface="+mn-lt"/>
+                          <a:ea typeface="+mn-ea"/>
+                          <a:cs typeface="+mn-cs"/>
+                        </a:rPr>
+                        <a:t>Implementation Governance Modal</a:t>
                       </a:r>
                     </a:p>
                     <a:p>
@@ -7317,11 +7552,14 @@
                           <a:solidFill>
                             <a:schemeClr val="tx1"/>
                           </a:solidFill>
-                          <a:latin typeface="+mn-lt"/>
-                          <a:ea typeface="+mn-ea"/>
-                          <a:cs typeface="+mn-cs"/>
-                        </a:rPr>
-                        <a:t>Tailored Architecture Framework</a:t>
+                          <a:highlight>
+                            <a:srgbClr val="FFFF00"/>
+                          </a:highlight>
+                          <a:latin typeface="+mn-lt"/>
+                          <a:ea typeface="+mn-ea"/>
+                          <a:cs typeface="+mn-cs"/>
+                        </a:rPr>
+                        <a:t>Architecture Contract</a:t>
                       </a:r>
                     </a:p>
                     <a:p>
@@ -7347,246 +7585,9 @@
                           <a:solidFill>
                             <a:schemeClr val="tx1"/>
                           </a:solidFill>
-                          <a:latin typeface="+mn-lt"/>
-                          <a:ea typeface="+mn-ea"/>
-                          <a:cs typeface="+mn-cs"/>
-                        </a:rPr>
-                        <a:t>Approved Statement of Architecture Work</a:t>
-                      </a:r>
-                    </a:p>
-                    <a:p>
-                      <a:pPr marL="171450" marR="0" lvl="0" indent="-171450" algn="l" defTabSz="914400" rtl="0" eaLnBrk="1" fontAlgn="auto" latinLnBrk="0" hangingPunct="1">
-                        <a:lnSpc>
-                          <a:spcPct val="100000"/>
-                        </a:lnSpc>
-                        <a:spcBef>
-                          <a:spcPts val="0"/>
-                        </a:spcBef>
-                        <a:spcAft>
-                          <a:spcPts val="0"/>
-                        </a:spcAft>
-                        <a:buClrTx/>
-                        <a:buSzTx/>
-                        <a:buFont typeface="Arial" panose="020B0604020202020204" pitchFamily="34" charset="0"/>
-                        <a:buChar char="•"/>
-                        <a:tabLst/>
-                        <a:defRPr/>
-                      </a:pPr>
-                      <a:r>
-                        <a:rPr lang="en-US" sz="1000" b="0" kern="1200" dirty="0">
-                          <a:solidFill>
-                            <a:schemeClr val="tx1"/>
-                          </a:solidFill>
-                          <a:latin typeface="+mn-lt"/>
-                          <a:ea typeface="+mn-ea"/>
-                          <a:cs typeface="+mn-cs"/>
-                        </a:rPr>
-                        <a:t>Architecture Vision</a:t>
-                      </a:r>
-                    </a:p>
-                    <a:p>
-                      <a:pPr marL="171450" marR="0" lvl="0" indent="-171450" algn="l" defTabSz="914400" rtl="0" eaLnBrk="1" fontAlgn="auto" latinLnBrk="0" hangingPunct="1">
-                        <a:lnSpc>
-                          <a:spcPct val="100000"/>
-                        </a:lnSpc>
-                        <a:spcBef>
-                          <a:spcPts val="0"/>
-                        </a:spcBef>
-                        <a:spcAft>
-                          <a:spcPts val="0"/>
-                        </a:spcAft>
-                        <a:buClrTx/>
-                        <a:buSzTx/>
-                        <a:buFont typeface="Arial" panose="020B0604020202020204" pitchFamily="34" charset="0"/>
-                        <a:buChar char="•"/>
-                        <a:tabLst/>
-                        <a:defRPr/>
-                      </a:pPr>
-                      <a:r>
-                        <a:rPr lang="en-US" sz="1000" b="0" kern="1200" dirty="0">
-                          <a:solidFill>
-                            <a:schemeClr val="tx1"/>
-                          </a:solidFill>
-                          <a:latin typeface="+mn-lt"/>
-                          <a:ea typeface="+mn-ea"/>
-                          <a:cs typeface="+mn-cs"/>
-                        </a:rPr>
-                        <a:t>Architecture Repository</a:t>
-                      </a:r>
-                    </a:p>
-                    <a:p>
-                      <a:pPr marL="171450" marR="0" lvl="0" indent="-171450" algn="l" defTabSz="914400" rtl="0" eaLnBrk="1" fontAlgn="auto" latinLnBrk="0" hangingPunct="1">
-                        <a:lnSpc>
-                          <a:spcPct val="100000"/>
-                        </a:lnSpc>
-                        <a:spcBef>
-                          <a:spcPts val="0"/>
-                        </a:spcBef>
-                        <a:spcAft>
-                          <a:spcPts val="0"/>
-                        </a:spcAft>
-                        <a:buClrTx/>
-                        <a:buSzTx/>
-                        <a:buFont typeface="Arial" panose="020B0604020202020204" pitchFamily="34" charset="0"/>
-                        <a:buChar char="•"/>
-                        <a:tabLst/>
-                        <a:defRPr/>
-                      </a:pPr>
-                      <a:r>
-                        <a:rPr lang="en-US" sz="1000" b="0" kern="1200" dirty="0">
-                          <a:solidFill>
-                            <a:schemeClr val="tx1"/>
-                          </a:solidFill>
-                          <a:latin typeface="+mn-lt"/>
-                          <a:ea typeface="+mn-ea"/>
-                          <a:cs typeface="+mn-cs"/>
-                        </a:rPr>
-                        <a:t>Architecture Definition Document (baseline/target)</a:t>
-                      </a:r>
-                    </a:p>
-                    <a:p>
-                      <a:pPr marL="171450" marR="0" lvl="0" indent="-171450" algn="l" defTabSz="914400" rtl="0" eaLnBrk="1" fontAlgn="auto" latinLnBrk="0" hangingPunct="1">
-                        <a:lnSpc>
-                          <a:spcPct val="100000"/>
-                        </a:lnSpc>
-                        <a:spcBef>
-                          <a:spcPts val="0"/>
-                        </a:spcBef>
-                        <a:spcAft>
-                          <a:spcPts val="0"/>
-                        </a:spcAft>
-                        <a:buClrTx/>
-                        <a:buSzTx/>
-                        <a:buFont typeface="Arial" panose="020B0604020202020204" pitchFamily="34" charset="0"/>
-                        <a:buChar char="•"/>
-                        <a:tabLst/>
-                        <a:defRPr/>
-                      </a:pPr>
-                      <a:r>
-                        <a:rPr lang="en-US" sz="1000" b="0" kern="1200" dirty="0">
-                          <a:solidFill>
-                            <a:schemeClr val="tx1"/>
-                          </a:solidFill>
-                          <a:latin typeface="+mn-lt"/>
-                          <a:ea typeface="+mn-ea"/>
-                          <a:cs typeface="+mn-cs"/>
-                        </a:rPr>
-                        <a:t>Architecture Requirement Specs </a:t>
-                      </a:r>
-                    </a:p>
-                    <a:p>
-                      <a:pPr marL="171450" marR="0" lvl="0" indent="-171450" algn="l" defTabSz="914400" rtl="0" eaLnBrk="1" fontAlgn="auto" latinLnBrk="0" hangingPunct="1">
-                        <a:lnSpc>
-                          <a:spcPct val="100000"/>
-                        </a:lnSpc>
-                        <a:spcBef>
-                          <a:spcPts val="0"/>
-                        </a:spcBef>
-                        <a:spcAft>
-                          <a:spcPts val="0"/>
-                        </a:spcAft>
-                        <a:buClrTx/>
-                        <a:buSzTx/>
-                        <a:buFont typeface="Arial" panose="020B0604020202020204" pitchFamily="34" charset="0"/>
-                        <a:buChar char="•"/>
-                        <a:tabLst/>
-                        <a:defRPr/>
-                      </a:pPr>
-                      <a:r>
-                        <a:rPr lang="en-US" sz="1000" b="0" kern="1200" dirty="0">
-                          <a:solidFill>
-                            <a:schemeClr val="tx1"/>
-                          </a:solidFill>
-                          <a:latin typeface="+mn-lt"/>
-                          <a:ea typeface="+mn-ea"/>
-                          <a:cs typeface="+mn-cs"/>
-                        </a:rPr>
-                        <a:t>Architecture Roadmap</a:t>
-                      </a:r>
-                    </a:p>
-                    <a:p>
-                      <a:pPr marL="171450" marR="0" lvl="0" indent="-171450" algn="l" defTabSz="914400" rtl="0" eaLnBrk="1" fontAlgn="auto" latinLnBrk="0" hangingPunct="1">
-                        <a:lnSpc>
-                          <a:spcPct val="100000"/>
-                        </a:lnSpc>
-                        <a:spcBef>
-                          <a:spcPts val="0"/>
-                        </a:spcBef>
-                        <a:spcAft>
-                          <a:spcPts val="0"/>
-                        </a:spcAft>
-                        <a:buClrTx/>
-                        <a:buSzTx/>
-                        <a:buFont typeface="Arial" panose="020B0604020202020204" pitchFamily="34" charset="0"/>
-                        <a:buChar char="•"/>
-                        <a:tabLst/>
-                        <a:defRPr/>
-                      </a:pPr>
-                      <a:r>
-                        <a:rPr lang="en-US" sz="1000" b="0" kern="1200" dirty="0">
-                          <a:solidFill>
-                            <a:schemeClr val="tx1"/>
-                          </a:solidFill>
-                          <a:latin typeface="+mn-lt"/>
-                          <a:ea typeface="+mn-ea"/>
-                          <a:cs typeface="+mn-cs"/>
-                        </a:rPr>
-                        <a:t>Implementation Governance Modal</a:t>
-                      </a:r>
-                    </a:p>
-                    <a:p>
-                      <a:pPr marL="171450" marR="0" lvl="0" indent="-171450" algn="l" defTabSz="914400" rtl="0" eaLnBrk="1" fontAlgn="auto" latinLnBrk="0" hangingPunct="1">
-                        <a:lnSpc>
-                          <a:spcPct val="100000"/>
-                        </a:lnSpc>
-                        <a:spcBef>
-                          <a:spcPts val="0"/>
-                        </a:spcBef>
-                        <a:spcAft>
-                          <a:spcPts val="0"/>
-                        </a:spcAft>
-                        <a:buClrTx/>
-                        <a:buSzTx/>
-                        <a:buFont typeface="Arial" panose="020B0604020202020204" pitchFamily="34" charset="0"/>
-                        <a:buChar char="•"/>
-                        <a:tabLst/>
-                        <a:defRPr/>
-                      </a:pPr>
-                      <a:r>
-                        <a:rPr lang="en-US" sz="1000" b="0" kern="1200" dirty="0">
-                          <a:solidFill>
-                            <a:schemeClr val="tx1"/>
-                          </a:solidFill>
-                          <a:latin typeface="+mn-lt"/>
-                          <a:ea typeface="+mn-ea"/>
-                          <a:cs typeface="+mn-cs"/>
-                        </a:rPr>
-                        <a:t>Architecture Contract</a:t>
-                      </a:r>
-                    </a:p>
-                    <a:p>
-                      <a:pPr marL="171450" marR="0" lvl="0" indent="-171450" algn="l" defTabSz="914400" rtl="0" eaLnBrk="1" fontAlgn="auto" latinLnBrk="0" hangingPunct="1">
-                        <a:lnSpc>
-                          <a:spcPct val="100000"/>
-                        </a:lnSpc>
-                        <a:spcBef>
-                          <a:spcPts val="0"/>
-                        </a:spcBef>
-                        <a:spcAft>
-                          <a:spcPts val="0"/>
-                        </a:spcAft>
-                        <a:buClrTx/>
-                        <a:buSzTx/>
-                        <a:buFont typeface="Arial" panose="020B0604020202020204" pitchFamily="34" charset="0"/>
-                        <a:buChar char="•"/>
-                        <a:tabLst/>
-                        <a:defRPr/>
-                      </a:pPr>
-                      <a:r>
-                        <a:rPr lang="en-US" sz="1000" b="0" kern="1200" dirty="0">
-                          <a:solidFill>
-                            <a:schemeClr val="tx1"/>
-                          </a:solidFill>
+                          <a:highlight>
+                            <a:srgbClr val="FFFF00"/>
+                          </a:highlight>
                           <a:latin typeface="+mn-lt"/>
                           <a:ea typeface="+mn-ea"/>
                           <a:cs typeface="+mn-cs"/>
@@ -7681,97 +7682,317 @@
                       <a:r>
                         <a:rPr lang="en-US" sz="1000" b="0" kern="1200" dirty="0">
                           <a:solidFill>
+                            <a:srgbClr val="C00000"/>
+                          </a:solidFill>
+                          <a:latin typeface="+mn-lt"/>
+                          <a:ea typeface="+mn-ea"/>
+                          <a:cs typeface="+mn-cs"/>
+                        </a:rPr>
+                        <a:t>Request for Architecture Work</a:t>
+                      </a:r>
+                      <a:endParaRPr lang="en-US" sz="1000" b="0" kern="1200" dirty="0">
+                        <a:solidFill>
+                          <a:schemeClr val="tx1"/>
+                        </a:solidFill>
+                        <a:latin typeface="+mn-lt"/>
+                        <a:ea typeface="+mn-ea"/>
+                        <a:cs typeface="+mn-cs"/>
+                      </a:endParaRPr>
+                    </a:p>
+                    <a:p>
+                      <a:pPr marL="171450" marR="0" lvl="0" indent="-171450" algn="l" defTabSz="914400" rtl="0" eaLnBrk="1" fontAlgn="auto" latinLnBrk="0" hangingPunct="1">
+                        <a:lnSpc>
+                          <a:spcPct val="100000"/>
+                        </a:lnSpc>
+                        <a:spcBef>
+                          <a:spcPts val="0"/>
+                        </a:spcBef>
+                        <a:spcAft>
+                          <a:spcPts val="0"/>
+                        </a:spcAft>
+                        <a:buClrTx/>
+                        <a:buSzTx/>
+                        <a:buFont typeface="Arial" panose="020B0604020202020204" pitchFamily="34" charset="0"/>
+                        <a:buChar char="•"/>
+                        <a:tabLst/>
+                        <a:defRPr/>
+                      </a:pPr>
+                      <a:r>
+                        <a:rPr lang="en-US" sz="1000" b="0" kern="1200" dirty="0">
+                          <a:solidFill>
+                            <a:srgbClr val="7030A0"/>
+                          </a:solidFill>
+                          <a:latin typeface="+mn-lt"/>
+                          <a:ea typeface="+mn-ea"/>
+                          <a:cs typeface="+mn-cs"/>
+                        </a:rPr>
+                        <a:t>Capability</a:t>
+                      </a:r>
+                      <a:r>
+                        <a:rPr lang="en-US" sz="1000" b="0" kern="1200" dirty="0">
+                          <a:solidFill>
                             <a:schemeClr val="tx1"/>
                           </a:solidFill>
                           <a:latin typeface="+mn-lt"/>
                           <a:ea typeface="+mn-ea"/>
                           <a:cs typeface="+mn-cs"/>
                         </a:rPr>
-                        <a:t>Request for architecture work</a:t>
-                      </a:r>
-                    </a:p>
-                    <a:p>
-                      <a:pPr marL="171450" marR="0" lvl="0" indent="-171450" algn="l" defTabSz="914400" rtl="0" eaLnBrk="1" fontAlgn="auto" latinLnBrk="0" hangingPunct="1">
-                        <a:lnSpc>
-                          <a:spcPct val="100000"/>
-                        </a:lnSpc>
-                        <a:spcBef>
-                          <a:spcPts val="0"/>
-                        </a:spcBef>
-                        <a:spcAft>
-                          <a:spcPts val="0"/>
-                        </a:spcAft>
-                        <a:buClrTx/>
-                        <a:buSzTx/>
-                        <a:buFont typeface="Arial" panose="020B0604020202020204" pitchFamily="34" charset="0"/>
-                        <a:buChar char="•"/>
-                        <a:tabLst/>
-                        <a:defRPr/>
-                      </a:pPr>
-                      <a:r>
-                        <a:rPr lang="en-US" sz="1000" b="0" kern="1200" dirty="0">
+                        <a:t> </a:t>
+                      </a:r>
+                      <a:r>
+                        <a:rPr lang="en-US" sz="1000" b="0" kern="1200" dirty="0">
+                          <a:solidFill>
+                            <a:srgbClr val="7030A0"/>
+                          </a:solidFill>
+                          <a:latin typeface="+mn-lt"/>
+                          <a:ea typeface="+mn-ea"/>
+                          <a:cs typeface="+mn-cs"/>
+                        </a:rPr>
+                        <a:t>assessment</a:t>
+                      </a:r>
+                    </a:p>
+                    <a:p>
+                      <a:pPr marL="0" marR="0" lvl="0" indent="0" algn="l" defTabSz="914400" rtl="0" eaLnBrk="1" fontAlgn="auto" latinLnBrk="0" hangingPunct="1">
+                        <a:lnSpc>
+                          <a:spcPct val="100000"/>
+                        </a:lnSpc>
+                        <a:spcBef>
+                          <a:spcPts val="0"/>
+                        </a:spcBef>
+                        <a:spcAft>
+                          <a:spcPts val="0"/>
+                        </a:spcAft>
+                        <a:buClrTx/>
+                        <a:buSzTx/>
+                        <a:buFont typeface="Arial" panose="020B0604020202020204" pitchFamily="34" charset="0"/>
+                        <a:buNone/>
+                        <a:tabLst/>
+                        <a:defRPr/>
+                      </a:pPr>
+                      <a:r>
+                        <a:rPr lang="en-US" sz="1000" b="1" dirty="0">
                           <a:solidFill>
                             <a:schemeClr val="tx1"/>
                           </a:solidFill>
-                          <a:latin typeface="+mn-lt"/>
-                          <a:ea typeface="+mn-ea"/>
-                          <a:cs typeface="+mn-cs"/>
-                        </a:rPr>
-                        <a:t>Capability assessment</a:t>
-                      </a:r>
-                    </a:p>
-                    <a:p>
-                      <a:pPr marL="0" marR="0" lvl="0" indent="0" algn="l" defTabSz="914400" rtl="0" eaLnBrk="1" fontAlgn="auto" latinLnBrk="0" hangingPunct="1">
-                        <a:lnSpc>
-                          <a:spcPct val="100000"/>
-                        </a:lnSpc>
-                        <a:spcBef>
-                          <a:spcPts val="0"/>
-                        </a:spcBef>
-                        <a:spcAft>
-                          <a:spcPts val="0"/>
-                        </a:spcAft>
-                        <a:buClrTx/>
-                        <a:buSzTx/>
-                        <a:buFont typeface="Arial" panose="020B0604020202020204" pitchFamily="34" charset="0"/>
-                        <a:buNone/>
-                        <a:tabLst/>
-                        <a:defRPr/>
-                      </a:pPr>
-                      <a:r>
-                        <a:rPr lang="en-US" sz="1000" b="1" dirty="0">
+                        </a:rPr>
+                        <a:t>Architectural Inputs</a:t>
+                      </a:r>
+                    </a:p>
+                    <a:p>
+                      <a:pPr marL="171450" indent="-171450">
+                        <a:buFont typeface="Arial" panose="020B0604020202020204" pitchFamily="34" charset="0"/>
+                        <a:buChar char="•"/>
+                      </a:pPr>
+                      <a:r>
+                        <a:rPr lang="en-US" sz="1000" b="0" dirty="0">
+                          <a:solidFill>
+                            <a:srgbClr val="FF00FF"/>
+                          </a:solidFill>
+                        </a:rPr>
+                        <a:t>Organizational Model for EA</a:t>
+                      </a:r>
+                    </a:p>
+                    <a:p>
+                      <a:pPr marL="171450" indent="-171450">
+                        <a:buFont typeface="Arial" panose="020B0604020202020204" pitchFamily="34" charset="0"/>
+                        <a:buChar char="•"/>
+                      </a:pPr>
+                      <a:r>
+                        <a:rPr lang="en-US" sz="1000" b="0" dirty="0">
+                          <a:solidFill>
+                            <a:schemeClr val="accent1">
+                              <a:lumMod val="75000"/>
+                            </a:schemeClr>
+                          </a:solidFill>
+                        </a:rPr>
+                        <a:t>Tailored Architecture Framework</a:t>
+                      </a:r>
+                    </a:p>
+                    <a:p>
+                      <a:pPr marL="171450" marR="0" lvl="0" indent="-171450" algn="l" defTabSz="914400" rtl="0" eaLnBrk="1" fontAlgn="auto" latinLnBrk="0" hangingPunct="1">
+                        <a:lnSpc>
+                          <a:spcPct val="100000"/>
+                        </a:lnSpc>
+                        <a:spcBef>
+                          <a:spcPts val="0"/>
+                        </a:spcBef>
+                        <a:spcAft>
+                          <a:spcPts val="0"/>
+                        </a:spcAft>
+                        <a:buClrTx/>
+                        <a:buSzTx/>
+                        <a:buFont typeface="Arial" panose="020B0604020202020204" pitchFamily="34" charset="0"/>
+                        <a:buChar char="•"/>
+                        <a:tabLst/>
+                        <a:defRPr/>
+                      </a:pPr>
+                      <a:r>
+                        <a:rPr lang="en-US" sz="1000" b="0" kern="1200" dirty="0">
+                          <a:solidFill>
+                            <a:srgbClr val="C00000"/>
+                          </a:solidFill>
+                          <a:latin typeface="+mn-lt"/>
+                          <a:ea typeface="+mn-ea"/>
+                          <a:cs typeface="+mn-cs"/>
+                        </a:rPr>
+                        <a:t>Statement of Architecture Work</a:t>
+                      </a:r>
+                    </a:p>
+                    <a:p>
+                      <a:pPr marL="171450" marR="0" lvl="0" indent="-171450" algn="l" defTabSz="914400" rtl="0" eaLnBrk="1" fontAlgn="auto" latinLnBrk="0" hangingPunct="1">
+                        <a:lnSpc>
+                          <a:spcPct val="100000"/>
+                        </a:lnSpc>
+                        <a:spcBef>
+                          <a:spcPts val="0"/>
+                        </a:spcBef>
+                        <a:spcAft>
+                          <a:spcPts val="0"/>
+                        </a:spcAft>
+                        <a:buClrTx/>
+                        <a:buSzTx/>
+                        <a:buFont typeface="Arial" panose="020B0604020202020204" pitchFamily="34" charset="0"/>
+                        <a:buChar char="•"/>
+                        <a:tabLst/>
+                        <a:defRPr/>
+                      </a:pPr>
+                      <a:r>
+                        <a:rPr lang="en-US" sz="1000" b="0" kern="1200" dirty="0">
+                          <a:solidFill>
+                            <a:schemeClr val="accent2">
+                              <a:lumMod val="75000"/>
+                            </a:schemeClr>
+                          </a:solidFill>
+                          <a:latin typeface="+mn-lt"/>
+                          <a:ea typeface="+mn-ea"/>
+                          <a:cs typeface="+mn-cs"/>
+                        </a:rPr>
+                        <a:t>Architecture Vision</a:t>
+                      </a:r>
+                    </a:p>
+                    <a:p>
+                      <a:pPr marL="171450" marR="0" lvl="0" indent="-171450" algn="l" defTabSz="914400" rtl="0" eaLnBrk="1" fontAlgn="auto" latinLnBrk="0" hangingPunct="1">
+                        <a:lnSpc>
+                          <a:spcPct val="100000"/>
+                        </a:lnSpc>
+                        <a:spcBef>
+                          <a:spcPts val="0"/>
+                        </a:spcBef>
+                        <a:spcAft>
+                          <a:spcPts val="0"/>
+                        </a:spcAft>
+                        <a:buClrTx/>
+                        <a:buSzTx/>
+                        <a:buFont typeface="Arial" panose="020B0604020202020204" pitchFamily="34" charset="0"/>
+                        <a:buChar char="•"/>
+                        <a:tabLst/>
+                        <a:defRPr/>
+                      </a:pPr>
+                      <a:r>
+                        <a:rPr lang="en-US" sz="1000" b="1" kern="1200" dirty="0">
+                          <a:solidFill>
+                            <a:schemeClr val="bg1">
+                              <a:lumMod val="50000"/>
+                            </a:schemeClr>
+                          </a:solidFill>
+                          <a:latin typeface="+mn-lt"/>
+                          <a:ea typeface="+mn-ea"/>
+                          <a:cs typeface="+mn-cs"/>
+                        </a:rPr>
+                        <a:t>Architecture Repository</a:t>
+                      </a:r>
+                    </a:p>
+                    <a:p>
+                      <a:pPr marL="171450" marR="0" lvl="0" indent="-171450" algn="l" defTabSz="914400" rtl="0" eaLnBrk="1" fontAlgn="auto" latinLnBrk="0" hangingPunct="1">
+                        <a:lnSpc>
+                          <a:spcPct val="100000"/>
+                        </a:lnSpc>
+                        <a:spcBef>
+                          <a:spcPts val="0"/>
+                        </a:spcBef>
+                        <a:spcAft>
+                          <a:spcPts val="0"/>
+                        </a:spcAft>
+                        <a:buClrTx/>
+                        <a:buSzTx/>
+                        <a:buFont typeface="Arial" panose="020B0604020202020204" pitchFamily="34" charset="0"/>
+                        <a:buChar char="•"/>
+                        <a:tabLst/>
+                        <a:defRPr/>
+                      </a:pPr>
+                      <a:r>
+                        <a:rPr lang="en-US" sz="1000" b="0" kern="1200" dirty="0">
                           <a:solidFill>
                             <a:schemeClr val="tx1"/>
                           </a:solidFill>
-                        </a:rPr>
-                        <a:t>Architectural Inputs</a:t>
-                      </a:r>
-                    </a:p>
-                    <a:p>
-                      <a:pPr marL="171450" marR="0" lvl="0" indent="-171450" algn="l" defTabSz="914400" rtl="0" eaLnBrk="1" fontAlgn="auto" latinLnBrk="0" hangingPunct="1">
-                        <a:lnSpc>
-                          <a:spcPct val="100000"/>
-                        </a:lnSpc>
-                        <a:spcBef>
-                          <a:spcPts val="0"/>
-                        </a:spcBef>
-                        <a:spcAft>
-                          <a:spcPts val="0"/>
-                        </a:spcAft>
-                        <a:buClrTx/>
-                        <a:buSzTx/>
-                        <a:buFont typeface="Arial" panose="020B0604020202020204" pitchFamily="34" charset="0"/>
-                        <a:buChar char="•"/>
-                        <a:tabLst/>
-                        <a:defRPr/>
-                      </a:pPr>
-                      <a:r>
-                        <a:rPr lang="en-US" sz="1000" b="0" dirty="0">
+                          <a:latin typeface="+mn-lt"/>
+                          <a:ea typeface="+mn-ea"/>
+                          <a:cs typeface="+mn-cs"/>
+                        </a:rPr>
+                        <a:t>Architecture Definition Document (baseline/target)</a:t>
+                      </a:r>
+                    </a:p>
+                    <a:p>
+                      <a:pPr marL="171450" marR="0" lvl="0" indent="-171450" algn="l" defTabSz="914400" rtl="0" eaLnBrk="1" fontAlgn="auto" latinLnBrk="0" hangingPunct="1">
+                        <a:lnSpc>
+                          <a:spcPct val="100000"/>
+                        </a:lnSpc>
+                        <a:spcBef>
+                          <a:spcPts val="0"/>
+                        </a:spcBef>
+                        <a:spcAft>
+                          <a:spcPts val="0"/>
+                        </a:spcAft>
+                        <a:buClrTx/>
+                        <a:buSzTx/>
+                        <a:buFont typeface="Arial" panose="020B0604020202020204" pitchFamily="34" charset="0"/>
+                        <a:buChar char="•"/>
+                        <a:tabLst/>
+                        <a:defRPr/>
+                      </a:pPr>
+                      <a:r>
+                        <a:rPr lang="en-US" sz="1000" b="0" kern="1200" dirty="0">
+                          <a:solidFill>
+                            <a:srgbClr val="00B0F0"/>
+                          </a:solidFill>
+                          <a:latin typeface="+mn-lt"/>
+                          <a:ea typeface="+mn-ea"/>
+                          <a:cs typeface="+mn-cs"/>
+                        </a:rPr>
+                        <a:t>Architecture Requirement Specs </a:t>
+                      </a:r>
+                    </a:p>
+                    <a:p>
+                      <a:pPr marL="171450" marR="0" lvl="0" indent="-171450" algn="l" defTabSz="914400" rtl="0" eaLnBrk="1" fontAlgn="auto" latinLnBrk="0" hangingPunct="1">
+                        <a:lnSpc>
+                          <a:spcPct val="100000"/>
+                        </a:lnSpc>
+                        <a:spcBef>
+                          <a:spcPts val="0"/>
+                        </a:spcBef>
+                        <a:spcAft>
+                          <a:spcPts val="0"/>
+                        </a:spcAft>
+                        <a:buClrTx/>
+                        <a:buSzTx/>
+                        <a:buFont typeface="Arial" panose="020B0604020202020204" pitchFamily="34" charset="0"/>
+                        <a:buChar char="•"/>
+                        <a:tabLst/>
+                        <a:defRPr/>
+                      </a:pPr>
+                      <a:r>
+                        <a:rPr lang="en-US" sz="1000" b="0" kern="1200" dirty="0">
                           <a:solidFill>
                             <a:schemeClr val="tx1"/>
                           </a:solidFill>
-                        </a:rPr>
-                        <a:t>Organizational model </a:t>
+                          <a:highlight>
+                            <a:srgbClr val="FFFF00"/>
+                          </a:highlight>
+                          <a:latin typeface="+mn-lt"/>
+                          <a:ea typeface="+mn-ea"/>
+                          <a:cs typeface="+mn-cs"/>
+                        </a:rPr>
+                        <a:t>Architecture Roadmap</a:t>
                       </a:r>
                     </a:p>
                     <a:p>
@@ -7801,7 +8022,7 @@
                           <a:ea typeface="+mn-ea"/>
                           <a:cs typeface="+mn-cs"/>
                         </a:rPr>
-                        <a:t>Tailored Architecture Framework</a:t>
+                        <a:t>Change requests (technology, business, from lessons)</a:t>
                       </a:r>
                     </a:p>
                     <a:p>
@@ -7827,11 +8048,14 @@
                           <a:solidFill>
                             <a:schemeClr val="tx1"/>
                           </a:solidFill>
-                          <a:latin typeface="+mn-lt"/>
-                          <a:ea typeface="+mn-ea"/>
-                          <a:cs typeface="+mn-cs"/>
-                        </a:rPr>
-                        <a:t>Approved Statement of Architecture Work</a:t>
+                          <a:highlight>
+                            <a:srgbClr val="FFFF00"/>
+                          </a:highlight>
+                          <a:latin typeface="+mn-lt"/>
+                          <a:ea typeface="+mn-ea"/>
+                          <a:cs typeface="+mn-cs"/>
+                        </a:rPr>
+                        <a:t>Implementation Governance Modal</a:t>
                       </a:r>
                     </a:p>
                     <a:p>
@@ -7857,11 +8081,44 @@
                           <a:solidFill>
                             <a:schemeClr val="tx1"/>
                           </a:solidFill>
-                          <a:latin typeface="+mn-lt"/>
-                          <a:ea typeface="+mn-ea"/>
-                          <a:cs typeface="+mn-cs"/>
-                        </a:rPr>
-                        <a:t>Architecture Vision</a:t>
+                          <a:highlight>
+                            <a:srgbClr val="FFFF00"/>
+                          </a:highlight>
+                          <a:latin typeface="+mn-lt"/>
+                          <a:ea typeface="+mn-ea"/>
+                          <a:cs typeface="+mn-cs"/>
+                        </a:rPr>
+                        <a:t>Architecture Contract</a:t>
+                      </a:r>
+                    </a:p>
+                    <a:p>
+                      <a:pPr marL="171450" marR="0" lvl="0" indent="-171450" algn="l" defTabSz="914400" rtl="0" eaLnBrk="1" fontAlgn="auto" latinLnBrk="0" hangingPunct="1">
+                        <a:lnSpc>
+                          <a:spcPct val="100000"/>
+                        </a:lnSpc>
+                        <a:spcBef>
+                          <a:spcPts val="0"/>
+                        </a:spcBef>
+                        <a:spcAft>
+                          <a:spcPts val="0"/>
+                        </a:spcAft>
+                        <a:buClrTx/>
+                        <a:buSzTx/>
+                        <a:buFont typeface="Arial" panose="020B0604020202020204" pitchFamily="34" charset="0"/>
+                        <a:buChar char="•"/>
+                        <a:tabLst/>
+                        <a:defRPr/>
+                      </a:pPr>
+                      <a:r>
+                        <a:rPr lang="en-US" sz="1000" b="0" kern="1200" dirty="0">
+                          <a:solidFill>
+                            <a:srgbClr val="7030A0"/>
+                          </a:solidFill>
+                          <a:latin typeface="+mn-lt"/>
+                          <a:ea typeface="+mn-ea"/>
+                          <a:cs typeface="+mn-cs"/>
+                        </a:rPr>
+                        <a:t>Compliance assessment</a:t>
                       </a:r>
                     </a:p>
                     <a:p>
@@ -7887,246 +8144,9 @@
                           <a:solidFill>
                             <a:schemeClr val="tx1"/>
                           </a:solidFill>
-                          <a:latin typeface="+mn-lt"/>
-                          <a:ea typeface="+mn-ea"/>
-                          <a:cs typeface="+mn-cs"/>
-                        </a:rPr>
-                        <a:t>Architecture Repository</a:t>
-                      </a:r>
-                    </a:p>
-                    <a:p>
-                      <a:pPr marL="171450" marR="0" lvl="0" indent="-171450" algn="l" defTabSz="914400" rtl="0" eaLnBrk="1" fontAlgn="auto" latinLnBrk="0" hangingPunct="1">
-                        <a:lnSpc>
-                          <a:spcPct val="100000"/>
-                        </a:lnSpc>
-                        <a:spcBef>
-                          <a:spcPts val="0"/>
-                        </a:spcBef>
-                        <a:spcAft>
-                          <a:spcPts val="0"/>
-                        </a:spcAft>
-                        <a:buClrTx/>
-                        <a:buSzTx/>
-                        <a:buFont typeface="Arial" panose="020B0604020202020204" pitchFamily="34" charset="0"/>
-                        <a:buChar char="•"/>
-                        <a:tabLst/>
-                        <a:defRPr/>
-                      </a:pPr>
-                      <a:r>
-                        <a:rPr lang="en-US" sz="1000" b="0" kern="1200" dirty="0">
-                          <a:solidFill>
-                            <a:schemeClr val="tx1"/>
-                          </a:solidFill>
-                          <a:latin typeface="+mn-lt"/>
-                          <a:ea typeface="+mn-ea"/>
-                          <a:cs typeface="+mn-cs"/>
-                        </a:rPr>
-                        <a:t>Architecture Definition Document (baseline/target)</a:t>
-                      </a:r>
-                    </a:p>
-                    <a:p>
-                      <a:pPr marL="171450" marR="0" lvl="0" indent="-171450" algn="l" defTabSz="914400" rtl="0" eaLnBrk="1" fontAlgn="auto" latinLnBrk="0" hangingPunct="1">
-                        <a:lnSpc>
-                          <a:spcPct val="100000"/>
-                        </a:lnSpc>
-                        <a:spcBef>
-                          <a:spcPts val="0"/>
-                        </a:spcBef>
-                        <a:spcAft>
-                          <a:spcPts val="0"/>
-                        </a:spcAft>
-                        <a:buClrTx/>
-                        <a:buSzTx/>
-                        <a:buFont typeface="Arial" panose="020B0604020202020204" pitchFamily="34" charset="0"/>
-                        <a:buChar char="•"/>
-                        <a:tabLst/>
-                        <a:defRPr/>
-                      </a:pPr>
-                      <a:r>
-                        <a:rPr lang="en-US" sz="1000" b="0" kern="1200" dirty="0">
-                          <a:solidFill>
-                            <a:schemeClr val="tx1"/>
-                          </a:solidFill>
-                          <a:latin typeface="+mn-lt"/>
-                          <a:ea typeface="+mn-ea"/>
-                          <a:cs typeface="+mn-cs"/>
-                        </a:rPr>
-                        <a:t>Architecture Requirement Specs </a:t>
-                      </a:r>
-                    </a:p>
-                    <a:p>
-                      <a:pPr marL="171450" marR="0" lvl="0" indent="-171450" algn="l" defTabSz="914400" rtl="0" eaLnBrk="1" fontAlgn="auto" latinLnBrk="0" hangingPunct="1">
-                        <a:lnSpc>
-                          <a:spcPct val="100000"/>
-                        </a:lnSpc>
-                        <a:spcBef>
-                          <a:spcPts val="0"/>
-                        </a:spcBef>
-                        <a:spcAft>
-                          <a:spcPts val="0"/>
-                        </a:spcAft>
-                        <a:buClrTx/>
-                        <a:buSzTx/>
-                        <a:buFont typeface="Arial" panose="020B0604020202020204" pitchFamily="34" charset="0"/>
-                        <a:buChar char="•"/>
-                        <a:tabLst/>
-                        <a:defRPr/>
-                      </a:pPr>
-                      <a:r>
-                        <a:rPr lang="en-US" sz="1000" b="0" kern="1200" dirty="0">
-                          <a:solidFill>
-                            <a:schemeClr val="tx1"/>
-                          </a:solidFill>
-                          <a:latin typeface="+mn-lt"/>
-                          <a:ea typeface="+mn-ea"/>
-                          <a:cs typeface="+mn-cs"/>
-                        </a:rPr>
-                        <a:t>Architecture Roadmap</a:t>
-                      </a:r>
-                    </a:p>
-                    <a:p>
-                      <a:pPr marL="171450" marR="0" lvl="0" indent="-171450" algn="l" defTabSz="914400" rtl="0" eaLnBrk="1" fontAlgn="auto" latinLnBrk="0" hangingPunct="1">
-                        <a:lnSpc>
-                          <a:spcPct val="100000"/>
-                        </a:lnSpc>
-                        <a:spcBef>
-                          <a:spcPts val="0"/>
-                        </a:spcBef>
-                        <a:spcAft>
-                          <a:spcPts val="0"/>
-                        </a:spcAft>
-                        <a:buClrTx/>
-                        <a:buSzTx/>
-                        <a:buFont typeface="Arial" panose="020B0604020202020204" pitchFamily="34" charset="0"/>
-                        <a:buChar char="•"/>
-                        <a:tabLst/>
-                        <a:defRPr/>
-                      </a:pPr>
-                      <a:r>
-                        <a:rPr lang="en-US" sz="1000" b="0" kern="1200" dirty="0">
-                          <a:solidFill>
-                            <a:schemeClr val="tx1"/>
-                          </a:solidFill>
-                          <a:latin typeface="+mn-lt"/>
-                          <a:ea typeface="+mn-ea"/>
-                          <a:cs typeface="+mn-cs"/>
-                        </a:rPr>
-                        <a:t>Change requests (technology, business, from lessons)</a:t>
-                      </a:r>
-                    </a:p>
-                    <a:p>
-                      <a:pPr marL="171450" marR="0" lvl="0" indent="-171450" algn="l" defTabSz="914400" rtl="0" eaLnBrk="1" fontAlgn="auto" latinLnBrk="0" hangingPunct="1">
-                        <a:lnSpc>
-                          <a:spcPct val="100000"/>
-                        </a:lnSpc>
-                        <a:spcBef>
-                          <a:spcPts val="0"/>
-                        </a:spcBef>
-                        <a:spcAft>
-                          <a:spcPts val="0"/>
-                        </a:spcAft>
-                        <a:buClrTx/>
-                        <a:buSzTx/>
-                        <a:buFont typeface="Arial" panose="020B0604020202020204" pitchFamily="34" charset="0"/>
-                        <a:buChar char="•"/>
-                        <a:tabLst/>
-                        <a:defRPr/>
-                      </a:pPr>
-                      <a:r>
-                        <a:rPr lang="en-US" sz="1000" b="0" kern="1200" dirty="0">
-                          <a:solidFill>
-                            <a:schemeClr val="tx1"/>
-                          </a:solidFill>
-                          <a:latin typeface="+mn-lt"/>
-                          <a:ea typeface="+mn-ea"/>
-                          <a:cs typeface="+mn-cs"/>
-                        </a:rPr>
-                        <a:t>Implementation Governance Modal</a:t>
-                      </a:r>
-                    </a:p>
-                    <a:p>
-                      <a:pPr marL="171450" marR="0" lvl="0" indent="-171450" algn="l" defTabSz="914400" rtl="0" eaLnBrk="1" fontAlgn="auto" latinLnBrk="0" hangingPunct="1">
-                        <a:lnSpc>
-                          <a:spcPct val="100000"/>
-                        </a:lnSpc>
-                        <a:spcBef>
-                          <a:spcPts val="0"/>
-                        </a:spcBef>
-                        <a:spcAft>
-                          <a:spcPts val="0"/>
-                        </a:spcAft>
-                        <a:buClrTx/>
-                        <a:buSzTx/>
-                        <a:buFont typeface="Arial" panose="020B0604020202020204" pitchFamily="34" charset="0"/>
-                        <a:buChar char="•"/>
-                        <a:tabLst/>
-                        <a:defRPr/>
-                      </a:pPr>
-                      <a:r>
-                        <a:rPr lang="en-US" sz="1000" b="0" kern="1200" dirty="0">
-                          <a:solidFill>
-                            <a:schemeClr val="tx1"/>
-                          </a:solidFill>
-                          <a:latin typeface="+mn-lt"/>
-                          <a:ea typeface="+mn-ea"/>
-                          <a:cs typeface="+mn-cs"/>
-                        </a:rPr>
-                        <a:t>Architecture Contract</a:t>
-                      </a:r>
-                    </a:p>
-                    <a:p>
-                      <a:pPr marL="171450" marR="0" lvl="0" indent="-171450" algn="l" defTabSz="914400" rtl="0" eaLnBrk="1" fontAlgn="auto" latinLnBrk="0" hangingPunct="1">
-                        <a:lnSpc>
-                          <a:spcPct val="100000"/>
-                        </a:lnSpc>
-                        <a:spcBef>
-                          <a:spcPts val="0"/>
-                        </a:spcBef>
-                        <a:spcAft>
-                          <a:spcPts val="0"/>
-                        </a:spcAft>
-                        <a:buClrTx/>
-                        <a:buSzTx/>
-                        <a:buFont typeface="Arial" panose="020B0604020202020204" pitchFamily="34" charset="0"/>
-                        <a:buChar char="•"/>
-                        <a:tabLst/>
-                        <a:defRPr/>
-                      </a:pPr>
-                      <a:r>
-                        <a:rPr lang="en-US" sz="1000" b="0" kern="1200" dirty="0">
-                          <a:solidFill>
-                            <a:schemeClr val="tx1"/>
-                          </a:solidFill>
-                          <a:latin typeface="+mn-lt"/>
-                          <a:ea typeface="+mn-ea"/>
-                          <a:cs typeface="+mn-cs"/>
-                        </a:rPr>
-                        <a:t>Compliance assessment</a:t>
-                      </a:r>
-                    </a:p>
-                    <a:p>
-                      <a:pPr marL="171450" marR="0" lvl="0" indent="-171450" algn="l" defTabSz="914400" rtl="0" eaLnBrk="1" fontAlgn="auto" latinLnBrk="0" hangingPunct="1">
-                        <a:lnSpc>
-                          <a:spcPct val="100000"/>
-                        </a:lnSpc>
-                        <a:spcBef>
-                          <a:spcPts val="0"/>
-                        </a:spcBef>
-                        <a:spcAft>
-                          <a:spcPts val="0"/>
-                        </a:spcAft>
-                        <a:buClrTx/>
-                        <a:buSzTx/>
-                        <a:buFont typeface="Arial" panose="020B0604020202020204" pitchFamily="34" charset="0"/>
-                        <a:buChar char="•"/>
-                        <a:tabLst/>
-                        <a:defRPr/>
-                      </a:pPr>
-                      <a:r>
-                        <a:rPr lang="en-US" sz="1000" b="0" kern="1200" dirty="0">
-                          <a:solidFill>
-                            <a:schemeClr val="tx1"/>
-                          </a:solidFill>
+                          <a:highlight>
+                            <a:srgbClr val="FFFF00"/>
+                          </a:highlight>
                           <a:latin typeface="+mn-lt"/>
                           <a:ea typeface="+mn-ea"/>
                           <a:cs typeface="+mn-cs"/>
@@ -8170,24 +8190,10 @@
                       <a:r>
                         <a:rPr lang="en-US" sz="1000" b="0" dirty="0">
                           <a:solidFill>
-                            <a:schemeClr val="tx1"/>
-                          </a:solidFill>
-                        </a:rPr>
-                        <a:t>Architecture Governance Framework </a:t>
-                      </a:r>
-                    </a:p>
-                    <a:p>
-                      <a:pPr marL="171450" indent="-171450">
-                        <a:buFont typeface="Arial" panose="020B0604020202020204" pitchFamily="34" charset="0"/>
-                        <a:buChar char="•"/>
-                      </a:pPr>
-                      <a:r>
-                        <a:rPr lang="en-US" sz="1000" b="0" dirty="0">
-                          <a:solidFill>
-                            <a:schemeClr val="tx1"/>
-                          </a:solidFill>
-                        </a:rPr>
-                        <a:t>Organizational Model</a:t>
+                            <a:srgbClr val="FF00FF"/>
+                          </a:solidFill>
+                        </a:rPr>
+                        <a:t>Organizational Model for EA</a:t>
                       </a:r>
                     </a:p>
                     <a:p>
@@ -8207,31 +8213,124 @@
                       </a:r>
                     </a:p>
                     <a:p>
-                      <a:pPr marL="171450" indent="-171450">
-                        <a:buFont typeface="Arial" panose="020B0604020202020204" pitchFamily="34" charset="0"/>
-                        <a:buChar char="•"/>
+                      <a:pPr marL="171450" marR="0" lvl="0" indent="-171450" algn="l" defTabSz="914400" rtl="0" eaLnBrk="1" fontAlgn="auto" latinLnBrk="0" hangingPunct="1">
+                        <a:lnSpc>
+                          <a:spcPct val="100000"/>
+                        </a:lnSpc>
+                        <a:spcBef>
+                          <a:spcPts val="0"/>
+                        </a:spcBef>
+                        <a:spcAft>
+                          <a:spcPts val="0"/>
+                        </a:spcAft>
+                        <a:buClrTx/>
+                        <a:buSzTx/>
+                        <a:buFont typeface="Arial" panose="020B0604020202020204" pitchFamily="34" charset="0"/>
+                        <a:buChar char="•"/>
+                        <a:tabLst/>
+                        <a:defRPr/>
+                      </a:pPr>
+                      <a:r>
+                        <a:rPr lang="en-US" sz="1000" b="0" kern="1200" dirty="0">
+                          <a:solidFill>
+                            <a:srgbClr val="C00000"/>
+                          </a:solidFill>
+                          <a:latin typeface="+mn-lt"/>
+                          <a:ea typeface="+mn-ea"/>
+                          <a:cs typeface="+mn-cs"/>
+                        </a:rPr>
+                        <a:t>Request for Architecture Work (Optional) </a:t>
+                      </a:r>
+                    </a:p>
+                    <a:p>
+                      <a:pPr marL="171450" marR="0" lvl="0" indent="-171450" algn="l" defTabSz="914400" rtl="0" eaLnBrk="1" fontAlgn="auto" latinLnBrk="0" hangingPunct="1">
+                        <a:lnSpc>
+                          <a:spcPct val="100000"/>
+                        </a:lnSpc>
+                        <a:spcBef>
+                          <a:spcPts val="0"/>
+                        </a:spcBef>
+                        <a:spcAft>
+                          <a:spcPts val="0"/>
+                        </a:spcAft>
+                        <a:buClrTx/>
+                        <a:buSzTx/>
+                        <a:buFont typeface="Arial" panose="020B0604020202020204" pitchFamily="34" charset="0"/>
+                        <a:buChar char="•"/>
+                        <a:tabLst/>
+                        <a:defRPr/>
+                      </a:pPr>
+                      <a:r>
+                        <a:rPr lang="en-US" sz="1000" b="0" kern="1200" dirty="0">
+                          <a:solidFill>
+                            <a:schemeClr val="accent3">
+                              <a:lumMod val="75000"/>
+                            </a:schemeClr>
+                          </a:solidFill>
+                          <a:latin typeface="+mn-lt"/>
+                          <a:ea typeface="+mn-ea"/>
+                          <a:cs typeface="+mn-cs"/>
+                        </a:rPr>
+                        <a:t>Business principles, goals and drivers</a:t>
+                      </a:r>
+                    </a:p>
+                    <a:p>
+                      <a:pPr marL="171450" marR="0" lvl="0" indent="-171450" algn="l" defTabSz="914400" rtl="0" eaLnBrk="1" fontAlgn="auto" latinLnBrk="0" hangingPunct="1">
+                        <a:lnSpc>
+                          <a:spcPct val="100000"/>
+                        </a:lnSpc>
+                        <a:spcBef>
+                          <a:spcPts val="0"/>
+                        </a:spcBef>
+                        <a:spcAft>
+                          <a:spcPts val="0"/>
+                        </a:spcAft>
+                        <a:buClrTx/>
+                        <a:buSzTx/>
+                        <a:buFont typeface="Arial" panose="020B0604020202020204" pitchFamily="34" charset="0"/>
+                        <a:buChar char="•"/>
+                        <a:tabLst/>
+                        <a:defRPr/>
                       </a:pPr>
                       <a:r>
                         <a:rPr lang="en-US" sz="1000" b="0" dirty="0">
                           <a:solidFill>
-                            <a:srgbClr val="C00000"/>
-                          </a:solidFill>
-                        </a:rPr>
-                        <a:t>Request for Architecture Work </a:t>
-                      </a:r>
-                    </a:p>
-                    <a:p>
-                      <a:pPr marL="171450" indent="-171450">
-                        <a:buFont typeface="Arial" panose="020B0604020202020204" pitchFamily="34" charset="0"/>
-                        <a:buChar char="•"/>
-                      </a:pPr>
-                      <a:r>
-                        <a:rPr lang="en-US" sz="1000" b="0" dirty="0">
-                          <a:solidFill>
                             <a:schemeClr val="tx1"/>
                           </a:solidFill>
                         </a:rPr>
-                        <a:t>Architecture Principles (Business, Data, application, Technology)</a:t>
+                        <a:t>Architecture Governance Framework </a:t>
+                      </a:r>
+                    </a:p>
+                    <a:p>
+                      <a:pPr marL="171450" marR="0" lvl="0" indent="-171450" algn="l" defTabSz="914400" rtl="0" eaLnBrk="1" fontAlgn="auto" latinLnBrk="0" hangingPunct="1">
+                        <a:lnSpc>
+                          <a:spcPct val="100000"/>
+                        </a:lnSpc>
+                        <a:spcBef>
+                          <a:spcPts val="0"/>
+                        </a:spcBef>
+                        <a:spcAft>
+                          <a:spcPts val="0"/>
+                        </a:spcAft>
+                        <a:buClrTx/>
+                        <a:buSzTx/>
+                        <a:buFont typeface="Arial" panose="020B0604020202020204" pitchFamily="34" charset="0"/>
+                        <a:buChar char="•"/>
+                        <a:tabLst/>
+                        <a:defRPr/>
+                      </a:pPr>
+                      <a:r>
+                        <a:rPr lang="en-US" sz="1000" b="1" kern="1200" dirty="0">
+                          <a:solidFill>
+                            <a:schemeClr val="bg1">
+                              <a:lumMod val="50000"/>
+                            </a:schemeClr>
+                          </a:solidFill>
+                          <a:latin typeface="+mn-lt"/>
+                          <a:ea typeface="+mn-ea"/>
+                          <a:cs typeface="+mn-cs"/>
+                        </a:rPr>
+                        <a:t>Initial Architecture Repository</a:t>
                       </a:r>
                     </a:p>
                     <a:p>
@@ -8301,12 +8400,118 @@
                         <a:defRPr/>
                       </a:pPr>
                       <a:r>
+                        <a:rPr lang="en-US" sz="1000" b="0" kern="1200" dirty="0">
+                          <a:solidFill>
+                            <a:schemeClr val="accent3">
+                              <a:lumMod val="75000"/>
+                            </a:schemeClr>
+                          </a:solidFill>
+                          <a:latin typeface="+mn-lt"/>
+                          <a:ea typeface="+mn-ea"/>
+                          <a:cs typeface="+mn-cs"/>
+                        </a:rPr>
+                        <a:t>Refined statement of Business principles, goals and drivers</a:t>
+                      </a:r>
+                    </a:p>
+                    <a:p>
+                      <a:pPr marL="171450" marR="0" lvl="0" indent="-171450" algn="l" defTabSz="914400" rtl="0" eaLnBrk="1" fontAlgn="auto" latinLnBrk="0" hangingPunct="1">
+                        <a:lnSpc>
+                          <a:spcPct val="100000"/>
+                        </a:lnSpc>
+                        <a:spcBef>
+                          <a:spcPts val="0"/>
+                        </a:spcBef>
+                        <a:spcAft>
+                          <a:spcPts val="0"/>
+                        </a:spcAft>
+                        <a:buClrTx/>
+                        <a:buSzTx/>
+                        <a:buFont typeface="Arial" panose="020B0604020202020204" pitchFamily="34" charset="0"/>
+                        <a:buChar char="•"/>
+                        <a:tabLst/>
+                        <a:defRPr/>
+                      </a:pPr>
+                      <a:r>
+                        <a:rPr lang="en-US" sz="1000" b="0" kern="1200" dirty="0">
+                          <a:solidFill>
+                            <a:schemeClr val="accent3">
+                              <a:lumMod val="75000"/>
+                            </a:schemeClr>
+                          </a:solidFill>
+                          <a:latin typeface="+mn-lt"/>
+                          <a:ea typeface="+mn-ea"/>
+                          <a:cs typeface="+mn-cs"/>
+                        </a:rPr>
+                        <a:t>Architecture principles</a:t>
+                      </a:r>
+                    </a:p>
+                    <a:p>
+                      <a:pPr marL="171450" marR="0" lvl="0" indent="-171450" algn="l" defTabSz="914400" rtl="0" eaLnBrk="1" fontAlgn="auto" latinLnBrk="0" hangingPunct="1">
+                        <a:lnSpc>
+                          <a:spcPct val="100000"/>
+                        </a:lnSpc>
+                        <a:spcBef>
+                          <a:spcPts val="0"/>
+                        </a:spcBef>
+                        <a:spcAft>
+                          <a:spcPts val="0"/>
+                        </a:spcAft>
+                        <a:buClrTx/>
+                        <a:buSzTx/>
+                        <a:buFont typeface="Arial" panose="020B0604020202020204" pitchFamily="34" charset="0"/>
+                        <a:buChar char="•"/>
+                        <a:tabLst/>
+                        <a:defRPr/>
+                      </a:pPr>
+                      <a:r>
                         <a:rPr lang="en-US" sz="1000" b="0" dirty="0">
                           <a:solidFill>
-                            <a:schemeClr val="tx1"/>
-                          </a:solidFill>
-                        </a:rPr>
-                        <a:t>Draft Architecture Definition Document (0.1 of baseline/target)</a:t>
+                            <a:srgbClr val="7030A0"/>
+                          </a:solidFill>
+                        </a:rPr>
+                        <a:t>Capability Assessment</a:t>
+                      </a:r>
+                      <a:endParaRPr lang="en-US" sz="1000" b="0" kern="1200" dirty="0">
+                        <a:solidFill>
+                          <a:schemeClr val="accent6">
+                            <a:lumMod val="50000"/>
+                          </a:schemeClr>
+                        </a:solidFill>
+                        <a:latin typeface="+mn-lt"/>
+                        <a:ea typeface="+mn-ea"/>
+                        <a:cs typeface="+mn-cs"/>
+                      </a:endParaRPr>
+                    </a:p>
+                    <a:p>
+                      <a:pPr marL="171450" marR="0" lvl="0" indent="-171450" algn="l" defTabSz="914400" rtl="0" eaLnBrk="1" fontAlgn="auto" latinLnBrk="0" hangingPunct="1">
+                        <a:lnSpc>
+                          <a:spcPct val="100000"/>
+                        </a:lnSpc>
+                        <a:spcBef>
+                          <a:spcPts val="0"/>
+                        </a:spcBef>
+                        <a:spcAft>
+                          <a:spcPts val="0"/>
+                        </a:spcAft>
+                        <a:buClrTx/>
+                        <a:buSzTx/>
+                        <a:buFont typeface="Arial" panose="020B0604020202020204" pitchFamily="34" charset="0"/>
+                        <a:buChar char="•"/>
+                        <a:tabLst/>
+                        <a:defRPr/>
+                      </a:pPr>
+                      <a:r>
+                        <a:rPr lang="en-US" sz="1000" b="0" kern="1200" dirty="0">
+                          <a:solidFill>
+                            <a:schemeClr val="accent6">
+                              <a:lumMod val="50000"/>
+                            </a:schemeClr>
+                          </a:solidFill>
+                          <a:latin typeface="+mn-lt"/>
+                          <a:ea typeface="+mn-ea"/>
+                          <a:cs typeface="+mn-cs"/>
+                        </a:rPr>
+                        <a:t>Draft Architecture Definition Document (v0.1 of baseline/target)</a:t>
                       </a:r>
                     </a:p>
                     <a:p>
@@ -8348,37 +8553,52 @@
                           <a:solidFill>
                             <a:schemeClr val="tx1"/>
                           </a:solidFill>
-                        </a:rPr>
-                        <a:t>Refined Principles, goals, and drivers </a:t>
-                      </a:r>
-                    </a:p>
-                    <a:p>
-                      <a:pPr marL="171450" indent="-171450">
-                        <a:buFont typeface="Arial" panose="020B0604020202020204" pitchFamily="34" charset="0"/>
-                        <a:buChar char="•"/>
-                      </a:pPr>
-                      <a:r>
-                        <a:rPr lang="en-US" sz="1000" b="0" dirty="0">
-                          <a:solidFill>
-                            <a:schemeClr val="tx1"/>
-                          </a:solidFill>
+                          <a:highlight>
+                            <a:srgbClr val="FFFF00"/>
+                          </a:highlight>
                         </a:rPr>
                         <a:t>Communication plan</a:t>
                       </a:r>
                     </a:p>
                     <a:p>
-                      <a:pPr marL="171450" indent="-171450">
-                        <a:buFont typeface="Arial" panose="020B0604020202020204" pitchFamily="34" charset="0"/>
-                        <a:buChar char="•"/>
-                      </a:pPr>
-                      <a:r>
-                        <a:rPr lang="en-US" sz="1000" b="0" dirty="0">
-                          <a:solidFill>
-                            <a:srgbClr val="7030A0"/>
-                          </a:solidFill>
-                        </a:rPr>
-                        <a:t>Capability Assessment</a:t>
-                      </a:r>
+                      <a:pPr marL="171450" marR="0" lvl="0" indent="-171450" algn="l" defTabSz="914400" rtl="0" eaLnBrk="1" fontAlgn="auto" latinLnBrk="0" hangingPunct="1">
+                        <a:lnSpc>
+                          <a:spcPct val="100000"/>
+                        </a:lnSpc>
+                        <a:spcBef>
+                          <a:spcPts val="0"/>
+                        </a:spcBef>
+                        <a:spcAft>
+                          <a:spcPts val="0"/>
+                        </a:spcAft>
+                        <a:buClrTx/>
+                        <a:buSzTx/>
+                        <a:buFont typeface="Arial" panose="020B0604020202020204" pitchFamily="34" charset="0"/>
+                        <a:buChar char="•"/>
+                        <a:tabLst/>
+                        <a:defRPr/>
+                      </a:pPr>
+                      <a:r>
+                        <a:rPr lang="en-US" sz="1000" b="1" kern="1200" dirty="0">
+                          <a:solidFill>
+                            <a:schemeClr val="bg1">
+                              <a:lumMod val="50000"/>
+                            </a:schemeClr>
+                          </a:solidFill>
+                          <a:latin typeface="+mn-lt"/>
+                          <a:ea typeface="+mn-ea"/>
+                          <a:cs typeface="+mn-cs"/>
+                        </a:rPr>
+                        <a:t>Populated Architecture Repository</a:t>
+                      </a:r>
+                      <a:endParaRPr lang="en-US" sz="1000" b="1" dirty="0">
+                        <a:solidFill>
+                          <a:schemeClr val="tx1"/>
+                        </a:solidFill>
+                        <a:highlight>
+                          <a:srgbClr val="FFFF00"/>
+                        </a:highlight>
+                      </a:endParaRPr>
                     </a:p>
                   </a:txBody>
                   <a:tcPr/>
@@ -8455,7 +8675,7 @@
                           <a:ea typeface="+mn-ea"/>
                           <a:cs typeface="+mn-cs"/>
                         </a:rPr>
-                        <a:t>Draft Architecture Definition Document</a:t>
+                        <a:t>Draft Architecture Definition Document (v 1.0 of baseline/target business architecture)</a:t>
                       </a:r>
                     </a:p>
                     <a:p>
@@ -8485,7 +8705,7 @@
                           <a:ea typeface="+mn-ea"/>
                           <a:cs typeface="+mn-cs"/>
                         </a:rPr>
-                        <a:t>Draft Architecture Requirements Specification</a:t>
+                        <a:t>Draft Architecture Requirements Specification (including the gap analysis results)</a:t>
                       </a:r>
                     </a:p>
                     <a:p>
@@ -8629,7 +8849,7 @@
                           <a:ea typeface="+mn-ea"/>
                           <a:cs typeface="+mn-cs"/>
                         </a:rPr>
-                        <a:t>Draft Architecture Definition Document</a:t>
+                        <a:t>Draft Architecture Definition Document (v 1.0 of baseline/target data architecture)</a:t>
                       </a:r>
                     </a:p>
                     <a:p>
@@ -8796,7 +9016,7 @@
                           <a:ea typeface="+mn-ea"/>
                           <a:cs typeface="+mn-cs"/>
                         </a:rPr>
-                        <a:t>Draft Architecture Definition Document</a:t>
+                        <a:t>Draft Architecture Definition Document (v 1.0 of baseline/target application architecture)</a:t>
                       </a:r>
                     </a:p>
                     <a:p>
@@ -8860,6 +9080,35 @@
                         </a:rPr>
                         <a:t>Application architecture component of Architecture Roadmap</a:t>
                       </a:r>
+                    </a:p>
+                    <a:p>
+                      <a:pPr marL="171450" marR="0" lvl="0" indent="-171450" algn="l" defTabSz="914400" rtl="0" eaLnBrk="1" fontAlgn="auto" latinLnBrk="0" hangingPunct="1">
+                        <a:lnSpc>
+                          <a:spcPct val="100000"/>
+                        </a:lnSpc>
+                        <a:spcBef>
+                          <a:spcPts val="0"/>
+                        </a:spcBef>
+                        <a:spcAft>
+                          <a:spcPts val="0"/>
+                        </a:spcAft>
+                        <a:buClrTx/>
+                        <a:buSzTx/>
+                        <a:buFont typeface="Arial" panose="020B0604020202020204" pitchFamily="34" charset="0"/>
+                        <a:buChar char="•"/>
+                        <a:tabLst/>
+                        <a:defRPr/>
+                      </a:pPr>
+                      <a:endParaRPr lang="en-US" sz="1000" b="0" kern="1200" dirty="0">
+                        <a:solidFill>
+                          <a:schemeClr val="accent4">
+                            <a:lumMod val="75000"/>
+                          </a:schemeClr>
+                        </a:solidFill>
+                        <a:latin typeface="+mn-lt"/>
+                        <a:ea typeface="+mn-ea"/>
+                        <a:cs typeface="+mn-cs"/>
+                      </a:endParaRPr>
                     </a:p>
                   </a:txBody>
                   <a:tcPr/>
@@ -8936,7 +9185,7 @@
                           <a:ea typeface="+mn-ea"/>
                           <a:cs typeface="+mn-cs"/>
                         </a:rPr>
-                        <a:t>Draft Architecture Definition Document</a:t>
+                        <a:t>Draft Architecture Definition Document (v 1.0 of baseline/target technology architecture)</a:t>
                       </a:r>
                     </a:p>
                     <a:p>
@@ -8998,8 +9247,31 @@
                           <a:ea typeface="+mn-ea"/>
                           <a:cs typeface="+mn-cs"/>
                         </a:rPr>
-                        <a:t>Technology architecture component of Architecture Roadmap</a:t>
-                      </a:r>
+                        <a:t>Technology architecture component of </a:t>
+                      </a:r>
+                      <a:r>
+                        <a:rPr lang="en-US" sz="1000" b="0" kern="1200">
+                          <a:solidFill>
+                            <a:schemeClr val="accent4">
+                              <a:lumMod val="75000"/>
+                            </a:schemeClr>
+                          </a:solidFill>
+                          <a:latin typeface="+mn-lt"/>
+                          <a:ea typeface="+mn-ea"/>
+                          <a:cs typeface="+mn-cs"/>
+                        </a:rPr>
+                        <a:t>Architecture Roadmap</a:t>
+                      </a:r>
+                      <a:endParaRPr lang="en-US" sz="1000" b="0" kern="1200" dirty="0">
+                        <a:solidFill>
+                          <a:schemeClr val="accent4">
+                            <a:lumMod val="75000"/>
+                          </a:schemeClr>
+                        </a:solidFill>
+                        <a:latin typeface="+mn-lt"/>
+                        <a:ea typeface="+mn-ea"/>
+                        <a:cs typeface="+mn-cs"/>
+                      </a:endParaRPr>
                     </a:p>
                   </a:txBody>
                   <a:tcPr/>
@@ -9194,6 +9466,9 @@
                           <a:solidFill>
                             <a:schemeClr val="tx1"/>
                           </a:solidFill>
+                          <a:highlight>
+                            <a:srgbClr val="FFFF00"/>
+                          </a:highlight>
                           <a:latin typeface="+mn-lt"/>
                           <a:ea typeface="+mn-ea"/>
                           <a:cs typeface="+mn-cs"/>
@@ -9231,6 +9506,9 @@
                           <a:solidFill>
                             <a:schemeClr val="tx1"/>
                           </a:solidFill>
+                          <a:highlight>
+                            <a:srgbClr val="FFFF00"/>
+                          </a:highlight>
                           <a:latin typeface="+mn-lt"/>
                           <a:ea typeface="+mn-ea"/>
                           <a:cs typeface="+mn-cs"/>
@@ -9241,6 +9519,9 @@
                         <a:solidFill>
                           <a:schemeClr val="tx1"/>
                         </a:solidFill>
+                        <a:highlight>
+                          <a:srgbClr val="FFFF00"/>
+                        </a:highlight>
                       </a:endParaRPr>
                     </a:p>
                     <a:p>
@@ -9262,7 +9543,7 @@
                         <a:defRPr/>
                       </a:pPr>
                       <a:r>
-                        <a:rPr lang="en-US" sz="1000" b="0" kern="1200" dirty="0">
+                        <a:rPr lang="en-US" sz="1000" b="1" kern="1200" dirty="0">
                           <a:solidFill>
                             <a:schemeClr val="accent6">
                               <a:lumMod val="50000"/>
@@ -9272,29 +9553,42 @@
                           <a:ea typeface="+mn-ea"/>
                           <a:cs typeface="+mn-cs"/>
                         </a:rPr>
-                        <a:t>Final Architecture Definition Document</a:t>
-                      </a:r>
-                    </a:p>
-                    <a:p>
-                      <a:pPr marL="171450" marR="0" lvl="0" indent="-171450" algn="l" defTabSz="914400" rtl="0" eaLnBrk="1" fontAlgn="auto" latinLnBrk="0" hangingPunct="1">
-                        <a:lnSpc>
-                          <a:spcPct val="100000"/>
-                        </a:lnSpc>
-                        <a:spcBef>
-                          <a:spcPts val="0"/>
-                        </a:spcBef>
-                        <a:spcAft>
-                          <a:spcPts val="0"/>
-                        </a:spcAft>
-                        <a:buClrTx/>
-                        <a:buSzTx/>
-                        <a:buFont typeface="Arial" panose="020B0604020202020204" pitchFamily="34" charset="0"/>
-                        <a:buChar char="•"/>
-                        <a:tabLst/>
-                        <a:defRPr/>
-                      </a:pPr>
-                      <a:r>
-                        <a:rPr lang="en-US" sz="1000" b="0" kern="1200" dirty="0">
+                        <a:t>Final</a:t>
+                      </a:r>
+                      <a:r>
+                        <a:rPr lang="en-US" sz="1000" b="0" kern="1200" dirty="0">
+                          <a:solidFill>
+                            <a:schemeClr val="accent6">
+                              <a:lumMod val="50000"/>
+                            </a:schemeClr>
+                          </a:solidFill>
+                          <a:latin typeface="+mn-lt"/>
+                          <a:ea typeface="+mn-ea"/>
+                          <a:cs typeface="+mn-cs"/>
+                        </a:rPr>
+                        <a:t> Architecture Definition Document</a:t>
+                      </a:r>
+                    </a:p>
+                    <a:p>
+                      <a:pPr marL="171450" marR="0" lvl="0" indent="-171450" algn="l" defTabSz="914400" rtl="0" eaLnBrk="1" fontAlgn="auto" latinLnBrk="0" hangingPunct="1">
+                        <a:lnSpc>
+                          <a:spcPct val="100000"/>
+                        </a:lnSpc>
+                        <a:spcBef>
+                          <a:spcPts val="0"/>
+                        </a:spcBef>
+                        <a:spcAft>
+                          <a:spcPts val="0"/>
+                        </a:spcAft>
+                        <a:buClrTx/>
+                        <a:buSzTx/>
+                        <a:buFont typeface="Arial" panose="020B0604020202020204" pitchFamily="34" charset="0"/>
+                        <a:buChar char="•"/>
+                        <a:tabLst/>
+                        <a:defRPr/>
+                      </a:pPr>
+                      <a:r>
+                        <a:rPr lang="en-US" sz="1000" b="1" kern="1200" dirty="0">
                           <a:solidFill>
                             <a:srgbClr val="00B0F0"/>
                           </a:solidFill>
@@ -9302,29 +9596,40 @@
                           <a:ea typeface="+mn-ea"/>
                           <a:cs typeface="+mn-cs"/>
                         </a:rPr>
-                        <a:t>Final Architecture Requirements Specification</a:t>
-                      </a:r>
-                    </a:p>
-                    <a:p>
-                      <a:pPr marL="171450" marR="0" lvl="0" indent="-171450" algn="l" defTabSz="914400" rtl="0" eaLnBrk="1" fontAlgn="auto" latinLnBrk="0" hangingPunct="1">
-                        <a:lnSpc>
-                          <a:spcPct val="100000"/>
-                        </a:lnSpc>
-                        <a:spcBef>
-                          <a:spcPts val="0"/>
-                        </a:spcBef>
-                        <a:spcAft>
-                          <a:spcPts val="0"/>
-                        </a:spcAft>
-                        <a:buClrTx/>
-                        <a:buSzTx/>
-                        <a:buFont typeface="Arial" panose="020B0604020202020204" pitchFamily="34" charset="0"/>
-                        <a:buChar char="•"/>
-                        <a:tabLst/>
-                        <a:defRPr/>
-                      </a:pPr>
-                      <a:r>
-                        <a:rPr lang="en-US" sz="1000" b="0" kern="1200" dirty="0">
+                        <a:t>Final</a:t>
+                      </a:r>
+                      <a:r>
+                        <a:rPr lang="en-US" sz="1000" b="0" kern="1200" dirty="0">
+                          <a:solidFill>
+                            <a:srgbClr val="00B0F0"/>
+                          </a:solidFill>
+                          <a:latin typeface="+mn-lt"/>
+                          <a:ea typeface="+mn-ea"/>
+                          <a:cs typeface="+mn-cs"/>
+                        </a:rPr>
+                        <a:t> Architecture Requirements Specification</a:t>
+                      </a:r>
+                    </a:p>
+                    <a:p>
+                      <a:pPr marL="171450" marR="0" lvl="0" indent="-171450" algn="l" defTabSz="914400" rtl="0" eaLnBrk="1" fontAlgn="auto" latinLnBrk="0" hangingPunct="1">
+                        <a:lnSpc>
+                          <a:spcPct val="100000"/>
+                        </a:lnSpc>
+                        <a:spcBef>
+                          <a:spcPts val="0"/>
+                        </a:spcBef>
+                        <a:spcAft>
+                          <a:spcPts val="0"/>
+                        </a:spcAft>
+                        <a:buClrTx/>
+                        <a:buSzTx/>
+                        <a:buFont typeface="Arial" panose="020B0604020202020204" pitchFamily="34" charset="0"/>
+                        <a:buChar char="•"/>
+                        <a:tabLst/>
+                        <a:defRPr/>
+                      </a:pPr>
+                      <a:r>
+                        <a:rPr lang="en-US" sz="1000" b="1" kern="1200" dirty="0">
                           <a:solidFill>
                             <a:schemeClr val="accent4">
                               <a:lumMod val="75000"/>
@@ -9334,7 +9639,20 @@
                           <a:ea typeface="+mn-ea"/>
                           <a:cs typeface="+mn-cs"/>
                         </a:rPr>
-                        <a:t>Final Architecture Roadmap</a:t>
+                        <a:t>Final</a:t>
+                      </a:r>
+                      <a:r>
+                        <a:rPr lang="en-US" sz="1000" b="0" kern="1200" dirty="0">
+                          <a:solidFill>
+                            <a:schemeClr val="accent4">
+                              <a:lumMod val="75000"/>
+                            </a:schemeClr>
+                          </a:solidFill>
+                          <a:latin typeface="+mn-lt"/>
+                          <a:ea typeface="+mn-ea"/>
+                          <a:cs typeface="+mn-cs"/>
+                        </a:rPr>
+                        <a:t> Architecture Roadmap</a:t>
                       </a:r>
                     </a:p>
                     <a:p>
@@ -9420,6 +9738,9 @@
                           <a:solidFill>
                             <a:schemeClr val="tx1"/>
                           </a:solidFill>
+                          <a:highlight>
+                            <a:srgbClr val="FFFF00"/>
+                          </a:highlight>
                           <a:latin typeface="+mn-lt"/>
                           <a:ea typeface="+mn-ea"/>
                           <a:cs typeface="+mn-cs"/>
@@ -9643,6 +9964,9 @@
                           <a:solidFill>
                             <a:schemeClr val="tx1"/>
                           </a:solidFill>
+                          <a:highlight>
+                            <a:srgbClr val="FFFF00"/>
+                          </a:highlight>
                           <a:latin typeface="+mn-lt"/>
                           <a:ea typeface="+mn-ea"/>
                           <a:cs typeface="+mn-cs"/>
@@ -9805,6 +10129,9 @@
                           <a:solidFill>
                             <a:schemeClr val="tx1"/>
                           </a:solidFill>
+                          <a:highlight>
+                            <a:srgbClr val="FFFF00"/>
+                          </a:highlight>
                           <a:latin typeface="+mn-lt"/>
                           <a:ea typeface="+mn-ea"/>
                           <a:cs typeface="+mn-cs"/>

--- a/references/pdfs/adm-inputs-and-outputs.pptx
+++ b/references/pdfs/adm-inputs-and-outputs.pptx
@@ -3352,7 +3352,7 @@
           <p:nvPr>
             <p:extLst>
               <p:ext uri="{D42A27DB-BD31-4B8C-83A1-F6EECF244321}">
-                <p14:modId xmlns:p14="http://schemas.microsoft.com/office/powerpoint/2010/main" val="3307339279"/>
+                <p14:modId xmlns:p14="http://schemas.microsoft.com/office/powerpoint/2010/main" val="1154920766"/>
               </p:ext>
             </p:extLst>
           </p:nvPr>
@@ -4154,15 +4154,18 @@
                       </a:endParaRPr>
                     </a:p>
                     <a:p>
-                      <a:pPr marL="171450" indent="-171450">
-                        <a:buFont typeface="Arial" panose="020B0604020202020204" pitchFamily="34" charset="0"/>
-                        <a:buChar char="•"/>
-                      </a:pPr>
-                      <a:r>
-                        <a:rPr lang="en-US" sz="1000" b="0" dirty="0">
-                          <a:solidFill>
-                            <a:schemeClr val="tx1"/>
-                          </a:solidFill>
+                      <a:pPr marL="171450" indent="-171450" algn="l" defTabSz="914400" rtl="0" eaLnBrk="1" latinLnBrk="0" hangingPunct="1">
+                        <a:buFont typeface="Arial" panose="020B0604020202020204" pitchFamily="34" charset="0"/>
+                        <a:buChar char="•"/>
+                      </a:pPr>
+                      <a:r>
+                        <a:rPr lang="en-US" sz="1000" b="0" kern="1200" dirty="0">
+                          <a:solidFill>
+                            <a:srgbClr val="FF00FF"/>
+                          </a:solidFill>
+                          <a:latin typeface="+mn-lt"/>
+                          <a:ea typeface="+mn-ea"/>
+                          <a:cs typeface="+mn-cs"/>
                         </a:rPr>
                         <a:t>Organizational Model for EA</a:t>
                       </a:r>
@@ -6345,6 +6348,9 @@
                           <a:solidFill>
                             <a:schemeClr val="tx1"/>
                           </a:solidFill>
+                          <a:highlight>
+                            <a:srgbClr val="FFFF00"/>
+                          </a:highlight>
                           <a:latin typeface="+mn-lt"/>
                           <a:ea typeface="+mn-ea"/>
                           <a:cs typeface="+mn-cs"/>
@@ -9247,31 +9253,8 @@
                           <a:ea typeface="+mn-ea"/>
                           <a:cs typeface="+mn-cs"/>
                         </a:rPr>
-                        <a:t>Technology architecture component of </a:t>
-                      </a:r>
-                      <a:r>
-                        <a:rPr lang="en-US" sz="1000" b="0" kern="1200">
-                          <a:solidFill>
-                            <a:schemeClr val="accent4">
-                              <a:lumMod val="75000"/>
-                            </a:schemeClr>
-                          </a:solidFill>
-                          <a:latin typeface="+mn-lt"/>
-                          <a:ea typeface="+mn-ea"/>
-                          <a:cs typeface="+mn-cs"/>
-                        </a:rPr>
-                        <a:t>Architecture Roadmap</a:t>
-                      </a:r>
-                      <a:endParaRPr lang="en-US" sz="1000" b="0" kern="1200" dirty="0">
-                        <a:solidFill>
-                          <a:schemeClr val="accent4">
-                            <a:lumMod val="75000"/>
-                          </a:schemeClr>
-                        </a:solidFill>
-                        <a:latin typeface="+mn-lt"/>
-                        <a:ea typeface="+mn-ea"/>
-                        <a:cs typeface="+mn-cs"/>
-                      </a:endParaRPr>
+                        <a:t>Technology architecture component of Architecture Roadmap</a:t>
+                      </a:r>
                     </a:p>
                   </a:txBody>
                   <a:tcPr/>

--- a/references/pdfs/adm-inputs-and-outputs.pptx
+++ b/references/pdfs/adm-inputs-and-outputs.pptx
@@ -270,7 +270,7 @@
           <a:p>
             <a:fld id="{6A2EF460-96B6-4F20-8D0A-A3002A0CC0AD}" type="datetimeFigureOut">
               <a:rPr lang="en-US" smtClean="0"/>
-              <a:t>2/9/2022</a:t>
+              <a:t>2/12/2022</a:t>
             </a:fld>
             <a:endParaRPr lang="en-US"/>
           </a:p>
@@ -468,7 +468,7 @@
           <a:p>
             <a:fld id="{6A2EF460-96B6-4F20-8D0A-A3002A0CC0AD}" type="datetimeFigureOut">
               <a:rPr lang="en-US" smtClean="0"/>
-              <a:t>2/9/2022</a:t>
+              <a:t>2/12/2022</a:t>
             </a:fld>
             <a:endParaRPr lang="en-US"/>
           </a:p>
@@ -676,7 +676,7 @@
           <a:p>
             <a:fld id="{6A2EF460-96B6-4F20-8D0A-A3002A0CC0AD}" type="datetimeFigureOut">
               <a:rPr lang="en-US" smtClean="0"/>
-              <a:t>2/9/2022</a:t>
+              <a:t>2/12/2022</a:t>
             </a:fld>
             <a:endParaRPr lang="en-US"/>
           </a:p>
@@ -874,7 +874,7 @@
           <a:p>
             <a:fld id="{6A2EF460-96B6-4F20-8D0A-A3002A0CC0AD}" type="datetimeFigureOut">
               <a:rPr lang="en-US" smtClean="0"/>
-              <a:t>2/9/2022</a:t>
+              <a:t>2/12/2022</a:t>
             </a:fld>
             <a:endParaRPr lang="en-US"/>
           </a:p>
@@ -1149,7 +1149,7 @@
           <a:p>
             <a:fld id="{6A2EF460-96B6-4F20-8D0A-A3002A0CC0AD}" type="datetimeFigureOut">
               <a:rPr lang="en-US" smtClean="0"/>
-              <a:t>2/9/2022</a:t>
+              <a:t>2/12/2022</a:t>
             </a:fld>
             <a:endParaRPr lang="en-US"/>
           </a:p>
@@ -1414,7 +1414,7 @@
           <a:p>
             <a:fld id="{6A2EF460-96B6-4F20-8D0A-A3002A0CC0AD}" type="datetimeFigureOut">
               <a:rPr lang="en-US" smtClean="0"/>
-              <a:t>2/9/2022</a:t>
+              <a:t>2/12/2022</a:t>
             </a:fld>
             <a:endParaRPr lang="en-US"/>
           </a:p>
@@ -1826,7 +1826,7 @@
           <a:p>
             <a:fld id="{6A2EF460-96B6-4F20-8D0A-A3002A0CC0AD}" type="datetimeFigureOut">
               <a:rPr lang="en-US" smtClean="0"/>
-              <a:t>2/9/2022</a:t>
+              <a:t>2/12/2022</a:t>
             </a:fld>
             <a:endParaRPr lang="en-US"/>
           </a:p>
@@ -1967,7 +1967,7 @@
           <a:p>
             <a:fld id="{6A2EF460-96B6-4F20-8D0A-A3002A0CC0AD}" type="datetimeFigureOut">
               <a:rPr lang="en-US" smtClean="0"/>
-              <a:t>2/9/2022</a:t>
+              <a:t>2/12/2022</a:t>
             </a:fld>
             <a:endParaRPr lang="en-US"/>
           </a:p>
@@ -2080,7 +2080,7 @@
           <a:p>
             <a:fld id="{6A2EF460-96B6-4F20-8D0A-A3002A0CC0AD}" type="datetimeFigureOut">
               <a:rPr lang="en-US" smtClean="0"/>
-              <a:t>2/9/2022</a:t>
+              <a:t>2/12/2022</a:t>
             </a:fld>
             <a:endParaRPr lang="en-US"/>
           </a:p>
@@ -2391,7 +2391,7 @@
           <a:p>
             <a:fld id="{6A2EF460-96B6-4F20-8D0A-A3002A0CC0AD}" type="datetimeFigureOut">
               <a:rPr lang="en-US" smtClean="0"/>
-              <a:t>2/9/2022</a:t>
+              <a:t>2/12/2022</a:t>
             </a:fld>
             <a:endParaRPr lang="en-US"/>
           </a:p>
@@ -2679,7 +2679,7 @@
           <a:p>
             <a:fld id="{6A2EF460-96B6-4F20-8D0A-A3002A0CC0AD}" type="datetimeFigureOut">
               <a:rPr lang="en-US" smtClean="0"/>
-              <a:t>2/9/2022</a:t>
+              <a:t>2/12/2022</a:t>
             </a:fld>
             <a:endParaRPr lang="en-US"/>
           </a:p>
@@ -2920,7 +2920,7 @@
           <a:p>
             <a:fld id="{6A2EF460-96B6-4F20-8D0A-A3002A0CC0AD}" type="datetimeFigureOut">
               <a:rPr lang="en-US" smtClean="0"/>
-              <a:t>2/9/2022</a:t>
+              <a:t>2/12/2022</a:t>
             </a:fld>
             <a:endParaRPr lang="en-US"/>
           </a:p>
@@ -3352,14 +3352,14 @@
           <p:nvPr>
             <p:extLst>
               <p:ext uri="{D42A27DB-BD31-4B8C-83A1-F6EECF244321}">
-                <p14:modId xmlns:p14="http://schemas.microsoft.com/office/powerpoint/2010/main" val="1154920766"/>
+                <p14:modId xmlns:p14="http://schemas.microsoft.com/office/powerpoint/2010/main" val="2792618582"/>
               </p:ext>
             </p:extLst>
           </p:nvPr>
         </p:nvGraphicFramePr>
         <p:xfrm>
           <a:off x="-765171" y="-1028823"/>
-          <a:ext cx="14272428" cy="10873367"/>
+          <a:ext cx="14277190" cy="11025767"/>
         </p:xfrm>
         <a:graphic>
           <a:graphicData uri="http://schemas.openxmlformats.org/drawingml/2006/table">
@@ -3368,7 +3368,7 @@
                 <a:tableStyleId>{F5AB1C69-6EDB-4FF4-983F-18BD219EF322}</a:tableStyleId>
               </a:tblPr>
               <a:tblGrid>
-                <a:gridCol w="438468">
+                <a:gridCol w="443230">
                   <a:extLst>
                     <a:ext uri="{9D8B030D-6E8A-4147-A177-3AD203B41FA5}">
                       <a16:colId xmlns:a16="http://schemas.microsoft.com/office/drawing/2014/main" val="2249131287"/>
@@ -3929,7 +3929,7 @@
                     <a:p>
                       <a:pPr algn="ctr"/>
                       <a:r>
-                        <a:rPr lang="en-US" sz="1000" b="0" dirty="0"/>
+                        <a:rPr lang="en-US" sz="1000" b="1" dirty="0"/>
                         <a:t>IN</a:t>
                       </a:r>
                     </a:p>
@@ -4570,7 +4570,7 @@
                           <a:ea typeface="+mn-ea"/>
                           <a:cs typeface="+mn-cs"/>
                         </a:rPr>
-                        <a:t>Capability assessment</a:t>
+                        <a:t>Capability assessment ( from phase A)</a:t>
                       </a:r>
                     </a:p>
                     <a:p>
@@ -4964,7 +4964,7 @@
                           <a:ea typeface="+mn-ea"/>
                           <a:cs typeface="+mn-cs"/>
                         </a:rPr>
-                        <a:t>Capability assessment</a:t>
+                        <a:t>Capability assessment ( from phase A)</a:t>
                       </a:r>
                     </a:p>
                     <a:p>
@@ -5393,7 +5393,7 @@
                           <a:ea typeface="+mn-ea"/>
                           <a:cs typeface="+mn-cs"/>
                         </a:rPr>
-                        <a:t>Capability assessment</a:t>
+                        <a:t>Capability assessment (phase A)</a:t>
                       </a:r>
                     </a:p>
                     <a:p>
@@ -5849,7 +5849,7 @@
                           <a:ea typeface="+mn-ea"/>
                           <a:cs typeface="+mn-cs"/>
                         </a:rPr>
-                        <a:t>Capability assessment</a:t>
+                        <a:t>Capability assessment (from phase A)</a:t>
                       </a:r>
                     </a:p>
                     <a:p>
@@ -6305,7 +6305,7 @@
                           <a:ea typeface="+mn-ea"/>
                           <a:cs typeface="+mn-cs"/>
                         </a:rPr>
-                        <a:t>Capability assessment</a:t>
+                        <a:t>Capability assessment ( from phase A)</a:t>
                       </a:r>
                     </a:p>
                     <a:p>
@@ -6767,7 +6767,7 @@
                           <a:ea typeface="+mn-ea"/>
                           <a:cs typeface="+mn-cs"/>
                         </a:rPr>
-                        <a:t>Capability assessment</a:t>
+                        <a:t>Capability assessment ( from phase A)</a:t>
                       </a:r>
                     </a:p>
                     <a:p>
@@ -7129,7 +7129,7 @@
                             <a:schemeClr val="tx1"/>
                           </a:solidFill>
                         </a:rPr>
-                        <a:t>Architecture Reference Material</a:t>
+                        <a:t>External Reference Material</a:t>
                       </a:r>
                       <a:endParaRPr lang="en-US" sz="1000" b="1" dirty="0">
                         <a:solidFill>
@@ -7191,7 +7191,7 @@
                           <a:ea typeface="+mn-ea"/>
                           <a:cs typeface="+mn-cs"/>
                         </a:rPr>
-                        <a:t>Request for Architecture Work</a:t>
+                        <a:t>Request for Architecture Work (Optional)</a:t>
                       </a:r>
                       <a:endParaRPr lang="en-US" sz="1000" b="0" kern="1200" dirty="0">
                         <a:solidFill>
@@ -7229,7 +7229,7 @@
                           <a:ea typeface="+mn-ea"/>
                           <a:cs typeface="+mn-cs"/>
                         </a:rPr>
-                        <a:t>Capability assessment</a:t>
+                        <a:t>Capability assessment (from phase A)</a:t>
                       </a:r>
                     </a:p>
                     <a:p>
@@ -7499,7 +7499,7 @@
                           <a:ea typeface="+mn-ea"/>
                           <a:cs typeface="+mn-cs"/>
                         </a:rPr>
-                        <a:t>Architecture Roadmap</a:t>
+                        <a:t>Architecture Roadmap (v 1.0)</a:t>
                       </a:r>
                     </a:p>
                     <a:p>
@@ -7565,7 +7565,7 @@
                           <a:ea typeface="+mn-ea"/>
                           <a:cs typeface="+mn-cs"/>
                         </a:rPr>
-                        <a:t>Architecture Contract</a:t>
+                        <a:t>Architecture Contract (standard)</a:t>
                       </a:r>
                     </a:p>
                     <a:p>
@@ -7632,7 +7632,7 @@
                             <a:schemeClr val="tx1"/>
                           </a:solidFill>
                         </a:rPr>
-                        <a:t>Architecture Reference Material</a:t>
+                        <a:t>External Reference Material</a:t>
                       </a:r>
                       <a:endParaRPr lang="en-US" sz="1000" b="1" dirty="0">
                         <a:solidFill>
@@ -7694,7 +7694,7 @@
                           <a:ea typeface="+mn-ea"/>
                           <a:cs typeface="+mn-cs"/>
                         </a:rPr>
-                        <a:t>Request for Architecture Work</a:t>
+                        <a:t>Request for Architecture Work (Optional)</a:t>
                       </a:r>
                       <a:endParaRPr lang="en-US" sz="1000" b="0" kern="1200" dirty="0">
                         <a:solidFill>
@@ -7706,58 +7706,6 @@
                       </a:endParaRPr>
                     </a:p>
                     <a:p>
-                      <a:pPr marL="171450" marR="0" lvl="0" indent="-171450" algn="l" defTabSz="914400" rtl="0" eaLnBrk="1" fontAlgn="auto" latinLnBrk="0" hangingPunct="1">
-                        <a:lnSpc>
-                          <a:spcPct val="100000"/>
-                        </a:lnSpc>
-                        <a:spcBef>
-                          <a:spcPts val="0"/>
-                        </a:spcBef>
-                        <a:spcAft>
-                          <a:spcPts val="0"/>
-                        </a:spcAft>
-                        <a:buClrTx/>
-                        <a:buSzTx/>
-                        <a:buFont typeface="Arial" panose="020B0604020202020204" pitchFamily="34" charset="0"/>
-                        <a:buChar char="•"/>
-                        <a:tabLst/>
-                        <a:defRPr/>
-                      </a:pPr>
-                      <a:r>
-                        <a:rPr lang="en-US" sz="1000" b="0" kern="1200" dirty="0">
-                          <a:solidFill>
-                            <a:srgbClr val="7030A0"/>
-                          </a:solidFill>
-                          <a:latin typeface="+mn-lt"/>
-                          <a:ea typeface="+mn-ea"/>
-                          <a:cs typeface="+mn-cs"/>
-                        </a:rPr>
-                        <a:t>Capability</a:t>
-                      </a:r>
-                      <a:r>
-                        <a:rPr lang="en-US" sz="1000" b="0" kern="1200" dirty="0">
-                          <a:solidFill>
-                            <a:schemeClr val="tx1"/>
-                          </a:solidFill>
-                          <a:latin typeface="+mn-lt"/>
-                          <a:ea typeface="+mn-ea"/>
-                          <a:cs typeface="+mn-cs"/>
-                        </a:rPr>
-                        <a:t> </a:t>
-                      </a:r>
-                      <a:r>
-                        <a:rPr lang="en-US" sz="1000" b="0" kern="1200" dirty="0">
-                          <a:solidFill>
-                            <a:srgbClr val="7030A0"/>
-                          </a:solidFill>
-                          <a:latin typeface="+mn-lt"/>
-                          <a:ea typeface="+mn-ea"/>
-                          <a:cs typeface="+mn-cs"/>
-                        </a:rPr>
-                        <a:t>assessment</a:t>
-                      </a:r>
-                    </a:p>
-                    <a:p>
                       <a:pPr marL="0" marR="0" lvl="0" indent="0" algn="l" defTabSz="914400" rtl="0" eaLnBrk="1" fontAlgn="auto" latinLnBrk="0" hangingPunct="1">
                         <a:lnSpc>
                           <a:spcPct val="100000"/>
@@ -7959,36 +7907,6 @@
                       <a:r>
                         <a:rPr lang="en-US" sz="1000" b="0" kern="1200" dirty="0">
                           <a:solidFill>
-                            <a:srgbClr val="00B0F0"/>
-                          </a:solidFill>
-                          <a:latin typeface="+mn-lt"/>
-                          <a:ea typeface="+mn-ea"/>
-                          <a:cs typeface="+mn-cs"/>
-                        </a:rPr>
-                        <a:t>Architecture Requirement Specs </a:t>
-                      </a:r>
-                    </a:p>
-                    <a:p>
-                      <a:pPr marL="171450" marR="0" lvl="0" indent="-171450" algn="l" defTabSz="914400" rtl="0" eaLnBrk="1" fontAlgn="auto" latinLnBrk="0" hangingPunct="1">
-                        <a:lnSpc>
-                          <a:spcPct val="100000"/>
-                        </a:lnSpc>
-                        <a:spcBef>
-                          <a:spcPts val="0"/>
-                        </a:spcBef>
-                        <a:spcAft>
-                          <a:spcPts val="0"/>
-                        </a:spcAft>
-                        <a:buClrTx/>
-                        <a:buSzTx/>
-                        <a:buFont typeface="Arial" panose="020B0604020202020204" pitchFamily="34" charset="0"/>
-                        <a:buChar char="•"/>
-                        <a:tabLst/>
-                        <a:defRPr/>
-                      </a:pPr>
-                      <a:r>
-                        <a:rPr lang="en-US" sz="1000" b="0" kern="1200" dirty="0">
-                          <a:solidFill>
                             <a:schemeClr val="tx1"/>
                           </a:solidFill>
                           <a:highlight>
@@ -8024,36 +7942,6 @@
                           <a:solidFill>
                             <a:schemeClr val="tx1"/>
                           </a:solidFill>
-                          <a:latin typeface="+mn-lt"/>
-                          <a:ea typeface="+mn-ea"/>
-                          <a:cs typeface="+mn-cs"/>
-                        </a:rPr>
-                        <a:t>Change requests (technology, business, from lessons)</a:t>
-                      </a:r>
-                    </a:p>
-                    <a:p>
-                      <a:pPr marL="171450" marR="0" lvl="0" indent="-171450" algn="l" defTabSz="914400" rtl="0" eaLnBrk="1" fontAlgn="auto" latinLnBrk="0" hangingPunct="1">
-                        <a:lnSpc>
-                          <a:spcPct val="100000"/>
-                        </a:lnSpc>
-                        <a:spcBef>
-                          <a:spcPts val="0"/>
-                        </a:spcBef>
-                        <a:spcAft>
-                          <a:spcPts val="0"/>
-                        </a:spcAft>
-                        <a:buClrTx/>
-                        <a:buSzTx/>
-                        <a:buFont typeface="Arial" panose="020B0604020202020204" pitchFamily="34" charset="0"/>
-                        <a:buChar char="•"/>
-                        <a:tabLst/>
-                        <a:defRPr/>
-                      </a:pPr>
-                      <a:r>
-                        <a:rPr lang="en-US" sz="1000" b="0" kern="1200" dirty="0">
-                          <a:solidFill>
-                            <a:schemeClr val="tx1"/>
-                          </a:solidFill>
                           <a:highlight>
                             <a:srgbClr val="FFFF00"/>
                           </a:highlight>
@@ -8061,7 +7949,7 @@
                           <a:ea typeface="+mn-ea"/>
                           <a:cs typeface="+mn-cs"/>
                         </a:rPr>
-                        <a:t>Implementation Governance Modal</a:t>
+                        <a:t>Change requests (technology, business, from lessons)</a:t>
                       </a:r>
                     </a:p>
                     <a:p>
@@ -8094,37 +7982,7 @@
                           <a:ea typeface="+mn-ea"/>
                           <a:cs typeface="+mn-cs"/>
                         </a:rPr>
-                        <a:t>Architecture Contract</a:t>
-                      </a:r>
-                    </a:p>
-                    <a:p>
-                      <a:pPr marL="171450" marR="0" lvl="0" indent="-171450" algn="l" defTabSz="914400" rtl="0" eaLnBrk="1" fontAlgn="auto" latinLnBrk="0" hangingPunct="1">
-                        <a:lnSpc>
-                          <a:spcPct val="100000"/>
-                        </a:lnSpc>
-                        <a:spcBef>
-                          <a:spcPts val="0"/>
-                        </a:spcBef>
-                        <a:spcAft>
-                          <a:spcPts val="0"/>
-                        </a:spcAft>
-                        <a:buClrTx/>
-                        <a:buSzTx/>
-                        <a:buFont typeface="Arial" panose="020B0604020202020204" pitchFamily="34" charset="0"/>
-                        <a:buChar char="•"/>
-                        <a:tabLst/>
-                        <a:defRPr/>
-                      </a:pPr>
-                      <a:r>
-                        <a:rPr lang="en-US" sz="1000" b="0" kern="1200" dirty="0">
-                          <a:solidFill>
-                            <a:srgbClr val="7030A0"/>
-                          </a:solidFill>
-                          <a:latin typeface="+mn-lt"/>
-                          <a:ea typeface="+mn-ea"/>
-                          <a:cs typeface="+mn-cs"/>
-                        </a:rPr>
-                        <a:t>Compliance assessment</a:t>
+                        <a:t>Implementation Governance Modal</a:t>
                       </a:r>
                     </a:p>
                     <a:p>
@@ -8157,7 +8015,70 @@
                           <a:ea typeface="+mn-ea"/>
                           <a:cs typeface="+mn-cs"/>
                         </a:rPr>
-                        <a:t>Implementation and migration plan</a:t>
+                        <a:t>Architecture Contract</a:t>
+                      </a:r>
+                    </a:p>
+                    <a:p>
+                      <a:pPr marL="171450" marR="0" lvl="0" indent="-171450" algn="l" defTabSz="914400" rtl="0" eaLnBrk="1" fontAlgn="auto" latinLnBrk="0" hangingPunct="1">
+                        <a:lnSpc>
+                          <a:spcPct val="100000"/>
+                        </a:lnSpc>
+                        <a:spcBef>
+                          <a:spcPts val="0"/>
+                        </a:spcBef>
+                        <a:spcAft>
+                          <a:spcPts val="0"/>
+                        </a:spcAft>
+                        <a:buClrTx/>
+                        <a:buSzTx/>
+                        <a:buFont typeface="Arial" panose="020B0604020202020204" pitchFamily="34" charset="0"/>
+                        <a:buChar char="•"/>
+                        <a:tabLst/>
+                        <a:defRPr/>
+                      </a:pPr>
+                      <a:r>
+                        <a:rPr lang="en-US" sz="1000" b="0" kern="1200" dirty="0">
+                          <a:solidFill>
+                            <a:srgbClr val="7030A0"/>
+                          </a:solidFill>
+                          <a:latin typeface="+mn-lt"/>
+                          <a:ea typeface="+mn-ea"/>
+                          <a:cs typeface="+mn-cs"/>
+                        </a:rPr>
+                        <a:t>Compliance assessments</a:t>
+                      </a:r>
+                    </a:p>
+                    <a:p>
+                      <a:pPr marL="171450" marR="0" lvl="0" indent="-171450" algn="l" defTabSz="914400" rtl="0" eaLnBrk="1" fontAlgn="auto" latinLnBrk="0" hangingPunct="1">
+                        <a:lnSpc>
+                          <a:spcPct val="100000"/>
+                        </a:lnSpc>
+                        <a:spcBef>
+                          <a:spcPts val="0"/>
+                        </a:spcBef>
+                        <a:spcAft>
+                          <a:spcPts val="0"/>
+                        </a:spcAft>
+                        <a:buClrTx/>
+                        <a:buSzTx/>
+                        <a:buFont typeface="Arial" panose="020B0604020202020204" pitchFamily="34" charset="0"/>
+                        <a:buChar char="•"/>
+                        <a:tabLst/>
+                        <a:defRPr/>
+                      </a:pPr>
+                      <a:r>
+                        <a:rPr lang="en-US" sz="1000" b="0" kern="1200" dirty="0">
+                          <a:solidFill>
+                            <a:schemeClr val="tx1"/>
+                          </a:solidFill>
+                          <a:highlight>
+                            <a:srgbClr val="FFFF00"/>
+                          </a:highlight>
+                          <a:latin typeface="+mn-lt"/>
+                          <a:ea typeface="+mn-ea"/>
+                          <a:cs typeface="+mn-cs"/>
+                        </a:rPr>
+                        <a:t>Implementation and migration plan (v 1.0)</a:t>
                       </a:r>
                     </a:p>
                   </a:txBody>
@@ -8177,7 +8098,7 @@
                     <a:p>
                       <a:pPr algn="ctr"/>
                       <a:r>
-                        <a:rPr lang="en-US" sz="1000" b="0" dirty="0"/>
+                        <a:rPr lang="en-US" sz="1000" b="1" dirty="0"/>
                         <a:t>OUT</a:t>
                       </a:r>
                     </a:p>
@@ -8517,7 +8438,7 @@
                           <a:ea typeface="+mn-ea"/>
                           <a:cs typeface="+mn-cs"/>
                         </a:rPr>
-                        <a:t>Draft Architecture Definition Document (v0.1 of baseline/target)</a:t>
+                        <a:t>Draft Architecture Definition Document (v 0.1 of baseline/target)</a:t>
                       </a:r>
                     </a:p>
                     <a:p>
@@ -9423,8 +9344,48 @@
                           <a:ea typeface="+mn-ea"/>
                           <a:cs typeface="+mn-cs"/>
                         </a:rPr>
-                        <a:t>Architecture Roadmap</a:t>
-                      </a:r>
+                        <a:t>Architecture Roadmap (v 0.1)</a:t>
+                      </a:r>
+                    </a:p>
+                    <a:p>
+                      <a:pPr marL="171450" marR="0" lvl="0" indent="-171450" algn="l" defTabSz="914400" rtl="0" eaLnBrk="1" fontAlgn="auto" latinLnBrk="0" hangingPunct="1">
+                        <a:lnSpc>
+                          <a:spcPct val="100000"/>
+                        </a:lnSpc>
+                        <a:spcBef>
+                          <a:spcPts val="0"/>
+                        </a:spcBef>
+                        <a:spcAft>
+                          <a:spcPts val="0"/>
+                        </a:spcAft>
+                        <a:buClrTx/>
+                        <a:buSzTx/>
+                        <a:buFont typeface="Arial" panose="020B0604020202020204" pitchFamily="34" charset="0"/>
+                        <a:buChar char="•"/>
+                        <a:tabLst/>
+                        <a:defRPr/>
+                      </a:pPr>
+                      <a:r>
+                        <a:rPr lang="en-US" sz="1000" b="0" kern="1200" dirty="0">
+                          <a:solidFill>
+                            <a:srgbClr val="C00000"/>
+                          </a:solidFill>
+                          <a:latin typeface="+mn-lt"/>
+                          <a:ea typeface="+mn-ea"/>
+                          <a:cs typeface="+mn-cs"/>
+                        </a:rPr>
+                        <a:t>Request for Architecture work</a:t>
+                      </a:r>
+                      <a:endParaRPr lang="en-US" sz="1000" b="0" kern="1200" dirty="0">
+                        <a:solidFill>
+                          <a:schemeClr val="accent4">
+                            <a:lumMod val="75000"/>
+                          </a:schemeClr>
+                        </a:solidFill>
+                        <a:latin typeface="+mn-lt"/>
+                        <a:ea typeface="+mn-ea"/>
+                        <a:cs typeface="+mn-cs"/>
+                      </a:endParaRPr>
                     </a:p>
                     <a:p>
                       <a:pPr marL="171450" marR="0" lvl="0" indent="-171450" algn="l" defTabSz="914400" rtl="0" eaLnBrk="1" fontAlgn="auto" latinLnBrk="0" hangingPunct="1">
@@ -9456,7 +9417,7 @@
                           <a:ea typeface="+mn-ea"/>
                           <a:cs typeface="+mn-cs"/>
                         </a:rPr>
-                        <a:t>Implementation and migration plan</a:t>
+                        <a:t>Implementation and migration plan (v 0.1)</a:t>
                       </a:r>
                     </a:p>
                   </a:txBody>
@@ -9485,7 +9446,7 @@
                         <a:defRPr/>
                       </a:pPr>
                       <a:r>
-                        <a:rPr lang="en-US" sz="1000" b="0" kern="1200" dirty="0">
+                        <a:rPr lang="en-US" sz="1000" b="1" kern="1200" dirty="0">
                           <a:solidFill>
                             <a:schemeClr val="tx1"/>
                           </a:solidFill>
@@ -9496,7 +9457,21 @@
                           <a:ea typeface="+mn-ea"/>
                           <a:cs typeface="+mn-cs"/>
                         </a:rPr>
-                        <a:t>Implementation and migration plan</a:t>
+                        <a:t>Final</a:t>
+                      </a:r>
+                      <a:r>
+                        <a:rPr lang="en-US" sz="1000" b="0" kern="1200" dirty="0">
+                          <a:solidFill>
+                            <a:schemeClr val="tx1"/>
+                          </a:solidFill>
+                          <a:highlight>
+                            <a:srgbClr val="FFFF00"/>
+                          </a:highlight>
+                          <a:latin typeface="+mn-lt"/>
+                          <a:ea typeface="+mn-ea"/>
+                          <a:cs typeface="+mn-cs"/>
+                        </a:rPr>
+                        <a:t> version of Implementation and migration plan (v 1.0)</a:t>
                       </a:r>
                       <a:endParaRPr lang="en-US" sz="1000" b="0" dirty="0">
                         <a:solidFill>
@@ -9635,7 +9610,7 @@
                           <a:ea typeface="+mn-ea"/>
                           <a:cs typeface="+mn-cs"/>
                         </a:rPr>
-                        <a:t> Architecture Roadmap</a:t>
+                        <a:t> Architecture Roadmap (v 1.0)</a:t>
                       </a:r>
                     </a:p>
                     <a:p>
@@ -9789,16 +9764,118 @@
                       <a:r>
                         <a:rPr lang="en-US" sz="1000" b="0" kern="1200" dirty="0">
                           <a:solidFill>
-                            <a:schemeClr val="accent2">
-                              <a:lumMod val="75000"/>
-                            </a:schemeClr>
-                          </a:solidFill>
-                          <a:latin typeface="+mn-lt"/>
-                          <a:ea typeface="+mn-ea"/>
-                          <a:cs typeface="+mn-cs"/>
-                        </a:rPr>
-                        <a:t>Refined Architecture Vision</a:t>
-                      </a:r>
+                            <a:schemeClr val="tx1"/>
+                          </a:solidFill>
+                          <a:highlight>
+                            <a:srgbClr val="FFFF00"/>
+                          </a:highlight>
+                          <a:latin typeface="+mn-lt"/>
+                          <a:ea typeface="+mn-ea"/>
+                          <a:cs typeface="+mn-cs"/>
+                        </a:rPr>
+                        <a:t>Signed Architecture Contract</a:t>
+                      </a:r>
+                    </a:p>
+                    <a:p>
+                      <a:pPr marL="171450" marR="0" lvl="0" indent="-171450" algn="l" defTabSz="914400" rtl="0" eaLnBrk="1" fontAlgn="auto" latinLnBrk="0" hangingPunct="1">
+                        <a:lnSpc>
+                          <a:spcPct val="100000"/>
+                        </a:lnSpc>
+                        <a:spcBef>
+                          <a:spcPts val="0"/>
+                        </a:spcBef>
+                        <a:spcAft>
+                          <a:spcPts val="0"/>
+                        </a:spcAft>
+                        <a:buClrTx/>
+                        <a:buSzTx/>
+                        <a:buFont typeface="Arial" panose="020B0604020202020204" pitchFamily="34" charset="0"/>
+                        <a:buChar char="•"/>
+                        <a:tabLst/>
+                        <a:defRPr/>
+                      </a:pPr>
+                      <a:r>
+                        <a:rPr lang="en-US" sz="1000" b="0" kern="1200" dirty="0">
+                          <a:solidFill>
+                            <a:schemeClr val="tx1"/>
+                          </a:solidFill>
+                          <a:highlight>
+                            <a:srgbClr val="FFFF00"/>
+                          </a:highlight>
+                          <a:latin typeface="+mn-lt"/>
+                          <a:ea typeface="+mn-ea"/>
+                          <a:cs typeface="+mn-cs"/>
+                        </a:rPr>
+                        <a:t>Change Request</a:t>
+                      </a:r>
+                    </a:p>
+                    <a:p>
+                      <a:pPr marL="171450" marR="0" lvl="0" indent="-171450" algn="l" defTabSz="914400" rtl="0" eaLnBrk="1" fontAlgn="auto" latinLnBrk="0" hangingPunct="1">
+                        <a:lnSpc>
+                          <a:spcPct val="100000"/>
+                        </a:lnSpc>
+                        <a:spcBef>
+                          <a:spcPts val="0"/>
+                        </a:spcBef>
+                        <a:spcAft>
+                          <a:spcPts val="0"/>
+                        </a:spcAft>
+                        <a:buClrTx/>
+                        <a:buSzTx/>
+                        <a:buFont typeface="Arial" panose="020B0604020202020204" pitchFamily="34" charset="0"/>
+                        <a:buChar char="•"/>
+                        <a:tabLst/>
+                        <a:defRPr/>
+                      </a:pPr>
+                      <a:r>
+                        <a:rPr lang="en-US" sz="1000" dirty="0">
+                          <a:highlight>
+                            <a:srgbClr val="FFFF00"/>
+                          </a:highlight>
+                        </a:rPr>
+                        <a:t>Architecture-compliant solutions deployed </a:t>
+                      </a:r>
+                    </a:p>
+                    <a:p>
+                      <a:pPr marL="171450" marR="0" lvl="0" indent="-171450" algn="l" defTabSz="914400" rtl="0" eaLnBrk="1" fontAlgn="auto" latinLnBrk="0" hangingPunct="1">
+                        <a:lnSpc>
+                          <a:spcPct val="100000"/>
+                        </a:lnSpc>
+                        <a:spcBef>
+                          <a:spcPts val="0"/>
+                        </a:spcBef>
+                        <a:spcAft>
+                          <a:spcPts val="0"/>
+                        </a:spcAft>
+                        <a:buClrTx/>
+                        <a:buSzTx/>
+                        <a:buFont typeface="Arial" panose="020B0604020202020204" pitchFamily="34" charset="0"/>
+                        <a:buChar char="•"/>
+                        <a:tabLst/>
+                        <a:defRPr/>
+                      </a:pPr>
+                      <a:r>
+                        <a:rPr lang="en-US" sz="1000" b="0" kern="1200" dirty="0">
+                          <a:solidFill>
+                            <a:srgbClr val="7030A0"/>
+                          </a:solidFill>
+                          <a:latin typeface="+mn-lt"/>
+                          <a:ea typeface="+mn-ea"/>
+                          <a:cs typeface="+mn-cs"/>
+                        </a:rPr>
+                        <a:t>Compliance assessments</a:t>
+                      </a:r>
+                      <a:endParaRPr lang="en-US" sz="1000" b="0" kern="1200" dirty="0">
+                        <a:solidFill>
+                          <a:schemeClr val="tx1"/>
+                        </a:solidFill>
+                        <a:highlight>
+                          <a:srgbClr val="FFFF00"/>
+                        </a:highlight>
+                        <a:latin typeface="+mn-lt"/>
+                        <a:ea typeface="+mn-ea"/>
+                        <a:cs typeface="+mn-cs"/>
+                      </a:endParaRPr>
                     </a:p>
                     <a:p>
                       <a:pPr marL="171450" marR="0" lvl="0" indent="-171450" algn="l" defTabSz="914400" rtl="0" eaLnBrk="1" fontAlgn="auto" latinLnBrk="0" hangingPunct="1">
@@ -9829,132 +9906,7 @@
                           <a:ea typeface="+mn-ea"/>
                           <a:cs typeface="+mn-cs"/>
                         </a:rPr>
-                        <a:t>Draft Architecture Definition Document</a:t>
-                      </a:r>
-                    </a:p>
-                    <a:p>
-                      <a:pPr marL="171450" marR="0" lvl="0" indent="-171450" algn="l" defTabSz="914400" rtl="0" eaLnBrk="1" fontAlgn="auto" latinLnBrk="0" hangingPunct="1">
-                        <a:lnSpc>
-                          <a:spcPct val="100000"/>
-                        </a:lnSpc>
-                        <a:spcBef>
-                          <a:spcPts val="0"/>
-                        </a:spcBef>
-                        <a:spcAft>
-                          <a:spcPts val="0"/>
-                        </a:spcAft>
-                        <a:buClrTx/>
-                        <a:buSzTx/>
-                        <a:buFont typeface="Arial" panose="020B0604020202020204" pitchFamily="34" charset="0"/>
-                        <a:buChar char="•"/>
-                        <a:tabLst/>
-                        <a:defRPr/>
-                      </a:pPr>
-                      <a:r>
-                        <a:rPr lang="en-US" sz="1000" b="0" kern="1200" dirty="0">
-                          <a:solidFill>
-                            <a:srgbClr val="00B0F0"/>
-                          </a:solidFill>
-                          <a:latin typeface="+mn-lt"/>
-                          <a:ea typeface="+mn-ea"/>
-                          <a:cs typeface="+mn-cs"/>
-                        </a:rPr>
-                        <a:t>Draft Architecture Requirements Specification</a:t>
-                      </a:r>
-                    </a:p>
-                    <a:p>
-                      <a:pPr marL="171450" marR="0" lvl="0" indent="-171450" algn="l" defTabSz="914400" rtl="0" eaLnBrk="1" fontAlgn="auto" latinLnBrk="0" hangingPunct="1">
-                        <a:lnSpc>
-                          <a:spcPct val="100000"/>
-                        </a:lnSpc>
-                        <a:spcBef>
-                          <a:spcPts val="0"/>
-                        </a:spcBef>
-                        <a:spcAft>
-                          <a:spcPts val="0"/>
-                        </a:spcAft>
-                        <a:buClrTx/>
-                        <a:buSzTx/>
-                        <a:buFont typeface="Arial" panose="020B0604020202020204" pitchFamily="34" charset="0"/>
-                        <a:buChar char="•"/>
-                        <a:tabLst/>
-                        <a:defRPr/>
-                      </a:pPr>
-                      <a:r>
-                        <a:rPr lang="en-US" sz="1000" b="0" kern="1200" dirty="0">
-                          <a:solidFill>
-                            <a:srgbClr val="7030A0"/>
-                          </a:solidFill>
-                          <a:latin typeface="+mn-lt"/>
-                          <a:ea typeface="+mn-ea"/>
-                          <a:cs typeface="+mn-cs"/>
-                        </a:rPr>
-                        <a:t>Capability assessment</a:t>
-                      </a:r>
-                    </a:p>
-                    <a:p>
-                      <a:pPr marL="171450" marR="0" lvl="0" indent="-171450" algn="l" defTabSz="914400" rtl="0" eaLnBrk="1" fontAlgn="auto" latinLnBrk="0" hangingPunct="1">
-                        <a:lnSpc>
-                          <a:spcPct val="100000"/>
-                        </a:lnSpc>
-                        <a:spcBef>
-                          <a:spcPts val="0"/>
-                        </a:spcBef>
-                        <a:spcAft>
-                          <a:spcPts val="0"/>
-                        </a:spcAft>
-                        <a:buClrTx/>
-                        <a:buSzTx/>
-                        <a:buFont typeface="Arial" panose="020B0604020202020204" pitchFamily="34" charset="0"/>
-                        <a:buChar char="•"/>
-                        <a:tabLst/>
-                        <a:defRPr/>
-                      </a:pPr>
-                      <a:r>
-                        <a:rPr lang="en-US" sz="1000" b="0" kern="1200" dirty="0">
-                          <a:solidFill>
-                            <a:schemeClr val="accent4">
-                              <a:lumMod val="75000"/>
-                            </a:schemeClr>
-                          </a:solidFill>
-                          <a:latin typeface="+mn-lt"/>
-                          <a:ea typeface="+mn-ea"/>
-                          <a:cs typeface="+mn-cs"/>
-                        </a:rPr>
-                        <a:t>Architecture Roadmap</a:t>
-                      </a:r>
-                    </a:p>
-                    <a:p>
-                      <a:pPr marL="171450" marR="0" lvl="0" indent="-171450" algn="l" defTabSz="914400" rtl="0" eaLnBrk="1" fontAlgn="auto" latinLnBrk="0" hangingPunct="1">
-                        <a:lnSpc>
-                          <a:spcPct val="100000"/>
-                        </a:lnSpc>
-                        <a:spcBef>
-                          <a:spcPts val="0"/>
-                        </a:spcBef>
-                        <a:spcAft>
-                          <a:spcPts val="0"/>
-                        </a:spcAft>
-                        <a:buClrTx/>
-                        <a:buSzTx/>
-                        <a:buFont typeface="Arial" panose="020B0604020202020204" pitchFamily="34" charset="0"/>
-                        <a:buChar char="•"/>
-                        <a:tabLst/>
-                        <a:defRPr/>
-                      </a:pPr>
-                      <a:r>
-                        <a:rPr lang="en-US" sz="1000" b="0" kern="1200" dirty="0">
-                          <a:solidFill>
-                            <a:schemeClr val="tx1"/>
-                          </a:solidFill>
-                          <a:highlight>
-                            <a:srgbClr val="FFFF00"/>
-                          </a:highlight>
-                          <a:latin typeface="+mn-lt"/>
-                          <a:ea typeface="+mn-ea"/>
-                          <a:cs typeface="+mn-cs"/>
-                        </a:rPr>
-                        <a:t>Implementation and migration plan</a:t>
+                        <a:t>Post implementation Architecture Definition Document</a:t>
                       </a:r>
                     </a:p>
                   </a:txBody>
@@ -10086,8 +10038,27 @@
                           <a:ea typeface="+mn-ea"/>
                           <a:cs typeface="+mn-cs"/>
                         </a:rPr>
-                        <a:t>Statement of Architecture Work</a:t>
-                      </a:r>
+                        <a:t>Statement of Architecture Work (</a:t>
+                      </a:r>
+                      <a:r>
+                        <a:rPr lang="en-US" sz="1000" b="0" kern="1200">
+                          <a:solidFill>
+                            <a:srgbClr val="002060"/>
+                          </a:solidFill>
+                          <a:latin typeface="+mn-lt"/>
+                          <a:ea typeface="+mn-ea"/>
+                          <a:cs typeface="+mn-cs"/>
+                        </a:rPr>
+                        <a:t>if required)</a:t>
+                      </a:r>
+                      <a:endParaRPr lang="en-US" sz="1000" b="0" kern="1200" dirty="0">
+                        <a:solidFill>
+                          <a:srgbClr val="002060"/>
+                        </a:solidFill>
+                        <a:latin typeface="+mn-lt"/>
+                        <a:ea typeface="+mn-ea"/>
+                        <a:cs typeface="+mn-cs"/>
+                      </a:endParaRPr>
                     </a:p>
                     <a:p>
                       <a:pPr marL="171450" marR="0" lvl="0" indent="-171450" algn="l" defTabSz="914400" rtl="0" eaLnBrk="1" fontAlgn="auto" latinLnBrk="0" hangingPunct="1">
@@ -10119,7 +10090,7 @@
                           <a:ea typeface="+mn-ea"/>
                           <a:cs typeface="+mn-cs"/>
                         </a:rPr>
-                        <a:t>Architecture Contract</a:t>
+                        <a:t>Architecture Contract (if required)</a:t>
                       </a:r>
                     </a:p>
                     <a:p>
@@ -10149,7 +10120,7 @@
                           <a:ea typeface="+mn-ea"/>
                           <a:cs typeface="+mn-cs"/>
                         </a:rPr>
-                        <a:t>Compliance Assessments</a:t>
+                        <a:t>Compliance Assessments (if required)</a:t>
                       </a:r>
                     </a:p>
                   </a:txBody>

--- a/references/pdfs/adm-inputs-and-outputs.pptx
+++ b/references/pdfs/adm-inputs-and-outputs.pptx
@@ -3352,7 +3352,7 @@
           <p:nvPr>
             <p:extLst>
               <p:ext uri="{D42A27DB-BD31-4B8C-83A1-F6EECF244321}">
-                <p14:modId xmlns:p14="http://schemas.microsoft.com/office/powerpoint/2010/main" val="2792618582"/>
+                <p14:modId xmlns:p14="http://schemas.microsoft.com/office/powerpoint/2010/main" val="458443810"/>
               </p:ext>
             </p:extLst>
           </p:nvPr>
@@ -6667,7 +6667,7 @@
                             <a:schemeClr val="tx1"/>
                           </a:solidFill>
                         </a:rPr>
-                        <a:t>Architecture Reference Material</a:t>
+                        <a:t>External Reference Material</a:t>
                       </a:r>
                       <a:endParaRPr lang="en-US" sz="1000" b="1" dirty="0">
                         <a:solidFill>
@@ -10038,27 +10038,8 @@
                           <a:ea typeface="+mn-ea"/>
                           <a:cs typeface="+mn-cs"/>
                         </a:rPr>
-                        <a:t>Statement of Architecture Work (</a:t>
-                      </a:r>
-                      <a:r>
-                        <a:rPr lang="en-US" sz="1000" b="0" kern="1200">
-                          <a:solidFill>
-                            <a:srgbClr val="002060"/>
-                          </a:solidFill>
-                          <a:latin typeface="+mn-lt"/>
-                          <a:ea typeface="+mn-ea"/>
-                          <a:cs typeface="+mn-cs"/>
-                        </a:rPr>
-                        <a:t>if required)</a:t>
-                      </a:r>
-                      <a:endParaRPr lang="en-US" sz="1000" b="0" kern="1200" dirty="0">
-                        <a:solidFill>
-                          <a:srgbClr val="002060"/>
-                        </a:solidFill>
-                        <a:latin typeface="+mn-lt"/>
-                        <a:ea typeface="+mn-ea"/>
-                        <a:cs typeface="+mn-cs"/>
-                      </a:endParaRPr>
+                        <a:t>Statement of Architecture Work (if required)</a:t>
+                      </a:r>
                     </a:p>
                     <a:p>
                       <a:pPr marL="171450" marR="0" lvl="0" indent="-171450" algn="l" defTabSz="914400" rtl="0" eaLnBrk="1" fontAlgn="auto" latinLnBrk="0" hangingPunct="1">
